--- a/ECS_Digital_Template.pptx
+++ b/ECS_Digital_Template.pptx
@@ -5,10 +5,10 @@
     <p:sldMasterId id="2147483648" r:id="rId4"/>
   </p:sldMasterIdLst>
   <p:notesMasterIdLst>
-    <p:notesMasterId r:id="rId16"/>
+    <p:notesMasterId r:id="rId14"/>
   </p:notesMasterIdLst>
   <p:handoutMasterIdLst>
-    <p:handoutMasterId r:id="rId17"/>
+    <p:handoutMasterId r:id="rId15"/>
   </p:handoutMasterIdLst>
   <p:sldIdLst>
     <p:sldId id="257" r:id="rId5"/>
@@ -19,9 +19,7 @@
     <p:sldId id="295" r:id="rId10"/>
     <p:sldId id="296" r:id="rId11"/>
     <p:sldId id="293" r:id="rId12"/>
-    <p:sldId id="262" r:id="rId13"/>
-    <p:sldId id="290" r:id="rId14"/>
-    <p:sldId id="267" r:id="rId15"/>
+    <p:sldId id="267" r:id="rId13"/>
   </p:sldIdLst>
   <p:sldSz cx="9144000" cy="6858000" type="screen4x3"/>
   <p:notesSz cx="6858000" cy="9144000"/>
@@ -229,7 +227,7 @@
           <a:p>
             <a:fld id="{99005F40-3085-A94C-86F1-8086CB7D3208}" type="datetimeFigureOut">
               <a:rPr lang="en-US" smtClean="0"/>
-              <a:t>9/19/18</a:t>
+              <a:t>9/24/18</a:t>
             </a:fld>
             <a:endParaRPr lang="en-US"/>
           </a:p>
@@ -394,7 +392,7 @@
           <a:p>
             <a:fld id="{8F794CCD-B965-4F1A-9017-84B1EA84E2E2}" type="datetimeFigureOut">
               <a:rPr lang="en-GB" smtClean="0"/>
-              <a:t>19/09/2018</a:t>
+              <a:t>24/09/2018</a:t>
             </a:fld>
             <a:endParaRPr lang="en-GB" dirty="0"/>
           </a:p>
@@ -660,174 +658,6 @@
     </a:lvl9pPr>
   </p:notesStyle>
 </p:notesMaster>
-</file>
-
-<file path=ppt/notesSlides/notesSlide1.xml><?xml version="1.0" encoding="utf-8"?>
-<p:notes xmlns:a="http://schemas.openxmlformats.org/drawingml/2006/main" xmlns:r="http://schemas.openxmlformats.org/officeDocument/2006/relationships" xmlns:p="http://schemas.openxmlformats.org/presentationml/2006/main">
-  <p:cSld>
-    <p:spTree>
-      <p:nvGrpSpPr>
-        <p:cNvPr id="1" name=""/>
-        <p:cNvGrpSpPr/>
-        <p:nvPr/>
-      </p:nvGrpSpPr>
-      <p:grpSpPr>
-        <a:xfrm>
-          <a:off x="0" y="0"/>
-          <a:ext cx="0" cy="0"/>
-          <a:chOff x="0" y="0"/>
-          <a:chExt cx="0" cy="0"/>
-        </a:xfrm>
-      </p:grpSpPr>
-      <p:sp>
-        <p:nvSpPr>
-          <p:cNvPr id="2" name="Slide Image Placeholder 1"/>
-          <p:cNvSpPr>
-            <a:spLocks noGrp="1" noRot="1" noChangeAspect="1"/>
-          </p:cNvSpPr>
-          <p:nvPr>
-            <p:ph type="sldImg"/>
-          </p:nvPr>
-        </p:nvSpPr>
-        <p:spPr/>
-      </p:sp>
-      <p:sp>
-        <p:nvSpPr>
-          <p:cNvPr id="3" name="Notes Placeholder 2"/>
-          <p:cNvSpPr>
-            <a:spLocks noGrp="1"/>
-          </p:cNvSpPr>
-          <p:nvPr>
-            <p:ph type="body" idx="1"/>
-          </p:nvPr>
-        </p:nvSpPr>
-        <p:spPr/>
-        <p:txBody>
-          <a:bodyPr/>
-          <a:lstStyle/>
-          <a:p>
-            <a:endParaRPr lang="en-GB" dirty="0"/>
-          </a:p>
-        </p:txBody>
-      </p:sp>
-      <p:sp>
-        <p:nvSpPr>
-          <p:cNvPr id="4" name="Slide Number Placeholder 3"/>
-          <p:cNvSpPr>
-            <a:spLocks noGrp="1"/>
-          </p:cNvSpPr>
-          <p:nvPr>
-            <p:ph type="sldNum" sz="quarter" idx="10"/>
-          </p:nvPr>
-        </p:nvSpPr>
-        <p:spPr/>
-        <p:txBody>
-          <a:bodyPr/>
-          <a:lstStyle/>
-          <a:p>
-            <a:fld id="{CDD457C7-BA3B-7245-8621-924F5D888310}" type="slidenum">
-              <a:rPr lang="en-US" smtClean="0"/>
-              <a:t>9</a:t>
-            </a:fld>
-            <a:endParaRPr lang="en-US"/>
-          </a:p>
-        </p:txBody>
-      </p:sp>
-    </p:spTree>
-    <p:extLst>
-      <p:ext uri="{BB962C8B-B14F-4D97-AF65-F5344CB8AC3E}">
-        <p14:creationId xmlns:p14="http://schemas.microsoft.com/office/powerpoint/2010/main" val="3639241126"/>
-      </p:ext>
-    </p:extLst>
-  </p:cSld>
-  <p:clrMapOvr>
-    <a:masterClrMapping/>
-  </p:clrMapOvr>
-</p:notes>
-</file>
-
-<file path=ppt/notesSlides/notesSlide2.xml><?xml version="1.0" encoding="utf-8"?>
-<p:notes xmlns:a="http://schemas.openxmlformats.org/drawingml/2006/main" xmlns:r="http://schemas.openxmlformats.org/officeDocument/2006/relationships" xmlns:p="http://schemas.openxmlformats.org/presentationml/2006/main">
-  <p:cSld>
-    <p:spTree>
-      <p:nvGrpSpPr>
-        <p:cNvPr id="1" name=""/>
-        <p:cNvGrpSpPr/>
-        <p:nvPr/>
-      </p:nvGrpSpPr>
-      <p:grpSpPr>
-        <a:xfrm>
-          <a:off x="0" y="0"/>
-          <a:ext cx="0" cy="0"/>
-          <a:chOff x="0" y="0"/>
-          <a:chExt cx="0" cy="0"/>
-        </a:xfrm>
-      </p:grpSpPr>
-      <p:sp>
-        <p:nvSpPr>
-          <p:cNvPr id="2" name="Slide Image Placeholder 1"/>
-          <p:cNvSpPr>
-            <a:spLocks noGrp="1" noRot="1" noChangeAspect="1"/>
-          </p:cNvSpPr>
-          <p:nvPr>
-            <p:ph type="sldImg"/>
-          </p:nvPr>
-        </p:nvSpPr>
-        <p:spPr/>
-      </p:sp>
-      <p:sp>
-        <p:nvSpPr>
-          <p:cNvPr id="3" name="Notes Placeholder 2"/>
-          <p:cNvSpPr>
-            <a:spLocks noGrp="1"/>
-          </p:cNvSpPr>
-          <p:nvPr>
-            <p:ph type="body" idx="1"/>
-          </p:nvPr>
-        </p:nvSpPr>
-        <p:spPr/>
-        <p:txBody>
-          <a:bodyPr/>
-          <a:lstStyle/>
-          <a:p>
-            <a:endParaRPr lang="en-US" baseline="0" dirty="0"/>
-          </a:p>
-        </p:txBody>
-      </p:sp>
-      <p:sp>
-        <p:nvSpPr>
-          <p:cNvPr id="4" name="Slide Number Placeholder 3"/>
-          <p:cNvSpPr>
-            <a:spLocks noGrp="1"/>
-          </p:cNvSpPr>
-          <p:nvPr>
-            <p:ph type="sldNum" sz="quarter" idx="10"/>
-          </p:nvPr>
-        </p:nvSpPr>
-        <p:spPr/>
-        <p:txBody>
-          <a:bodyPr/>
-          <a:lstStyle/>
-          <a:p>
-            <a:fld id="{7A507E9C-E9CF-45CC-A225-331D2025989C}" type="slidenum">
-              <a:rPr lang="en-GB" smtClean="0"/>
-              <a:t>10</a:t>
-            </a:fld>
-            <a:endParaRPr lang="en-GB" dirty="0"/>
-          </a:p>
-        </p:txBody>
-      </p:sp>
-    </p:spTree>
-    <p:extLst>
-      <p:ext uri="{BB962C8B-B14F-4D97-AF65-F5344CB8AC3E}">
-        <p14:creationId xmlns:p14="http://schemas.microsoft.com/office/powerpoint/2010/main" val="365956143"/>
-      </p:ext>
-    </p:extLst>
-  </p:cSld>
-  <p:clrMapOvr>
-    <a:masterClrMapping/>
-  </p:clrMapOvr>
-</p:notes>
 </file>
 
 <file path=ppt/slideLayouts/slideLayout1.xml><?xml version="1.0" encoding="utf-8"?>
@@ -1592,123 +1422,6 @@
 </p:sldLayout>
 </file>
 
-<file path=ppt/slideLayouts/slideLayout11.xml><?xml version="1.0" encoding="utf-8"?>
-<p:sldLayout xmlns:a="http://schemas.openxmlformats.org/drawingml/2006/main" xmlns:r="http://schemas.openxmlformats.org/officeDocument/2006/relationships" xmlns:p="http://schemas.openxmlformats.org/presentationml/2006/main" type="titleOnly">
-  <p:cSld name="1_Title Only">
-    <p:spTree>
-      <p:nvGrpSpPr>
-        <p:cNvPr id="1" name=""/>
-        <p:cNvGrpSpPr/>
-        <p:nvPr/>
-      </p:nvGrpSpPr>
-      <p:grpSpPr>
-        <a:xfrm>
-          <a:off x="0" y="0"/>
-          <a:ext cx="0" cy="0"/>
-          <a:chOff x="0" y="0"/>
-          <a:chExt cx="0" cy="0"/>
-        </a:xfrm>
-      </p:grpSpPr>
-      <p:sp>
-        <p:nvSpPr>
-          <p:cNvPr id="2" name="Title 1"/>
-          <p:cNvSpPr>
-            <a:spLocks noGrp="1"/>
-          </p:cNvSpPr>
-          <p:nvPr>
-            <p:ph type="title"/>
-          </p:nvPr>
-        </p:nvSpPr>
-        <p:spPr/>
-        <p:txBody>
-          <a:bodyPr/>
-          <a:lstStyle/>
-          <a:p>
-            <a:r>
-              <a:rPr lang="en-US"/>
-              <a:t>Click to edit Master title style</a:t>
-            </a:r>
-          </a:p>
-        </p:txBody>
-      </p:sp>
-      <p:sp>
-        <p:nvSpPr>
-          <p:cNvPr id="3" name="Date Placeholder 2"/>
-          <p:cNvSpPr>
-            <a:spLocks noGrp="1"/>
-          </p:cNvSpPr>
-          <p:nvPr>
-            <p:ph type="dt" sz="half" idx="10"/>
-          </p:nvPr>
-        </p:nvSpPr>
-        <p:spPr/>
-        <p:txBody>
-          <a:bodyPr/>
-          <a:lstStyle/>
-          <a:p>
-            <a:fld id="{3BF0C868-F190-204C-8D03-2302DBC5E9C5}" type="datetimeFigureOut">
-              <a:rPr lang="en-US" smtClean="0"/>
-              <a:t>9/19/18</a:t>
-            </a:fld>
-            <a:endParaRPr lang="en-US"/>
-          </a:p>
-        </p:txBody>
-      </p:sp>
-      <p:sp>
-        <p:nvSpPr>
-          <p:cNvPr id="4" name="Footer Placeholder 3"/>
-          <p:cNvSpPr>
-            <a:spLocks noGrp="1"/>
-          </p:cNvSpPr>
-          <p:nvPr>
-            <p:ph type="ftr" sz="quarter" idx="11"/>
-          </p:nvPr>
-        </p:nvSpPr>
-        <p:spPr/>
-        <p:txBody>
-          <a:bodyPr/>
-          <a:lstStyle/>
-          <a:p>
-            <a:endParaRPr lang="en-US"/>
-          </a:p>
-        </p:txBody>
-      </p:sp>
-      <p:sp>
-        <p:nvSpPr>
-          <p:cNvPr id="5" name="Slide Number Placeholder 4"/>
-          <p:cNvSpPr>
-            <a:spLocks noGrp="1"/>
-          </p:cNvSpPr>
-          <p:nvPr>
-            <p:ph type="sldNum" sz="quarter" idx="12"/>
-          </p:nvPr>
-        </p:nvSpPr>
-        <p:spPr/>
-        <p:txBody>
-          <a:bodyPr/>
-          <a:lstStyle/>
-          <a:p>
-            <a:fld id="{ADD5F54B-1CCB-2746-B305-759E5581A41B}" type="slidenum">
-              <a:rPr lang="en-US" smtClean="0"/>
-              <a:t>‹#›</a:t>
-            </a:fld>
-            <a:endParaRPr lang="en-US"/>
-          </a:p>
-        </p:txBody>
-      </p:sp>
-    </p:spTree>
-    <p:extLst>
-      <p:ext uri="{BB962C8B-B14F-4D97-AF65-F5344CB8AC3E}">
-        <p14:creationId xmlns:p14="http://schemas.microsoft.com/office/powerpoint/2010/main" val="1498921094"/>
-      </p:ext>
-    </p:extLst>
-  </p:cSld>
-  <p:clrMapOvr>
-    <a:masterClrMapping/>
-  </p:clrMapOvr>
-</p:sldLayout>
-</file>
-
 <file path=ppt/slideLayouts/slideLayout2.xml><?xml version="1.0" encoding="utf-8"?>
 <p:sldLayout xmlns:a="http://schemas.openxmlformats.org/drawingml/2006/main" xmlns:r="http://schemas.openxmlformats.org/officeDocument/2006/relationships" xmlns:p="http://schemas.openxmlformats.org/presentationml/2006/main" preserve="1" userDrawn="1">
   <p:cSld name="Title and Content">
@@ -3218,7 +2931,7 @@
           <p:nvPr userDrawn="1"/>
         </p:nvPicPr>
         <p:blipFill>
-          <a:blip r:embed="rId13" cstate="print"/>
+          <a:blip r:embed="rId12" cstate="print"/>
           <a:srcRect b="81500"/>
           <a:stretch>
             <a:fillRect/>
@@ -3497,7 +3210,7 @@
           <p:nvPr userDrawn="1"/>
         </p:nvPicPr>
         <p:blipFill>
-          <a:blip r:embed="rId14">
+          <a:blip r:embed="rId13">
             <a:extLst>
               <a:ext uri="{28A0092B-C50C-407E-A947-70E740481C1C}">
                 <a14:useLocalDpi xmlns:a14="http://schemas.microsoft.com/office/drawing/2010/main" val="0"/>
@@ -3537,7 +3250,6 @@
     <p:sldLayoutId id="2147483656" r:id="rId8"/>
     <p:sldLayoutId id="2147483657" r:id="rId9"/>
     <p:sldLayoutId id="2147483658" r:id="rId10"/>
-    <p:sldLayoutId id="2147483659" r:id="rId11"/>
   </p:sldLayoutIdLst>
   <p:hf sldNum="0" hdr="0" dt="0"/>
   <p:txStyles>
@@ -3908,425 +3620,6 @@
 </p:sld>
 </file>
 
-<file path=ppt/slides/slide10.xml><?xml version="1.0" encoding="utf-8"?>
-<p:sld xmlns:a="http://schemas.openxmlformats.org/drawingml/2006/main" xmlns:r="http://schemas.openxmlformats.org/officeDocument/2006/relationships" xmlns:p="http://schemas.openxmlformats.org/presentationml/2006/main">
-  <p:cSld>
-    <p:spTree>
-      <p:nvGrpSpPr>
-        <p:cNvPr id="1" name=""/>
-        <p:cNvGrpSpPr/>
-        <p:nvPr/>
-      </p:nvGrpSpPr>
-      <p:grpSpPr>
-        <a:xfrm>
-          <a:off x="0" y="0"/>
-          <a:ext cx="0" cy="0"/>
-          <a:chOff x="0" y="0"/>
-          <a:chExt cx="0" cy="0"/>
-        </a:xfrm>
-      </p:grpSpPr>
-      <p:sp>
-        <p:nvSpPr>
-          <p:cNvPr id="4" name="TextBox 3"/>
-          <p:cNvSpPr txBox="1"/>
-          <p:nvPr/>
-        </p:nvSpPr>
-        <p:spPr>
-          <a:xfrm>
-            <a:off x="611560" y="692696"/>
-            <a:ext cx="7920880" cy="523220"/>
-          </a:xfrm>
-          <a:prstGeom prst="rect">
-            <a:avLst/>
-          </a:prstGeom>
-          <a:noFill/>
-        </p:spPr>
-        <p:txBody>
-          <a:bodyPr wrap="square" rtlCol="0">
-            <a:spAutoFit/>
-          </a:bodyPr>
-          <a:lstStyle/>
-          <a:p>
-            <a:r>
-              <a:rPr lang="en-GB" sz="2800" dirty="0">
-                <a:solidFill>
-                  <a:srgbClr val="0070B7"/>
-                </a:solidFill>
-                <a:latin typeface="Arial" panose="020B0604020202020204" pitchFamily="34" charset="0"/>
-                <a:cs typeface="Arial" panose="020B0604020202020204" pitchFamily="34" charset="0"/>
-              </a:rPr>
-              <a:t>Tables</a:t>
-            </a:r>
-          </a:p>
-        </p:txBody>
-      </p:sp>
-      <p:sp>
-        <p:nvSpPr>
-          <p:cNvPr id="5" name="Content Placeholder 4"/>
-          <p:cNvSpPr>
-            <a:spLocks noGrp="1"/>
-          </p:cNvSpPr>
-          <p:nvPr>
-            <p:ph idx="1"/>
-          </p:nvPr>
-        </p:nvSpPr>
-        <p:spPr/>
-        <p:txBody>
-          <a:bodyPr/>
-          <a:lstStyle/>
-          <a:p>
-            <a:pPr marL="0" indent="0">
-              <a:buNone/>
-            </a:pPr>
-            <a:r>
-              <a:rPr lang="en-US" b="1" dirty="0"/>
-              <a:t>Some Text</a:t>
-            </a:r>
-          </a:p>
-        </p:txBody>
-      </p:sp>
-      <p:graphicFrame>
-        <p:nvGraphicFramePr>
-          <p:cNvPr id="6" name="Table 5"/>
-          <p:cNvGraphicFramePr>
-            <a:graphicFrameLocks noGrp="1"/>
-          </p:cNvGraphicFramePr>
-          <p:nvPr>
-            <p:extLst>
-              <p:ext uri="{D42A27DB-BD31-4B8C-83A1-F6EECF244321}">
-                <p14:modId xmlns:p14="http://schemas.microsoft.com/office/powerpoint/2010/main" val="2006098077"/>
-              </p:ext>
-            </p:extLst>
-          </p:nvPr>
-        </p:nvGraphicFramePr>
-        <p:xfrm>
-          <a:off x="620210" y="2060848"/>
-          <a:ext cx="7912230" cy="3728192"/>
-        </p:xfrm>
-        <a:graphic>
-          <a:graphicData uri="http://schemas.openxmlformats.org/drawingml/2006/table">
-            <a:tbl>
-              <a:tblPr firstRow="1" bandRow="1">
-                <a:tableStyleId>{5C22544A-7EE6-4342-B048-85BDC9FD1C3A}</a:tableStyleId>
-              </a:tblPr>
-              <a:tblGrid>
-                <a:gridCol w="2511630">
-                  <a:extLst>
-                    <a:ext uri="{9D8B030D-6E8A-4147-A177-3AD203B41FA5}">
-                      <a16:colId xmlns:a16="http://schemas.microsoft.com/office/drawing/2014/main" val="20000"/>
-                    </a:ext>
-                  </a:extLst>
-                </a:gridCol>
-                <a:gridCol w="5400600">
-                  <a:extLst>
-                    <a:ext uri="{9D8B030D-6E8A-4147-A177-3AD203B41FA5}">
-                      <a16:colId xmlns:a16="http://schemas.microsoft.com/office/drawing/2014/main" val="20001"/>
-                    </a:ext>
-                  </a:extLst>
-                </a:gridCol>
-              </a:tblGrid>
-              <a:tr h="434495">
-                <a:tc>
-                  <a:txBody>
-                    <a:bodyPr/>
-                    <a:lstStyle/>
-                    <a:p>
-                      <a:r>
-                        <a:rPr lang="en-US" sz="1600" dirty="0"/>
-                        <a:t>Name</a:t>
-                      </a:r>
-                    </a:p>
-                  </a:txBody>
-                  <a:tcPr/>
-                </a:tc>
-                <a:tc>
-                  <a:txBody>
-                    <a:bodyPr/>
-                    <a:lstStyle/>
-                    <a:p>
-                      <a:r>
-                        <a:rPr lang="en-US" sz="1600" dirty="0"/>
-                        <a:t>Name</a:t>
-                      </a:r>
-                    </a:p>
-                  </a:txBody>
-                  <a:tcPr/>
-                </a:tc>
-                <a:extLst>
-                  <a:ext uri="{0D108BD9-81ED-4DB2-BD59-A6C34878D82A}">
-                    <a16:rowId xmlns:a16="http://schemas.microsoft.com/office/drawing/2014/main" val="10000"/>
-                  </a:ext>
-                </a:extLst>
-              </a:tr>
-              <a:tr h="1097899">
-                <a:tc>
-                  <a:txBody>
-                    <a:bodyPr/>
-                    <a:lstStyle/>
-                    <a:p>
-                      <a:endParaRPr lang="en-US" sz="1600" dirty="0"/>
-                    </a:p>
-                  </a:txBody>
-                  <a:tcPr/>
-                </a:tc>
-                <a:tc>
-                  <a:txBody>
-                    <a:bodyPr/>
-                    <a:lstStyle/>
-                    <a:p>
-                      <a:pPr marL="285750" marR="0" indent="-285750" algn="l" defTabSz="914400" rtl="0" eaLnBrk="1" fontAlgn="auto" latinLnBrk="0" hangingPunct="1">
-                        <a:lnSpc>
-                          <a:spcPct val="100000"/>
-                        </a:lnSpc>
-                        <a:spcBef>
-                          <a:spcPts val="0"/>
-                        </a:spcBef>
-                        <a:spcAft>
-                          <a:spcPts val="0"/>
-                        </a:spcAft>
-                        <a:buClrTx/>
-                        <a:buSzTx/>
-                        <a:buFont typeface="Arial" charset="0"/>
-                        <a:buChar char="•"/>
-                        <a:tabLst/>
-                        <a:defRPr/>
-                      </a:pPr>
-                      <a:endParaRPr lang="en-US" sz="1600" dirty="0"/>
-                    </a:p>
-                  </a:txBody>
-                  <a:tcPr/>
-                </a:tc>
-                <a:extLst>
-                  <a:ext uri="{0D108BD9-81ED-4DB2-BD59-A6C34878D82A}">
-                    <a16:rowId xmlns:a16="http://schemas.microsoft.com/office/drawing/2014/main" val="10001"/>
-                  </a:ext>
-                </a:extLst>
-              </a:tr>
-              <a:tr h="1097899">
-                <a:tc>
-                  <a:txBody>
-                    <a:bodyPr/>
-                    <a:lstStyle/>
-                    <a:p>
-                      <a:endParaRPr lang="en-US" sz="1600" dirty="0"/>
-                    </a:p>
-                  </a:txBody>
-                  <a:tcPr/>
-                </a:tc>
-                <a:tc>
-                  <a:txBody>
-                    <a:bodyPr/>
-                    <a:lstStyle/>
-                    <a:p>
-                      <a:pPr marL="285750" indent="-285750">
-                        <a:buFont typeface="Arial" charset="0"/>
-                        <a:buChar char="•"/>
-                      </a:pPr>
-                      <a:endParaRPr lang="en-US" sz="1600" baseline="0" dirty="0"/>
-                    </a:p>
-                  </a:txBody>
-                  <a:tcPr/>
-                </a:tc>
-                <a:extLst>
-                  <a:ext uri="{0D108BD9-81ED-4DB2-BD59-A6C34878D82A}">
-                    <a16:rowId xmlns:a16="http://schemas.microsoft.com/office/drawing/2014/main" val="10002"/>
-                  </a:ext>
-                </a:extLst>
-              </a:tr>
-              <a:tr h="1097899">
-                <a:tc>
-                  <a:txBody>
-                    <a:bodyPr/>
-                    <a:lstStyle/>
-                    <a:p>
-                      <a:endParaRPr lang="en-US" sz="1600" dirty="0"/>
-                    </a:p>
-                  </a:txBody>
-                  <a:tcPr/>
-                </a:tc>
-                <a:tc>
-                  <a:txBody>
-                    <a:bodyPr/>
-                    <a:lstStyle/>
-                    <a:p>
-                      <a:pPr marL="285750" indent="-285750">
-                        <a:buFont typeface="Arial" charset="0"/>
-                        <a:buChar char="•"/>
-                      </a:pPr>
-                      <a:endParaRPr lang="en-US" sz="1600" baseline="0" dirty="0"/>
-                    </a:p>
-                  </a:txBody>
-                  <a:tcPr/>
-                </a:tc>
-                <a:extLst>
-                  <a:ext uri="{0D108BD9-81ED-4DB2-BD59-A6C34878D82A}">
-                    <a16:rowId xmlns:a16="http://schemas.microsoft.com/office/drawing/2014/main" val="10003"/>
-                  </a:ext>
-                </a:extLst>
-              </a:tr>
-            </a:tbl>
-          </a:graphicData>
-        </a:graphic>
-      </p:graphicFrame>
-      <p:sp>
-        <p:nvSpPr>
-          <p:cNvPr id="7" name="Footer Placeholder 2"/>
-          <p:cNvSpPr>
-            <a:spLocks noGrp="1"/>
-          </p:cNvSpPr>
-          <p:nvPr>
-            <p:ph type="ftr" sz="quarter" idx="3"/>
-          </p:nvPr>
-        </p:nvSpPr>
-        <p:spPr>
-          <a:xfrm>
-            <a:off x="3124200" y="6356351"/>
-            <a:ext cx="2895600" cy="365125"/>
-          </a:xfrm>
-        </p:spPr>
-        <p:txBody>
-          <a:bodyPr/>
-          <a:lstStyle/>
-          <a:p>
-            <a:r>
-              <a:rPr lang="en-GB" dirty="0"/>
-              <a:t>Commercial In Confidence - ECS 2017  </a:t>
-            </a:r>
-          </a:p>
-        </p:txBody>
-      </p:sp>
-    </p:spTree>
-    <p:extLst>
-      <p:ext uri="{BB962C8B-B14F-4D97-AF65-F5344CB8AC3E}">
-        <p14:creationId xmlns:p14="http://schemas.microsoft.com/office/powerpoint/2010/main" val="296072206"/>
-      </p:ext>
-    </p:extLst>
-  </p:cSld>
-  <p:clrMapOvr>
-    <a:masterClrMapping/>
-  </p:clrMapOvr>
-</p:sld>
-</file>
-
-<file path=ppt/slides/slide11.xml><?xml version="1.0" encoding="utf-8"?>
-<p:sld xmlns:a="http://schemas.openxmlformats.org/drawingml/2006/main" xmlns:r="http://schemas.openxmlformats.org/officeDocument/2006/relationships" xmlns:p="http://schemas.openxmlformats.org/presentationml/2006/main">
-  <p:cSld>
-    <p:spTree>
-      <p:nvGrpSpPr>
-        <p:cNvPr id="1" name=""/>
-        <p:cNvGrpSpPr/>
-        <p:nvPr/>
-      </p:nvGrpSpPr>
-      <p:grpSpPr>
-        <a:xfrm>
-          <a:off x="0" y="0"/>
-          <a:ext cx="0" cy="0"/>
-          <a:chOff x="0" y="0"/>
-          <a:chExt cx="0" cy="0"/>
-        </a:xfrm>
-      </p:grpSpPr>
-      <p:sp>
-        <p:nvSpPr>
-          <p:cNvPr id="2" name="Footer Placeholder 1"/>
-          <p:cNvSpPr>
-            <a:spLocks noGrp="1"/>
-          </p:cNvSpPr>
-          <p:nvPr>
-            <p:ph type="ftr" sz="quarter" idx="11"/>
-          </p:nvPr>
-        </p:nvSpPr>
-        <p:spPr/>
-        <p:txBody>
-          <a:bodyPr/>
-          <a:lstStyle/>
-          <a:p>
-            <a:r>
-              <a:rPr lang="en-GB" dirty="0"/>
-              <a:t>Commercial In Confidence - ECS 2017  </a:t>
-            </a:r>
-          </a:p>
-        </p:txBody>
-      </p:sp>
-      <p:sp>
-        <p:nvSpPr>
-          <p:cNvPr id="3" name="Text Placeholder 2"/>
-          <p:cNvSpPr>
-            <a:spLocks noGrp="1"/>
-          </p:cNvSpPr>
-          <p:nvPr>
-            <p:ph type="body" idx="13"/>
-          </p:nvPr>
-        </p:nvSpPr>
-        <p:spPr/>
-        <p:txBody>
-          <a:bodyPr/>
-          <a:lstStyle/>
-          <a:p>
-            <a:r>
-              <a:rPr lang="en-GB" dirty="0"/>
-              <a:t>Thank You</a:t>
-            </a:r>
-          </a:p>
-        </p:txBody>
-      </p:sp>
-      <p:sp>
-        <p:nvSpPr>
-          <p:cNvPr id="4" name="Title 5"/>
-          <p:cNvSpPr txBox="1">
-            <a:spLocks/>
-          </p:cNvSpPr>
-          <p:nvPr/>
-        </p:nvSpPr>
-        <p:spPr>
-          <a:xfrm>
-            <a:off x="539552" y="5661248"/>
-            <a:ext cx="7772400" cy="345281"/>
-          </a:xfrm>
-          <a:prstGeom prst="rect">
-            <a:avLst/>
-          </a:prstGeom>
-        </p:spPr>
-        <p:txBody>
-          <a:bodyPr vert="horz" lIns="91440" tIns="45720" rIns="91440" bIns="45720" rtlCol="0" anchor="ctr">
-            <a:normAutofit fontScale="85000" lnSpcReduction="20000"/>
-          </a:bodyPr>
-          <a:lstStyle>
-            <a:lvl1pPr algn="l" defTabSz="914400" rtl="0" eaLnBrk="1" latinLnBrk="0" hangingPunct="1">
-              <a:spcBef>
-                <a:spcPct val="0"/>
-              </a:spcBef>
-              <a:buNone/>
-              <a:defRPr sz="4000" kern="1200">
-                <a:solidFill>
-                  <a:schemeClr val="bg1"/>
-                </a:solidFill>
-                <a:latin typeface="Arial" panose="020B0604020202020204" pitchFamily="34" charset="0"/>
-                <a:ea typeface="+mj-ea"/>
-                <a:cs typeface="Arial" panose="020B0604020202020204" pitchFamily="34" charset="0"/>
-              </a:defRPr>
-            </a:lvl1pPr>
-          </a:lstStyle>
-          <a:p>
-            <a:r>
-              <a:rPr lang="en-GB" sz="2400" dirty="0"/>
-              <a:t>Author - details</a:t>
-            </a:r>
-          </a:p>
-        </p:txBody>
-      </p:sp>
-    </p:spTree>
-    <p:extLst>
-      <p:ext uri="{BB962C8B-B14F-4D97-AF65-F5344CB8AC3E}">
-        <p14:creationId xmlns:p14="http://schemas.microsoft.com/office/powerpoint/2010/main" val="2079933839"/>
-      </p:ext>
-    </p:extLst>
-  </p:cSld>
-  <p:clrMapOvr>
-    <a:masterClrMapping/>
-  </p:clrMapOvr>
-</p:sld>
-</file>
-
 <file path=ppt/slides/slide2.xml><?xml version="1.0" encoding="utf-8"?>
 <p:sld xmlns:a="http://schemas.openxmlformats.org/drawingml/2006/main" xmlns:r="http://schemas.openxmlformats.org/officeDocument/2006/relationships" xmlns:p="http://schemas.openxmlformats.org/presentationml/2006/main">
   <p:cSld>
@@ -5269,13 +4562,92 @@
           <a:lstStyle/>
           <a:p>
             <a:r>
+              <a:rPr lang="en-US" sz="2300" dirty="0"/>
+              <a:t>As well as running tests on VMs, </a:t>
+            </a:r>
+            <a:r>
               <a:rPr lang="en-US" sz="2300" dirty="0" err="1"/>
               <a:t>Zalenium</a:t>
             </a:r>
             <a:r>
               <a:rPr lang="en-US" sz="2300" dirty="0"/>
-              <a:t>, by default, will only run one test per node.</a:t>
-            </a:r>
+              <a:t> also has support for the following providers:</a:t>
+            </a:r>
+          </a:p>
+          <a:p>
+            <a:pPr lvl="2"/>
+            <a:r>
+              <a:rPr lang="en-US" sz="2300" dirty="0"/>
+              <a:t>Sauce Labs</a:t>
+            </a:r>
+          </a:p>
+          <a:p>
+            <a:pPr lvl="2"/>
+            <a:r>
+              <a:rPr lang="en-US" sz="2300" dirty="0" err="1"/>
+              <a:t>TestingBot</a:t>
+            </a:r>
+            <a:endParaRPr lang="en-US" sz="2300" dirty="0"/>
+          </a:p>
+          <a:p>
+            <a:pPr lvl="2"/>
+            <a:r>
+              <a:rPr lang="en-US" sz="2300" dirty="0"/>
+              <a:t>Browser Stack</a:t>
+            </a:r>
+          </a:p>
+          <a:p>
+            <a:pPr marL="914400" lvl="2" indent="0">
+              <a:buNone/>
+            </a:pPr>
+            <a:endParaRPr lang="en-US" sz="2300" dirty="0"/>
+          </a:p>
+          <a:p>
+            <a:r>
+              <a:rPr lang="en-US" sz="2300" dirty="0"/>
+              <a:t>To access these, add the following to your startup command:</a:t>
+            </a:r>
+          </a:p>
+          <a:p>
+            <a:pPr marL="0" indent="0">
+              <a:buNone/>
+            </a:pPr>
+            <a:r>
+              <a:rPr lang="en-US" sz="2300" i="1" dirty="0"/>
+              <a:t>	</a:t>
+            </a:r>
+            <a:r>
+              <a:rPr lang="en-GB" i="1" dirty="0"/>
+              <a:t>export SAUCE_USERNAME=&lt;your Sauce Labs username&gt; export 	SAUCE_ACCESS_KEY=&lt;your Sauce Labs access key&gt; export 	SAUCE_LABS_URL=&lt;your Sauce Labs </a:t>
+            </a:r>
+            <a:r>
+              <a:rPr lang="en-GB" i="1" dirty="0" err="1"/>
+              <a:t>url:port</a:t>
+            </a:r>
+            <a:r>
+              <a:rPr lang="en-GB" i="1" dirty="0"/>
+              <a:t> number&gt; </a:t>
+            </a:r>
+            <a:r>
+              <a:rPr lang="en-US" sz="2300" i="1" dirty="0"/>
+              <a:t> </a:t>
+            </a:r>
+            <a:br>
+              <a:rPr lang="en-US" sz="2300" dirty="0"/>
+            </a:br>
+            <a:br>
+              <a:rPr lang="en-US" sz="2300" dirty="0"/>
+            </a:br>
+            <a:br>
+              <a:rPr lang="en-US" sz="2300" dirty="0"/>
+            </a:br>
+            <a:endParaRPr lang="en-US" sz="2300" dirty="0"/>
+          </a:p>
+          <a:p>
+            <a:pPr marL="914400" lvl="2" indent="0">
+              <a:buNone/>
+            </a:pPr>
+            <a:endParaRPr lang="en-US" sz="2300" dirty="0"/>
           </a:p>
         </p:txBody>
       </p:sp>
@@ -5331,7 +4703,7 @@
                 <a:latin typeface="Arial" panose="020B0604020202020204" pitchFamily="34" charset="0"/>
                 <a:cs typeface="Arial" panose="020B0604020202020204" pitchFamily="34" charset="0"/>
               </a:rPr>
-              <a:t>Points to Note</a:t>
+              <a:t>Running Tests on Cloud Proxy</a:t>
             </a:r>
           </a:p>
         </p:txBody>
@@ -5366,261 +4738,107 @@
           <a:chExt cx="0" cy="0"/>
         </a:xfrm>
       </p:grpSpPr>
-      <p:pic>
-        <p:nvPicPr>
-          <p:cNvPr id="9" name="Picture 8">
-            <a:extLst>
-              <a:ext uri="{FF2B5EF4-FFF2-40B4-BE49-F238E27FC236}">
-                <a16:creationId xmlns:a16="http://schemas.microsoft.com/office/drawing/2014/main" id="{F6EC2F0D-5F69-7E47-9753-E4C997F328A0}"/>
-              </a:ext>
-            </a:extLst>
-          </p:cNvPr>
-          <p:cNvPicPr>
-            <a:picLocks noChangeAspect="1"/>
-          </p:cNvPicPr>
+      <p:sp>
+        <p:nvSpPr>
+          <p:cNvPr id="2" name="Footer Placeholder 1"/>
+          <p:cNvSpPr>
+            <a:spLocks noGrp="1"/>
+          </p:cNvSpPr>
+          <p:nvPr>
+            <p:ph type="ftr" sz="quarter" idx="11"/>
+          </p:nvPr>
+        </p:nvSpPr>
+        <p:spPr/>
+        <p:txBody>
+          <a:bodyPr/>
+          <a:lstStyle/>
+          <a:p>
+            <a:r>
+              <a:rPr lang="en-GB" dirty="0"/>
+              <a:t>Commercial In Confidence - ECS 2017  </a:t>
+            </a:r>
+          </a:p>
+        </p:txBody>
+      </p:sp>
+      <p:sp>
+        <p:nvSpPr>
+          <p:cNvPr id="3" name="Text Placeholder 2"/>
+          <p:cNvSpPr>
+            <a:spLocks noGrp="1"/>
+          </p:cNvSpPr>
+          <p:nvPr>
+            <p:ph type="body" idx="13"/>
+          </p:nvPr>
+        </p:nvSpPr>
+        <p:spPr/>
+        <p:txBody>
+          <a:bodyPr/>
+          <a:lstStyle/>
+          <a:p>
+            <a:r>
+              <a:rPr lang="en-GB" dirty="0"/>
+              <a:t>Thank You</a:t>
+            </a:r>
+          </a:p>
+        </p:txBody>
+      </p:sp>
+      <p:sp>
+        <p:nvSpPr>
+          <p:cNvPr id="4" name="Title 5"/>
+          <p:cNvSpPr txBox="1">
+            <a:spLocks/>
+          </p:cNvSpPr>
           <p:nvPr/>
-        </p:nvPicPr>
-        <p:blipFill rotWithShape="1">
-          <a:blip r:embed="rId3" cstate="screen">
-            <a:extLst>
-              <a:ext uri="{BEBA8EAE-BF5A-486C-A8C5-ECC9F3942E4B}">
-                <a14:imgProps xmlns:a14="http://schemas.microsoft.com/office/drawing/2010/main">
-                  <a14:imgLayer r:embed="rId4">
-                    <a14:imgEffect>
-                      <a14:colorTemperature colorTemp="4700"/>
-                    </a14:imgEffect>
-                  </a14:imgLayer>
-                </a14:imgProps>
-              </a:ext>
-              <a:ext uri="{28A0092B-C50C-407E-A947-70E740481C1C}">
-                <a14:useLocalDpi xmlns:a14="http://schemas.microsoft.com/office/drawing/2010/main"/>
-              </a:ext>
-            </a:extLst>
-          </a:blip>
-          <a:srcRect/>
-          <a:stretch/>
-        </p:blipFill>
+        </p:nvSpPr>
         <p:spPr>
           <a:xfrm>
-            <a:off x="-1476672" y="-150440"/>
-            <a:ext cx="12419319" cy="7004620"/>
+            <a:off x="539552" y="5661248"/>
+            <a:ext cx="7772400" cy="345281"/>
           </a:xfrm>
           <a:prstGeom prst="rect">
             <a:avLst/>
           </a:prstGeom>
         </p:spPr>
-      </p:pic>
-      <p:sp>
-        <p:nvSpPr>
-          <p:cNvPr id="7" name="Rectangle 6"/>
-          <p:cNvSpPr/>
-          <p:nvPr/>
-        </p:nvSpPr>
-        <p:spPr>
-          <a:xfrm>
-            <a:off x="710296" y="5692661"/>
-            <a:ext cx="979755" cy="300082"/>
-          </a:xfrm>
-          <a:prstGeom prst="rect">
-            <a:avLst/>
-          </a:prstGeom>
-        </p:spPr>
-        <p:txBody>
-          <a:bodyPr wrap="none">
-            <a:spAutoFit/>
+        <p:txBody>
+          <a:bodyPr vert="horz" lIns="91440" tIns="45720" rIns="91440" bIns="45720" rtlCol="0" anchor="ctr">
+            <a:normAutofit fontScale="85000" lnSpcReduction="20000"/>
           </a:bodyPr>
-          <a:lstStyle/>
-          <a:p>
-            <a:r>
-              <a:rPr lang="en-GB" sz="1350" spc="75">
+          <a:lstStyle>
+            <a:lvl1pPr algn="l" defTabSz="914400" rtl="0" eaLnBrk="1" latinLnBrk="0" hangingPunct="1">
+              <a:spcBef>
+                <a:spcPct val="0"/>
+              </a:spcBef>
+              <a:buNone/>
+              <a:defRPr sz="4000" kern="1200">
                 <a:solidFill>
                   <a:schemeClr val="bg1"/>
                 </a:solidFill>
-                <a:latin typeface="Avenir Light" charset="0"/>
-                <a:ea typeface="Avenir Light" charset="0"/>
-                <a:cs typeface="Avenir Light" charset="0"/>
-              </a:rPr>
-              <a:t>ecs.co.uk</a:t>
-            </a:r>
-            <a:endParaRPr lang="en-GB" sz="1350" spc="75" dirty="0">
-              <a:solidFill>
-                <a:schemeClr val="bg1"/>
-              </a:solidFill>
-              <a:latin typeface="Avenir Light" charset="0"/>
-              <a:ea typeface="Avenir Light" charset="0"/>
-              <a:cs typeface="Avenir Light" charset="0"/>
-            </a:endParaRPr>
-          </a:p>
-        </p:txBody>
-      </p:sp>
-      <p:sp>
-        <p:nvSpPr>
-          <p:cNvPr id="8" name="Text Placeholder 4"/>
-          <p:cNvSpPr txBox="1">
-            <a:spLocks/>
-          </p:cNvSpPr>
-          <p:nvPr/>
-        </p:nvSpPr>
-        <p:spPr>
-          <a:xfrm>
-            <a:off x="710296" y="1268760"/>
-            <a:ext cx="7821384" cy="1123948"/>
-          </a:xfrm>
-          <a:prstGeom prst="rect">
-            <a:avLst/>
-          </a:prstGeom>
-        </p:spPr>
-        <p:txBody>
-          <a:bodyPr vert="horz" lIns="68580" tIns="34290" rIns="68580" bIns="34290" rtlCol="0" anchor="ctr">
-            <a:normAutofit/>
-          </a:bodyPr>
-          <a:lstStyle>
-            <a:defPPr>
-              <a:defRPr lang="en-US"/>
-            </a:defPPr>
-            <a:lvl1pPr marL="0" algn="ctr" defTabSz="914400" rtl="0" eaLnBrk="1" latinLnBrk="0" hangingPunct="1">
-              <a:defRPr sz="1200" kern="1200">
-                <a:solidFill>
-                  <a:schemeClr val="tx1">
-                    <a:tint val="75000"/>
-                  </a:schemeClr>
-                </a:solidFill>
-                <a:latin typeface="+mn-lt"/>
-                <a:ea typeface="+mn-ea"/>
-                <a:cs typeface="+mn-cs"/>
+                <a:latin typeface="Arial" panose="020B0604020202020204" pitchFamily="34" charset="0"/>
+                <a:ea typeface="+mj-ea"/>
+                <a:cs typeface="Arial" panose="020B0604020202020204" pitchFamily="34" charset="0"/>
               </a:defRPr>
             </a:lvl1pPr>
-            <a:lvl2pPr marL="457200" algn="l" defTabSz="914400" rtl="0" eaLnBrk="1" latinLnBrk="0" hangingPunct="1">
-              <a:defRPr sz="1800" kern="1200">
-                <a:solidFill>
-                  <a:schemeClr val="tx1"/>
-                </a:solidFill>
-                <a:latin typeface="+mn-lt"/>
-                <a:ea typeface="+mn-ea"/>
-                <a:cs typeface="+mn-cs"/>
-              </a:defRPr>
-            </a:lvl2pPr>
-            <a:lvl3pPr marL="914400" algn="l" defTabSz="914400" rtl="0" eaLnBrk="1" latinLnBrk="0" hangingPunct="1">
-              <a:defRPr sz="1800" kern="1200">
-                <a:solidFill>
-                  <a:schemeClr val="tx1"/>
-                </a:solidFill>
-                <a:latin typeface="+mn-lt"/>
-                <a:ea typeface="+mn-ea"/>
-                <a:cs typeface="+mn-cs"/>
-              </a:defRPr>
-            </a:lvl3pPr>
-            <a:lvl4pPr marL="1371600" algn="l" defTabSz="914400" rtl="0" eaLnBrk="1" latinLnBrk="0" hangingPunct="1">
-              <a:defRPr sz="1800" kern="1200">
-                <a:solidFill>
-                  <a:schemeClr val="tx1"/>
-                </a:solidFill>
-                <a:latin typeface="+mn-lt"/>
-                <a:ea typeface="+mn-ea"/>
-                <a:cs typeface="+mn-cs"/>
-              </a:defRPr>
-            </a:lvl4pPr>
-            <a:lvl5pPr marL="1828800" algn="l" defTabSz="914400" rtl="0" eaLnBrk="1" latinLnBrk="0" hangingPunct="1">
-              <a:defRPr sz="1800" kern="1200">
-                <a:solidFill>
-                  <a:schemeClr val="tx1"/>
-                </a:solidFill>
-                <a:latin typeface="+mn-lt"/>
-                <a:ea typeface="+mn-ea"/>
-                <a:cs typeface="+mn-cs"/>
-              </a:defRPr>
-            </a:lvl5pPr>
-            <a:lvl6pPr marL="2286000" algn="l" defTabSz="914400" rtl="0" eaLnBrk="1" latinLnBrk="0" hangingPunct="1">
-              <a:defRPr sz="1800" kern="1200">
-                <a:solidFill>
-                  <a:schemeClr val="tx1"/>
-                </a:solidFill>
-                <a:latin typeface="+mn-lt"/>
-                <a:ea typeface="+mn-ea"/>
-                <a:cs typeface="+mn-cs"/>
-              </a:defRPr>
-            </a:lvl6pPr>
-            <a:lvl7pPr marL="2743200" algn="l" defTabSz="914400" rtl="0" eaLnBrk="1" latinLnBrk="0" hangingPunct="1">
-              <a:defRPr sz="1800" kern="1200">
-                <a:solidFill>
-                  <a:schemeClr val="tx1"/>
-                </a:solidFill>
-                <a:latin typeface="+mn-lt"/>
-                <a:ea typeface="+mn-ea"/>
-                <a:cs typeface="+mn-cs"/>
-              </a:defRPr>
-            </a:lvl7pPr>
-            <a:lvl8pPr marL="3200400" algn="l" defTabSz="914400" rtl="0" eaLnBrk="1" latinLnBrk="0" hangingPunct="1">
-              <a:defRPr sz="1800" kern="1200">
-                <a:solidFill>
-                  <a:schemeClr val="tx1"/>
-                </a:solidFill>
-                <a:latin typeface="+mn-lt"/>
-                <a:ea typeface="+mn-ea"/>
-                <a:cs typeface="+mn-cs"/>
-              </a:defRPr>
-            </a:lvl8pPr>
-            <a:lvl9pPr marL="3657600" algn="l" defTabSz="914400" rtl="0" eaLnBrk="1" latinLnBrk="0" hangingPunct="1">
-              <a:defRPr sz="1800" kern="1200">
-                <a:solidFill>
-                  <a:schemeClr val="tx1"/>
-                </a:solidFill>
-                <a:latin typeface="+mn-lt"/>
-                <a:ea typeface="+mn-ea"/>
-                <a:cs typeface="+mn-cs"/>
-              </a:defRPr>
-            </a:lvl9pPr>
           </a:lstStyle>
           <a:p>
-            <a:pPr algn="l"/>
-            <a:r>
-              <a:rPr lang="en-GB" sz="2400" dirty="0">
-                <a:solidFill>
-                  <a:srgbClr val="0F5595"/>
-                </a:solidFill>
-                <a:latin typeface="Avenir Light" charset="0"/>
-                <a:ea typeface="Avenir Light" charset="0"/>
-                <a:cs typeface="Avenir Light" charset="0"/>
-              </a:rPr>
-              <a:t>Out scaling peak load </a:t>
-            </a:r>
-            <a:endParaRPr lang="en-US" sz="2400" dirty="0">
-              <a:solidFill>
-                <a:srgbClr val="0F5595"/>
-              </a:solidFill>
-              <a:latin typeface="Avenir Light" charset="0"/>
-              <a:ea typeface="Avenir Light" charset="0"/>
-              <a:cs typeface="Avenir Light" charset="0"/>
-            </a:endParaRPr>
-          </a:p>
-          <a:p>
-            <a:pPr algn="l"/>
-            <a:r>
-              <a:rPr lang="en-GB" sz="1600" dirty="0">
-                <a:solidFill>
-                  <a:srgbClr val="0F5595"/>
-                </a:solidFill>
-                <a:latin typeface="Avenir Light" charset="0"/>
-                <a:ea typeface="Avenir Light" charset="0"/>
-                <a:cs typeface="Avenir Light" charset="0"/>
-              </a:rPr>
-              <a:t>- a container story</a:t>
-            </a:r>
-            <a:endParaRPr lang="en-US" sz="1600" dirty="0">
-              <a:solidFill>
-                <a:srgbClr val="0F5595"/>
-              </a:solidFill>
-              <a:latin typeface="Avenir Light" charset="0"/>
-              <a:ea typeface="Avenir Light" charset="0"/>
-              <a:cs typeface="Avenir Light" charset="0"/>
-            </a:endParaRPr>
+            <a:r>
+              <a:rPr lang="en-GB" sz="2400" dirty="0"/>
+              <a:t>Ali Hill, Hammad </a:t>
+            </a:r>
+            <a:r>
+              <a:rPr lang="en-GB" sz="2400" dirty="0" err="1"/>
+              <a:t>Chandio</a:t>
+            </a:r>
+            <a:r>
+              <a:rPr lang="en-GB" sz="2400" dirty="0"/>
+              <a:t>, Farhan Shaikh</a:t>
+            </a:r>
           </a:p>
         </p:txBody>
       </p:sp>
     </p:spTree>
     <p:extLst>
       <p:ext uri="{BB962C8B-B14F-4D97-AF65-F5344CB8AC3E}">
-        <p14:creationId xmlns:p14="http://schemas.microsoft.com/office/powerpoint/2010/main" val="562437262"/>
+        <p14:creationId xmlns:p14="http://schemas.microsoft.com/office/powerpoint/2010/main" val="2079933839"/>
       </p:ext>
     </p:extLst>
   </p:cSld>
@@ -6462,6 +5680,12 @@
 </file>
 
 <file path=customXml/item1.xml><?xml version="1.0" encoding="utf-8"?>
+<p:properties xmlns:p="http://schemas.microsoft.com/office/2006/metadata/properties" xmlns:xsi="http://www.w3.org/2001/XMLSchema-instance" xmlns:pc="http://schemas.microsoft.com/office/infopath/2007/PartnerControls">
+  <documentManagement/>
+</p:properties>
+</file>
+
+<file path=customXml/item2.xml><?xml version="1.0" encoding="utf-8"?>
 <ct:contentTypeSchema xmlns:ct="http://schemas.microsoft.com/office/2006/metadata/contentType" xmlns:ma="http://schemas.microsoft.com/office/2006/metadata/properties/metaAttributes" ct:_="" ma:_="" ma:contentTypeName="Document" ma:contentTypeID="0x01010032568B525010F846862294E756626199" ma:contentTypeVersion="8" ma:contentTypeDescription="Create a new document." ma:contentTypeScope="" ma:versionID="8038f208134572231f45b2239c7ee116">
   <xsd:schema xmlns:xsd="http://www.w3.org/2001/XMLSchema" xmlns:xs="http://www.w3.org/2001/XMLSchema" xmlns:p="http://schemas.microsoft.com/office/2006/metadata/properties" xmlns:ns2="78610437-699c-4941-bf2e-0011b0af15d9" xmlns:ns3="c7ddc322-a81d-4d45-a8a3-b42cbb00bae7" targetNamespace="http://schemas.microsoft.com/office/2006/metadata/properties" ma:root="true" ma:fieldsID="3bc37508e70c0eb62c75259443266f33" ns2:_="" ns3:_="">
     <xsd:import namespace="78610437-699c-4941-bf2e-0011b0af15d9"/>
@@ -6652,12 +5876,6 @@
 </ct:contentTypeSchema>
 </file>
 
-<file path=customXml/item2.xml><?xml version="1.0" encoding="utf-8"?>
-<p:properties xmlns:p="http://schemas.microsoft.com/office/2006/metadata/properties" xmlns:xsi="http://www.w3.org/2001/XMLSchema-instance" xmlns:pc="http://schemas.microsoft.com/office/infopath/2007/PartnerControls">
-  <documentManagement/>
-</p:properties>
-</file>
-
 <file path=customXml/item3.xml><?xml version="1.0" encoding="utf-8"?>
 <?mso-contentType ?>
 <FormTemplates xmlns="http://schemas.microsoft.com/sharepoint/v3/contenttype/forms">
@@ -6668,6 +5886,23 @@
 </file>
 
 <file path=customXml/itemProps1.xml><?xml version="1.0" encoding="utf-8"?>
+<ds:datastoreItem xmlns:ds="http://schemas.openxmlformats.org/officeDocument/2006/customXml" ds:itemID="{5B5A310F-8172-420C-8B07-5B368A43E2DC}">
+  <ds:schemaRefs>
+    <ds:schemaRef ds:uri="http://www.w3.org/XML/1998/namespace"/>
+    <ds:schemaRef ds:uri="http://schemas.microsoft.com/office/2006/documentManagement/types"/>
+    <ds:schemaRef ds:uri="http://purl.org/dc/elements/1.1/"/>
+    <ds:schemaRef ds:uri="http://purl.org/dc/terms/"/>
+    <ds:schemaRef ds:uri="http://schemas.microsoft.com/office/2006/metadata/properties"/>
+    <ds:schemaRef ds:uri="http://schemas.openxmlformats.org/package/2006/metadata/core-properties"/>
+    <ds:schemaRef ds:uri="c7ddc322-a81d-4d45-a8a3-b42cbb00bae7"/>
+    <ds:schemaRef ds:uri="http://purl.org/dc/dcmitype/"/>
+    <ds:schemaRef ds:uri="http://schemas.microsoft.com/office/infopath/2007/PartnerControls"/>
+    <ds:schemaRef ds:uri="78610437-699c-4941-bf2e-0011b0af15d9"/>
+  </ds:schemaRefs>
+</ds:datastoreItem>
+</file>
+
+<file path=customXml/itemProps2.xml><?xml version="1.0" encoding="utf-8"?>
 <ds:datastoreItem xmlns:ds="http://schemas.openxmlformats.org/officeDocument/2006/customXml" ds:itemID="{130D9AEF-63DD-4286-96FE-CAAEA6D0A342}">
   <ds:schemaRefs>
     <ds:schemaRef ds:uri="http://schemas.microsoft.com/office/2006/metadata/contentType"/>
@@ -6686,23 +5921,6 @@
 </ds:datastoreItem>
 </file>
 
-<file path=customXml/itemProps2.xml><?xml version="1.0" encoding="utf-8"?>
-<ds:datastoreItem xmlns:ds="http://schemas.openxmlformats.org/officeDocument/2006/customXml" ds:itemID="{5B5A310F-8172-420C-8B07-5B368A43E2DC}">
-  <ds:schemaRefs>
-    <ds:schemaRef ds:uri="http://www.w3.org/XML/1998/namespace"/>
-    <ds:schemaRef ds:uri="http://schemas.microsoft.com/office/2006/documentManagement/types"/>
-    <ds:schemaRef ds:uri="http://purl.org/dc/elements/1.1/"/>
-    <ds:schemaRef ds:uri="http://purl.org/dc/terms/"/>
-    <ds:schemaRef ds:uri="http://schemas.microsoft.com/office/2006/metadata/properties"/>
-    <ds:schemaRef ds:uri="http://schemas.openxmlformats.org/package/2006/metadata/core-properties"/>
-    <ds:schemaRef ds:uri="c7ddc322-a81d-4d45-a8a3-b42cbb00bae7"/>
-    <ds:schemaRef ds:uri="http://purl.org/dc/dcmitype/"/>
-    <ds:schemaRef ds:uri="http://schemas.microsoft.com/office/infopath/2007/PartnerControls"/>
-    <ds:schemaRef ds:uri="78610437-699c-4941-bf2e-0011b0af15d9"/>
-  </ds:schemaRefs>
-</ds:datastoreItem>
-</file>
-
 <file path=customXml/itemProps3.xml><?xml version="1.0" encoding="utf-8"?>
 <ds:datastoreItem xmlns:ds="http://schemas.openxmlformats.org/officeDocument/2006/customXml" ds:itemID="{003B5CD9-841F-44FE-B239-F6092E6A3514}">
   <ds:schemaRefs>

--- a/ECS_Digital_Template.pptx
+++ b/ECS_Digital_Template.pptx
@@ -5,21 +5,24 @@
     <p:sldMasterId id="2147483648" r:id="rId4"/>
   </p:sldMasterIdLst>
   <p:notesMasterIdLst>
-    <p:notesMasterId r:id="rId14"/>
+    <p:notesMasterId r:id="rId17"/>
   </p:notesMasterIdLst>
   <p:handoutMasterIdLst>
-    <p:handoutMasterId r:id="rId15"/>
+    <p:handoutMasterId r:id="rId18"/>
   </p:handoutMasterIdLst>
   <p:sldIdLst>
-    <p:sldId id="257" r:id="rId5"/>
-    <p:sldId id="258" r:id="rId6"/>
+    <p:sldId id="303" r:id="rId5"/>
+    <p:sldId id="257" r:id="rId6"/>
     <p:sldId id="294" r:id="rId7"/>
-    <p:sldId id="291" r:id="rId8"/>
-    <p:sldId id="292" r:id="rId9"/>
-    <p:sldId id="295" r:id="rId10"/>
-    <p:sldId id="296" r:id="rId11"/>
-    <p:sldId id="293" r:id="rId12"/>
-    <p:sldId id="267" r:id="rId13"/>
+    <p:sldId id="304" r:id="rId8"/>
+    <p:sldId id="306" r:id="rId9"/>
+    <p:sldId id="291" r:id="rId10"/>
+    <p:sldId id="292" r:id="rId11"/>
+    <p:sldId id="295" r:id="rId12"/>
+    <p:sldId id="296" r:id="rId13"/>
+    <p:sldId id="293" r:id="rId14"/>
+    <p:sldId id="297" r:id="rId15"/>
+    <p:sldId id="267" r:id="rId16"/>
   </p:sldIdLst>
   <p:sldSz cx="9144000" cy="6858000" type="screen4x3"/>
   <p:notesSz cx="6858000" cy="9144000"/>
@@ -658,6 +661,90 @@
     </a:lvl9pPr>
   </p:notesStyle>
 </p:notesMaster>
+</file>
+
+<file path=ppt/notesSlides/notesSlide1.xml><?xml version="1.0" encoding="utf-8"?>
+<p:notes xmlns:a="http://schemas.openxmlformats.org/drawingml/2006/main" xmlns:r="http://schemas.openxmlformats.org/officeDocument/2006/relationships" xmlns:p="http://schemas.openxmlformats.org/presentationml/2006/main">
+  <p:cSld>
+    <p:spTree>
+      <p:nvGrpSpPr>
+        <p:cNvPr id="1" name=""/>
+        <p:cNvGrpSpPr/>
+        <p:nvPr/>
+      </p:nvGrpSpPr>
+      <p:grpSpPr>
+        <a:xfrm>
+          <a:off x="0" y="0"/>
+          <a:ext cx="0" cy="0"/>
+          <a:chOff x="0" y="0"/>
+          <a:chExt cx="0" cy="0"/>
+        </a:xfrm>
+      </p:grpSpPr>
+      <p:sp>
+        <p:nvSpPr>
+          <p:cNvPr id="2" name="Slide Image Placeholder 1"/>
+          <p:cNvSpPr>
+            <a:spLocks noGrp="1" noRot="1" noChangeAspect="1"/>
+          </p:cNvSpPr>
+          <p:nvPr>
+            <p:ph type="sldImg"/>
+          </p:nvPr>
+        </p:nvSpPr>
+        <p:spPr/>
+      </p:sp>
+      <p:sp>
+        <p:nvSpPr>
+          <p:cNvPr id="3" name="Notes Placeholder 2"/>
+          <p:cNvSpPr>
+            <a:spLocks noGrp="1"/>
+          </p:cNvSpPr>
+          <p:nvPr>
+            <p:ph type="body" idx="1"/>
+          </p:nvPr>
+        </p:nvSpPr>
+        <p:spPr/>
+        <p:txBody>
+          <a:bodyPr/>
+          <a:lstStyle/>
+          <a:p>
+            <a:endParaRPr lang="en-US" dirty="0"/>
+          </a:p>
+        </p:txBody>
+      </p:sp>
+      <p:sp>
+        <p:nvSpPr>
+          <p:cNvPr id="4" name="Slide Number Placeholder 3"/>
+          <p:cNvSpPr>
+            <a:spLocks noGrp="1"/>
+          </p:cNvSpPr>
+          <p:nvPr>
+            <p:ph type="sldNum" sz="quarter" idx="10"/>
+          </p:nvPr>
+        </p:nvSpPr>
+        <p:spPr/>
+        <p:txBody>
+          <a:bodyPr/>
+          <a:lstStyle/>
+          <a:p>
+            <a:fld id="{7A507E9C-E9CF-45CC-A225-331D2025989C}" type="slidenum">
+              <a:rPr lang="en-GB" smtClean="0"/>
+              <a:t>4</a:t>
+            </a:fld>
+            <a:endParaRPr lang="en-GB" dirty="0"/>
+          </a:p>
+        </p:txBody>
+      </p:sp>
+    </p:spTree>
+    <p:extLst>
+      <p:ext uri="{BB962C8B-B14F-4D97-AF65-F5344CB8AC3E}">
+        <p14:creationId xmlns:p14="http://schemas.microsoft.com/office/powerpoint/2010/main" val="4112685597"/>
+      </p:ext>
+    </p:extLst>
+  </p:cSld>
+  <p:clrMapOvr>
+    <a:masterClrMapping/>
+  </p:clrMapOvr>
+</p:notes>
 </file>
 
 <file path=ppt/slideLayouts/slideLayout1.xml><?xml version="1.0" encoding="utf-8"?>
@@ -3524,39 +3611,469 @@
       </p:grpSpPr>
       <p:sp>
         <p:nvSpPr>
-          <p:cNvPr id="6" name="Title 5"/>
+          <p:cNvPr id="2" name="Content Placeholder 1">
+            <a:extLst>
+              <a:ext uri="{FF2B5EF4-FFF2-40B4-BE49-F238E27FC236}">
+                <a16:creationId xmlns:a16="http://schemas.microsoft.com/office/drawing/2014/main" id="{BFC245A8-C054-A24E-9575-7C23AA411F7D}"/>
+              </a:ext>
+            </a:extLst>
+          </p:cNvPr>
           <p:cNvSpPr>
             <a:spLocks noGrp="1"/>
           </p:cNvSpPr>
           <p:nvPr>
-            <p:ph type="ctrTitle"/>
+            <p:ph idx="1"/>
+          </p:nvPr>
+        </p:nvSpPr>
+        <p:spPr/>
+        <p:txBody>
+          <a:bodyPr>
+            <a:normAutofit/>
+          </a:bodyPr>
+          <a:lstStyle/>
+          <a:p>
+            <a:pPr marL="85725" indent="0" algn="ctr">
+              <a:buNone/>
+            </a:pPr>
+            <a:r>
+              <a:rPr lang="en-US" sz="4050" dirty="0" err="1"/>
+              <a:t>Wifi</a:t>
+            </a:r>
+            <a:endParaRPr lang="en-US" sz="4050" dirty="0"/>
+          </a:p>
+          <a:p>
+            <a:pPr marL="0" indent="0" algn="ctr">
+              <a:buNone/>
+            </a:pPr>
+            <a:r>
+              <a:rPr lang="en-US" sz="4050" dirty="0"/>
+              <a:t>SSID :</a:t>
+            </a:r>
+            <a:r>
+              <a:rPr lang="en-GB" sz="4050" dirty="0"/>
+              <a:t>HMT Guest</a:t>
+            </a:r>
+          </a:p>
+          <a:p>
+            <a:pPr marL="85725" indent="0" algn="ctr">
+              <a:buNone/>
+            </a:pPr>
+            <a:r>
+              <a:rPr lang="en-US" sz="4050" dirty="0"/>
+              <a:t>Password : </a:t>
+            </a:r>
+            <a:r>
+              <a:rPr lang="en-GB" sz="4050" dirty="0"/>
+              <a:t>INN3R-bauble*shipment</a:t>
+            </a:r>
+            <a:endParaRPr lang="en-US" sz="4050" dirty="0"/>
+          </a:p>
+        </p:txBody>
+      </p:sp>
+    </p:spTree>
+    <p:extLst>
+      <p:ext uri="{BB962C8B-B14F-4D97-AF65-F5344CB8AC3E}">
+        <p14:creationId xmlns:p14="http://schemas.microsoft.com/office/powerpoint/2010/main" val="4087697416"/>
+      </p:ext>
+    </p:extLst>
+  </p:cSld>
+  <p:clrMapOvr>
+    <a:masterClrMapping/>
+  </p:clrMapOvr>
+</p:sld>
+</file>
+
+<file path=ppt/slides/slide10.xml><?xml version="1.0" encoding="utf-8"?>
+<p:sld xmlns:a="http://schemas.openxmlformats.org/drawingml/2006/main" xmlns:r="http://schemas.openxmlformats.org/officeDocument/2006/relationships" xmlns:p="http://schemas.openxmlformats.org/presentationml/2006/main">
+  <p:cSld>
+    <p:spTree>
+      <p:nvGrpSpPr>
+        <p:cNvPr id="1" name=""/>
+        <p:cNvGrpSpPr/>
+        <p:nvPr/>
+      </p:nvGrpSpPr>
+      <p:grpSpPr>
+        <a:xfrm>
+          <a:off x="0" y="0"/>
+          <a:ext cx="0" cy="0"/>
+          <a:chOff x="0" y="0"/>
+          <a:chExt cx="0" cy="0"/>
+        </a:xfrm>
+      </p:grpSpPr>
+      <p:sp>
+        <p:nvSpPr>
+          <p:cNvPr id="2" name="Content Placeholder 1"/>
+          <p:cNvSpPr>
+            <a:spLocks noGrp="1"/>
+          </p:cNvSpPr>
+          <p:nvPr>
+            <p:ph idx="1"/>
           </p:nvPr>
         </p:nvSpPr>
         <p:spPr>
           <a:xfrm>
-            <a:off x="611560" y="2276872"/>
-            <a:ext cx="7772400" cy="1470025"/>
+            <a:off x="611560" y="1600201"/>
+            <a:ext cx="7920880" cy="4525963"/>
           </a:xfrm>
         </p:spPr>
         <p:txBody>
+          <a:bodyPr>
+            <a:noAutofit/>
+          </a:bodyPr>
+          <a:lstStyle/>
+          <a:p>
+            <a:r>
+              <a:rPr lang="en-US" sz="2300" dirty="0"/>
+              <a:t>As well as running tests on VMs, </a:t>
+            </a:r>
+            <a:r>
+              <a:rPr lang="en-US" sz="2300" dirty="0" err="1"/>
+              <a:t>Zalenium</a:t>
+            </a:r>
+            <a:r>
+              <a:rPr lang="en-US" sz="2300" dirty="0"/>
+              <a:t> also has support for the following providers:</a:t>
+            </a:r>
+          </a:p>
+          <a:p>
+            <a:pPr lvl="2"/>
+            <a:r>
+              <a:rPr lang="en-US" sz="2300" dirty="0"/>
+              <a:t>Sauce Labs</a:t>
+            </a:r>
+          </a:p>
+          <a:p>
+            <a:pPr lvl="2"/>
+            <a:r>
+              <a:rPr lang="en-US" sz="2300" dirty="0" err="1"/>
+              <a:t>TestingBot</a:t>
+            </a:r>
+            <a:endParaRPr lang="en-US" sz="2300" dirty="0"/>
+          </a:p>
+          <a:p>
+            <a:pPr lvl="2"/>
+            <a:r>
+              <a:rPr lang="en-US" sz="2300" dirty="0"/>
+              <a:t>Browser Stack</a:t>
+            </a:r>
+          </a:p>
+          <a:p>
+            <a:pPr marL="914400" lvl="2" indent="0">
+              <a:buNone/>
+            </a:pPr>
+            <a:endParaRPr lang="en-US" sz="2300" dirty="0"/>
+          </a:p>
+          <a:p>
+            <a:r>
+              <a:rPr lang="en-US" sz="2300" dirty="0"/>
+              <a:t>To access these, add the following to your startup command:</a:t>
+            </a:r>
+          </a:p>
+          <a:p>
+            <a:pPr marL="0" indent="0">
+              <a:buNone/>
+            </a:pPr>
+            <a:r>
+              <a:rPr lang="en-US" sz="2300" i="1" dirty="0"/>
+              <a:t>	</a:t>
+            </a:r>
+            <a:r>
+              <a:rPr lang="en-GB" i="1" dirty="0"/>
+              <a:t>export SAUCE_USERNAME=&lt;your Sauce Labs username&gt; export 	SAUCE_ACCESS_KEY=&lt;your Sauce Labs access key&gt; export 	SAUCE_LABS_URL=&lt;your Sauce Labs </a:t>
+            </a:r>
+            <a:r>
+              <a:rPr lang="en-GB" i="1" dirty="0" err="1"/>
+              <a:t>url:port</a:t>
+            </a:r>
+            <a:r>
+              <a:rPr lang="en-GB" i="1" dirty="0"/>
+              <a:t> number&gt; </a:t>
+            </a:r>
+            <a:r>
+              <a:rPr lang="en-US" sz="2300" i="1" dirty="0"/>
+              <a:t> </a:t>
+            </a:r>
+            <a:br>
+              <a:rPr lang="en-US" sz="2300" dirty="0"/>
+            </a:br>
+            <a:br>
+              <a:rPr lang="en-US" sz="2300" dirty="0"/>
+            </a:br>
+            <a:br>
+              <a:rPr lang="en-US" sz="2300" dirty="0"/>
+            </a:br>
+            <a:endParaRPr lang="en-US" sz="2300" dirty="0"/>
+          </a:p>
+          <a:p>
+            <a:pPr marL="914400" lvl="2" indent="0">
+              <a:buNone/>
+            </a:pPr>
+            <a:endParaRPr lang="en-US" sz="2300" dirty="0"/>
+          </a:p>
+        </p:txBody>
+      </p:sp>
+      <p:sp>
+        <p:nvSpPr>
+          <p:cNvPr id="3" name="Footer Placeholder 2"/>
+          <p:cNvSpPr>
+            <a:spLocks noGrp="1"/>
+          </p:cNvSpPr>
+          <p:nvPr>
+            <p:ph type="ftr" sz="quarter" idx="3"/>
+          </p:nvPr>
+        </p:nvSpPr>
+        <p:spPr/>
+        <p:txBody>
           <a:bodyPr/>
           <a:lstStyle/>
           <a:p>
             <a:r>
               <a:rPr lang="en-GB" dirty="0"/>
-              <a:t>Auto-Scaling Selenium Grid with Docker using </a:t>
-            </a:r>
-            <a:r>
-              <a:rPr lang="en-GB" dirty="0" err="1"/>
-              <a:t>Zalenium</a:t>
-            </a:r>
-            <a:endParaRPr lang="en-GB" dirty="0"/>
-          </a:p>
-        </p:txBody>
-      </p:sp>
-      <p:sp>
-        <p:nvSpPr>
-          <p:cNvPr id="7" name="Title 5"/>
+              <a:t>Commercial In Confidence - ECS 2017  </a:t>
+            </a:r>
+          </a:p>
+        </p:txBody>
+      </p:sp>
+      <p:sp>
+        <p:nvSpPr>
+          <p:cNvPr id="4" name="TextBox 3"/>
+          <p:cNvSpPr txBox="1"/>
+          <p:nvPr/>
+        </p:nvSpPr>
+        <p:spPr>
+          <a:xfrm>
+            <a:off x="611560" y="692696"/>
+            <a:ext cx="7920880" cy="523220"/>
+          </a:xfrm>
+          <a:prstGeom prst="rect">
+            <a:avLst/>
+          </a:prstGeom>
+          <a:noFill/>
+        </p:spPr>
+        <p:txBody>
+          <a:bodyPr wrap="square" rtlCol="0">
+            <a:spAutoFit/>
+          </a:bodyPr>
+          <a:lstStyle/>
+          <a:p>
+            <a:r>
+              <a:rPr lang="en-GB" sz="2800" dirty="0">
+                <a:solidFill>
+                  <a:srgbClr val="0070B7"/>
+                </a:solidFill>
+                <a:latin typeface="Arial" panose="020B0604020202020204" pitchFamily="34" charset="0"/>
+                <a:cs typeface="Arial" panose="020B0604020202020204" pitchFamily="34" charset="0"/>
+              </a:rPr>
+              <a:t>Running tests on Cloud Proxy</a:t>
+            </a:r>
+          </a:p>
+        </p:txBody>
+      </p:sp>
+    </p:spTree>
+    <p:extLst>
+      <p:ext uri="{BB962C8B-B14F-4D97-AF65-F5344CB8AC3E}">
+        <p14:creationId xmlns:p14="http://schemas.microsoft.com/office/powerpoint/2010/main" val="630844028"/>
+      </p:ext>
+    </p:extLst>
+  </p:cSld>
+  <p:clrMapOvr>
+    <a:masterClrMapping/>
+  </p:clrMapOvr>
+</p:sld>
+</file>
+
+<file path=ppt/slides/slide11.xml><?xml version="1.0" encoding="utf-8"?>
+<p:sld xmlns:a="http://schemas.openxmlformats.org/drawingml/2006/main" xmlns:r="http://schemas.openxmlformats.org/officeDocument/2006/relationships" xmlns:p="http://schemas.openxmlformats.org/presentationml/2006/main">
+  <p:cSld>
+    <p:spTree>
+      <p:nvGrpSpPr>
+        <p:cNvPr id="1" name=""/>
+        <p:cNvGrpSpPr/>
+        <p:nvPr/>
+      </p:nvGrpSpPr>
+      <p:grpSpPr>
+        <a:xfrm>
+          <a:off x="0" y="0"/>
+          <a:ext cx="0" cy="0"/>
+          <a:chOff x="0" y="0"/>
+          <a:chExt cx="0" cy="0"/>
+        </a:xfrm>
+      </p:grpSpPr>
+      <p:sp>
+        <p:nvSpPr>
+          <p:cNvPr id="2" name="Content Placeholder 1"/>
+          <p:cNvSpPr>
+            <a:spLocks noGrp="1"/>
+          </p:cNvSpPr>
+          <p:nvPr>
+            <p:ph idx="1"/>
+          </p:nvPr>
+        </p:nvSpPr>
+        <p:spPr>
+          <a:xfrm>
+            <a:off x="611560" y="1600201"/>
+            <a:ext cx="7920880" cy="4525963"/>
+          </a:xfrm>
+        </p:spPr>
+        <p:txBody>
+          <a:bodyPr>
+            <a:noAutofit/>
+          </a:bodyPr>
+          <a:lstStyle/>
+          <a:p>
+            <a:br>
+              <a:rPr lang="en-US" sz="2300" dirty="0"/>
+            </a:br>
+            <a:br>
+              <a:rPr lang="en-US" sz="2300" dirty="0"/>
+            </a:br>
+            <a:br>
+              <a:rPr lang="en-US" sz="2300" dirty="0"/>
+            </a:br>
+            <a:endParaRPr lang="en-US" sz="2300" dirty="0"/>
+          </a:p>
+          <a:p>
+            <a:pPr marL="914400" lvl="2" indent="0">
+              <a:buNone/>
+            </a:pPr>
+            <a:endParaRPr lang="en-US" sz="2300" dirty="0"/>
+          </a:p>
+        </p:txBody>
+      </p:sp>
+      <p:sp>
+        <p:nvSpPr>
+          <p:cNvPr id="3" name="Footer Placeholder 2"/>
+          <p:cNvSpPr>
+            <a:spLocks noGrp="1"/>
+          </p:cNvSpPr>
+          <p:nvPr>
+            <p:ph type="ftr" sz="quarter" idx="3"/>
+          </p:nvPr>
+        </p:nvSpPr>
+        <p:spPr/>
+        <p:txBody>
+          <a:bodyPr/>
+          <a:lstStyle/>
+          <a:p>
+            <a:r>
+              <a:rPr lang="en-GB" dirty="0"/>
+              <a:t>Commercial In Confidence - ECS 2017  </a:t>
+            </a:r>
+          </a:p>
+        </p:txBody>
+      </p:sp>
+      <p:sp>
+        <p:nvSpPr>
+          <p:cNvPr id="4" name="TextBox 3"/>
+          <p:cNvSpPr txBox="1"/>
+          <p:nvPr/>
+        </p:nvSpPr>
+        <p:spPr>
+          <a:xfrm>
+            <a:off x="611560" y="692696"/>
+            <a:ext cx="7920880" cy="523220"/>
+          </a:xfrm>
+          <a:prstGeom prst="rect">
+            <a:avLst/>
+          </a:prstGeom>
+          <a:noFill/>
+        </p:spPr>
+        <p:txBody>
+          <a:bodyPr wrap="square" rtlCol="0">
+            <a:spAutoFit/>
+          </a:bodyPr>
+          <a:lstStyle/>
+          <a:p>
+            <a:r>
+              <a:rPr lang="en-GB" sz="2800" dirty="0">
+                <a:solidFill>
+                  <a:srgbClr val="0070B7"/>
+                </a:solidFill>
+                <a:latin typeface="Arial" panose="020B0604020202020204" pitchFamily="34" charset="0"/>
+                <a:cs typeface="Arial" panose="020B0604020202020204" pitchFamily="34" charset="0"/>
+              </a:rPr>
+              <a:t>What else can be customised?</a:t>
+            </a:r>
+          </a:p>
+        </p:txBody>
+      </p:sp>
+    </p:spTree>
+    <p:extLst>
+      <p:ext uri="{BB962C8B-B14F-4D97-AF65-F5344CB8AC3E}">
+        <p14:creationId xmlns:p14="http://schemas.microsoft.com/office/powerpoint/2010/main" val="199186152"/>
+      </p:ext>
+    </p:extLst>
+  </p:cSld>
+  <p:clrMapOvr>
+    <a:masterClrMapping/>
+  </p:clrMapOvr>
+</p:sld>
+</file>
+
+<file path=ppt/slides/slide12.xml><?xml version="1.0" encoding="utf-8"?>
+<p:sld xmlns:a="http://schemas.openxmlformats.org/drawingml/2006/main" xmlns:r="http://schemas.openxmlformats.org/officeDocument/2006/relationships" xmlns:p="http://schemas.openxmlformats.org/presentationml/2006/main">
+  <p:cSld>
+    <p:spTree>
+      <p:nvGrpSpPr>
+        <p:cNvPr id="1" name=""/>
+        <p:cNvGrpSpPr/>
+        <p:nvPr/>
+      </p:nvGrpSpPr>
+      <p:grpSpPr>
+        <a:xfrm>
+          <a:off x="0" y="0"/>
+          <a:ext cx="0" cy="0"/>
+          <a:chOff x="0" y="0"/>
+          <a:chExt cx="0" cy="0"/>
+        </a:xfrm>
+      </p:grpSpPr>
+      <p:sp>
+        <p:nvSpPr>
+          <p:cNvPr id="2" name="Footer Placeholder 1"/>
+          <p:cNvSpPr>
+            <a:spLocks noGrp="1"/>
+          </p:cNvSpPr>
+          <p:nvPr>
+            <p:ph type="ftr" sz="quarter" idx="11"/>
+          </p:nvPr>
+        </p:nvSpPr>
+        <p:spPr/>
+        <p:txBody>
+          <a:bodyPr/>
+          <a:lstStyle/>
+          <a:p>
+            <a:r>
+              <a:rPr lang="en-GB" dirty="0"/>
+              <a:t>Commercial In Confidence - ECS 2017  </a:t>
+            </a:r>
+          </a:p>
+        </p:txBody>
+      </p:sp>
+      <p:sp>
+        <p:nvSpPr>
+          <p:cNvPr id="3" name="Text Placeholder 2"/>
+          <p:cNvSpPr>
+            <a:spLocks noGrp="1"/>
+          </p:cNvSpPr>
+          <p:nvPr>
+            <p:ph type="body" idx="13"/>
+          </p:nvPr>
+        </p:nvSpPr>
+        <p:spPr/>
+        <p:txBody>
+          <a:bodyPr/>
+          <a:lstStyle/>
+          <a:p>
+            <a:r>
+              <a:rPr lang="en-GB" dirty="0"/>
+              <a:t>Thank You</a:t>
+            </a:r>
+          </a:p>
+        </p:txBody>
+      </p:sp>
+      <p:sp>
+        <p:nvSpPr>
+          <p:cNvPr id="4" name="Title 5"/>
           <p:cNvSpPr txBox="1">
             <a:spLocks/>
           </p:cNvSpPr>
@@ -3610,7 +4127,7 @@
     </p:spTree>
     <p:extLst>
       <p:ext uri="{BB962C8B-B14F-4D97-AF65-F5344CB8AC3E}">
-        <p14:creationId xmlns:p14="http://schemas.microsoft.com/office/powerpoint/2010/main" val="2954165043"/>
+        <p14:creationId xmlns:p14="http://schemas.microsoft.com/office/powerpoint/2010/main" val="2079933839"/>
       </p:ext>
     </p:extLst>
   </p:cSld>
@@ -3639,118 +4156,85 @@
       </p:grpSpPr>
       <p:sp>
         <p:nvSpPr>
-          <p:cNvPr id="2" name="Content Placeholder 1"/>
+          <p:cNvPr id="6" name="Title 5"/>
           <p:cNvSpPr>
             <a:spLocks noGrp="1"/>
           </p:cNvSpPr>
           <p:nvPr>
-            <p:ph idx="1"/>
+            <p:ph type="ctrTitle"/>
           </p:nvPr>
         </p:nvSpPr>
         <p:spPr>
           <a:xfrm>
-            <a:off x="611560" y="1600201"/>
-            <a:ext cx="7920880" cy="4525963"/>
+            <a:off x="611560" y="2276872"/>
+            <a:ext cx="7772400" cy="1470025"/>
           </a:xfrm>
         </p:spPr>
         <p:txBody>
-          <a:bodyPr>
-            <a:noAutofit/>
-          </a:bodyPr>
-          <a:lstStyle/>
-          <a:p>
-            <a:r>
-              <a:rPr lang="en-GB" sz="2300" dirty="0"/>
-              <a:t>Formed in 2016 by the acquisition of Forest Technologies, an Automation &amp; Transformation consultancy founded in 2003.</a:t>
-            </a:r>
-          </a:p>
-          <a:p>
-            <a:r>
-              <a:rPr lang="en-GB" sz="2300" dirty="0"/>
-              <a:t>12+ years focused only Continuous Delivery, DevOps and Digital Transformation.</a:t>
-            </a:r>
-            <a:endParaRPr lang="en-US" sz="2300" dirty="0"/>
-          </a:p>
-          <a:p>
-            <a:r>
-              <a:rPr lang="en-US" sz="2300" dirty="0"/>
-              <a:t>Tool agnostic agile methodology for delivering DevOps.</a:t>
-            </a:r>
-            <a:endParaRPr lang="en-GB" sz="2300" dirty="0"/>
-          </a:p>
-          <a:p>
-            <a:r>
-              <a:rPr lang="en-GB" sz="2300" dirty="0"/>
-              <a:t>DevOps solutions delivered successfully globally.</a:t>
-            </a:r>
-          </a:p>
-          <a:p>
-            <a:r>
-              <a:rPr lang="en-US" sz="2300" dirty="0"/>
-              <a:t>Customers from startups to global enterprises in all sectors including Finance, Telecoms, Government, Retail and Online Betting.</a:t>
-            </a:r>
-          </a:p>
-          <a:p>
-            <a:r>
-              <a:rPr lang="en-US" sz="2300" dirty="0"/>
-              <a:t>Teams based in London, Singapore and Pune with English, German, Spanish, French, Polish, Russian, Slovakian, Mandarin, Cantonese and Indian speaking consultants.</a:t>
-            </a:r>
-          </a:p>
-        </p:txBody>
-      </p:sp>
-      <p:sp>
-        <p:nvSpPr>
-          <p:cNvPr id="3" name="Footer Placeholder 2"/>
-          <p:cNvSpPr>
-            <a:spLocks noGrp="1"/>
-          </p:cNvSpPr>
-          <p:nvPr>
-            <p:ph type="ftr" sz="quarter" idx="3"/>
-          </p:nvPr>
-        </p:nvSpPr>
-        <p:spPr/>
-        <p:txBody>
           <a:bodyPr/>
           <a:lstStyle/>
           <a:p>
             <a:r>
               <a:rPr lang="en-GB" dirty="0"/>
-              <a:t>Commercial In Confidence - ECS 2017  </a:t>
-            </a:r>
-          </a:p>
-        </p:txBody>
-      </p:sp>
-      <p:sp>
-        <p:nvSpPr>
-          <p:cNvPr id="4" name="TextBox 3"/>
-          <p:cNvSpPr txBox="1"/>
+              <a:t>Auto-Scaling Selenium Grid with Docker using </a:t>
+            </a:r>
+            <a:r>
+              <a:rPr lang="en-GB" dirty="0" err="1"/>
+              <a:t>Zalenium</a:t>
+            </a:r>
+            <a:endParaRPr lang="en-GB" dirty="0"/>
+          </a:p>
+        </p:txBody>
+      </p:sp>
+      <p:sp>
+        <p:nvSpPr>
+          <p:cNvPr id="7" name="Title 5"/>
+          <p:cNvSpPr txBox="1">
+            <a:spLocks/>
+          </p:cNvSpPr>
           <p:nvPr/>
         </p:nvSpPr>
         <p:spPr>
           <a:xfrm>
-            <a:off x="611560" y="692696"/>
-            <a:ext cx="7920880" cy="523220"/>
+            <a:off x="539552" y="5661248"/>
+            <a:ext cx="7772400" cy="345281"/>
           </a:xfrm>
           <a:prstGeom prst="rect">
             <a:avLst/>
           </a:prstGeom>
-          <a:noFill/>
         </p:spPr>
         <p:txBody>
-          <a:bodyPr wrap="square" rtlCol="0">
-            <a:spAutoFit/>
+          <a:bodyPr vert="horz" lIns="91440" tIns="45720" rIns="91440" bIns="45720" rtlCol="0" anchor="ctr">
+            <a:normAutofit fontScale="85000" lnSpcReduction="20000"/>
           </a:bodyPr>
-          <a:lstStyle/>
-          <a:p>
-            <a:r>
-              <a:rPr lang="en-GB" sz="2800" dirty="0">
+          <a:lstStyle>
+            <a:lvl1pPr algn="l" defTabSz="914400" rtl="0" eaLnBrk="1" latinLnBrk="0" hangingPunct="1">
+              <a:spcBef>
+                <a:spcPct val="0"/>
+              </a:spcBef>
+              <a:buNone/>
+              <a:defRPr sz="4000" kern="1200">
                 <a:solidFill>
-                  <a:srgbClr val="0070B7"/>
+                  <a:schemeClr val="bg1"/>
                 </a:solidFill>
                 <a:latin typeface="Arial" panose="020B0604020202020204" pitchFamily="34" charset="0"/>
+                <a:ea typeface="+mj-ea"/>
                 <a:cs typeface="Arial" panose="020B0604020202020204" pitchFamily="34" charset="0"/>
-              </a:rPr>
-              <a:t>About ECS Digital </a:t>
+              </a:defRPr>
+            </a:lvl1pPr>
+          </a:lstStyle>
+          <a:p>
+            <a:r>
+              <a:rPr lang="en-GB" sz="2400" dirty="0"/>
+              <a:t>Ali Hill, Hammad </a:t>
+            </a:r>
+            <a:r>
+              <a:rPr lang="en-GB" sz="2400" dirty="0" err="1"/>
+              <a:t>Chandio</a:t>
+            </a:r>
+            <a:r>
+              <a:rPr lang="en-GB" sz="2400" dirty="0"/>
+              <a:t>, Farhan Shaikh</a:t>
             </a:r>
           </a:p>
         </p:txBody>
@@ -3758,7 +4242,7 @@
     </p:spTree>
     <p:extLst>
       <p:ext uri="{BB962C8B-B14F-4D97-AF65-F5344CB8AC3E}">
-        <p14:creationId xmlns:p14="http://schemas.microsoft.com/office/powerpoint/2010/main" val="4030457782"/>
+        <p14:creationId xmlns:p14="http://schemas.microsoft.com/office/powerpoint/2010/main" val="2954165043"/>
       </p:ext>
     </p:extLst>
   </p:cSld>
@@ -3809,7 +4293,21 @@
           <a:p>
             <a:r>
               <a:rPr lang="en-US" sz="2300" dirty="0"/>
-              <a:t>WebDriver</a:t>
+              <a:t>Ali Hill</a:t>
+            </a:r>
+          </a:p>
+          <a:p>
+            <a:pPr lvl="1"/>
+            <a:r>
+              <a:rPr lang="en-US" sz="2300" dirty="0"/>
+              <a:t>QA and Continuous Delivery Consultant (Edinburgh)</a:t>
+            </a:r>
+          </a:p>
+          <a:p>
+            <a:pPr lvl="1"/>
+            <a:r>
+              <a:rPr lang="en-US" sz="2300" dirty="0"/>
+              <a:t>Twitter: @ali_hill91</a:t>
             </a:r>
           </a:p>
           <a:p>
@@ -3817,36 +4315,39 @@
           </a:p>
           <a:p>
             <a:r>
-              <a:rPr lang="en-US" sz="2300"/>
-              <a:t>Docker-selenium</a:t>
+              <a:rPr lang="en-US" sz="2300" dirty="0"/>
+              <a:t>Hammad </a:t>
+            </a:r>
+            <a:r>
+              <a:rPr lang="en-US" sz="2300" dirty="0" err="1"/>
+              <a:t>Chandio</a:t>
             </a:r>
             <a:endParaRPr lang="en-US" sz="2300" dirty="0"/>
           </a:p>
           <a:p>
+            <a:pPr lvl="1"/>
+            <a:r>
+              <a:rPr lang="en-US" sz="2300" dirty="0"/>
+              <a:t>QA and Continuous Delivery Consultant (London)</a:t>
+            </a:r>
+          </a:p>
+          <a:p>
             <a:endParaRPr lang="en-US" sz="2300" dirty="0"/>
           </a:p>
           <a:p>
             <a:r>
               <a:rPr lang="en-US" sz="2300" dirty="0"/>
-              <a:t>Grid</a:t>
+              <a:t>Farhan Shaikh</a:t>
             </a:r>
           </a:p>
           <a:p>
             <a:pPr lvl="1"/>
             <a:r>
               <a:rPr lang="en-US" sz="2300" dirty="0"/>
-              <a:t>Difficult to maintain to keep versions maintained. </a:t>
-            </a:r>
-          </a:p>
-          <a:p>
-            <a:pPr lvl="1"/>
-            <a:r>
-              <a:rPr lang="en-US" sz="2300" dirty="0"/>
-              <a:t>Tests can fail due to flaky Grid.</a:t>
-            </a:r>
-          </a:p>
-          <a:p>
-            <a:pPr lvl="1"/>
+              <a:t>QA and Continuous Delivery Consultant (London)</a:t>
+            </a:r>
+          </a:p>
+          <a:p>
             <a:endParaRPr lang="en-US" sz="2300" dirty="0"/>
           </a:p>
         </p:txBody>
@@ -3903,7 +4404,7 @@
                 <a:latin typeface="Arial" panose="020B0604020202020204" pitchFamily="34" charset="0"/>
                 <a:cs typeface="Arial" panose="020B0604020202020204" pitchFamily="34" charset="0"/>
               </a:rPr>
-              <a:t>Selenium Overview</a:t>
+              <a:t>About Us</a:t>
             </a:r>
           </a:p>
         </p:txBody>
@@ -3938,91 +4439,93 @@
           <a:chExt cx="0" cy="0"/>
         </a:xfrm>
       </p:grpSpPr>
-      <p:sp>
-        <p:nvSpPr>
-          <p:cNvPr id="2" name="Content Placeholder 1"/>
-          <p:cNvSpPr>
-            <a:spLocks noGrp="1"/>
-          </p:cNvSpPr>
+      <p:pic>
+        <p:nvPicPr>
+          <p:cNvPr id="5" name="Content Placeholder 4">
+            <a:extLst>
+              <a:ext uri="{FF2B5EF4-FFF2-40B4-BE49-F238E27FC236}">
+                <a16:creationId xmlns:a16="http://schemas.microsoft.com/office/drawing/2014/main" id="{4D74334C-8D09-A647-8B55-CDD7F8C8B339}"/>
+              </a:ext>
+            </a:extLst>
+          </p:cNvPr>
+          <p:cNvPicPr>
+            <a:picLocks noGrp="1" noChangeAspect="1"/>
+          </p:cNvPicPr>
           <p:nvPr>
             <p:ph idx="1"/>
           </p:nvPr>
-        </p:nvSpPr>
+        </p:nvPicPr>
+        <p:blipFill>
+          <a:blip r:embed="rId3">
+            <a:extLst>
+              <a:ext uri="{28A0092B-C50C-407E-A947-70E740481C1C}">
+                <a14:useLocalDpi xmlns:a14="http://schemas.microsoft.com/office/drawing/2010/main" val="0"/>
+              </a:ext>
+            </a:extLst>
+          </a:blip>
+          <a:stretch>
+            <a:fillRect/>
+          </a:stretch>
+        </p:blipFill>
         <p:spPr>
           <a:xfrm>
-            <a:off x="611560" y="1600201"/>
-            <a:ext cx="7920880" cy="4525963"/>
+            <a:off x="634380" y="1808820"/>
+            <a:ext cx="3073524" cy="3073524"/>
           </a:xfrm>
         </p:spPr>
-        <p:txBody>
-          <a:bodyPr>
-            <a:noAutofit/>
-          </a:bodyPr>
-          <a:lstStyle/>
-          <a:p>
-            <a:r>
-              <a:rPr lang="en-US" sz="2300" dirty="0"/>
-              <a:t>Dynamic, on-demand Selenium Grid.</a:t>
-            </a:r>
-          </a:p>
-          <a:p>
-            <a:r>
-              <a:rPr lang="en-US" sz="2300" dirty="0"/>
-              <a:t>Auto-scales during run-time – including deleting nodes after tests are finished.</a:t>
-            </a:r>
-          </a:p>
-          <a:p>
-            <a:r>
-              <a:rPr lang="en-US" sz="2300" dirty="0"/>
-              <a:t>Based on docker-selenium.</a:t>
-            </a:r>
-          </a:p>
-          <a:p>
-            <a:r>
-              <a:rPr lang="en-US" sz="2300" dirty="0"/>
-              <a:t>Simple to set up and run.</a:t>
-            </a:r>
-          </a:p>
-          <a:p>
-            <a:pPr marL="0" indent="0">
-              <a:buNone/>
-            </a:pPr>
-            <a:endParaRPr lang="en-US" sz="2300" dirty="0"/>
-          </a:p>
-        </p:txBody>
-      </p:sp>
-      <p:sp>
-        <p:nvSpPr>
-          <p:cNvPr id="3" name="Footer Placeholder 2"/>
-          <p:cNvSpPr>
-            <a:spLocks noGrp="1"/>
-          </p:cNvSpPr>
-          <p:nvPr>
-            <p:ph type="ftr" sz="quarter" idx="3"/>
-          </p:nvPr>
-        </p:nvSpPr>
-        <p:spPr/>
-        <p:txBody>
-          <a:bodyPr/>
-          <a:lstStyle/>
-          <a:p>
-            <a:r>
-              <a:rPr lang="en-GB" dirty="0"/>
-              <a:t>Commercial In Confidence - ECS 2017  </a:t>
-            </a:r>
-          </a:p>
-        </p:txBody>
-      </p:sp>
-      <p:sp>
-        <p:nvSpPr>
-          <p:cNvPr id="4" name="TextBox 3"/>
+      </p:pic>
+      <p:pic>
+        <p:nvPicPr>
+          <p:cNvPr id="7" name="Picture 6">
+            <a:extLst>
+              <a:ext uri="{FF2B5EF4-FFF2-40B4-BE49-F238E27FC236}">
+                <a16:creationId xmlns:a16="http://schemas.microsoft.com/office/drawing/2014/main" id="{C434120E-954D-1F40-9F56-757C29069AA1}"/>
+              </a:ext>
+            </a:extLst>
+          </p:cNvPr>
+          <p:cNvPicPr>
+            <a:picLocks noChangeAspect="1"/>
+          </p:cNvPicPr>
+          <p:nvPr/>
+        </p:nvPicPr>
+        <p:blipFill>
+          <a:blip r:embed="rId4">
+            <a:extLst>
+              <a:ext uri="{28A0092B-C50C-407E-A947-70E740481C1C}">
+                <a14:useLocalDpi xmlns:a14="http://schemas.microsoft.com/office/drawing/2010/main" val="0"/>
+              </a:ext>
+            </a:extLst>
+          </a:blip>
+          <a:stretch>
+            <a:fillRect/>
+          </a:stretch>
+        </p:blipFill>
+        <p:spPr>
+          <a:xfrm>
+            <a:off x="4896036" y="2726922"/>
+            <a:ext cx="3611942" cy="1512256"/>
+          </a:xfrm>
+          <a:prstGeom prst="rect">
+            <a:avLst/>
+          </a:prstGeom>
+        </p:spPr>
+      </p:pic>
+      <p:sp>
+        <p:nvSpPr>
+          <p:cNvPr id="8" name="TextBox 7">
+            <a:extLst>
+              <a:ext uri="{FF2B5EF4-FFF2-40B4-BE49-F238E27FC236}">
+                <a16:creationId xmlns:a16="http://schemas.microsoft.com/office/drawing/2014/main" id="{47643DDA-87ED-724D-AF74-C1F3D7F53847}"/>
+              </a:ext>
+            </a:extLst>
+          </p:cNvPr>
           <p:cNvSpPr txBox="1"/>
           <p:nvPr/>
         </p:nvSpPr>
         <p:spPr>
           <a:xfrm>
-            <a:off x="611560" y="692696"/>
-            <a:ext cx="7920880" cy="523220"/>
+            <a:off x="683568" y="5427222"/>
+            <a:ext cx="7824410" cy="300082"/>
           </a:xfrm>
           <a:prstGeom prst="rect">
             <a:avLst/>
@@ -4035,35 +4538,53 @@
           </a:bodyPr>
           <a:lstStyle/>
           <a:p>
-            <a:r>
-              <a:rPr lang="en-GB" sz="2800" dirty="0">
-                <a:solidFill>
-                  <a:srgbClr val="0070B7"/>
-                </a:solidFill>
-                <a:latin typeface="Arial" panose="020B0604020202020204" pitchFamily="34" charset="0"/>
-                <a:cs typeface="Arial" panose="020B0604020202020204" pitchFamily="34" charset="0"/>
-              </a:rPr>
-              <a:t>What is </a:t>
-            </a:r>
-            <a:r>
-              <a:rPr lang="en-GB" sz="2800" dirty="0" err="1">
-                <a:solidFill>
-                  <a:srgbClr val="0070B7"/>
-                </a:solidFill>
-                <a:latin typeface="Arial" panose="020B0604020202020204" pitchFamily="34" charset="0"/>
-                <a:cs typeface="Arial" panose="020B0604020202020204" pitchFamily="34" charset="0"/>
-              </a:rPr>
-              <a:t>Zalenium</a:t>
-            </a:r>
-            <a:r>
-              <a:rPr lang="en-GB" sz="2800" dirty="0">
-                <a:solidFill>
-                  <a:srgbClr val="0070B7"/>
-                </a:solidFill>
-                <a:latin typeface="Arial" panose="020B0604020202020204" pitchFamily="34" charset="0"/>
-                <a:cs typeface="Arial" panose="020B0604020202020204" pitchFamily="34" charset="0"/>
-              </a:rPr>
-              <a:t>?</a:t>
+            <a:pPr algn="ctr"/>
+            <a:r>
+              <a:rPr lang="en-US" sz="1350" dirty="0"/>
+              <a:t>Thursday Nov 1 – Friday Nov 2</a:t>
+            </a:r>
+          </a:p>
+        </p:txBody>
+      </p:sp>
+      <p:sp>
+        <p:nvSpPr>
+          <p:cNvPr id="9" name="TextBox 8">
+            <a:extLst>
+              <a:ext uri="{FF2B5EF4-FFF2-40B4-BE49-F238E27FC236}">
+                <a16:creationId xmlns:a16="http://schemas.microsoft.com/office/drawing/2014/main" id="{12EEDC4B-D179-5240-94EF-03491ACB3399}"/>
+              </a:ext>
+            </a:extLst>
+          </p:cNvPr>
+          <p:cNvSpPr txBox="1"/>
+          <p:nvPr/>
+        </p:nvSpPr>
+        <p:spPr>
+          <a:xfrm>
+            <a:off x="2257417" y="5060867"/>
+            <a:ext cx="4726615" cy="300082"/>
+          </a:xfrm>
+          <a:prstGeom prst="rect">
+            <a:avLst/>
+          </a:prstGeom>
+          <a:noFill/>
+        </p:spPr>
+        <p:txBody>
+          <a:bodyPr wrap="none" rtlCol="0">
+            <a:spAutoFit/>
+          </a:bodyPr>
+          <a:lstStyle/>
+          <a:p>
+            <a:r>
+              <a:rPr lang="en-US" sz="1350" dirty="0"/>
+              <a:t>https://</a:t>
+            </a:r>
+            <a:r>
+              <a:rPr lang="en-US" sz="1350" dirty="0" err="1"/>
+              <a:t>www.devopsdays.org</a:t>
+            </a:r>
+            <a:r>
+              <a:rPr lang="en-US" sz="1350" dirty="0"/>
+              <a:t>/events/2018-edinburgh/welcome/</a:t>
             </a:r>
           </a:p>
         </p:txBody>
@@ -4071,7 +4592,7 @@
     </p:spTree>
     <p:extLst>
       <p:ext uri="{BB962C8B-B14F-4D97-AF65-F5344CB8AC3E}">
-        <p14:creationId xmlns:p14="http://schemas.microsoft.com/office/powerpoint/2010/main" val="1437738720"/>
+        <p14:creationId xmlns:p14="http://schemas.microsoft.com/office/powerpoint/2010/main" val="3071101924"/>
       </p:ext>
     </p:extLst>
   </p:cSld>
@@ -4122,36 +4643,44 @@
           <a:p>
             <a:r>
               <a:rPr lang="en-US" sz="2300" dirty="0"/>
-              <a:t>Hard to maintain stable Selenium Grid.</a:t>
-            </a:r>
+              <a:t>WebDriver</a:t>
+            </a:r>
+          </a:p>
+          <a:p>
+            <a:endParaRPr lang="en-US" sz="2300" dirty="0"/>
+          </a:p>
+          <a:p>
+            <a:r>
+              <a:rPr lang="en-US" sz="2300"/>
+              <a:t>Docker-selenium</a:t>
+            </a:r>
+            <a:endParaRPr lang="en-US" sz="2300" dirty="0"/>
+          </a:p>
+          <a:p>
+            <a:endParaRPr lang="en-US" sz="2300" dirty="0"/>
           </a:p>
           <a:p>
             <a:r>
               <a:rPr lang="en-US" sz="2300" dirty="0"/>
-              <a:t>Difficult to maintain all requirements in Grid (e.g. different browsers).</a:t>
-            </a:r>
-          </a:p>
-          <a:p>
+              <a:t>Grid</a:t>
+            </a:r>
+          </a:p>
+          <a:p>
+            <a:pPr lvl="1"/>
             <a:r>
               <a:rPr lang="en-US" sz="2300" dirty="0"/>
-              <a:t>Allows anyone in your team to have flexible and disposable Grid infrastructure.</a:t>
-            </a:r>
-          </a:p>
-          <a:p>
+              <a:t>Difficult to maintain to keep versions maintained. </a:t>
+            </a:r>
+          </a:p>
+          <a:p>
+            <a:pPr lvl="1"/>
             <a:r>
               <a:rPr lang="en-US" sz="2300" dirty="0"/>
-              <a:t>Compliments providers like </a:t>
-            </a:r>
-            <a:r>
-              <a:rPr lang="en-US" sz="2300" dirty="0" err="1"/>
-              <a:t>SauceLabs</a:t>
-            </a:r>
-            <a:r>
-              <a:rPr lang="en-US" sz="2300" dirty="0"/>
-              <a:t>. Provides a local alternative.</a:t>
-            </a:r>
-          </a:p>
-          <a:p>
+              <a:t>Tests can fail due to flaky Grid.</a:t>
+            </a:r>
+          </a:p>
+          <a:p>
+            <a:pPr lvl="1"/>
             <a:endParaRPr lang="en-US" sz="2300" dirty="0"/>
           </a:p>
         </p:txBody>
@@ -4208,27 +4737,7 @@
                 <a:latin typeface="Arial" panose="020B0604020202020204" pitchFamily="34" charset="0"/>
                 <a:cs typeface="Arial" panose="020B0604020202020204" pitchFamily="34" charset="0"/>
               </a:rPr>
-              <a:t>Why use </a:t>
-            </a:r>
-            <a:r>
-              <a:rPr lang="en-GB" sz="2800" dirty="0" err="1">
-                <a:solidFill>
-                  <a:srgbClr val="0070B7"/>
-                </a:solidFill>
-                <a:latin typeface="Arial" panose="020B0604020202020204" pitchFamily="34" charset="0"/>
-                <a:cs typeface="Arial" panose="020B0604020202020204" pitchFamily="34" charset="0"/>
-              </a:rPr>
-              <a:t>Zalenium</a:t>
-            </a:r>
-            <a:r>
-              <a:rPr lang="en-GB" sz="2800" dirty="0">
-                <a:solidFill>
-                  <a:srgbClr val="0070B7"/>
-                </a:solidFill>
-                <a:latin typeface="Arial" panose="020B0604020202020204" pitchFamily="34" charset="0"/>
-                <a:cs typeface="Arial" panose="020B0604020202020204" pitchFamily="34" charset="0"/>
-              </a:rPr>
-              <a:t>?</a:t>
+              <a:t>Selenium Overview</a:t>
             </a:r>
           </a:p>
         </p:txBody>
@@ -4236,7 +4745,7 @@
     </p:spTree>
     <p:extLst>
       <p:ext uri="{BB962C8B-B14F-4D97-AF65-F5344CB8AC3E}">
-        <p14:creationId xmlns:p14="http://schemas.microsoft.com/office/powerpoint/2010/main" val="1200131251"/>
+        <p14:creationId xmlns:p14="http://schemas.microsoft.com/office/powerpoint/2010/main" val="1663746683"/>
       </p:ext>
     </p:extLst>
   </p:cSld>
@@ -4287,32 +4796,26 @@
           <a:p>
             <a:r>
               <a:rPr lang="en-US" sz="2300" dirty="0"/>
-              <a:t>A Selenium Grid Hub starts</a:t>
+              <a:t>Dynamic, on-demand Selenium Grid.</a:t>
             </a:r>
           </a:p>
           <a:p>
             <a:r>
               <a:rPr lang="en-US" sz="2300" dirty="0"/>
-              <a:t>A docker-selenium Starter Proxy then starts. This handles incoming requests.</a:t>
+              <a:t>Auto-scales during run-time – including deleting nodes after tests are finished.</a:t>
             </a:r>
           </a:p>
           <a:p>
             <a:r>
               <a:rPr lang="en-US" sz="2300" dirty="0"/>
-              <a:t>Cloud Proxy (e.g. Sauce Labs)</a:t>
-            </a:r>
-          </a:p>
-          <a:p>
-            <a:endParaRPr lang="en-US" sz="2300" dirty="0"/>
+              <a:t>Based on docker-selenium.</a:t>
+            </a:r>
           </a:p>
           <a:p>
             <a:r>
               <a:rPr lang="en-US" sz="2300" dirty="0"/>
-              <a:t>Test request is sent to Hub from local machine. Docker-selenium then analyses the test and creates a new docker-selenium container which registers itself to the Hub. Hub then assigns new test to the container. Then test is executed on the selenium container. Once it is complete the node shuts down, after taking video recording and saving file locally to users’ machine.</a:t>
-            </a:r>
-          </a:p>
-          <a:p>
-            <a:endParaRPr lang="en-US" sz="2300" dirty="0"/>
+              <a:t>Simple to set up and run.</a:t>
+            </a:r>
           </a:p>
           <a:p>
             <a:pPr marL="0" indent="0">
@@ -4374,7 +4877,27 @@
                 <a:latin typeface="Arial" panose="020B0604020202020204" pitchFamily="34" charset="0"/>
                 <a:cs typeface="Arial" panose="020B0604020202020204" pitchFamily="34" charset="0"/>
               </a:rPr>
-              <a:t>How it works</a:t>
+              <a:t>What is </a:t>
+            </a:r>
+            <a:r>
+              <a:rPr lang="en-GB" sz="2800" dirty="0" err="1">
+                <a:solidFill>
+                  <a:srgbClr val="0070B7"/>
+                </a:solidFill>
+                <a:latin typeface="Arial" panose="020B0604020202020204" pitchFamily="34" charset="0"/>
+                <a:cs typeface="Arial" panose="020B0604020202020204" pitchFamily="34" charset="0"/>
+              </a:rPr>
+              <a:t>Zalenium</a:t>
+            </a:r>
+            <a:r>
+              <a:rPr lang="en-GB" sz="2800" dirty="0">
+                <a:solidFill>
+                  <a:srgbClr val="0070B7"/>
+                </a:solidFill>
+                <a:latin typeface="Arial" panose="020B0604020202020204" pitchFamily="34" charset="0"/>
+                <a:cs typeface="Arial" panose="020B0604020202020204" pitchFamily="34" charset="0"/>
+              </a:rPr>
+              <a:t>?</a:t>
             </a:r>
           </a:p>
         </p:txBody>
@@ -4382,7 +4905,7 @@
     </p:spTree>
     <p:extLst>
       <p:ext uri="{BB962C8B-B14F-4D97-AF65-F5344CB8AC3E}">
-        <p14:creationId xmlns:p14="http://schemas.microsoft.com/office/powerpoint/2010/main" val="2596209834"/>
+        <p14:creationId xmlns:p14="http://schemas.microsoft.com/office/powerpoint/2010/main" val="1437738720"/>
       </p:ext>
     </p:extLst>
   </p:cSld>
@@ -4433,7 +4956,25 @@
           <a:p>
             <a:r>
               <a:rPr lang="en-US" sz="2300" dirty="0"/>
-              <a:t>If the Hub receives a test that docker-selenium is not compatible with e.g. Safari, IE. Hub will ask docker-selenium proxy if it can run it. If it can’t then it will talk to Cloud Proxy and run test on Cloud Proxy (e.g. </a:t>
+              <a:t>Hard to maintain stable Selenium Grid.</a:t>
+            </a:r>
+          </a:p>
+          <a:p>
+            <a:r>
+              <a:rPr lang="en-US" sz="2300" dirty="0"/>
+              <a:t>Difficult to maintain all requirements in Grid (e.g. different browsers).</a:t>
+            </a:r>
+          </a:p>
+          <a:p>
+            <a:r>
+              <a:rPr lang="en-US" sz="2300" dirty="0"/>
+              <a:t>Allows anyone in your team to have flexible and disposable Grid infrastructure.</a:t>
+            </a:r>
+          </a:p>
+          <a:p>
+            <a:r>
+              <a:rPr lang="en-US" sz="2300" dirty="0"/>
+              <a:t>Compliments providers like </a:t>
             </a:r>
             <a:r>
               <a:rPr lang="en-US" sz="2300" dirty="0" err="1"/>
@@ -4441,13 +4982,10 @@
             </a:r>
             <a:r>
               <a:rPr lang="en-US" sz="2300" dirty="0"/>
-              <a:t>) if available. </a:t>
-            </a:r>
-          </a:p>
-          <a:p>
-            <a:pPr marL="0" indent="0">
-              <a:buNone/>
-            </a:pPr>
+              <a:t>. Provides a local alternative.</a:t>
+            </a:r>
+          </a:p>
+          <a:p>
             <a:endParaRPr lang="en-US" sz="2300" dirty="0"/>
           </a:p>
         </p:txBody>
@@ -4504,7 +5042,27 @@
                 <a:latin typeface="Arial" panose="020B0604020202020204" pitchFamily="34" charset="0"/>
                 <a:cs typeface="Arial" panose="020B0604020202020204" pitchFamily="34" charset="0"/>
               </a:rPr>
-              <a:t>How it works</a:t>
+              <a:t>Why use </a:t>
+            </a:r>
+            <a:r>
+              <a:rPr lang="en-GB" sz="2800" dirty="0" err="1">
+                <a:solidFill>
+                  <a:srgbClr val="0070B7"/>
+                </a:solidFill>
+                <a:latin typeface="Arial" panose="020B0604020202020204" pitchFamily="34" charset="0"/>
+                <a:cs typeface="Arial" panose="020B0604020202020204" pitchFamily="34" charset="0"/>
+              </a:rPr>
+              <a:t>Zalenium</a:t>
+            </a:r>
+            <a:r>
+              <a:rPr lang="en-GB" sz="2800" dirty="0">
+                <a:solidFill>
+                  <a:srgbClr val="0070B7"/>
+                </a:solidFill>
+                <a:latin typeface="Arial" panose="020B0604020202020204" pitchFamily="34" charset="0"/>
+                <a:cs typeface="Arial" panose="020B0604020202020204" pitchFamily="34" charset="0"/>
+              </a:rPr>
+              <a:t>?</a:t>
             </a:r>
           </a:p>
         </p:txBody>
@@ -4512,7 +5070,7 @@
     </p:spTree>
     <p:extLst>
       <p:ext uri="{BB962C8B-B14F-4D97-AF65-F5344CB8AC3E}">
-        <p14:creationId xmlns:p14="http://schemas.microsoft.com/office/powerpoint/2010/main" val="3047678062"/>
+        <p14:creationId xmlns:p14="http://schemas.microsoft.com/office/powerpoint/2010/main" val="1200131251"/>
       </p:ext>
     </p:extLst>
   </p:cSld>
@@ -4563,88 +5121,35 @@
           <a:p>
             <a:r>
               <a:rPr lang="en-US" sz="2300" dirty="0"/>
-              <a:t>As well as running tests on VMs, </a:t>
-            </a:r>
-            <a:r>
-              <a:rPr lang="en-US" sz="2300" dirty="0" err="1"/>
-              <a:t>Zalenium</a:t>
-            </a:r>
+              <a:t>A Selenium Grid Hub starts</a:t>
+            </a:r>
+          </a:p>
+          <a:p>
             <a:r>
               <a:rPr lang="en-US" sz="2300" dirty="0"/>
-              <a:t> also has support for the following providers:</a:t>
-            </a:r>
-          </a:p>
-          <a:p>
-            <a:pPr lvl="2"/>
+              <a:t>A docker-selenium Starter Proxy then starts. This handles incoming requests.</a:t>
+            </a:r>
+          </a:p>
+          <a:p>
             <a:r>
               <a:rPr lang="en-US" sz="2300" dirty="0"/>
-              <a:t>Sauce Labs</a:t>
-            </a:r>
-          </a:p>
-          <a:p>
-            <a:pPr lvl="2"/>
-            <a:r>
-              <a:rPr lang="en-US" sz="2300" dirty="0" err="1"/>
-              <a:t>TestingBot</a:t>
-            </a:r>
+              <a:t>Cloud Proxy (e.g. Sauce Labs)</a:t>
+            </a:r>
+          </a:p>
+          <a:p>
             <a:endParaRPr lang="en-US" sz="2300" dirty="0"/>
           </a:p>
           <a:p>
-            <a:pPr lvl="2"/>
             <a:r>
               <a:rPr lang="en-US" sz="2300" dirty="0"/>
-              <a:t>Browser Stack</a:t>
-            </a:r>
-          </a:p>
-          <a:p>
-            <a:pPr marL="914400" lvl="2" indent="0">
-              <a:buNone/>
-            </a:pPr>
+              <a:t>Test request is sent to Hub from local machine. Docker-selenium then analyses the test and creates a new docker-selenium container which registers itself to the Hub. Hub then assigns new test to the container. Then test is executed on the selenium container. Once it is complete the node shuts down, after taking video recording and saving file locally to users’ machine.</a:t>
+            </a:r>
+          </a:p>
+          <a:p>
             <a:endParaRPr lang="en-US" sz="2300" dirty="0"/>
           </a:p>
           <a:p>
-            <a:r>
-              <a:rPr lang="en-US" sz="2300" dirty="0"/>
-              <a:t>To access these, add the following to your startup command:</a:t>
-            </a:r>
-          </a:p>
-          <a:p>
             <a:pPr marL="0" indent="0">
-              <a:buNone/>
-            </a:pPr>
-            <a:r>
-              <a:rPr lang="en-US" sz="2300" i="1" dirty="0"/>
-              <a:t>	</a:t>
-            </a:r>
-            <a:r>
-              <a:rPr lang="en-GB" i="1" dirty="0"/>
-              <a:t>export SAUCE_USERNAME=&lt;your Sauce Labs username&gt; export 	SAUCE_ACCESS_KEY=&lt;your Sauce Labs access key&gt; export 	SAUCE_LABS_URL=&lt;your Sauce Labs </a:t>
-            </a:r>
-            <a:r>
-              <a:rPr lang="en-GB" i="1" dirty="0" err="1"/>
-              <a:t>url:port</a:t>
-            </a:r>
-            <a:r>
-              <a:rPr lang="en-GB" i="1" dirty="0"/>
-              <a:t> number&gt; </a:t>
-            </a:r>
-            <a:r>
-              <a:rPr lang="en-US" sz="2300" i="1" dirty="0"/>
-              <a:t> </a:t>
-            </a:r>
-            <a:br>
-              <a:rPr lang="en-US" sz="2300" dirty="0"/>
-            </a:br>
-            <a:br>
-              <a:rPr lang="en-US" sz="2300" dirty="0"/>
-            </a:br>
-            <a:br>
-              <a:rPr lang="en-US" sz="2300" dirty="0"/>
-            </a:br>
-            <a:endParaRPr lang="en-US" sz="2300" dirty="0"/>
-          </a:p>
-          <a:p>
-            <a:pPr marL="914400" lvl="2" indent="0">
               <a:buNone/>
             </a:pPr>
             <a:endParaRPr lang="en-US" sz="2300" dirty="0"/>
@@ -4703,7 +5208,7 @@
                 <a:latin typeface="Arial" panose="020B0604020202020204" pitchFamily="34" charset="0"/>
                 <a:cs typeface="Arial" panose="020B0604020202020204" pitchFamily="34" charset="0"/>
               </a:rPr>
-              <a:t>Running Tests on Cloud Proxy</a:t>
+              <a:t>How it works</a:t>
             </a:r>
           </a:p>
         </p:txBody>
@@ -4711,7 +5216,7 @@
     </p:spTree>
     <p:extLst>
       <p:ext uri="{BB962C8B-B14F-4D97-AF65-F5344CB8AC3E}">
-        <p14:creationId xmlns:p14="http://schemas.microsoft.com/office/powerpoint/2010/main" val="630844028"/>
+        <p14:creationId xmlns:p14="http://schemas.microsoft.com/office/powerpoint/2010/main" val="2596209834"/>
       </p:ext>
     </p:extLst>
   </p:cSld>
@@ -4740,12 +5245,55 @@
       </p:grpSpPr>
       <p:sp>
         <p:nvSpPr>
-          <p:cNvPr id="2" name="Footer Placeholder 1"/>
+          <p:cNvPr id="2" name="Content Placeholder 1"/>
           <p:cNvSpPr>
             <a:spLocks noGrp="1"/>
           </p:cNvSpPr>
           <p:nvPr>
-            <p:ph type="ftr" sz="quarter" idx="11"/>
+            <p:ph idx="1"/>
+          </p:nvPr>
+        </p:nvSpPr>
+        <p:spPr>
+          <a:xfrm>
+            <a:off x="611560" y="1600201"/>
+            <a:ext cx="7920880" cy="4525963"/>
+          </a:xfrm>
+        </p:spPr>
+        <p:txBody>
+          <a:bodyPr>
+            <a:noAutofit/>
+          </a:bodyPr>
+          <a:lstStyle/>
+          <a:p>
+            <a:r>
+              <a:rPr lang="en-US" sz="2300" dirty="0"/>
+              <a:t>If the Hub receives a test that docker-selenium is not compatible with e.g. Safari, IE. Hub will ask docker-selenium proxy if it can run it. If it can’t then it will talk to Cloud Proxy and run test on Cloud Proxy (e.g. </a:t>
+            </a:r>
+            <a:r>
+              <a:rPr lang="en-US" sz="2300" dirty="0" err="1"/>
+              <a:t>SauceLabs</a:t>
+            </a:r>
+            <a:r>
+              <a:rPr lang="en-US" sz="2300" dirty="0"/>
+              <a:t>) if available. </a:t>
+            </a:r>
+          </a:p>
+          <a:p>
+            <a:pPr marL="0" indent="0">
+              <a:buNone/>
+            </a:pPr>
+            <a:endParaRPr lang="en-US" sz="2300" dirty="0"/>
+          </a:p>
+        </p:txBody>
+      </p:sp>
+      <p:sp>
+        <p:nvSpPr>
+          <p:cNvPr id="3" name="Footer Placeholder 2"/>
+          <p:cNvSpPr>
+            <a:spLocks noGrp="1"/>
+          </p:cNvSpPr>
+          <p:nvPr>
+            <p:ph type="ftr" sz="quarter" idx="3"/>
           </p:nvPr>
         </p:nvSpPr>
         <p:spPr/>
@@ -4762,75 +5310,35 @@
       </p:sp>
       <p:sp>
         <p:nvSpPr>
-          <p:cNvPr id="3" name="Text Placeholder 2"/>
-          <p:cNvSpPr>
-            <a:spLocks noGrp="1"/>
-          </p:cNvSpPr>
-          <p:nvPr>
-            <p:ph type="body" idx="13"/>
-          </p:nvPr>
-        </p:nvSpPr>
-        <p:spPr/>
-        <p:txBody>
-          <a:bodyPr/>
-          <a:lstStyle/>
-          <a:p>
-            <a:r>
-              <a:rPr lang="en-GB" dirty="0"/>
-              <a:t>Thank You</a:t>
-            </a:r>
-          </a:p>
-        </p:txBody>
-      </p:sp>
-      <p:sp>
-        <p:nvSpPr>
-          <p:cNvPr id="4" name="Title 5"/>
-          <p:cNvSpPr txBox="1">
-            <a:spLocks/>
-          </p:cNvSpPr>
+          <p:cNvPr id="4" name="TextBox 3"/>
+          <p:cNvSpPr txBox="1"/>
           <p:nvPr/>
         </p:nvSpPr>
         <p:spPr>
           <a:xfrm>
-            <a:off x="539552" y="5661248"/>
-            <a:ext cx="7772400" cy="345281"/>
+            <a:off x="611560" y="692696"/>
+            <a:ext cx="7920880" cy="523220"/>
           </a:xfrm>
           <a:prstGeom prst="rect">
             <a:avLst/>
           </a:prstGeom>
+          <a:noFill/>
         </p:spPr>
         <p:txBody>
-          <a:bodyPr vert="horz" lIns="91440" tIns="45720" rIns="91440" bIns="45720" rtlCol="0" anchor="ctr">
-            <a:normAutofit fontScale="85000" lnSpcReduction="20000"/>
+          <a:bodyPr wrap="square" rtlCol="0">
+            <a:spAutoFit/>
           </a:bodyPr>
-          <a:lstStyle>
-            <a:lvl1pPr algn="l" defTabSz="914400" rtl="0" eaLnBrk="1" latinLnBrk="0" hangingPunct="1">
-              <a:spcBef>
-                <a:spcPct val="0"/>
-              </a:spcBef>
-              <a:buNone/>
-              <a:defRPr sz="4000" kern="1200">
+          <a:lstStyle/>
+          <a:p>
+            <a:r>
+              <a:rPr lang="en-GB" sz="2800" dirty="0">
                 <a:solidFill>
-                  <a:schemeClr val="bg1"/>
+                  <a:srgbClr val="0070B7"/>
                 </a:solidFill>
                 <a:latin typeface="Arial" panose="020B0604020202020204" pitchFamily="34" charset="0"/>
-                <a:ea typeface="+mj-ea"/>
                 <a:cs typeface="Arial" panose="020B0604020202020204" pitchFamily="34" charset="0"/>
-              </a:defRPr>
-            </a:lvl1pPr>
-          </a:lstStyle>
-          <a:p>
-            <a:r>
-              <a:rPr lang="en-GB" sz="2400" dirty="0"/>
-              <a:t>Ali Hill, Hammad </a:t>
-            </a:r>
-            <a:r>
-              <a:rPr lang="en-GB" sz="2400" dirty="0" err="1"/>
-              <a:t>Chandio</a:t>
-            </a:r>
-            <a:r>
-              <a:rPr lang="en-GB" sz="2400" dirty="0"/>
-              <a:t>, Farhan Shaikh</a:t>
+              </a:rPr>
+              <a:t>How it works</a:t>
             </a:r>
           </a:p>
         </p:txBody>
@@ -4838,7 +5346,7 @@
     </p:spTree>
     <p:extLst>
       <p:ext uri="{BB962C8B-B14F-4D97-AF65-F5344CB8AC3E}">
-        <p14:creationId xmlns:p14="http://schemas.microsoft.com/office/powerpoint/2010/main" val="2079933839"/>
+        <p14:creationId xmlns:p14="http://schemas.microsoft.com/office/powerpoint/2010/main" val="3047678062"/>
       </p:ext>
     </p:extLst>
   </p:cSld>

--- a/ECS_Digital_Template.pptx
+++ b/ECS_Digital_Template.pptx
@@ -5,10 +5,10 @@
     <p:sldMasterId id="2147483648" r:id="rId4"/>
   </p:sldMasterIdLst>
   <p:notesMasterIdLst>
-    <p:notesMasterId r:id="rId17"/>
+    <p:notesMasterId r:id="rId19"/>
   </p:notesMasterIdLst>
   <p:handoutMasterIdLst>
-    <p:handoutMasterId r:id="rId18"/>
+    <p:handoutMasterId r:id="rId20"/>
   </p:handoutMasterIdLst>
   <p:sldIdLst>
     <p:sldId id="303" r:id="rId5"/>
@@ -20,9 +20,11 @@
     <p:sldId id="292" r:id="rId11"/>
     <p:sldId id="295" r:id="rId12"/>
     <p:sldId id="296" r:id="rId13"/>
-    <p:sldId id="293" r:id="rId14"/>
-    <p:sldId id="297" r:id="rId15"/>
-    <p:sldId id="267" r:id="rId16"/>
+    <p:sldId id="307" r:id="rId14"/>
+    <p:sldId id="308" r:id="rId15"/>
+    <p:sldId id="293" r:id="rId16"/>
+    <p:sldId id="297" r:id="rId17"/>
+    <p:sldId id="267" r:id="rId18"/>
   </p:sldIdLst>
   <p:sldSz cx="9144000" cy="6858000" type="screen4x3"/>
   <p:notesSz cx="6858000" cy="9144000"/>
@@ -664,6 +666,90 @@
 </file>
 
 <file path=ppt/notesSlides/notesSlide1.xml><?xml version="1.0" encoding="utf-8"?>
+<p:notes xmlns:a="http://schemas.openxmlformats.org/drawingml/2006/main" xmlns:r="http://schemas.openxmlformats.org/officeDocument/2006/relationships" xmlns:p="http://schemas.openxmlformats.org/presentationml/2006/main">
+  <p:cSld>
+    <p:spTree>
+      <p:nvGrpSpPr>
+        <p:cNvPr id="1" name=""/>
+        <p:cNvGrpSpPr/>
+        <p:nvPr/>
+      </p:nvGrpSpPr>
+      <p:grpSpPr>
+        <a:xfrm>
+          <a:off x="0" y="0"/>
+          <a:ext cx="0" cy="0"/>
+          <a:chOff x="0" y="0"/>
+          <a:chExt cx="0" cy="0"/>
+        </a:xfrm>
+      </p:grpSpPr>
+      <p:sp>
+        <p:nvSpPr>
+          <p:cNvPr id="2" name="Slide Image Placeholder 1"/>
+          <p:cNvSpPr>
+            <a:spLocks noGrp="1" noRot="1" noChangeAspect="1"/>
+          </p:cNvSpPr>
+          <p:nvPr>
+            <p:ph type="sldImg"/>
+          </p:nvPr>
+        </p:nvSpPr>
+        <p:spPr/>
+      </p:sp>
+      <p:sp>
+        <p:nvSpPr>
+          <p:cNvPr id="3" name="Notes Placeholder 2"/>
+          <p:cNvSpPr>
+            <a:spLocks noGrp="1"/>
+          </p:cNvSpPr>
+          <p:nvPr>
+            <p:ph type="body" idx="1"/>
+          </p:nvPr>
+        </p:nvSpPr>
+        <p:spPr/>
+        <p:txBody>
+          <a:bodyPr/>
+          <a:lstStyle/>
+          <a:p>
+            <a:endParaRPr lang="en-US" dirty="0"/>
+          </a:p>
+        </p:txBody>
+      </p:sp>
+      <p:sp>
+        <p:nvSpPr>
+          <p:cNvPr id="4" name="Slide Number Placeholder 3"/>
+          <p:cNvSpPr>
+            <a:spLocks noGrp="1"/>
+          </p:cNvSpPr>
+          <p:nvPr>
+            <p:ph type="sldNum" sz="quarter" idx="5"/>
+          </p:nvPr>
+        </p:nvSpPr>
+        <p:spPr/>
+        <p:txBody>
+          <a:bodyPr/>
+          <a:lstStyle/>
+          <a:p>
+            <a:fld id="{7A507E9C-E9CF-45CC-A225-331D2025989C}" type="slidenum">
+              <a:rPr lang="en-GB" smtClean="0"/>
+              <a:t>3</a:t>
+            </a:fld>
+            <a:endParaRPr lang="en-GB" dirty="0"/>
+          </a:p>
+        </p:txBody>
+      </p:sp>
+    </p:spTree>
+    <p:extLst>
+      <p:ext uri="{BB962C8B-B14F-4D97-AF65-F5344CB8AC3E}">
+        <p14:creationId xmlns:p14="http://schemas.microsoft.com/office/powerpoint/2010/main" val="2549555706"/>
+      </p:ext>
+    </p:extLst>
+  </p:cSld>
+  <p:clrMapOvr>
+    <a:masterClrMapping/>
+  </p:clrMapOvr>
+</p:notes>
+</file>
+
+<file path=ppt/notesSlides/notesSlide2.xml><?xml version="1.0" encoding="utf-8"?>
 <p:notes xmlns:a="http://schemas.openxmlformats.org/drawingml/2006/main" xmlns:r="http://schemas.openxmlformats.org/officeDocument/2006/relationships" xmlns:p="http://schemas.openxmlformats.org/presentationml/2006/main">
   <p:cSld>
     <p:spTree>
@@ -3700,118 +3786,41 @@
           <a:chExt cx="0" cy="0"/>
         </a:xfrm>
       </p:grpSpPr>
-      <p:sp>
-        <p:nvSpPr>
-          <p:cNvPr id="2" name="Content Placeholder 1"/>
-          <p:cNvSpPr>
-            <a:spLocks noGrp="1"/>
-          </p:cNvSpPr>
+      <p:pic>
+        <p:nvPicPr>
+          <p:cNvPr id="6" name="Content Placeholder 5">
+            <a:extLst>
+              <a:ext uri="{FF2B5EF4-FFF2-40B4-BE49-F238E27FC236}">
+                <a16:creationId xmlns:a16="http://schemas.microsoft.com/office/drawing/2014/main" id="{95677DF3-8E4B-F040-9C38-E181634D7F65}"/>
+              </a:ext>
+            </a:extLst>
+          </p:cNvPr>
+          <p:cNvPicPr>
+            <a:picLocks noGrp="1" noChangeAspect="1"/>
+          </p:cNvPicPr>
           <p:nvPr>
             <p:ph idx="1"/>
           </p:nvPr>
-        </p:nvSpPr>
-        <p:spPr>
-          <a:xfrm>
-            <a:off x="611560" y="1600201"/>
-            <a:ext cx="7920880" cy="4525963"/>
-          </a:xfrm>
-        </p:spPr>
-        <p:txBody>
-          <a:bodyPr>
-            <a:noAutofit/>
-          </a:bodyPr>
-          <a:lstStyle/>
-          <a:p>
-            <a:r>
-              <a:rPr lang="en-US" sz="2300" dirty="0"/>
-              <a:t>As well as running tests on VMs, </a:t>
-            </a:r>
-            <a:r>
-              <a:rPr lang="en-US" sz="2300" dirty="0" err="1"/>
-              <a:t>Zalenium</a:t>
-            </a:r>
-            <a:r>
-              <a:rPr lang="en-US" sz="2300" dirty="0"/>
-              <a:t> also has support for the following providers:</a:t>
-            </a:r>
-          </a:p>
-          <a:p>
-            <a:pPr lvl="2"/>
-            <a:r>
-              <a:rPr lang="en-US" sz="2300" dirty="0"/>
-              <a:t>Sauce Labs</a:t>
-            </a:r>
-          </a:p>
-          <a:p>
-            <a:pPr lvl="2"/>
-            <a:r>
-              <a:rPr lang="en-US" sz="2300" dirty="0" err="1"/>
-              <a:t>TestingBot</a:t>
-            </a:r>
-            <a:endParaRPr lang="en-US" sz="2300" dirty="0"/>
-          </a:p>
-          <a:p>
-            <a:pPr lvl="2"/>
-            <a:r>
-              <a:rPr lang="en-US" sz="2300" dirty="0"/>
-              <a:t>Browser Stack</a:t>
-            </a:r>
-          </a:p>
-          <a:p>
-            <a:pPr marL="914400" lvl="2" indent="0">
-              <a:buNone/>
-            </a:pPr>
-            <a:endParaRPr lang="en-US" sz="2300" dirty="0"/>
-          </a:p>
-          <a:p>
-            <a:r>
-              <a:rPr lang="en-US" sz="2300" dirty="0"/>
-              <a:t>To access these, add the following to your startup command:</a:t>
-            </a:r>
-          </a:p>
-          <a:p>
-            <a:pPr marL="0" indent="0">
-              <a:buNone/>
-            </a:pPr>
-            <a:r>
-              <a:rPr lang="en-US" sz="2300" i="1" dirty="0"/>
-              <a:t>	</a:t>
-            </a:r>
-            <a:r>
-              <a:rPr lang="en-GB" i="1" dirty="0"/>
-              <a:t>export SAUCE_USERNAME=&lt;your Sauce Labs username&gt; export 	SAUCE_ACCESS_KEY=&lt;your Sauce Labs access key&gt; export 	SAUCE_LABS_URL=&lt;your Sauce Labs </a:t>
-            </a:r>
-            <a:r>
-              <a:rPr lang="en-GB" i="1" dirty="0" err="1"/>
-              <a:t>url:port</a:t>
-            </a:r>
-            <a:r>
-              <a:rPr lang="en-GB" i="1" dirty="0"/>
-              <a:t> number&gt; </a:t>
-            </a:r>
-            <a:r>
-              <a:rPr lang="en-US" sz="2300" i="1" dirty="0"/>
-              <a:t> </a:t>
-            </a:r>
-            <a:br>
-              <a:rPr lang="en-US" sz="2300" dirty="0"/>
-            </a:br>
-            <a:br>
-              <a:rPr lang="en-US" sz="2300" dirty="0"/>
-            </a:br>
-            <a:br>
-              <a:rPr lang="en-US" sz="2300" dirty="0"/>
-            </a:br>
-            <a:endParaRPr lang="en-US" sz="2300" dirty="0"/>
-          </a:p>
-          <a:p>
-            <a:pPr marL="914400" lvl="2" indent="0">
-              <a:buNone/>
-            </a:pPr>
-            <a:endParaRPr lang="en-US" sz="2300" dirty="0"/>
-          </a:p>
-        </p:txBody>
-      </p:sp>
+        </p:nvPicPr>
+        <p:blipFill>
+          <a:blip r:embed="rId2">
+            <a:extLst>
+              <a:ext uri="{28A0092B-C50C-407E-A947-70E740481C1C}">
+                <a14:useLocalDpi xmlns:a14="http://schemas.microsoft.com/office/drawing/2010/main" val="0"/>
+              </a:ext>
+            </a:extLst>
+          </a:blip>
+          <a:stretch>
+            <a:fillRect/>
+          </a:stretch>
+        </p:blipFill>
+        <p:spPr>
+          <a:xfrm>
+            <a:off x="611188" y="1823726"/>
+            <a:ext cx="7921625" cy="4078910"/>
+          </a:xfrm>
+        </p:spPr>
+      </p:pic>
       <p:sp>
         <p:nvSpPr>
           <p:cNvPr id="3" name="Footer Placeholder 2"/>
@@ -3828,9 +3837,14 @@
           <a:lstStyle/>
           <a:p>
             <a:r>
-              <a:rPr lang="en-GB" dirty="0"/>
-              <a:t>Commercial In Confidence - ECS 2017  </a:t>
-            </a:r>
+              <a:rPr lang="en-GB" sz="1600" dirty="0"/>
+              <a:t>#</a:t>
+            </a:r>
+            <a:r>
+              <a:rPr lang="en-GB" sz="1600" dirty="0" err="1"/>
+              <a:t>DevOpsPlayground</a:t>
+            </a:r>
+            <a:endParaRPr lang="en-GB" sz="1600" dirty="0"/>
           </a:p>
         </p:txBody>
       </p:sp>
@@ -3864,7 +3878,7 @@
                 <a:latin typeface="Arial" panose="020B0604020202020204" pitchFamily="34" charset="0"/>
                 <a:cs typeface="Arial" panose="020B0604020202020204" pitchFamily="34" charset="0"/>
               </a:rPr>
-              <a:t>Running tests on Cloud Proxy</a:t>
+              <a:t>How it works</a:t>
             </a:r>
           </a:p>
         </p:txBody>
@@ -3872,7 +3886,7 @@
     </p:spTree>
     <p:extLst>
       <p:ext uri="{BB962C8B-B14F-4D97-AF65-F5344CB8AC3E}">
-        <p14:creationId xmlns:p14="http://schemas.microsoft.com/office/powerpoint/2010/main" val="630844028"/>
+        <p14:creationId xmlns:p14="http://schemas.microsoft.com/office/powerpoint/2010/main" val="2039348773"/>
       </p:ext>
     </p:extLst>
   </p:cSld>
@@ -3901,47 +3915,6 @@
       </p:grpSpPr>
       <p:sp>
         <p:nvSpPr>
-          <p:cNvPr id="2" name="Content Placeholder 1"/>
-          <p:cNvSpPr>
-            <a:spLocks noGrp="1"/>
-          </p:cNvSpPr>
-          <p:nvPr>
-            <p:ph idx="1"/>
-          </p:nvPr>
-        </p:nvSpPr>
-        <p:spPr>
-          <a:xfrm>
-            <a:off x="611560" y="1600201"/>
-            <a:ext cx="7920880" cy="4525963"/>
-          </a:xfrm>
-        </p:spPr>
-        <p:txBody>
-          <a:bodyPr>
-            <a:noAutofit/>
-          </a:bodyPr>
-          <a:lstStyle/>
-          <a:p>
-            <a:br>
-              <a:rPr lang="en-US" sz="2300" dirty="0"/>
-            </a:br>
-            <a:br>
-              <a:rPr lang="en-US" sz="2300" dirty="0"/>
-            </a:br>
-            <a:br>
-              <a:rPr lang="en-US" sz="2300" dirty="0"/>
-            </a:br>
-            <a:endParaRPr lang="en-US" sz="2300" dirty="0"/>
-          </a:p>
-          <a:p>
-            <a:pPr marL="914400" lvl="2" indent="0">
-              <a:buNone/>
-            </a:pPr>
-            <a:endParaRPr lang="en-US" sz="2300" dirty="0"/>
-          </a:p>
-        </p:txBody>
-      </p:sp>
-      <p:sp>
-        <p:nvSpPr>
           <p:cNvPr id="3" name="Footer Placeholder 2"/>
           <p:cNvSpPr>
             <a:spLocks noGrp="1"/>
@@ -3956,9 +3929,14 @@
           <a:lstStyle/>
           <a:p>
             <a:r>
-              <a:rPr lang="en-GB" dirty="0"/>
-              <a:t>Commercial In Confidence - ECS 2017  </a:t>
-            </a:r>
+              <a:rPr lang="en-GB" sz="1600" dirty="0"/>
+              <a:t>#</a:t>
+            </a:r>
+            <a:r>
+              <a:rPr lang="en-GB" sz="1600" dirty="0" err="1"/>
+              <a:t>DevOpsPlayground</a:t>
+            </a:r>
+            <a:endParaRPr lang="en-GB" sz="1600" dirty="0"/>
           </a:p>
         </p:txBody>
       </p:sp>
@@ -3992,15 +3970,136 @@
                 <a:latin typeface="Arial" panose="020B0604020202020204" pitchFamily="34" charset="0"/>
                 <a:cs typeface="Arial" panose="020B0604020202020204" pitchFamily="34" charset="0"/>
               </a:rPr>
-              <a:t>What else can be customised?</a:t>
-            </a:r>
+              <a:t>Playground</a:t>
+            </a:r>
+          </a:p>
+        </p:txBody>
+      </p:sp>
+      <p:sp>
+        <p:nvSpPr>
+          <p:cNvPr id="5" name="Content Placeholder 4">
+            <a:extLst>
+              <a:ext uri="{FF2B5EF4-FFF2-40B4-BE49-F238E27FC236}">
+                <a16:creationId xmlns:a16="http://schemas.microsoft.com/office/drawing/2014/main" id="{122D25EA-2C5B-F546-B0F0-A1ECE4E5202C}"/>
+              </a:ext>
+            </a:extLst>
+          </p:cNvPr>
+          <p:cNvSpPr>
+            <a:spLocks noGrp="1"/>
+          </p:cNvSpPr>
+          <p:nvPr>
+            <p:ph idx="1"/>
+          </p:nvPr>
+        </p:nvSpPr>
+        <p:spPr/>
+        <p:txBody>
+          <a:bodyPr/>
+          <a:lstStyle/>
+          <a:p>
+            <a:r>
+              <a:rPr lang="en-US" dirty="0"/>
+              <a:t>Everyone should have an IP address to log into over SSH.</a:t>
+            </a:r>
+          </a:p>
+          <a:p>
+            <a:endParaRPr lang="en-US" dirty="0"/>
+          </a:p>
+          <a:p>
+            <a:r>
+              <a:rPr lang="en-US" dirty="0"/>
+              <a:t>Access the Playground ReadMe and GitHub repo here: </a:t>
+            </a:r>
+            <a:r>
+              <a:rPr lang="en-US" dirty="0">
+                <a:hlinkClick r:id="rId2"/>
+              </a:rPr>
+              <a:t>https://bit.ly/2zrbOED</a:t>
+            </a:r>
+            <a:endParaRPr lang="en-US" dirty="0"/>
+          </a:p>
+          <a:p>
+            <a:endParaRPr lang="en-US" dirty="0"/>
+          </a:p>
+          <a:p>
+            <a:r>
+              <a:rPr lang="en-US" dirty="0"/>
+              <a:t>We’re going to:</a:t>
+            </a:r>
+          </a:p>
+          <a:p>
+            <a:pPr lvl="1"/>
+            <a:r>
+              <a:rPr lang="en-US" dirty="0"/>
+              <a:t>Install docker-selenium and </a:t>
+            </a:r>
+            <a:r>
+              <a:rPr lang="en-US" dirty="0" err="1"/>
+              <a:t>Zalenium</a:t>
+            </a:r>
+            <a:r>
+              <a:rPr lang="en-US" dirty="0"/>
+              <a:t>.</a:t>
+            </a:r>
+          </a:p>
+          <a:p>
+            <a:pPr lvl="1"/>
+            <a:r>
+              <a:rPr lang="en-US" dirty="0"/>
+              <a:t>Run </a:t>
+            </a:r>
+            <a:r>
+              <a:rPr lang="en-US" dirty="0" err="1"/>
+              <a:t>Zalenium</a:t>
+            </a:r>
+            <a:endParaRPr lang="en-US" dirty="0"/>
+          </a:p>
+          <a:p>
+            <a:pPr lvl="1"/>
+            <a:r>
+              <a:rPr lang="en-US" dirty="0"/>
+              <a:t>Run JavaScript </a:t>
+            </a:r>
+            <a:r>
+              <a:rPr lang="en-US" dirty="0" err="1"/>
+              <a:t>WebDriver.io</a:t>
+            </a:r>
+            <a:r>
+              <a:rPr lang="en-US" dirty="0"/>
+              <a:t> tests in parallel using </a:t>
+            </a:r>
+            <a:r>
+              <a:rPr lang="en-US" dirty="0" err="1"/>
+              <a:t>Zalenium</a:t>
+            </a:r>
+            <a:endParaRPr lang="en-US" dirty="0"/>
+          </a:p>
+          <a:p>
+            <a:pPr lvl="1"/>
+            <a:r>
+              <a:rPr lang="en-US" dirty="0"/>
+              <a:t>View the </a:t>
+            </a:r>
+            <a:r>
+              <a:rPr lang="en-US" dirty="0" err="1"/>
+              <a:t>Zalenium</a:t>
+            </a:r>
+            <a:r>
+              <a:rPr lang="en-US" dirty="0"/>
+              <a:t> Dashboard</a:t>
+            </a:r>
+          </a:p>
+          <a:p>
+            <a:endParaRPr lang="en-US" dirty="0"/>
+          </a:p>
+          <a:p>
+            <a:endParaRPr lang="en-US" dirty="0"/>
           </a:p>
         </p:txBody>
       </p:sp>
     </p:spTree>
     <p:extLst>
       <p:ext uri="{BB962C8B-B14F-4D97-AF65-F5344CB8AC3E}">
-        <p14:creationId xmlns:p14="http://schemas.microsoft.com/office/powerpoint/2010/main" val="199186152"/>
+        <p14:creationId xmlns:p14="http://schemas.microsoft.com/office/powerpoint/2010/main" val="2752887665"/>
       </p:ext>
     </p:extLst>
   </p:cSld>
@@ -4029,6 +4128,488 @@
       </p:grpSpPr>
       <p:sp>
         <p:nvSpPr>
+          <p:cNvPr id="2" name="Content Placeholder 1"/>
+          <p:cNvSpPr>
+            <a:spLocks noGrp="1"/>
+          </p:cNvSpPr>
+          <p:nvPr>
+            <p:ph idx="1"/>
+          </p:nvPr>
+        </p:nvSpPr>
+        <p:spPr>
+          <a:xfrm>
+            <a:off x="611560" y="1600201"/>
+            <a:ext cx="7920880" cy="4525963"/>
+          </a:xfrm>
+        </p:spPr>
+        <p:txBody>
+          <a:bodyPr>
+            <a:noAutofit/>
+          </a:bodyPr>
+          <a:lstStyle/>
+          <a:p>
+            <a:r>
+              <a:rPr lang="en-US" sz="2300" dirty="0"/>
+              <a:t>As well as running tests on VMs, </a:t>
+            </a:r>
+            <a:r>
+              <a:rPr lang="en-US" sz="2300" dirty="0" err="1"/>
+              <a:t>Zalenium</a:t>
+            </a:r>
+            <a:r>
+              <a:rPr lang="en-US" sz="2300" dirty="0"/>
+              <a:t> also has support for the following providers:</a:t>
+            </a:r>
+          </a:p>
+          <a:p>
+            <a:pPr lvl="2"/>
+            <a:r>
+              <a:rPr lang="en-US" sz="2300" dirty="0"/>
+              <a:t>Sauce Labs</a:t>
+            </a:r>
+          </a:p>
+          <a:p>
+            <a:pPr lvl="2"/>
+            <a:r>
+              <a:rPr lang="en-US" sz="2300" dirty="0" err="1"/>
+              <a:t>TestingBot</a:t>
+            </a:r>
+            <a:endParaRPr lang="en-US" sz="2300" dirty="0"/>
+          </a:p>
+          <a:p>
+            <a:pPr lvl="2"/>
+            <a:r>
+              <a:rPr lang="en-US" sz="2300" dirty="0"/>
+              <a:t>Browser Stack</a:t>
+            </a:r>
+          </a:p>
+          <a:p>
+            <a:pPr marL="914400" lvl="2" indent="0">
+              <a:buNone/>
+            </a:pPr>
+            <a:endParaRPr lang="en-US" sz="2300" dirty="0"/>
+          </a:p>
+          <a:p>
+            <a:r>
+              <a:rPr lang="en-US" sz="2300" dirty="0"/>
+              <a:t>An example of this, to access Sauce Labs, add the following to your startup command:</a:t>
+            </a:r>
+          </a:p>
+          <a:p>
+            <a:pPr marL="0" indent="0">
+              <a:buNone/>
+            </a:pPr>
+            <a:r>
+              <a:rPr lang="en-US" sz="2300" i="1" dirty="0"/>
+              <a:t>	</a:t>
+            </a:r>
+            <a:r>
+              <a:rPr lang="en-GB" i="1" dirty="0"/>
+              <a:t>export SAUCE_USERNAME=&lt;your Sauce Labs username&gt; export 	SAUCE_ACCESS_KEY=&lt;your Sauce Labs access key&gt; export 	SAUCE_LABS_URL=&lt;your Sauce Labs </a:t>
+            </a:r>
+            <a:r>
+              <a:rPr lang="en-GB" i="1" dirty="0" err="1"/>
+              <a:t>url:port</a:t>
+            </a:r>
+            <a:r>
+              <a:rPr lang="en-GB" i="1" dirty="0"/>
+              <a:t> number&gt; </a:t>
+            </a:r>
+            <a:r>
+              <a:rPr lang="en-US" sz="2300" i="1" dirty="0"/>
+              <a:t> </a:t>
+            </a:r>
+          </a:p>
+          <a:p>
+            <a:pPr marL="0" indent="0">
+              <a:buNone/>
+            </a:pPr>
+            <a:r>
+              <a:rPr lang="en-GB" dirty="0"/>
+              <a:t>                </a:t>
+            </a:r>
+            <a:r>
+              <a:rPr lang="en-GB" i="1" dirty="0"/>
+              <a:t>--</a:t>
+            </a:r>
+            <a:r>
+              <a:rPr lang="en-GB" i="1" dirty="0" err="1"/>
+              <a:t>sauceLabsEnabled</a:t>
+            </a:r>
+            <a:r>
+              <a:rPr lang="en-GB" i="1" dirty="0"/>
+              <a:t> true</a:t>
+            </a:r>
+            <a:br>
+              <a:rPr lang="en-US" sz="2300" dirty="0"/>
+            </a:br>
+            <a:br>
+              <a:rPr lang="en-US" sz="2300" dirty="0"/>
+            </a:br>
+            <a:br>
+              <a:rPr lang="en-US" sz="2300" dirty="0"/>
+            </a:br>
+            <a:endParaRPr lang="en-US" sz="2300" dirty="0"/>
+          </a:p>
+          <a:p>
+            <a:pPr marL="914400" lvl="2" indent="0">
+              <a:buNone/>
+            </a:pPr>
+            <a:endParaRPr lang="en-US" sz="2300" dirty="0"/>
+          </a:p>
+        </p:txBody>
+      </p:sp>
+      <p:sp>
+        <p:nvSpPr>
+          <p:cNvPr id="3" name="Footer Placeholder 2"/>
+          <p:cNvSpPr>
+            <a:spLocks noGrp="1"/>
+          </p:cNvSpPr>
+          <p:nvPr>
+            <p:ph type="ftr" sz="quarter" idx="3"/>
+          </p:nvPr>
+        </p:nvSpPr>
+        <p:spPr/>
+        <p:txBody>
+          <a:bodyPr/>
+          <a:lstStyle/>
+          <a:p>
+            <a:r>
+              <a:rPr lang="en-GB" sz="1600" dirty="0"/>
+              <a:t>#</a:t>
+            </a:r>
+            <a:r>
+              <a:rPr lang="en-GB" sz="1600" dirty="0" err="1"/>
+              <a:t>DevOpsPlayground</a:t>
+            </a:r>
+            <a:endParaRPr lang="en-GB" sz="1600" dirty="0"/>
+          </a:p>
+        </p:txBody>
+      </p:sp>
+      <p:sp>
+        <p:nvSpPr>
+          <p:cNvPr id="4" name="TextBox 3"/>
+          <p:cNvSpPr txBox="1"/>
+          <p:nvPr/>
+        </p:nvSpPr>
+        <p:spPr>
+          <a:xfrm>
+            <a:off x="611560" y="692696"/>
+            <a:ext cx="7920880" cy="523220"/>
+          </a:xfrm>
+          <a:prstGeom prst="rect">
+            <a:avLst/>
+          </a:prstGeom>
+          <a:noFill/>
+        </p:spPr>
+        <p:txBody>
+          <a:bodyPr wrap="square" rtlCol="0">
+            <a:spAutoFit/>
+          </a:bodyPr>
+          <a:lstStyle/>
+          <a:p>
+            <a:r>
+              <a:rPr lang="en-GB" sz="2800" dirty="0">
+                <a:solidFill>
+                  <a:srgbClr val="0070B7"/>
+                </a:solidFill>
+                <a:latin typeface="Arial" panose="020B0604020202020204" pitchFamily="34" charset="0"/>
+                <a:cs typeface="Arial" panose="020B0604020202020204" pitchFamily="34" charset="0"/>
+              </a:rPr>
+              <a:t>Running tests on Cloud Proxy</a:t>
+            </a:r>
+          </a:p>
+        </p:txBody>
+      </p:sp>
+    </p:spTree>
+    <p:extLst>
+      <p:ext uri="{BB962C8B-B14F-4D97-AF65-F5344CB8AC3E}">
+        <p14:creationId xmlns:p14="http://schemas.microsoft.com/office/powerpoint/2010/main" val="630844028"/>
+      </p:ext>
+    </p:extLst>
+  </p:cSld>
+  <p:clrMapOvr>
+    <a:masterClrMapping/>
+  </p:clrMapOvr>
+</p:sld>
+</file>
+
+<file path=ppt/slides/slide13.xml><?xml version="1.0" encoding="utf-8"?>
+<p:sld xmlns:a="http://schemas.openxmlformats.org/drawingml/2006/main" xmlns:r="http://schemas.openxmlformats.org/officeDocument/2006/relationships" xmlns:p="http://schemas.openxmlformats.org/presentationml/2006/main">
+  <p:cSld>
+    <p:spTree>
+      <p:nvGrpSpPr>
+        <p:cNvPr id="1" name=""/>
+        <p:cNvGrpSpPr/>
+        <p:nvPr/>
+      </p:nvGrpSpPr>
+      <p:grpSpPr>
+        <a:xfrm>
+          <a:off x="0" y="0"/>
+          <a:ext cx="0" cy="0"/>
+          <a:chOff x="0" y="0"/>
+          <a:chExt cx="0" cy="0"/>
+        </a:xfrm>
+      </p:grpSpPr>
+      <p:sp>
+        <p:nvSpPr>
+          <p:cNvPr id="2" name="Content Placeholder 1"/>
+          <p:cNvSpPr>
+            <a:spLocks noGrp="1"/>
+          </p:cNvSpPr>
+          <p:nvPr>
+            <p:ph idx="1"/>
+          </p:nvPr>
+        </p:nvSpPr>
+        <p:spPr>
+          <a:xfrm>
+            <a:off x="611560" y="1600201"/>
+            <a:ext cx="7920880" cy="4525963"/>
+          </a:xfrm>
+        </p:spPr>
+        <p:txBody>
+          <a:bodyPr>
+            <a:noAutofit/>
+          </a:bodyPr>
+          <a:lstStyle/>
+          <a:p>
+            <a:r>
+              <a:rPr lang="en-US" sz="2300" dirty="0"/>
+              <a:t>Basic </a:t>
+            </a:r>
+            <a:r>
+              <a:rPr lang="en-US" sz="2300" dirty="0" err="1"/>
+              <a:t>auth</a:t>
+            </a:r>
+            <a:r>
+              <a:rPr lang="en-US" sz="2300" dirty="0"/>
+              <a:t> gird protection can be implemented for deploying </a:t>
+            </a:r>
+            <a:r>
+              <a:rPr lang="en-US" sz="2300" dirty="0" err="1"/>
+              <a:t>Zalenium</a:t>
+            </a:r>
+            <a:r>
+              <a:rPr lang="en-US" sz="2300" dirty="0"/>
+              <a:t> in the cloud.</a:t>
+            </a:r>
+          </a:p>
+          <a:p>
+            <a:endParaRPr lang="en-US" sz="2300" dirty="0"/>
+          </a:p>
+          <a:p>
+            <a:r>
+              <a:rPr lang="en-US" sz="2300" dirty="0" err="1"/>
+              <a:t>Zalenium</a:t>
+            </a:r>
+            <a:r>
+              <a:rPr lang="en-US" sz="2300" dirty="0"/>
+              <a:t> start/stop can be streamlined into one curl command </a:t>
+            </a:r>
+          </a:p>
+          <a:p>
+            <a:pPr lvl="1"/>
+            <a:r>
+              <a:rPr lang="en-GB" i="1" dirty="0"/>
+              <a:t>curl -</a:t>
+            </a:r>
+            <a:r>
+              <a:rPr lang="en-GB" i="1" dirty="0" err="1"/>
+              <a:t>sSL</a:t>
+            </a:r>
+            <a:r>
+              <a:rPr lang="en-GB" i="1" dirty="0"/>
+              <a:t> https://</a:t>
+            </a:r>
+            <a:r>
+              <a:rPr lang="en-GB" i="1" dirty="0" err="1"/>
+              <a:t>raw.githubusercontent.com</a:t>
+            </a:r>
+            <a:r>
+              <a:rPr lang="en-GB" i="1" dirty="0"/>
+              <a:t>/</a:t>
+            </a:r>
+            <a:r>
+              <a:rPr lang="en-GB" i="1" dirty="0" err="1"/>
+              <a:t>dosel</a:t>
+            </a:r>
+            <a:r>
+              <a:rPr lang="en-GB" i="1" dirty="0"/>
+              <a:t>/t/</a:t>
+            </a:r>
+            <a:r>
+              <a:rPr lang="en-GB" i="1" dirty="0" err="1"/>
+              <a:t>i</a:t>
+            </a:r>
+            <a:r>
+              <a:rPr lang="en-GB" i="1" dirty="0"/>
+              <a:t>/p | bash -s start </a:t>
+            </a:r>
+          </a:p>
+          <a:p>
+            <a:pPr lvl="1"/>
+            <a:r>
+              <a:rPr lang="en-GB" i="1" dirty="0"/>
+              <a:t>curl -</a:t>
+            </a:r>
+            <a:r>
+              <a:rPr lang="en-GB" i="1" dirty="0" err="1"/>
+              <a:t>sSL</a:t>
+            </a:r>
+            <a:r>
+              <a:rPr lang="en-GB" i="1" dirty="0"/>
+              <a:t> https://</a:t>
+            </a:r>
+            <a:r>
+              <a:rPr lang="en-GB" i="1" dirty="0" err="1"/>
+              <a:t>raw.githubusercontent.com</a:t>
+            </a:r>
+            <a:r>
+              <a:rPr lang="en-GB" i="1" dirty="0"/>
+              <a:t>/</a:t>
+            </a:r>
+            <a:r>
+              <a:rPr lang="en-GB" i="1" dirty="0" err="1"/>
+              <a:t>dosel</a:t>
+            </a:r>
+            <a:r>
+              <a:rPr lang="en-GB" i="1" dirty="0"/>
+              <a:t>/t/</a:t>
+            </a:r>
+            <a:r>
+              <a:rPr lang="en-GB" i="1" dirty="0" err="1"/>
+              <a:t>i</a:t>
+            </a:r>
+            <a:r>
+              <a:rPr lang="en-GB" i="1" dirty="0"/>
+              <a:t>/p | bash -s stop</a:t>
+            </a:r>
+            <a:endParaRPr lang="en-GB" sz="2400" i="1" dirty="0"/>
+          </a:p>
+          <a:p>
+            <a:endParaRPr lang="en-GB" sz="2400" i="1" dirty="0"/>
+          </a:p>
+          <a:p>
+            <a:r>
+              <a:rPr lang="en-GB" sz="2400" dirty="0"/>
+              <a:t>Set CPU/memory limits, output logs to JSON, set browser screen width/height and much more…</a:t>
+            </a:r>
+            <a:br>
+              <a:rPr lang="en-GB" sz="2400" dirty="0"/>
+            </a:br>
+            <a:br>
+              <a:rPr lang="en-US" sz="2300" dirty="0"/>
+            </a:br>
+            <a:br>
+              <a:rPr lang="en-US" sz="2300" dirty="0"/>
+            </a:br>
+            <a:br>
+              <a:rPr lang="en-US" sz="2300" dirty="0"/>
+            </a:br>
+            <a:endParaRPr lang="en-US" sz="2300" dirty="0"/>
+          </a:p>
+          <a:p>
+            <a:pPr marL="914400" lvl="2" indent="0">
+              <a:buNone/>
+            </a:pPr>
+            <a:endParaRPr lang="en-US" sz="2300" dirty="0"/>
+          </a:p>
+        </p:txBody>
+      </p:sp>
+      <p:sp>
+        <p:nvSpPr>
+          <p:cNvPr id="3" name="Footer Placeholder 2"/>
+          <p:cNvSpPr>
+            <a:spLocks noGrp="1"/>
+          </p:cNvSpPr>
+          <p:nvPr>
+            <p:ph type="ftr" sz="quarter" idx="3"/>
+          </p:nvPr>
+        </p:nvSpPr>
+        <p:spPr/>
+        <p:txBody>
+          <a:bodyPr/>
+          <a:lstStyle/>
+          <a:p>
+            <a:r>
+              <a:rPr lang="en-GB" sz="1600" dirty="0"/>
+              <a:t>#</a:t>
+            </a:r>
+            <a:r>
+              <a:rPr lang="en-GB" sz="1600" dirty="0" err="1"/>
+              <a:t>DevOpsPlayground</a:t>
+            </a:r>
+            <a:endParaRPr lang="en-GB" sz="1600" dirty="0"/>
+          </a:p>
+        </p:txBody>
+      </p:sp>
+      <p:sp>
+        <p:nvSpPr>
+          <p:cNvPr id="4" name="TextBox 3"/>
+          <p:cNvSpPr txBox="1"/>
+          <p:nvPr/>
+        </p:nvSpPr>
+        <p:spPr>
+          <a:xfrm>
+            <a:off x="611560" y="692696"/>
+            <a:ext cx="7920880" cy="523220"/>
+          </a:xfrm>
+          <a:prstGeom prst="rect">
+            <a:avLst/>
+          </a:prstGeom>
+          <a:noFill/>
+        </p:spPr>
+        <p:txBody>
+          <a:bodyPr wrap="square" rtlCol="0">
+            <a:spAutoFit/>
+          </a:bodyPr>
+          <a:lstStyle/>
+          <a:p>
+            <a:r>
+              <a:rPr lang="en-GB" sz="2800" dirty="0">
+                <a:solidFill>
+                  <a:srgbClr val="0070B7"/>
+                </a:solidFill>
+                <a:latin typeface="Arial" panose="020B0604020202020204" pitchFamily="34" charset="0"/>
+                <a:cs typeface="Arial" panose="020B0604020202020204" pitchFamily="34" charset="0"/>
+              </a:rPr>
+              <a:t>What else can be customised?</a:t>
+            </a:r>
+          </a:p>
+        </p:txBody>
+      </p:sp>
+    </p:spTree>
+    <p:extLst>
+      <p:ext uri="{BB962C8B-B14F-4D97-AF65-F5344CB8AC3E}">
+        <p14:creationId xmlns:p14="http://schemas.microsoft.com/office/powerpoint/2010/main" val="199186152"/>
+      </p:ext>
+    </p:extLst>
+  </p:cSld>
+  <p:clrMapOvr>
+    <a:masterClrMapping/>
+  </p:clrMapOvr>
+</p:sld>
+</file>
+
+<file path=ppt/slides/slide14.xml><?xml version="1.0" encoding="utf-8"?>
+<p:sld xmlns:a="http://schemas.openxmlformats.org/drawingml/2006/main" xmlns:r="http://schemas.openxmlformats.org/officeDocument/2006/relationships" xmlns:p="http://schemas.openxmlformats.org/presentationml/2006/main">
+  <p:cSld>
+    <p:spTree>
+      <p:nvGrpSpPr>
+        <p:cNvPr id="1" name=""/>
+        <p:cNvGrpSpPr/>
+        <p:nvPr/>
+      </p:nvGrpSpPr>
+      <p:grpSpPr>
+        <a:xfrm>
+          <a:off x="0" y="0"/>
+          <a:ext cx="0" cy="0"/>
+          <a:chOff x="0" y="0"/>
+          <a:chExt cx="0" cy="0"/>
+        </a:xfrm>
+      </p:grpSpPr>
+      <p:sp>
+        <p:nvSpPr>
           <p:cNvPr id="2" name="Footer Placeholder 1"/>
           <p:cNvSpPr>
             <a:spLocks noGrp="1"/>
@@ -4043,9 +4624,14 @@
           <a:lstStyle/>
           <a:p>
             <a:r>
-              <a:rPr lang="en-GB" dirty="0"/>
-              <a:t>Commercial In Confidence - ECS 2017  </a:t>
-            </a:r>
+              <a:rPr lang="en-GB" sz="1600" dirty="0"/>
+              <a:t>#</a:t>
+            </a:r>
+            <a:r>
+              <a:rPr lang="en-GB" sz="1600" dirty="0" err="1"/>
+              <a:t>DevOpsPlayGround</a:t>
+            </a:r>
+            <a:endParaRPr lang="en-GB" sz="1600" dirty="0"/>
           </a:p>
         </p:txBody>
       </p:sp>
@@ -4124,6 +4710,78 @@
           </a:p>
         </p:txBody>
       </p:sp>
+      <p:pic>
+        <p:nvPicPr>
+          <p:cNvPr id="6" name="Picture 5">
+            <a:extLst>
+              <a:ext uri="{FF2B5EF4-FFF2-40B4-BE49-F238E27FC236}">
+                <a16:creationId xmlns:a16="http://schemas.microsoft.com/office/drawing/2014/main" id="{AFC81AFD-59B1-1547-8B68-C03A1AA21FAD}"/>
+              </a:ext>
+            </a:extLst>
+          </p:cNvPr>
+          <p:cNvPicPr>
+            <a:picLocks noChangeAspect="1"/>
+          </p:cNvPicPr>
+          <p:nvPr/>
+        </p:nvPicPr>
+        <p:blipFill>
+          <a:blip r:embed="rId2">
+            <a:extLst>
+              <a:ext uri="{28A0092B-C50C-407E-A947-70E740481C1C}">
+                <a14:useLocalDpi xmlns:a14="http://schemas.microsoft.com/office/drawing/2010/main" val="0"/>
+              </a:ext>
+            </a:extLst>
+          </a:blip>
+          <a:stretch>
+            <a:fillRect/>
+          </a:stretch>
+        </p:blipFill>
+        <p:spPr>
+          <a:xfrm>
+            <a:off x="2801506" y="2820296"/>
+            <a:ext cx="5818698" cy="2491130"/>
+          </a:xfrm>
+          <a:prstGeom prst="rect">
+            <a:avLst/>
+          </a:prstGeom>
+        </p:spPr>
+      </p:pic>
+      <p:pic>
+        <p:nvPicPr>
+          <p:cNvPr id="8" name="Picture 7">
+            <a:extLst>
+              <a:ext uri="{FF2B5EF4-FFF2-40B4-BE49-F238E27FC236}">
+                <a16:creationId xmlns:a16="http://schemas.microsoft.com/office/drawing/2014/main" id="{ADAE0AD4-F82D-C04F-84B2-1463927F637A}"/>
+              </a:ext>
+            </a:extLst>
+          </p:cNvPr>
+          <p:cNvPicPr>
+            <a:picLocks noChangeAspect="1"/>
+          </p:cNvPicPr>
+          <p:nvPr/>
+        </p:nvPicPr>
+        <p:blipFill>
+          <a:blip r:embed="rId3">
+            <a:extLst>
+              <a:ext uri="{28A0092B-C50C-407E-A947-70E740481C1C}">
+                <a14:useLocalDpi xmlns:a14="http://schemas.microsoft.com/office/drawing/2010/main" val="0"/>
+              </a:ext>
+            </a:extLst>
+          </a:blip>
+          <a:stretch>
+            <a:fillRect/>
+          </a:stretch>
+        </p:blipFill>
+        <p:spPr>
+          <a:xfrm>
+            <a:off x="3235530" y="531786"/>
+            <a:ext cx="5244986" cy="2197816"/>
+          </a:xfrm>
+          <a:prstGeom prst="rect">
+            <a:avLst/>
+          </a:prstGeom>
+        </p:spPr>
+      </p:pic>
     </p:spTree>
     <p:extLst>
       <p:ext uri="{BB962C8B-B14F-4D97-AF65-F5344CB8AC3E}">
@@ -4167,11 +4825,13 @@
         <p:spPr>
           <a:xfrm>
             <a:off x="611560" y="2276872"/>
-            <a:ext cx="7772400" cy="1470025"/>
-          </a:xfrm>
-        </p:spPr>
-        <p:txBody>
-          <a:bodyPr/>
+            <a:ext cx="7772400" cy="2088232"/>
+          </a:xfrm>
+        </p:spPr>
+        <p:txBody>
+          <a:bodyPr>
+            <a:normAutofit fontScale="90000"/>
+          </a:bodyPr>
           <a:lstStyle/>
           <a:p>
             <a:r>
@@ -4182,7 +4842,21 @@
               <a:rPr lang="en-GB" dirty="0" err="1"/>
               <a:t>Zalenium</a:t>
             </a:r>
-            <a:endParaRPr lang="en-GB" dirty="0"/>
+            <a:br>
+              <a:rPr lang="en-GB" dirty="0"/>
+            </a:br>
+            <a:br>
+              <a:rPr lang="en-GB" dirty="0"/>
+            </a:br>
+            <a:r>
+              <a:rPr lang="en-GB" sz="2700" dirty="0"/>
+              <a:t>#</a:t>
+            </a:r>
+            <a:r>
+              <a:rPr lang="en-GB" sz="2700" dirty="0" err="1"/>
+              <a:t>DevOpsPlayground</a:t>
+            </a:r>
+            <a:endParaRPr lang="en-GB" sz="2700" dirty="0"/>
           </a:p>
         </p:txBody>
       </p:sp>
@@ -4299,15 +4973,15 @@
           <a:p>
             <a:pPr lvl="1"/>
             <a:r>
-              <a:rPr lang="en-US" sz="2300" dirty="0"/>
+              <a:rPr lang="en-US" dirty="0"/>
               <a:t>QA and Continuous Delivery Consultant (Edinburgh)</a:t>
             </a:r>
           </a:p>
           <a:p>
             <a:pPr lvl="1"/>
             <a:r>
-              <a:rPr lang="en-US" sz="2300" dirty="0"/>
-              <a:t>Twitter: @ali_hill91</a:t>
+              <a:rPr lang="en-US" dirty="0"/>
+              <a:t>Twitter: @ali_hill91 </a:t>
             </a:r>
           </a:p>
           <a:p>
@@ -4327,7 +5001,7 @@
           <a:p>
             <a:pPr lvl="1"/>
             <a:r>
-              <a:rPr lang="en-US" sz="2300" dirty="0"/>
+              <a:rPr lang="en-US" dirty="0"/>
               <a:t>QA and Continuous Delivery Consultant (London)</a:t>
             </a:r>
           </a:p>
@@ -4343,7 +5017,7 @@
           <a:p>
             <a:pPr lvl="1"/>
             <a:r>
-              <a:rPr lang="en-US" sz="2300" dirty="0"/>
+              <a:rPr lang="en-US" dirty="0"/>
               <a:t>QA and Continuous Delivery Consultant (London)</a:t>
             </a:r>
           </a:p>
@@ -4362,15 +5036,21 @@
             <p:ph type="ftr" sz="quarter" idx="3"/>
           </p:nvPr>
         </p:nvSpPr>
-        <p:spPr/>
+        <p:spPr>
+          <a:xfrm>
+            <a:off x="3124200" y="6356351"/>
+            <a:ext cx="2895600" cy="365125"/>
+          </a:xfrm>
+        </p:spPr>
         <p:txBody>
           <a:bodyPr/>
           <a:lstStyle/>
           <a:p>
             <a:r>
-              <a:rPr lang="en-GB" dirty="0"/>
-              <a:t>Commercial In Confidence - ECS 2017  </a:t>
-            </a:r>
+              <a:rPr lang="en-GB" sz="1600"/>
+              <a:t>#DevOpsPlayground</a:t>
+            </a:r>
+            <a:endParaRPr lang="en-GB" sz="1600" dirty="0"/>
           </a:p>
         </p:txBody>
       </p:sp>
@@ -4397,7 +5077,7 @@
           <a:lstStyle/>
           <a:p>
             <a:r>
-              <a:rPr lang="en-GB" sz="2800" dirty="0">
+              <a:rPr lang="en-GB" sz="2800">
                 <a:solidFill>
                   <a:srgbClr val="0070B7"/>
                 </a:solidFill>
@@ -4406,9 +5086,124 @@
               </a:rPr>
               <a:t>About Us</a:t>
             </a:r>
-          </a:p>
-        </p:txBody>
-      </p:sp>
+            <a:endParaRPr lang="en-GB" sz="2800" dirty="0">
+              <a:solidFill>
+                <a:srgbClr val="0070B7"/>
+              </a:solidFill>
+              <a:latin typeface="Arial" panose="020B0604020202020204" pitchFamily="34" charset="0"/>
+              <a:cs typeface="Arial" panose="020B0604020202020204" pitchFamily="34" charset="0"/>
+            </a:endParaRPr>
+          </a:p>
+        </p:txBody>
+      </p:sp>
+      <p:pic>
+        <p:nvPicPr>
+          <p:cNvPr id="6" name="Picture 5">
+            <a:extLst>
+              <a:ext uri="{FF2B5EF4-FFF2-40B4-BE49-F238E27FC236}">
+                <a16:creationId xmlns:a16="http://schemas.microsoft.com/office/drawing/2014/main" id="{4923CEB4-8350-6E43-9BF4-39D82C16F2CA}"/>
+              </a:ext>
+            </a:extLst>
+          </p:cNvPr>
+          <p:cNvPicPr>
+            <a:picLocks noChangeAspect="1"/>
+          </p:cNvPicPr>
+          <p:nvPr/>
+        </p:nvPicPr>
+        <p:blipFill>
+          <a:blip r:embed="rId3">
+            <a:extLst>
+              <a:ext uri="{28A0092B-C50C-407E-A947-70E740481C1C}">
+                <a14:useLocalDpi xmlns:a14="http://schemas.microsoft.com/office/drawing/2010/main" val="0"/>
+              </a:ext>
+            </a:extLst>
+          </a:blip>
+          <a:stretch>
+            <a:fillRect/>
+          </a:stretch>
+        </p:blipFill>
+        <p:spPr>
+          <a:xfrm>
+            <a:off x="7293396" y="1370014"/>
+            <a:ext cx="1707304" cy="1707304"/>
+          </a:xfrm>
+          <a:prstGeom prst="rect">
+            <a:avLst/>
+          </a:prstGeom>
+        </p:spPr>
+      </p:pic>
+      <p:pic>
+        <p:nvPicPr>
+          <p:cNvPr id="8" name="Picture 7">
+            <a:extLst>
+              <a:ext uri="{FF2B5EF4-FFF2-40B4-BE49-F238E27FC236}">
+                <a16:creationId xmlns:a16="http://schemas.microsoft.com/office/drawing/2014/main" id="{199FCAF8-314F-BC47-B6CA-AE961E8659F6}"/>
+              </a:ext>
+            </a:extLst>
+          </p:cNvPr>
+          <p:cNvPicPr>
+            <a:picLocks noChangeAspect="1"/>
+          </p:cNvPicPr>
+          <p:nvPr/>
+        </p:nvPicPr>
+        <p:blipFill>
+          <a:blip r:embed="rId4">
+            <a:extLst>
+              <a:ext uri="{28A0092B-C50C-407E-A947-70E740481C1C}">
+                <a14:useLocalDpi xmlns:a14="http://schemas.microsoft.com/office/drawing/2010/main" val="0"/>
+              </a:ext>
+            </a:extLst>
+          </a:blip>
+          <a:stretch>
+            <a:fillRect/>
+          </a:stretch>
+        </p:blipFill>
+        <p:spPr>
+          <a:xfrm>
+            <a:off x="7299726" y="3145850"/>
+            <a:ext cx="1694643" cy="1694643"/>
+          </a:xfrm>
+          <a:prstGeom prst="rect">
+            <a:avLst/>
+          </a:prstGeom>
+        </p:spPr>
+      </p:pic>
+      <p:pic>
+        <p:nvPicPr>
+          <p:cNvPr id="10" name="Picture 9">
+            <a:extLst>
+              <a:ext uri="{FF2B5EF4-FFF2-40B4-BE49-F238E27FC236}">
+                <a16:creationId xmlns:a16="http://schemas.microsoft.com/office/drawing/2014/main" id="{69C3AAA4-3A24-3047-88F7-C7516244C761}"/>
+              </a:ext>
+            </a:extLst>
+          </p:cNvPr>
+          <p:cNvPicPr>
+            <a:picLocks noChangeAspect="1"/>
+          </p:cNvPicPr>
+          <p:nvPr/>
+        </p:nvPicPr>
+        <p:blipFill>
+          <a:blip r:embed="rId5">
+            <a:extLst>
+              <a:ext uri="{28A0092B-C50C-407E-A947-70E740481C1C}">
+                <a14:useLocalDpi xmlns:a14="http://schemas.microsoft.com/office/drawing/2010/main" val="0"/>
+              </a:ext>
+            </a:extLst>
+          </a:blip>
+          <a:stretch>
+            <a:fillRect/>
+          </a:stretch>
+        </p:blipFill>
+        <p:spPr>
+          <a:xfrm>
+            <a:off x="7277670" y="4909025"/>
+            <a:ext cx="1716699" cy="1716699"/>
+          </a:xfrm>
+          <a:prstGeom prst="rect">
+            <a:avLst/>
+          </a:prstGeom>
+        </p:spPr>
+      </p:pic>
     </p:spTree>
     <p:extLst>
       <p:ext uri="{BB962C8B-B14F-4D97-AF65-F5344CB8AC3E}">
@@ -4524,8 +5319,8 @@
         </p:nvSpPr>
         <p:spPr>
           <a:xfrm>
-            <a:off x="683568" y="5427222"/>
-            <a:ext cx="7824410" cy="300082"/>
+            <a:off x="634380" y="5427222"/>
+            <a:ext cx="7824410" cy="369332"/>
           </a:xfrm>
           <a:prstGeom prst="rect">
             <a:avLst/>
@@ -4540,8 +5335,24 @@
           <a:p>
             <a:pPr algn="ctr"/>
             <a:r>
-              <a:rPr lang="en-US" sz="1350" dirty="0"/>
-              <a:t>Thursday Nov 1 – Friday Nov 2</a:t>
+              <a:rPr lang="en-US" dirty="0"/>
+              <a:t>1</a:t>
+            </a:r>
+            <a:r>
+              <a:rPr lang="en-US" baseline="30000" dirty="0"/>
+              <a:t>st</a:t>
+            </a:r>
+            <a:r>
+              <a:rPr lang="en-US" dirty="0"/>
+              <a:t>-2</a:t>
+            </a:r>
+            <a:r>
+              <a:rPr lang="en-US" baseline="30000" dirty="0"/>
+              <a:t>nd</a:t>
+            </a:r>
+            <a:r>
+              <a:rPr lang="en-US" dirty="0"/>
+              <a:t> November 2018</a:t>
             </a:r>
           </a:p>
         </p:txBody>
@@ -4560,8 +5371,8 @@
         </p:nvSpPr>
         <p:spPr>
           <a:xfrm>
-            <a:off x="2257417" y="5060867"/>
-            <a:ext cx="4726615" cy="300082"/>
+            <a:off x="1477964" y="5057890"/>
+            <a:ext cx="6235618" cy="369332"/>
           </a:xfrm>
           <a:prstGeom prst="rect">
             <a:avLst/>
@@ -4575,15 +5386,15 @@
           <a:lstStyle/>
           <a:p>
             <a:r>
-              <a:rPr lang="en-US" sz="1350" dirty="0"/>
+              <a:rPr lang="en-US" dirty="0"/>
               <a:t>https://</a:t>
             </a:r>
             <a:r>
-              <a:rPr lang="en-US" sz="1350" dirty="0" err="1"/>
+              <a:rPr lang="en-US" dirty="0" err="1"/>
               <a:t>www.devopsdays.org</a:t>
             </a:r>
             <a:r>
-              <a:rPr lang="en-US" sz="1350" dirty="0"/>
+              <a:rPr lang="en-US" dirty="0"/>
               <a:t>/events/2018-edinburgh/welcome/</a:t>
             </a:r>
           </a:p>
@@ -4643,44 +5454,64 @@
           <a:p>
             <a:r>
               <a:rPr lang="en-US" sz="2300" dirty="0"/>
-              <a:t>WebDriver</a:t>
-            </a:r>
-          </a:p>
-          <a:p>
+              <a:t>WebDriver </a:t>
+            </a:r>
+          </a:p>
+          <a:p>
+            <a:pPr lvl="1"/>
+            <a:r>
+              <a:rPr lang="en-US" sz="2300" dirty="0"/>
+              <a:t>Web browser automation library. </a:t>
+            </a:r>
+          </a:p>
+          <a:p>
+            <a:pPr lvl="1"/>
+            <a:r>
+              <a:rPr lang="en-US" sz="2300" dirty="0"/>
+              <a:t>Used for automating browser interaction.</a:t>
+            </a:r>
+          </a:p>
+          <a:p>
+            <a:pPr lvl="1"/>
+            <a:r>
+              <a:rPr lang="en-US" sz="2300" dirty="0"/>
+              <a:t>Tests can be written in language of choice.</a:t>
+            </a:r>
+          </a:p>
+          <a:p>
+            <a:pPr marL="0" indent="0">
+              <a:buNone/>
+            </a:pPr>
             <a:endParaRPr lang="en-US" sz="2300" dirty="0"/>
           </a:p>
           <a:p>
             <a:r>
-              <a:rPr lang="en-US" sz="2300"/>
-              <a:t>Docker-selenium</a:t>
-            </a:r>
+              <a:rPr lang="en-US" sz="2300" dirty="0"/>
+              <a:t>docker-selenium</a:t>
+            </a:r>
+          </a:p>
+          <a:p>
+            <a:pPr lvl="1"/>
+            <a:r>
+              <a:rPr lang="en-US" sz="2300" dirty="0"/>
+              <a:t>Docker images for Selenium Grid server.</a:t>
+            </a:r>
+          </a:p>
+          <a:p>
+            <a:pPr lvl="1"/>
+            <a:r>
+              <a:rPr lang="en-US" sz="2300" dirty="0"/>
+              <a:t>Contains hub and node configurations for Firefox and Chrome.</a:t>
+            </a:r>
+          </a:p>
+          <a:p>
+            <a:pPr lvl="1"/>
             <a:endParaRPr lang="en-US" sz="2300" dirty="0"/>
           </a:p>
           <a:p>
-            <a:endParaRPr lang="en-US" sz="2300" dirty="0"/>
-          </a:p>
-          <a:p>
-            <a:r>
-              <a:rPr lang="en-US" sz="2300" dirty="0"/>
-              <a:t>Grid</a:t>
-            </a:r>
-          </a:p>
-          <a:p>
-            <a:pPr lvl="1"/>
-            <a:r>
-              <a:rPr lang="en-US" sz="2300" dirty="0"/>
-              <a:t>Difficult to maintain to keep versions maintained. </a:t>
-            </a:r>
-          </a:p>
-          <a:p>
-            <a:pPr lvl="1"/>
-            <a:r>
-              <a:rPr lang="en-US" sz="2300" dirty="0"/>
-              <a:t>Tests can fail due to flaky Grid.</a:t>
-            </a:r>
-          </a:p>
-          <a:p>
-            <a:pPr lvl="1"/>
+            <a:pPr marL="0" indent="0">
+              <a:buNone/>
+            </a:pPr>
             <a:endParaRPr lang="en-US" sz="2300" dirty="0"/>
           </a:p>
         </p:txBody>
@@ -4695,15 +5526,21 @@
             <p:ph type="ftr" sz="quarter" idx="3"/>
           </p:nvPr>
         </p:nvSpPr>
-        <p:spPr/>
+        <p:spPr>
+          <a:xfrm>
+            <a:off x="3124200" y="6356351"/>
+            <a:ext cx="2895600" cy="365125"/>
+          </a:xfrm>
+        </p:spPr>
         <p:txBody>
           <a:bodyPr/>
           <a:lstStyle/>
           <a:p>
             <a:r>
-              <a:rPr lang="en-GB" dirty="0"/>
-              <a:t>Commercial In Confidence - ECS 2017  </a:t>
-            </a:r>
+              <a:rPr lang="en-GB" sz="1600"/>
+              <a:t>#DevOpsPlayground</a:t>
+            </a:r>
+            <a:endParaRPr lang="en-GB" sz="1600" dirty="0"/>
           </a:p>
         </p:txBody>
       </p:sp>
@@ -4742,6 +5579,78 @@
           </a:p>
         </p:txBody>
       </p:sp>
+      <p:pic>
+        <p:nvPicPr>
+          <p:cNvPr id="6" name="Picture 5">
+            <a:extLst>
+              <a:ext uri="{FF2B5EF4-FFF2-40B4-BE49-F238E27FC236}">
+                <a16:creationId xmlns:a16="http://schemas.microsoft.com/office/drawing/2014/main" id="{51C27788-2E18-824B-B70D-CBBD54D4C4E3}"/>
+              </a:ext>
+            </a:extLst>
+          </p:cNvPr>
+          <p:cNvPicPr>
+            <a:picLocks noChangeAspect="1"/>
+          </p:cNvPicPr>
+          <p:nvPr/>
+        </p:nvPicPr>
+        <p:blipFill>
+          <a:blip r:embed="rId2">
+            <a:extLst>
+              <a:ext uri="{28A0092B-C50C-407E-A947-70E740481C1C}">
+                <a14:useLocalDpi xmlns:a14="http://schemas.microsoft.com/office/drawing/2010/main" val="0"/>
+              </a:ext>
+            </a:extLst>
+          </a:blip>
+          <a:stretch>
+            <a:fillRect/>
+          </a:stretch>
+        </p:blipFill>
+        <p:spPr>
+          <a:xfrm>
+            <a:off x="6660232" y="1603639"/>
+            <a:ext cx="2095500" cy="1892300"/>
+          </a:xfrm>
+          <a:prstGeom prst="rect">
+            <a:avLst/>
+          </a:prstGeom>
+        </p:spPr>
+      </p:pic>
+      <p:pic>
+        <p:nvPicPr>
+          <p:cNvPr id="9" name="Picture 8">
+            <a:extLst>
+              <a:ext uri="{FF2B5EF4-FFF2-40B4-BE49-F238E27FC236}">
+                <a16:creationId xmlns:a16="http://schemas.microsoft.com/office/drawing/2014/main" id="{B18648BA-231B-184F-B06E-CBA46EB47214}"/>
+              </a:ext>
+            </a:extLst>
+          </p:cNvPr>
+          <p:cNvPicPr>
+            <a:picLocks noChangeAspect="1"/>
+          </p:cNvPicPr>
+          <p:nvPr/>
+        </p:nvPicPr>
+        <p:blipFill>
+          <a:blip r:embed="rId3">
+            <a:extLst>
+              <a:ext uri="{28A0092B-C50C-407E-A947-70E740481C1C}">
+                <a14:useLocalDpi xmlns:a14="http://schemas.microsoft.com/office/drawing/2010/main" val="0"/>
+              </a:ext>
+            </a:extLst>
+          </a:blip>
+          <a:stretch>
+            <a:fillRect/>
+          </a:stretch>
+        </p:blipFill>
+        <p:spPr>
+          <a:xfrm>
+            <a:off x="6622132" y="4901948"/>
+            <a:ext cx="2133600" cy="1816100"/>
+          </a:xfrm>
+          <a:prstGeom prst="rect">
+            <a:avLst/>
+          </a:prstGeom>
+        </p:spPr>
+      </p:pic>
     </p:spTree>
     <p:extLst>
       <p:ext uri="{BB962C8B-B14F-4D97-AF65-F5344CB8AC3E}">
@@ -4796,25 +5705,51 @@
           <a:p>
             <a:r>
               <a:rPr lang="en-US" sz="2300" dirty="0"/>
-              <a:t>Dynamic, on-demand Selenium Grid.</a:t>
-            </a:r>
-          </a:p>
-          <a:p>
+              <a:t>Open-source tool created by </a:t>
+            </a:r>
+            <a:r>
+              <a:rPr lang="en-US" sz="2300" dirty="0" err="1"/>
+              <a:t>Zalando</a:t>
+            </a:r>
             <a:r>
               <a:rPr lang="en-US" sz="2300" dirty="0"/>
-              <a:t>Auto-scales during run-time – including deleting nodes after tests are finished.</a:t>
+              <a:t>. </a:t>
             </a:r>
           </a:p>
           <a:p>
             <a:r>
               <a:rPr lang="en-US" sz="2300" dirty="0"/>
-              <a:t>Based on docker-selenium.</a:t>
+              <a:t>Allows you to create a dynamic, on-demand Selenium Grid within seconds.</a:t>
+            </a:r>
+          </a:p>
+          <a:p>
+            <a:r>
+              <a:rPr lang="en-US" sz="2300" dirty="0"/>
+              <a:t>Can be run out of the box using Docker and Kubernetes.</a:t>
+            </a:r>
+          </a:p>
+          <a:p>
+            <a:r>
+              <a:rPr lang="en-US" sz="2300" dirty="0"/>
+              <a:t>Based on ‘docker-selenium’ so tests can be run in Firefox and Chrome.</a:t>
+            </a:r>
+          </a:p>
+          <a:p>
+            <a:r>
+              <a:rPr lang="en-US" sz="2300" dirty="0"/>
+              <a:t>Auto-scales during run-time and deletes nodes after tests are finished.</a:t>
             </a:r>
           </a:p>
           <a:p>
             <a:r>
               <a:rPr lang="en-US" sz="2300" dirty="0"/>
               <a:t>Simple to set up and run.</a:t>
+            </a:r>
+          </a:p>
+          <a:p>
+            <a:r>
+              <a:rPr lang="en-US" sz="2300" dirty="0"/>
+              <a:t>Tests can be run on other cloud testing providers - Sauce Labs, Testing Bot and Browser Stack</a:t>
             </a:r>
           </a:p>
           <a:p>
@@ -4841,9 +5776,14 @@
           <a:lstStyle/>
           <a:p>
             <a:r>
-              <a:rPr lang="en-GB" dirty="0"/>
-              <a:t>Commercial In Confidence - ECS 2017  </a:t>
-            </a:r>
+              <a:rPr lang="en-GB" sz="1600" dirty="0"/>
+              <a:t>#</a:t>
+            </a:r>
+            <a:r>
+              <a:rPr lang="en-GB" sz="1600" dirty="0" err="1"/>
+              <a:t>DevOpsPlayground</a:t>
+            </a:r>
+            <a:endParaRPr lang="en-GB" sz="1600" dirty="0"/>
           </a:p>
         </p:txBody>
       </p:sp>
@@ -4902,6 +5842,42 @@
           </a:p>
         </p:txBody>
       </p:sp>
+      <p:pic>
+        <p:nvPicPr>
+          <p:cNvPr id="6" name="Picture 5">
+            <a:extLst>
+              <a:ext uri="{FF2B5EF4-FFF2-40B4-BE49-F238E27FC236}">
+                <a16:creationId xmlns:a16="http://schemas.microsoft.com/office/drawing/2014/main" id="{77370321-58F0-1544-9EDF-BF6AB3D64224}"/>
+              </a:ext>
+            </a:extLst>
+          </p:cNvPr>
+          <p:cNvPicPr>
+            <a:picLocks noChangeAspect="1"/>
+          </p:cNvPicPr>
+          <p:nvPr/>
+        </p:nvPicPr>
+        <p:blipFill>
+          <a:blip r:embed="rId2">
+            <a:extLst>
+              <a:ext uri="{28A0092B-C50C-407E-A947-70E740481C1C}">
+                <a14:useLocalDpi xmlns:a14="http://schemas.microsoft.com/office/drawing/2010/main" val="0"/>
+              </a:ext>
+            </a:extLst>
+          </a:blip>
+          <a:stretch>
+            <a:fillRect/>
+          </a:stretch>
+        </p:blipFill>
+        <p:spPr>
+          <a:xfrm>
+            <a:off x="3779912" y="95855"/>
+            <a:ext cx="2616200" cy="1120061"/>
+          </a:xfrm>
+          <a:prstGeom prst="rect">
+            <a:avLst/>
+          </a:prstGeom>
+        </p:spPr>
+      </p:pic>
     </p:spTree>
     <p:extLst>
       <p:ext uri="{BB962C8B-B14F-4D97-AF65-F5344CB8AC3E}">
@@ -4956,37 +5932,54 @@
           <a:p>
             <a:r>
               <a:rPr lang="en-US" sz="2300" dirty="0"/>
-              <a:t>Hard to maintain stable Selenium Grid.</a:t>
-            </a:r>
-          </a:p>
-          <a:p>
+              <a:t>Hard to maintain your own hosted stable Selenium Grid.</a:t>
+            </a:r>
+          </a:p>
+          <a:p>
+            <a:r>
+              <a:rPr lang="en-US" sz="2300" dirty="0" err="1"/>
+              <a:t>Zalenium</a:t>
+            </a:r>
             <a:r>
               <a:rPr lang="en-US" sz="2300" dirty="0"/>
-              <a:t>Difficult to maintain all requirements in Grid (e.g. different browsers).</a:t>
+              <a:t> auto-scales.</a:t>
             </a:r>
           </a:p>
           <a:p>
             <a:r>
               <a:rPr lang="en-US" sz="2300" dirty="0"/>
-              <a:t>Allows anyone in your team to have flexible and disposable Grid infrastructure.</a:t>
-            </a:r>
-          </a:p>
-          <a:p>
+              <a:t>Selenium Grid scales but consumes a lot of resource. </a:t>
+            </a:r>
+            <a:r>
+              <a:rPr lang="en-US" sz="2300" dirty="0" err="1"/>
+              <a:t>Zalenium</a:t>
+            </a:r>
             <a:r>
               <a:rPr lang="en-US" sz="2300" dirty="0"/>
-              <a:t>Compliments providers like </a:t>
-            </a:r>
-            <a:r>
-              <a:rPr lang="en-US" sz="2300" dirty="0" err="1"/>
-              <a:t>SauceLabs</a:t>
-            </a:r>
+              <a:t> creates more nodes across different containers.</a:t>
+            </a:r>
+          </a:p>
+          <a:p>
             <a:r>
               <a:rPr lang="en-US" sz="2300" dirty="0"/>
-              <a:t>. Provides a local alternative.</a:t>
-            </a:r>
-          </a:p>
-          <a:p>
-            <a:endParaRPr lang="en-US" sz="2300" dirty="0"/>
+              <a:t>Difficult to maintain all requirements in Grid (e.g. keeping browsers up to date, maintaining Selenium drivers).</a:t>
+            </a:r>
+          </a:p>
+          <a:p>
+            <a:r>
+              <a:rPr lang="en-US" sz="2300" dirty="0"/>
+              <a:t>Allows anyone in your team to have </a:t>
+            </a:r>
+            <a:r>
+              <a:rPr lang="en-US" sz="2300" b="1" dirty="0"/>
+              <a:t>flexible and disposable Selenium Grid infrastructure created within seconds.</a:t>
+            </a:r>
+          </a:p>
+          <a:p>
+            <a:r>
+              <a:rPr lang="en-US" sz="2300" dirty="0"/>
+              <a:t>Compliments external cloud testing providers which can run tests on browsers other than Firefox and Chrome.</a:t>
+            </a:r>
           </a:p>
         </p:txBody>
       </p:sp>
@@ -5006,9 +5999,14 @@
           <a:lstStyle/>
           <a:p>
             <a:r>
-              <a:rPr lang="en-GB" dirty="0"/>
-              <a:t>Commercial In Confidence - ECS 2017  </a:t>
-            </a:r>
+              <a:rPr lang="en-GB" sz="1600" dirty="0"/>
+              <a:t>#</a:t>
+            </a:r>
+            <a:r>
+              <a:rPr lang="en-GB" sz="1600" dirty="0" err="1"/>
+              <a:t>DevOpsPlayground</a:t>
+            </a:r>
+            <a:endParaRPr lang="en-GB" sz="1600" dirty="0"/>
           </a:p>
         </p:txBody>
       </p:sp>
@@ -5121,7 +6119,15 @@
           <a:p>
             <a:r>
               <a:rPr lang="en-US" sz="2300" dirty="0"/>
-              <a:t>A Selenium Grid Hub starts</a:t>
+              <a:t>Upon running the </a:t>
+            </a:r>
+            <a:r>
+              <a:rPr lang="en-US" sz="2300" dirty="0" err="1"/>
+              <a:t>Zalenium</a:t>
+            </a:r>
+            <a:r>
+              <a:rPr lang="en-US" sz="2300" dirty="0"/>
+              <a:t> start Docker command a Selenium Grid Hub is started.</a:t>
             </a:r>
           </a:p>
           <a:p>
@@ -5133,20 +6139,26 @@
           <a:p>
             <a:r>
               <a:rPr lang="en-US" sz="2300" dirty="0"/>
-              <a:t>Cloud Proxy (e.g. Sauce Labs)</a:t>
-            </a:r>
-          </a:p>
-          <a:p>
-            <a:endParaRPr lang="en-US" sz="2300" dirty="0"/>
+              <a:t>A test request is sent to the Hub from the host machine.</a:t>
+            </a:r>
           </a:p>
           <a:p>
             <a:r>
               <a:rPr lang="en-US" sz="2300" dirty="0"/>
-              <a:t>Test request is sent to Hub from local machine. Docker-selenium then analyses the test and creates a new docker-selenium container which registers itself to the Hub. Hub then assigns new test to the container. Then test is executed on the selenium container. Once it is complete the node shuts down, after taking video recording and saving file locally to users’ machine.</a:t>
-            </a:r>
-          </a:p>
-          <a:p>
-            <a:endParaRPr lang="en-US" sz="2300" dirty="0"/>
+              <a:t>docker-selenium proxy analyses the test and creates a new docker-selenium container which registers itself to the Hub.</a:t>
+            </a:r>
+          </a:p>
+          <a:p>
+            <a:r>
+              <a:rPr lang="en-US" sz="2300" dirty="0"/>
+              <a:t>The Hub then assigns a new test to the container where it is executed.</a:t>
+            </a:r>
+          </a:p>
+          <a:p>
+            <a:r>
+              <a:rPr lang="en-US" sz="2300" dirty="0"/>
+              <a:t>Once the test is complete, the node shuts down, and saves video files to a temporary location on the users’ machine.</a:t>
+            </a:r>
           </a:p>
           <a:p>
             <a:pPr marL="0" indent="0">
@@ -5172,9 +6184,14 @@
           <a:lstStyle/>
           <a:p>
             <a:r>
-              <a:rPr lang="en-GB" dirty="0"/>
-              <a:t>Commercial In Confidence - ECS 2017  </a:t>
-            </a:r>
+              <a:rPr lang="en-GB" sz="1600" dirty="0"/>
+              <a:t>#</a:t>
+            </a:r>
+            <a:r>
+              <a:rPr lang="en-GB" sz="1600" dirty="0" err="1"/>
+              <a:t>DevOpsPlayground</a:t>
+            </a:r>
+            <a:endParaRPr lang="en-GB" sz="1600" dirty="0"/>
           </a:p>
         </p:txBody>
       </p:sp>
@@ -5267,22 +6284,8 @@
           <a:p>
             <a:r>
               <a:rPr lang="en-US" sz="2300" dirty="0"/>
-              <a:t>If the Hub receives a test that docker-selenium is not compatible with e.g. Safari, IE. Hub will ask docker-selenium proxy if it can run it. If it can’t then it will talk to Cloud Proxy and run test on Cloud Proxy (e.g. </a:t>
-            </a:r>
-            <a:r>
-              <a:rPr lang="en-US" sz="2300" dirty="0" err="1"/>
-              <a:t>SauceLabs</a:t>
-            </a:r>
-            <a:r>
-              <a:rPr lang="en-US" sz="2300" dirty="0"/>
-              <a:t>) if available. </a:t>
-            </a:r>
-          </a:p>
-          <a:p>
-            <a:pPr marL="0" indent="0">
-              <a:buNone/>
-            </a:pPr>
-            <a:endParaRPr lang="en-US" sz="2300" dirty="0"/>
+              <a:t>If the Hub receives a test that docker-selenium is not compatible with (e.g. Safari, IE) then it will check for the availability of a cloud testing provider, where it will run the tests.</a:t>
+            </a:r>
           </a:p>
         </p:txBody>
       </p:sp>
@@ -5302,9 +6305,14 @@
           <a:lstStyle/>
           <a:p>
             <a:r>
-              <a:rPr lang="en-GB" dirty="0"/>
-              <a:t>Commercial In Confidence - ECS 2017  </a:t>
-            </a:r>
+              <a:rPr lang="en-GB" sz="1600" dirty="0"/>
+              <a:t>#</a:t>
+            </a:r>
+            <a:r>
+              <a:rPr lang="en-GB" sz="1600" dirty="0" err="1"/>
+              <a:t>DevOpsPlayground</a:t>
+            </a:r>
+            <a:endParaRPr lang="en-GB" sz="1600" dirty="0"/>
           </a:p>
         </p:txBody>
       </p:sp>

--- a/ECS_Digital_Template.pptx
+++ b/ECS_Digital_Template.pptx
@@ -824,6 +824,332 @@
     <p:extLst>
       <p:ext uri="{BB962C8B-B14F-4D97-AF65-F5344CB8AC3E}">
         <p14:creationId xmlns:p14="http://schemas.microsoft.com/office/powerpoint/2010/main" val="4112685597"/>
+      </p:ext>
+    </p:extLst>
+  </p:cSld>
+  <p:clrMapOvr>
+    <a:masterClrMapping/>
+  </p:clrMapOvr>
+</p:notes>
+</file>
+
+<file path=ppt/notesSlides/notesSlide3.xml><?xml version="1.0" encoding="utf-8"?>
+<p:notes xmlns:a="http://schemas.openxmlformats.org/drawingml/2006/main" xmlns:r="http://schemas.openxmlformats.org/officeDocument/2006/relationships" xmlns:p="http://schemas.openxmlformats.org/presentationml/2006/main">
+  <p:cSld>
+    <p:spTree>
+      <p:nvGrpSpPr>
+        <p:cNvPr id="1" name=""/>
+        <p:cNvGrpSpPr/>
+        <p:nvPr/>
+      </p:nvGrpSpPr>
+      <p:grpSpPr>
+        <a:xfrm>
+          <a:off x="0" y="0"/>
+          <a:ext cx="0" cy="0"/>
+          <a:chOff x="0" y="0"/>
+          <a:chExt cx="0" cy="0"/>
+        </a:xfrm>
+      </p:grpSpPr>
+      <p:sp>
+        <p:nvSpPr>
+          <p:cNvPr id="2" name="Slide Image Placeholder 1"/>
+          <p:cNvSpPr>
+            <a:spLocks noGrp="1" noRot="1" noChangeAspect="1"/>
+          </p:cNvSpPr>
+          <p:nvPr>
+            <p:ph type="sldImg"/>
+          </p:nvPr>
+        </p:nvSpPr>
+        <p:spPr/>
+      </p:sp>
+      <p:sp>
+        <p:nvSpPr>
+          <p:cNvPr id="3" name="Notes Placeholder 2"/>
+          <p:cNvSpPr>
+            <a:spLocks noGrp="1"/>
+          </p:cNvSpPr>
+          <p:nvPr>
+            <p:ph type="body" idx="1"/>
+          </p:nvPr>
+        </p:nvSpPr>
+        <p:spPr/>
+        <p:txBody>
+          <a:bodyPr/>
+          <a:lstStyle/>
+          <a:p>
+            <a:endParaRPr lang="en-US" dirty="0"/>
+          </a:p>
+        </p:txBody>
+      </p:sp>
+      <p:sp>
+        <p:nvSpPr>
+          <p:cNvPr id="4" name="Slide Number Placeholder 3"/>
+          <p:cNvSpPr>
+            <a:spLocks noGrp="1"/>
+          </p:cNvSpPr>
+          <p:nvPr>
+            <p:ph type="sldNum" sz="quarter" idx="5"/>
+          </p:nvPr>
+        </p:nvSpPr>
+        <p:spPr/>
+        <p:txBody>
+          <a:bodyPr/>
+          <a:lstStyle/>
+          <a:p>
+            <a:fld id="{7A507E9C-E9CF-45CC-A225-331D2025989C}" type="slidenum">
+              <a:rPr lang="en-GB" smtClean="0"/>
+              <a:t>5</a:t>
+            </a:fld>
+            <a:endParaRPr lang="en-GB" dirty="0"/>
+          </a:p>
+        </p:txBody>
+      </p:sp>
+    </p:spTree>
+    <p:extLst>
+      <p:ext uri="{BB962C8B-B14F-4D97-AF65-F5344CB8AC3E}">
+        <p14:creationId xmlns:p14="http://schemas.microsoft.com/office/powerpoint/2010/main" val="2228379710"/>
+      </p:ext>
+    </p:extLst>
+  </p:cSld>
+  <p:clrMapOvr>
+    <a:masterClrMapping/>
+  </p:clrMapOvr>
+</p:notes>
+</file>
+
+<file path=ppt/notesSlides/notesSlide4.xml><?xml version="1.0" encoding="utf-8"?>
+<p:notes xmlns:a="http://schemas.openxmlformats.org/drawingml/2006/main" xmlns:r="http://schemas.openxmlformats.org/officeDocument/2006/relationships" xmlns:p="http://schemas.openxmlformats.org/presentationml/2006/main">
+  <p:cSld>
+    <p:spTree>
+      <p:nvGrpSpPr>
+        <p:cNvPr id="1" name=""/>
+        <p:cNvGrpSpPr/>
+        <p:nvPr/>
+      </p:nvGrpSpPr>
+      <p:grpSpPr>
+        <a:xfrm>
+          <a:off x="0" y="0"/>
+          <a:ext cx="0" cy="0"/>
+          <a:chOff x="0" y="0"/>
+          <a:chExt cx="0" cy="0"/>
+        </a:xfrm>
+      </p:grpSpPr>
+      <p:sp>
+        <p:nvSpPr>
+          <p:cNvPr id="2" name="Slide Image Placeholder 1"/>
+          <p:cNvSpPr>
+            <a:spLocks noGrp="1" noRot="1" noChangeAspect="1"/>
+          </p:cNvSpPr>
+          <p:nvPr>
+            <p:ph type="sldImg"/>
+          </p:nvPr>
+        </p:nvSpPr>
+        <p:spPr/>
+      </p:sp>
+      <p:sp>
+        <p:nvSpPr>
+          <p:cNvPr id="3" name="Notes Placeholder 2"/>
+          <p:cNvSpPr>
+            <a:spLocks noGrp="1"/>
+          </p:cNvSpPr>
+          <p:nvPr>
+            <p:ph type="body" idx="1"/>
+          </p:nvPr>
+        </p:nvSpPr>
+        <p:spPr/>
+        <p:txBody>
+          <a:bodyPr/>
+          <a:lstStyle/>
+          <a:p>
+            <a:r>
+              <a:rPr lang="en-US" dirty="0" err="1"/>
+              <a:t>Zalando</a:t>
+            </a:r>
+            <a:r>
+              <a:rPr lang="en-US" dirty="0"/>
+              <a:t> = ecommerce company </a:t>
+            </a:r>
+            <a:r>
+              <a:rPr lang="en-US" dirty="0" err="1"/>
+              <a:t>specialising</a:t>
+            </a:r>
+            <a:r>
+              <a:rPr lang="en-US" dirty="0"/>
+              <a:t> in fashion and </a:t>
+            </a:r>
+            <a:r>
+              <a:rPr lang="en-US" dirty="0" err="1"/>
+              <a:t>beatuy</a:t>
+            </a:r>
+            <a:r>
+              <a:rPr lang="en-US" dirty="0"/>
+              <a:t>, over 1,000 employees in the tech department. Name is mixture of </a:t>
+            </a:r>
+            <a:r>
+              <a:rPr lang="en-US" dirty="0" err="1"/>
+              <a:t>Zalando</a:t>
+            </a:r>
+            <a:r>
+              <a:rPr lang="en-US" dirty="0"/>
+              <a:t> and Selenium.</a:t>
+            </a:r>
+          </a:p>
+          <a:p>
+            <a:endParaRPr lang="en-US" dirty="0"/>
+          </a:p>
+          <a:p>
+            <a:endParaRPr lang="en-US" dirty="0"/>
+          </a:p>
+        </p:txBody>
+      </p:sp>
+      <p:sp>
+        <p:nvSpPr>
+          <p:cNvPr id="4" name="Slide Number Placeholder 3"/>
+          <p:cNvSpPr>
+            <a:spLocks noGrp="1"/>
+          </p:cNvSpPr>
+          <p:nvPr>
+            <p:ph type="sldNum" sz="quarter" idx="5"/>
+          </p:nvPr>
+        </p:nvSpPr>
+        <p:spPr/>
+        <p:txBody>
+          <a:bodyPr/>
+          <a:lstStyle/>
+          <a:p>
+            <a:fld id="{7A507E9C-E9CF-45CC-A225-331D2025989C}" type="slidenum">
+              <a:rPr lang="en-GB" smtClean="0"/>
+              <a:t>6</a:t>
+            </a:fld>
+            <a:endParaRPr lang="en-GB" dirty="0"/>
+          </a:p>
+        </p:txBody>
+      </p:sp>
+    </p:spTree>
+    <p:extLst>
+      <p:ext uri="{BB962C8B-B14F-4D97-AF65-F5344CB8AC3E}">
+        <p14:creationId xmlns:p14="http://schemas.microsoft.com/office/powerpoint/2010/main" val="3415472371"/>
+      </p:ext>
+    </p:extLst>
+  </p:cSld>
+  <p:clrMapOvr>
+    <a:masterClrMapping/>
+  </p:clrMapOvr>
+</p:notes>
+</file>
+
+<file path=ppt/notesSlides/notesSlide5.xml><?xml version="1.0" encoding="utf-8"?>
+<p:notes xmlns:a="http://schemas.openxmlformats.org/drawingml/2006/main" xmlns:r="http://schemas.openxmlformats.org/officeDocument/2006/relationships" xmlns:p="http://schemas.openxmlformats.org/presentationml/2006/main">
+  <p:cSld>
+    <p:spTree>
+      <p:nvGrpSpPr>
+        <p:cNvPr id="1" name=""/>
+        <p:cNvGrpSpPr/>
+        <p:nvPr/>
+      </p:nvGrpSpPr>
+      <p:grpSpPr>
+        <a:xfrm>
+          <a:off x="0" y="0"/>
+          <a:ext cx="0" cy="0"/>
+          <a:chOff x="0" y="0"/>
+          <a:chExt cx="0" cy="0"/>
+        </a:xfrm>
+      </p:grpSpPr>
+      <p:sp>
+        <p:nvSpPr>
+          <p:cNvPr id="2" name="Slide Image Placeholder 1"/>
+          <p:cNvSpPr>
+            <a:spLocks noGrp="1" noRot="1" noChangeAspect="1"/>
+          </p:cNvSpPr>
+          <p:nvPr>
+            <p:ph type="sldImg"/>
+          </p:nvPr>
+        </p:nvSpPr>
+        <p:spPr/>
+      </p:sp>
+      <p:sp>
+        <p:nvSpPr>
+          <p:cNvPr id="3" name="Notes Placeholder 2"/>
+          <p:cNvSpPr>
+            <a:spLocks noGrp="1"/>
+          </p:cNvSpPr>
+          <p:nvPr>
+            <p:ph type="body" idx="1"/>
+          </p:nvPr>
+        </p:nvSpPr>
+        <p:spPr/>
+        <p:txBody>
+          <a:bodyPr/>
+          <a:lstStyle/>
+          <a:p>
+            <a:r>
+              <a:rPr lang="en-US" dirty="0"/>
+              <a:t>Selenium Grid maintenance – browser releases, grid releases, driver versions take up a lot of time to maintain.</a:t>
+            </a:r>
+          </a:p>
+          <a:p>
+            <a:endParaRPr lang="en-US" dirty="0"/>
+          </a:p>
+          <a:p>
+            <a:r>
+              <a:rPr lang="en-US" dirty="0"/>
+              <a:t>It’s not meant to replace cloud testing providers but work alongside them as they provide access to more browsers. </a:t>
+            </a:r>
+            <a:r>
+              <a:rPr lang="en-US" dirty="0" err="1"/>
+              <a:t>Zalenium</a:t>
+            </a:r>
+            <a:r>
+              <a:rPr lang="en-US" dirty="0"/>
+              <a:t> automatically redirects your tests to a cloud testing provider if one is available and docker-selenium cannot run those tests.</a:t>
+            </a:r>
+          </a:p>
+          <a:p>
+            <a:endParaRPr lang="en-US" dirty="0"/>
+          </a:p>
+          <a:p>
+            <a:r>
+              <a:rPr lang="en-US" dirty="0"/>
+              <a:t>Overall </a:t>
+            </a:r>
+            <a:r>
+              <a:rPr lang="en-US" dirty="0" err="1"/>
+              <a:t>Zalenium</a:t>
+            </a:r>
+            <a:r>
+              <a:rPr lang="en-US" dirty="0"/>
+              <a:t> can increase the speed of your test suite as it runs docker-selenium tests locally, which reduces latency, but also utilizes the cloud testing provider you pay for in a smarter way.</a:t>
+            </a:r>
+          </a:p>
+        </p:txBody>
+      </p:sp>
+      <p:sp>
+        <p:nvSpPr>
+          <p:cNvPr id="4" name="Slide Number Placeholder 3"/>
+          <p:cNvSpPr>
+            <a:spLocks noGrp="1"/>
+          </p:cNvSpPr>
+          <p:nvPr>
+            <p:ph type="sldNum" sz="quarter" idx="5"/>
+          </p:nvPr>
+        </p:nvSpPr>
+        <p:spPr/>
+        <p:txBody>
+          <a:bodyPr/>
+          <a:lstStyle/>
+          <a:p>
+            <a:fld id="{7A507E9C-E9CF-45CC-A225-331D2025989C}" type="slidenum">
+              <a:rPr lang="en-GB" smtClean="0"/>
+              <a:t>7</a:t>
+            </a:fld>
+            <a:endParaRPr lang="en-GB" dirty="0"/>
+          </a:p>
+        </p:txBody>
+      </p:sp>
+    </p:spTree>
+    <p:extLst>
+      <p:ext uri="{BB962C8B-B14F-4D97-AF65-F5344CB8AC3E}">
+        <p14:creationId xmlns:p14="http://schemas.microsoft.com/office/powerpoint/2010/main" val="4076460706"/>
       </p:ext>
     </p:extLst>
   </p:cSld>
@@ -4331,6 +4657,328 @@
   <p:clrMapOvr>
     <a:masterClrMapping/>
   </p:clrMapOvr>
+  <p:timing>
+    <p:tnLst>
+      <p:par>
+        <p:cTn id="1" dur="indefinite" restart="never" nodeType="tmRoot">
+          <p:childTnLst>
+            <p:seq concurrent="1" nextAc="seek">
+              <p:cTn id="2" dur="indefinite" nodeType="mainSeq">
+                <p:childTnLst>
+                  <p:par>
+                    <p:cTn id="3" fill="hold">
+                      <p:stCondLst>
+                        <p:cond delay="indefinite"/>
+                      </p:stCondLst>
+                      <p:childTnLst>
+                        <p:par>
+                          <p:cTn id="4" fill="hold">
+                            <p:stCondLst>
+                              <p:cond delay="0"/>
+                            </p:stCondLst>
+                            <p:childTnLst>
+                              <p:par>
+                                <p:cTn id="5" presetID="1" presetClass="entr" presetSubtype="0" fill="hold" grpId="0" nodeType="clickEffect">
+                                  <p:stCondLst>
+                                    <p:cond delay="0"/>
+                                  </p:stCondLst>
+                                  <p:childTnLst>
+                                    <p:set>
+                                      <p:cBhvr>
+                                        <p:cTn id="6" dur="1" fill="hold">
+                                          <p:stCondLst>
+                                            <p:cond delay="0"/>
+                                          </p:stCondLst>
+                                        </p:cTn>
+                                        <p:tgtEl>
+                                          <p:spTgt spid="2">
+                                            <p:txEl>
+                                              <p:pRg st="0" end="0"/>
+                                            </p:txEl>
+                                          </p:spTgt>
+                                        </p:tgtEl>
+                                        <p:attrNameLst>
+                                          <p:attrName>style.visibility</p:attrName>
+                                        </p:attrNameLst>
+                                      </p:cBhvr>
+                                      <p:to>
+                                        <p:strVal val="visible"/>
+                                      </p:to>
+                                    </p:set>
+                                  </p:childTnLst>
+                                </p:cTn>
+                              </p:par>
+                              <p:par>
+                                <p:cTn id="7" presetID="1" presetClass="entr" presetSubtype="0" fill="hold" grpId="0" nodeType="withEffect">
+                                  <p:stCondLst>
+                                    <p:cond delay="0"/>
+                                  </p:stCondLst>
+                                  <p:childTnLst>
+                                    <p:set>
+                                      <p:cBhvr>
+                                        <p:cTn id="8" dur="1" fill="hold">
+                                          <p:stCondLst>
+                                            <p:cond delay="0"/>
+                                          </p:stCondLst>
+                                        </p:cTn>
+                                        <p:tgtEl>
+                                          <p:spTgt spid="2">
+                                            <p:txEl>
+                                              <p:pRg st="1" end="1"/>
+                                            </p:txEl>
+                                          </p:spTgt>
+                                        </p:tgtEl>
+                                        <p:attrNameLst>
+                                          <p:attrName>style.visibility</p:attrName>
+                                        </p:attrNameLst>
+                                      </p:cBhvr>
+                                      <p:to>
+                                        <p:strVal val="visible"/>
+                                      </p:to>
+                                    </p:set>
+                                  </p:childTnLst>
+                                </p:cTn>
+                              </p:par>
+                              <p:par>
+                                <p:cTn id="9" presetID="1" presetClass="entr" presetSubtype="0" fill="hold" grpId="0" nodeType="withEffect">
+                                  <p:stCondLst>
+                                    <p:cond delay="0"/>
+                                  </p:stCondLst>
+                                  <p:childTnLst>
+                                    <p:set>
+                                      <p:cBhvr>
+                                        <p:cTn id="10" dur="1" fill="hold">
+                                          <p:stCondLst>
+                                            <p:cond delay="0"/>
+                                          </p:stCondLst>
+                                        </p:cTn>
+                                        <p:tgtEl>
+                                          <p:spTgt spid="2">
+                                            <p:txEl>
+                                              <p:pRg st="2" end="2"/>
+                                            </p:txEl>
+                                          </p:spTgt>
+                                        </p:tgtEl>
+                                        <p:attrNameLst>
+                                          <p:attrName>style.visibility</p:attrName>
+                                        </p:attrNameLst>
+                                      </p:cBhvr>
+                                      <p:to>
+                                        <p:strVal val="visible"/>
+                                      </p:to>
+                                    </p:set>
+                                  </p:childTnLst>
+                                </p:cTn>
+                              </p:par>
+                              <p:par>
+                                <p:cTn id="11" presetID="1" presetClass="entr" presetSubtype="0" fill="hold" grpId="0" nodeType="withEffect">
+                                  <p:stCondLst>
+                                    <p:cond delay="0"/>
+                                  </p:stCondLst>
+                                  <p:childTnLst>
+                                    <p:set>
+                                      <p:cBhvr>
+                                        <p:cTn id="12" dur="1" fill="hold">
+                                          <p:stCondLst>
+                                            <p:cond delay="0"/>
+                                          </p:stCondLst>
+                                        </p:cTn>
+                                        <p:tgtEl>
+                                          <p:spTgt spid="2">
+                                            <p:txEl>
+                                              <p:pRg st="3" end="3"/>
+                                            </p:txEl>
+                                          </p:spTgt>
+                                        </p:tgtEl>
+                                        <p:attrNameLst>
+                                          <p:attrName>style.visibility</p:attrName>
+                                        </p:attrNameLst>
+                                      </p:cBhvr>
+                                      <p:to>
+                                        <p:strVal val="visible"/>
+                                      </p:to>
+                                    </p:set>
+                                  </p:childTnLst>
+                                </p:cTn>
+                              </p:par>
+                            </p:childTnLst>
+                          </p:cTn>
+                        </p:par>
+                      </p:childTnLst>
+                    </p:cTn>
+                  </p:par>
+                  <p:par>
+                    <p:cTn id="13" fill="hold">
+                      <p:stCondLst>
+                        <p:cond delay="indefinite"/>
+                      </p:stCondLst>
+                      <p:childTnLst>
+                        <p:par>
+                          <p:cTn id="14" fill="hold">
+                            <p:stCondLst>
+                              <p:cond delay="0"/>
+                            </p:stCondLst>
+                            <p:childTnLst>
+                              <p:par>
+                                <p:cTn id="15" presetID="1" presetClass="entr" presetSubtype="0" fill="hold" grpId="0" nodeType="clickEffect">
+                                  <p:stCondLst>
+                                    <p:cond delay="0"/>
+                                  </p:stCondLst>
+                                  <p:childTnLst>
+                                    <p:set>
+                                      <p:cBhvr>
+                                        <p:cTn id="16" dur="1" fill="hold">
+                                          <p:stCondLst>
+                                            <p:cond delay="0"/>
+                                          </p:stCondLst>
+                                        </p:cTn>
+                                        <p:tgtEl>
+                                          <p:spTgt spid="2">
+                                            <p:txEl>
+                                              <p:pRg st="5" end="5"/>
+                                            </p:txEl>
+                                          </p:spTgt>
+                                        </p:tgtEl>
+                                        <p:attrNameLst>
+                                          <p:attrName>style.visibility</p:attrName>
+                                        </p:attrNameLst>
+                                      </p:cBhvr>
+                                      <p:to>
+                                        <p:strVal val="visible"/>
+                                      </p:to>
+                                    </p:set>
+                                  </p:childTnLst>
+                                </p:cTn>
+                              </p:par>
+                            </p:childTnLst>
+                          </p:cTn>
+                        </p:par>
+                      </p:childTnLst>
+                    </p:cTn>
+                  </p:par>
+                  <p:par>
+                    <p:cTn id="17" fill="hold">
+                      <p:stCondLst>
+                        <p:cond delay="indefinite"/>
+                      </p:stCondLst>
+                      <p:childTnLst>
+                        <p:par>
+                          <p:cTn id="18" fill="hold">
+                            <p:stCondLst>
+                              <p:cond delay="0"/>
+                            </p:stCondLst>
+                            <p:childTnLst>
+                              <p:par>
+                                <p:cTn id="19" presetID="1" presetClass="entr" presetSubtype="0" fill="hold" grpId="0" nodeType="clickEffect">
+                                  <p:stCondLst>
+                                    <p:cond delay="0"/>
+                                  </p:stCondLst>
+                                  <p:childTnLst>
+                                    <p:set>
+                                      <p:cBhvr>
+                                        <p:cTn id="20" dur="1" fill="hold">
+                                          <p:stCondLst>
+                                            <p:cond delay="0"/>
+                                          </p:stCondLst>
+                                        </p:cTn>
+                                        <p:tgtEl>
+                                          <p:spTgt spid="2">
+                                            <p:txEl>
+                                              <p:pRg st="6" end="6"/>
+                                            </p:txEl>
+                                          </p:spTgt>
+                                        </p:tgtEl>
+                                        <p:attrNameLst>
+                                          <p:attrName>style.visibility</p:attrName>
+                                        </p:attrNameLst>
+                                      </p:cBhvr>
+                                      <p:to>
+                                        <p:strVal val="visible"/>
+                                      </p:to>
+                                    </p:set>
+                                  </p:childTnLst>
+                                </p:cTn>
+                              </p:par>
+                            </p:childTnLst>
+                          </p:cTn>
+                        </p:par>
+                      </p:childTnLst>
+                    </p:cTn>
+                  </p:par>
+                  <p:par>
+                    <p:cTn id="21" fill="hold">
+                      <p:stCondLst>
+                        <p:cond delay="indefinite"/>
+                      </p:stCondLst>
+                      <p:childTnLst>
+                        <p:par>
+                          <p:cTn id="22" fill="hold">
+                            <p:stCondLst>
+                              <p:cond delay="0"/>
+                            </p:stCondLst>
+                            <p:childTnLst>
+                              <p:par>
+                                <p:cTn id="23" presetID="1" presetClass="entr" presetSubtype="0" fill="hold" grpId="0" nodeType="clickEffect">
+                                  <p:stCondLst>
+                                    <p:cond delay="0"/>
+                                  </p:stCondLst>
+                                  <p:childTnLst>
+                                    <p:set>
+                                      <p:cBhvr>
+                                        <p:cTn id="24" dur="1" fill="hold">
+                                          <p:stCondLst>
+                                            <p:cond delay="0"/>
+                                          </p:stCondLst>
+                                        </p:cTn>
+                                        <p:tgtEl>
+                                          <p:spTgt spid="2">
+                                            <p:txEl>
+                                              <p:pRg st="7" end="7"/>
+                                            </p:txEl>
+                                          </p:spTgt>
+                                        </p:tgtEl>
+                                        <p:attrNameLst>
+                                          <p:attrName>style.visibility</p:attrName>
+                                        </p:attrNameLst>
+                                      </p:cBhvr>
+                                      <p:to>
+                                        <p:strVal val="visible"/>
+                                      </p:to>
+                                    </p:set>
+                                  </p:childTnLst>
+                                </p:cTn>
+                              </p:par>
+                            </p:childTnLst>
+                          </p:cTn>
+                        </p:par>
+                      </p:childTnLst>
+                    </p:cTn>
+                  </p:par>
+                </p:childTnLst>
+              </p:cTn>
+              <p:prevCondLst>
+                <p:cond evt="onPrev" delay="0">
+                  <p:tgtEl>
+                    <p:sldTgt/>
+                  </p:tgtEl>
+                </p:cond>
+              </p:prevCondLst>
+              <p:nextCondLst>
+                <p:cond evt="onNext" delay="0">
+                  <p:tgtEl>
+                    <p:sldTgt/>
+                  </p:tgtEl>
+                </p:cond>
+              </p:nextCondLst>
+            </p:seq>
+          </p:childTnLst>
+        </p:cTn>
+      </p:par>
+    </p:tnLst>
+    <p:bldLst>
+      <p:bldP spid="2" grpId="0" uiExpand="1" build="p"/>
+    </p:bldLst>
+  </p:timing>
 </p:sld>
 </file>
 
@@ -4492,7 +5140,7 @@
           <a:p>
             <a:r>
               <a:rPr lang="en-GB" sz="2400" dirty="0"/>
-              <a:t>Set CPU/memory limits, output logs to JSON, set browser screen width/height and much more…</a:t>
+              <a:t>Set CPU/memory limits, output logs to JSON, set browser screen width/height, time zones and much more…</a:t>
             </a:r>
             <a:br>
               <a:rPr lang="en-GB" sz="2400" dirty="0"/>
@@ -4588,6 +5236,248 @@
   <p:clrMapOvr>
     <a:masterClrMapping/>
   </p:clrMapOvr>
+  <p:timing>
+    <p:tnLst>
+      <p:par>
+        <p:cTn id="1" dur="indefinite" restart="never" nodeType="tmRoot">
+          <p:childTnLst>
+            <p:seq concurrent="1" nextAc="seek">
+              <p:cTn id="2" dur="indefinite" nodeType="mainSeq">
+                <p:childTnLst>
+                  <p:par>
+                    <p:cTn id="3" fill="hold">
+                      <p:stCondLst>
+                        <p:cond delay="indefinite"/>
+                      </p:stCondLst>
+                      <p:childTnLst>
+                        <p:par>
+                          <p:cTn id="4" fill="hold">
+                            <p:stCondLst>
+                              <p:cond delay="0"/>
+                            </p:stCondLst>
+                            <p:childTnLst>
+                              <p:par>
+                                <p:cTn id="5" presetID="1" presetClass="entr" presetSubtype="0" fill="hold" grpId="0" nodeType="clickEffect">
+                                  <p:stCondLst>
+                                    <p:cond delay="0"/>
+                                  </p:stCondLst>
+                                  <p:childTnLst>
+                                    <p:set>
+                                      <p:cBhvr>
+                                        <p:cTn id="6" dur="1" fill="hold">
+                                          <p:stCondLst>
+                                            <p:cond delay="0"/>
+                                          </p:stCondLst>
+                                        </p:cTn>
+                                        <p:tgtEl>
+                                          <p:spTgt spid="2">
+                                            <p:txEl>
+                                              <p:pRg st="0" end="0"/>
+                                            </p:txEl>
+                                          </p:spTgt>
+                                        </p:tgtEl>
+                                        <p:attrNameLst>
+                                          <p:attrName>style.visibility</p:attrName>
+                                        </p:attrNameLst>
+                                      </p:cBhvr>
+                                      <p:to>
+                                        <p:strVal val="visible"/>
+                                      </p:to>
+                                    </p:set>
+                                  </p:childTnLst>
+                                </p:cTn>
+                              </p:par>
+                            </p:childTnLst>
+                          </p:cTn>
+                        </p:par>
+                      </p:childTnLst>
+                    </p:cTn>
+                  </p:par>
+                  <p:par>
+                    <p:cTn id="7" fill="hold">
+                      <p:stCondLst>
+                        <p:cond delay="indefinite"/>
+                      </p:stCondLst>
+                      <p:childTnLst>
+                        <p:par>
+                          <p:cTn id="8" fill="hold">
+                            <p:stCondLst>
+                              <p:cond delay="0"/>
+                            </p:stCondLst>
+                            <p:childTnLst>
+                              <p:par>
+                                <p:cTn id="9" presetID="1" presetClass="entr" presetSubtype="0" fill="hold" grpId="0" nodeType="clickEffect">
+                                  <p:stCondLst>
+                                    <p:cond delay="0"/>
+                                  </p:stCondLst>
+                                  <p:childTnLst>
+                                    <p:set>
+                                      <p:cBhvr>
+                                        <p:cTn id="10" dur="1" fill="hold">
+                                          <p:stCondLst>
+                                            <p:cond delay="0"/>
+                                          </p:stCondLst>
+                                        </p:cTn>
+                                        <p:tgtEl>
+                                          <p:spTgt spid="2">
+                                            <p:txEl>
+                                              <p:pRg st="2" end="2"/>
+                                            </p:txEl>
+                                          </p:spTgt>
+                                        </p:tgtEl>
+                                        <p:attrNameLst>
+                                          <p:attrName>style.visibility</p:attrName>
+                                        </p:attrNameLst>
+                                      </p:cBhvr>
+                                      <p:to>
+                                        <p:strVal val="visible"/>
+                                      </p:to>
+                                    </p:set>
+                                  </p:childTnLst>
+                                </p:cTn>
+                              </p:par>
+                              <p:par>
+                                <p:cTn id="11" presetID="1" presetClass="entr" presetSubtype="0" fill="hold" grpId="0" nodeType="withEffect">
+                                  <p:stCondLst>
+                                    <p:cond delay="0"/>
+                                  </p:stCondLst>
+                                  <p:childTnLst>
+                                    <p:set>
+                                      <p:cBhvr>
+                                        <p:cTn id="12" dur="1" fill="hold">
+                                          <p:stCondLst>
+                                            <p:cond delay="0"/>
+                                          </p:stCondLst>
+                                        </p:cTn>
+                                        <p:tgtEl>
+                                          <p:spTgt spid="2">
+                                            <p:txEl>
+                                              <p:pRg st="3" end="3"/>
+                                            </p:txEl>
+                                          </p:spTgt>
+                                        </p:tgtEl>
+                                        <p:attrNameLst>
+                                          <p:attrName>style.visibility</p:attrName>
+                                        </p:attrNameLst>
+                                      </p:cBhvr>
+                                      <p:to>
+                                        <p:strVal val="visible"/>
+                                      </p:to>
+                                    </p:set>
+                                  </p:childTnLst>
+                                </p:cTn>
+                              </p:par>
+                              <p:par>
+                                <p:cTn id="13" presetID="1" presetClass="entr" presetSubtype="0" fill="hold" grpId="0" nodeType="withEffect">
+                                  <p:stCondLst>
+                                    <p:cond delay="0"/>
+                                  </p:stCondLst>
+                                  <p:childTnLst>
+                                    <p:set>
+                                      <p:cBhvr>
+                                        <p:cTn id="14" dur="1" fill="hold">
+                                          <p:stCondLst>
+                                            <p:cond delay="0"/>
+                                          </p:stCondLst>
+                                        </p:cTn>
+                                        <p:tgtEl>
+                                          <p:spTgt spid="2">
+                                            <p:txEl>
+                                              <p:pRg st="4" end="4"/>
+                                            </p:txEl>
+                                          </p:spTgt>
+                                        </p:tgtEl>
+                                        <p:attrNameLst>
+                                          <p:attrName>style.visibility</p:attrName>
+                                        </p:attrNameLst>
+                                      </p:cBhvr>
+                                      <p:to>
+                                        <p:strVal val="visible"/>
+                                      </p:to>
+                                    </p:set>
+                                  </p:childTnLst>
+                                </p:cTn>
+                              </p:par>
+                            </p:childTnLst>
+                          </p:cTn>
+                        </p:par>
+                      </p:childTnLst>
+                    </p:cTn>
+                  </p:par>
+                  <p:par>
+                    <p:cTn id="15" fill="hold">
+                      <p:stCondLst>
+                        <p:cond delay="indefinite"/>
+                      </p:stCondLst>
+                      <p:childTnLst>
+                        <p:par>
+                          <p:cTn id="16" fill="hold">
+                            <p:stCondLst>
+                              <p:cond delay="0"/>
+                            </p:stCondLst>
+                            <p:childTnLst>
+                              <p:par>
+                                <p:cTn id="17" presetID="1" presetClass="entr" presetSubtype="0" fill="hold" grpId="0" nodeType="clickEffect">
+                                  <p:stCondLst>
+                                    <p:cond delay="0"/>
+                                  </p:stCondLst>
+                                  <p:childTnLst>
+                                    <p:set>
+                                      <p:cBhvr>
+                                        <p:cTn id="18" dur="1" fill="hold">
+                                          <p:stCondLst>
+                                            <p:cond delay="0"/>
+                                          </p:stCondLst>
+                                        </p:cTn>
+                                        <p:tgtEl>
+                                          <p:spTgt spid="2">
+                                            <p:txEl>
+                                              <p:pRg st="6" end="6"/>
+                                            </p:txEl>
+                                          </p:spTgt>
+                                        </p:tgtEl>
+                                        <p:attrNameLst>
+                                          <p:attrName>style.visibility</p:attrName>
+                                        </p:attrNameLst>
+                                      </p:cBhvr>
+                                      <p:to>
+                                        <p:strVal val="visible"/>
+                                      </p:to>
+                                    </p:set>
+                                  </p:childTnLst>
+                                </p:cTn>
+                              </p:par>
+                            </p:childTnLst>
+                          </p:cTn>
+                        </p:par>
+                      </p:childTnLst>
+                    </p:cTn>
+                  </p:par>
+                </p:childTnLst>
+              </p:cTn>
+              <p:prevCondLst>
+                <p:cond evt="onPrev" delay="0">
+                  <p:tgtEl>
+                    <p:sldTgt/>
+                  </p:tgtEl>
+                </p:cond>
+              </p:prevCondLst>
+              <p:nextCondLst>
+                <p:cond evt="onNext" delay="0">
+                  <p:tgtEl>
+                    <p:sldTgt/>
+                  </p:tgtEl>
+                </p:cond>
+              </p:nextCondLst>
+            </p:seq>
+          </p:childTnLst>
+        </p:cTn>
+      </p:par>
+    </p:tnLst>
+    <p:bldLst>
+      <p:bldP spid="2" grpId="0" build="p"/>
+    </p:bldLst>
+  </p:timing>
 </p:sld>
 </file>
 
@@ -5594,7 +6484,7 @@
           <p:nvPr/>
         </p:nvPicPr>
         <p:blipFill>
-          <a:blip r:embed="rId2">
+          <a:blip r:embed="rId3">
             <a:extLst>
               <a:ext uri="{28A0092B-C50C-407E-A947-70E740481C1C}">
                 <a14:useLocalDpi xmlns:a14="http://schemas.microsoft.com/office/drawing/2010/main" val="0"/>
@@ -5630,7 +6520,7 @@
           <p:nvPr/>
         </p:nvPicPr>
         <p:blipFill>
-          <a:blip r:embed="rId3">
+          <a:blip r:embed="rId4">
             <a:extLst>
               <a:ext uri="{28A0092B-C50C-407E-A947-70E740481C1C}">
                 <a14:useLocalDpi xmlns:a14="http://schemas.microsoft.com/office/drawing/2010/main" val="0"/>
@@ -5661,6 +6551,292 @@
   <p:clrMapOvr>
     <a:masterClrMapping/>
   </p:clrMapOvr>
+  <p:timing>
+    <p:tnLst>
+      <p:par>
+        <p:cTn id="1" dur="indefinite" restart="never" nodeType="tmRoot">
+          <p:childTnLst>
+            <p:seq concurrent="1" nextAc="seek">
+              <p:cTn id="2" dur="indefinite" nodeType="mainSeq">
+                <p:childTnLst>
+                  <p:par>
+                    <p:cTn id="3" fill="hold">
+                      <p:stCondLst>
+                        <p:cond delay="indefinite"/>
+                      </p:stCondLst>
+                      <p:childTnLst>
+                        <p:par>
+                          <p:cTn id="4" fill="hold">
+                            <p:stCondLst>
+                              <p:cond delay="0"/>
+                            </p:stCondLst>
+                            <p:childTnLst>
+                              <p:par>
+                                <p:cTn id="5" presetID="1" presetClass="entr" presetSubtype="0" fill="hold" grpId="0" nodeType="clickEffect">
+                                  <p:stCondLst>
+                                    <p:cond delay="0"/>
+                                  </p:stCondLst>
+                                  <p:childTnLst>
+                                    <p:set>
+                                      <p:cBhvr>
+                                        <p:cTn id="6" dur="1" fill="hold">
+                                          <p:stCondLst>
+                                            <p:cond delay="0"/>
+                                          </p:stCondLst>
+                                        </p:cTn>
+                                        <p:tgtEl>
+                                          <p:spTgt spid="2">
+                                            <p:txEl>
+                                              <p:pRg st="0" end="0"/>
+                                            </p:txEl>
+                                          </p:spTgt>
+                                        </p:tgtEl>
+                                        <p:attrNameLst>
+                                          <p:attrName>style.visibility</p:attrName>
+                                        </p:attrNameLst>
+                                      </p:cBhvr>
+                                      <p:to>
+                                        <p:strVal val="visible"/>
+                                      </p:to>
+                                    </p:set>
+                                  </p:childTnLst>
+                                </p:cTn>
+                              </p:par>
+                              <p:par>
+                                <p:cTn id="7" presetID="1" presetClass="entr" presetSubtype="0" fill="hold" grpId="0" nodeType="withEffect">
+                                  <p:stCondLst>
+                                    <p:cond delay="0"/>
+                                  </p:stCondLst>
+                                  <p:childTnLst>
+                                    <p:set>
+                                      <p:cBhvr>
+                                        <p:cTn id="8" dur="1" fill="hold">
+                                          <p:stCondLst>
+                                            <p:cond delay="0"/>
+                                          </p:stCondLst>
+                                        </p:cTn>
+                                        <p:tgtEl>
+                                          <p:spTgt spid="2">
+                                            <p:txEl>
+                                              <p:pRg st="1" end="1"/>
+                                            </p:txEl>
+                                          </p:spTgt>
+                                        </p:tgtEl>
+                                        <p:attrNameLst>
+                                          <p:attrName>style.visibility</p:attrName>
+                                        </p:attrNameLst>
+                                      </p:cBhvr>
+                                      <p:to>
+                                        <p:strVal val="visible"/>
+                                      </p:to>
+                                    </p:set>
+                                  </p:childTnLst>
+                                </p:cTn>
+                              </p:par>
+                              <p:par>
+                                <p:cTn id="9" presetID="1" presetClass="entr" presetSubtype="0" fill="hold" grpId="0" nodeType="withEffect">
+                                  <p:stCondLst>
+                                    <p:cond delay="0"/>
+                                  </p:stCondLst>
+                                  <p:childTnLst>
+                                    <p:set>
+                                      <p:cBhvr>
+                                        <p:cTn id="10" dur="1" fill="hold">
+                                          <p:stCondLst>
+                                            <p:cond delay="0"/>
+                                          </p:stCondLst>
+                                        </p:cTn>
+                                        <p:tgtEl>
+                                          <p:spTgt spid="2">
+                                            <p:txEl>
+                                              <p:pRg st="2" end="2"/>
+                                            </p:txEl>
+                                          </p:spTgt>
+                                        </p:tgtEl>
+                                        <p:attrNameLst>
+                                          <p:attrName>style.visibility</p:attrName>
+                                        </p:attrNameLst>
+                                      </p:cBhvr>
+                                      <p:to>
+                                        <p:strVal val="visible"/>
+                                      </p:to>
+                                    </p:set>
+                                  </p:childTnLst>
+                                </p:cTn>
+                              </p:par>
+                              <p:par>
+                                <p:cTn id="11" presetID="1" presetClass="entr" presetSubtype="0" fill="hold" grpId="0" nodeType="withEffect">
+                                  <p:stCondLst>
+                                    <p:cond delay="0"/>
+                                  </p:stCondLst>
+                                  <p:childTnLst>
+                                    <p:set>
+                                      <p:cBhvr>
+                                        <p:cTn id="12" dur="1" fill="hold">
+                                          <p:stCondLst>
+                                            <p:cond delay="0"/>
+                                          </p:stCondLst>
+                                        </p:cTn>
+                                        <p:tgtEl>
+                                          <p:spTgt spid="2">
+                                            <p:txEl>
+                                              <p:pRg st="3" end="3"/>
+                                            </p:txEl>
+                                          </p:spTgt>
+                                        </p:tgtEl>
+                                        <p:attrNameLst>
+                                          <p:attrName>style.visibility</p:attrName>
+                                        </p:attrNameLst>
+                                      </p:cBhvr>
+                                      <p:to>
+                                        <p:strVal val="visible"/>
+                                      </p:to>
+                                    </p:set>
+                                  </p:childTnLst>
+                                </p:cTn>
+                              </p:par>
+                            </p:childTnLst>
+                          </p:cTn>
+                        </p:par>
+                      </p:childTnLst>
+                    </p:cTn>
+                  </p:par>
+                  <p:par>
+                    <p:cTn id="13" fill="hold">
+                      <p:stCondLst>
+                        <p:cond delay="indefinite"/>
+                      </p:stCondLst>
+                      <p:childTnLst>
+                        <p:par>
+                          <p:cTn id="14" fill="hold">
+                            <p:stCondLst>
+                              <p:cond delay="0"/>
+                            </p:stCondLst>
+                            <p:childTnLst>
+                              <p:par>
+                                <p:cTn id="15" presetID="1" presetClass="entr" presetSubtype="0" fill="hold" grpId="0" nodeType="clickEffect">
+                                  <p:stCondLst>
+                                    <p:cond delay="0"/>
+                                  </p:stCondLst>
+                                  <p:childTnLst>
+                                    <p:set>
+                                      <p:cBhvr>
+                                        <p:cTn id="16" dur="1" fill="hold">
+                                          <p:stCondLst>
+                                            <p:cond delay="0"/>
+                                          </p:stCondLst>
+                                        </p:cTn>
+                                        <p:tgtEl>
+                                          <p:spTgt spid="2">
+                                            <p:txEl>
+                                              <p:pRg st="5" end="5"/>
+                                            </p:txEl>
+                                          </p:spTgt>
+                                        </p:tgtEl>
+                                        <p:attrNameLst>
+                                          <p:attrName>style.visibility</p:attrName>
+                                        </p:attrNameLst>
+                                      </p:cBhvr>
+                                      <p:to>
+                                        <p:strVal val="visible"/>
+                                      </p:to>
+                                    </p:set>
+                                  </p:childTnLst>
+                                </p:cTn>
+                              </p:par>
+                              <p:par>
+                                <p:cTn id="17" presetID="1" presetClass="entr" presetSubtype="0" fill="hold" grpId="0" nodeType="withEffect">
+                                  <p:stCondLst>
+                                    <p:cond delay="0"/>
+                                  </p:stCondLst>
+                                  <p:childTnLst>
+                                    <p:set>
+                                      <p:cBhvr>
+                                        <p:cTn id="18" dur="1" fill="hold">
+                                          <p:stCondLst>
+                                            <p:cond delay="0"/>
+                                          </p:stCondLst>
+                                        </p:cTn>
+                                        <p:tgtEl>
+                                          <p:spTgt spid="2">
+                                            <p:txEl>
+                                              <p:pRg st="6" end="6"/>
+                                            </p:txEl>
+                                          </p:spTgt>
+                                        </p:tgtEl>
+                                        <p:attrNameLst>
+                                          <p:attrName>style.visibility</p:attrName>
+                                        </p:attrNameLst>
+                                      </p:cBhvr>
+                                      <p:to>
+                                        <p:strVal val="visible"/>
+                                      </p:to>
+                                    </p:set>
+                                  </p:childTnLst>
+                                </p:cTn>
+                              </p:par>
+                              <p:par>
+                                <p:cTn id="19" presetID="1" presetClass="entr" presetSubtype="0" fill="hold" grpId="0" nodeType="withEffect">
+                                  <p:stCondLst>
+                                    <p:cond delay="0"/>
+                                  </p:stCondLst>
+                                  <p:childTnLst>
+                                    <p:set>
+                                      <p:cBhvr>
+                                        <p:cTn id="20" dur="1" fill="hold">
+                                          <p:stCondLst>
+                                            <p:cond delay="0"/>
+                                          </p:stCondLst>
+                                        </p:cTn>
+                                        <p:tgtEl>
+                                          <p:spTgt spid="2">
+                                            <p:txEl>
+                                              <p:pRg st="7" end="7"/>
+                                            </p:txEl>
+                                          </p:spTgt>
+                                        </p:tgtEl>
+                                        <p:attrNameLst>
+                                          <p:attrName>style.visibility</p:attrName>
+                                        </p:attrNameLst>
+                                      </p:cBhvr>
+                                      <p:to>
+                                        <p:strVal val="visible"/>
+                                      </p:to>
+                                    </p:set>
+                                  </p:childTnLst>
+                                </p:cTn>
+                              </p:par>
+                            </p:childTnLst>
+                          </p:cTn>
+                        </p:par>
+                      </p:childTnLst>
+                    </p:cTn>
+                  </p:par>
+                </p:childTnLst>
+              </p:cTn>
+              <p:prevCondLst>
+                <p:cond evt="onPrev" delay="0">
+                  <p:tgtEl>
+                    <p:sldTgt/>
+                  </p:tgtEl>
+                </p:cond>
+              </p:prevCondLst>
+              <p:nextCondLst>
+                <p:cond evt="onNext" delay="0">
+                  <p:tgtEl>
+                    <p:sldTgt/>
+                  </p:tgtEl>
+                </p:cond>
+              </p:nextCondLst>
+            </p:seq>
+          </p:childTnLst>
+        </p:cTn>
+      </p:par>
+    </p:tnLst>
+    <p:bldLst>
+      <p:bldP spid="2" grpId="0" uiExpand="1" build="p"/>
+    </p:bldLst>
+  </p:timing>
 </p:sld>
 </file>
 
@@ -5713,7 +6889,7 @@
             </a:r>
             <a:r>
               <a:rPr lang="en-US" sz="2300" dirty="0"/>
-              <a:t>. </a:t>
+              <a:t>.</a:t>
             </a:r>
           </a:p>
           <a:p>
@@ -5857,7 +7033,7 @@
           <p:nvPr/>
         </p:nvPicPr>
         <p:blipFill>
-          <a:blip r:embed="rId2">
+          <a:blip r:embed="rId3">
             <a:extLst>
               <a:ext uri="{28A0092B-C50C-407E-A947-70E740481C1C}">
                 <a14:useLocalDpi xmlns:a14="http://schemas.microsoft.com/office/drawing/2010/main" val="0"/>
@@ -5888,6 +7064,382 @@
   <p:clrMapOvr>
     <a:masterClrMapping/>
   </p:clrMapOvr>
+  <p:timing>
+    <p:tnLst>
+      <p:par>
+        <p:cTn id="1" dur="indefinite" restart="never" nodeType="tmRoot">
+          <p:childTnLst>
+            <p:seq concurrent="1" nextAc="seek">
+              <p:cTn id="2" dur="indefinite" nodeType="mainSeq">
+                <p:childTnLst>
+                  <p:par>
+                    <p:cTn id="3" fill="hold">
+                      <p:stCondLst>
+                        <p:cond delay="indefinite"/>
+                      </p:stCondLst>
+                      <p:childTnLst>
+                        <p:par>
+                          <p:cTn id="4" fill="hold">
+                            <p:stCondLst>
+                              <p:cond delay="0"/>
+                            </p:stCondLst>
+                            <p:childTnLst>
+                              <p:par>
+                                <p:cTn id="5" presetID="1" presetClass="entr" presetSubtype="0" fill="hold" grpId="0" nodeType="clickEffect">
+                                  <p:stCondLst>
+                                    <p:cond delay="0"/>
+                                  </p:stCondLst>
+                                  <p:childTnLst>
+                                    <p:set>
+                                      <p:cBhvr>
+                                        <p:cTn id="6" dur="1" fill="hold">
+                                          <p:stCondLst>
+                                            <p:cond delay="0"/>
+                                          </p:stCondLst>
+                                        </p:cTn>
+                                        <p:tgtEl>
+                                          <p:spTgt spid="2">
+                                            <p:txEl>
+                                              <p:pRg st="0" end="0"/>
+                                            </p:txEl>
+                                          </p:spTgt>
+                                        </p:tgtEl>
+                                        <p:attrNameLst>
+                                          <p:attrName>style.visibility</p:attrName>
+                                        </p:attrNameLst>
+                                      </p:cBhvr>
+                                      <p:to>
+                                        <p:strVal val="visible"/>
+                                      </p:to>
+                                    </p:set>
+                                  </p:childTnLst>
+                                </p:cTn>
+                              </p:par>
+                            </p:childTnLst>
+                          </p:cTn>
+                        </p:par>
+                      </p:childTnLst>
+                    </p:cTn>
+                  </p:par>
+                  <p:par>
+                    <p:cTn id="7" fill="hold">
+                      <p:stCondLst>
+                        <p:cond delay="indefinite"/>
+                      </p:stCondLst>
+                      <p:childTnLst>
+                        <p:par>
+                          <p:cTn id="8" fill="hold">
+                            <p:stCondLst>
+                              <p:cond delay="0"/>
+                            </p:stCondLst>
+                            <p:childTnLst>
+                              <p:par>
+                                <p:cTn id="9" presetID="1" presetClass="entr" presetSubtype="0" fill="hold" grpId="0" nodeType="clickEffect">
+                                  <p:stCondLst>
+                                    <p:cond delay="0"/>
+                                  </p:stCondLst>
+                                  <p:childTnLst>
+                                    <p:set>
+                                      <p:cBhvr>
+                                        <p:cTn id="10" dur="1" fill="hold">
+                                          <p:stCondLst>
+                                            <p:cond delay="0"/>
+                                          </p:stCondLst>
+                                        </p:cTn>
+                                        <p:tgtEl>
+                                          <p:spTgt spid="2">
+                                            <p:txEl>
+                                              <p:pRg st="1" end="1"/>
+                                            </p:txEl>
+                                          </p:spTgt>
+                                        </p:tgtEl>
+                                        <p:attrNameLst>
+                                          <p:attrName>style.visibility</p:attrName>
+                                        </p:attrNameLst>
+                                      </p:cBhvr>
+                                      <p:to>
+                                        <p:strVal val="visible"/>
+                                      </p:to>
+                                    </p:set>
+                                  </p:childTnLst>
+                                </p:cTn>
+                              </p:par>
+                            </p:childTnLst>
+                          </p:cTn>
+                        </p:par>
+                      </p:childTnLst>
+                    </p:cTn>
+                  </p:par>
+                  <p:par>
+                    <p:cTn id="11" fill="hold">
+                      <p:stCondLst>
+                        <p:cond delay="indefinite"/>
+                      </p:stCondLst>
+                      <p:childTnLst>
+                        <p:par>
+                          <p:cTn id="12" fill="hold">
+                            <p:stCondLst>
+                              <p:cond delay="0"/>
+                            </p:stCondLst>
+                            <p:childTnLst>
+                              <p:par>
+                                <p:cTn id="13" presetID="1" presetClass="entr" presetSubtype="0" fill="hold" grpId="0" nodeType="clickEffect">
+                                  <p:stCondLst>
+                                    <p:cond delay="0"/>
+                                  </p:stCondLst>
+                                  <p:childTnLst>
+                                    <p:set>
+                                      <p:cBhvr>
+                                        <p:cTn id="14" dur="1" fill="hold">
+                                          <p:stCondLst>
+                                            <p:cond delay="0"/>
+                                          </p:stCondLst>
+                                        </p:cTn>
+                                        <p:tgtEl>
+                                          <p:spTgt spid="2">
+                                            <p:txEl>
+                                              <p:pRg st="2" end="2"/>
+                                            </p:txEl>
+                                          </p:spTgt>
+                                        </p:tgtEl>
+                                        <p:attrNameLst>
+                                          <p:attrName>style.visibility</p:attrName>
+                                        </p:attrNameLst>
+                                      </p:cBhvr>
+                                      <p:to>
+                                        <p:strVal val="visible"/>
+                                      </p:to>
+                                    </p:set>
+                                  </p:childTnLst>
+                                </p:cTn>
+                              </p:par>
+                            </p:childTnLst>
+                          </p:cTn>
+                        </p:par>
+                      </p:childTnLst>
+                    </p:cTn>
+                  </p:par>
+                  <p:par>
+                    <p:cTn id="15" fill="hold">
+                      <p:stCondLst>
+                        <p:cond delay="indefinite"/>
+                      </p:stCondLst>
+                      <p:childTnLst>
+                        <p:par>
+                          <p:cTn id="16" fill="hold">
+                            <p:stCondLst>
+                              <p:cond delay="0"/>
+                            </p:stCondLst>
+                            <p:childTnLst>
+                              <p:par>
+                                <p:cTn id="17" presetID="1" presetClass="entr" presetSubtype="0" fill="hold" grpId="0" nodeType="clickEffect">
+                                  <p:stCondLst>
+                                    <p:cond delay="0"/>
+                                  </p:stCondLst>
+                                  <p:childTnLst>
+                                    <p:set>
+                                      <p:cBhvr>
+                                        <p:cTn id="18" dur="1" fill="hold">
+                                          <p:stCondLst>
+                                            <p:cond delay="0"/>
+                                          </p:stCondLst>
+                                        </p:cTn>
+                                        <p:tgtEl>
+                                          <p:spTgt spid="2">
+                                            <p:txEl>
+                                              <p:pRg st="3" end="3"/>
+                                            </p:txEl>
+                                          </p:spTgt>
+                                        </p:tgtEl>
+                                        <p:attrNameLst>
+                                          <p:attrName>style.visibility</p:attrName>
+                                        </p:attrNameLst>
+                                      </p:cBhvr>
+                                      <p:to>
+                                        <p:strVal val="visible"/>
+                                      </p:to>
+                                    </p:set>
+                                  </p:childTnLst>
+                                </p:cTn>
+                              </p:par>
+                            </p:childTnLst>
+                          </p:cTn>
+                        </p:par>
+                      </p:childTnLst>
+                    </p:cTn>
+                  </p:par>
+                  <p:par>
+                    <p:cTn id="19" fill="hold">
+                      <p:stCondLst>
+                        <p:cond delay="indefinite"/>
+                      </p:stCondLst>
+                      <p:childTnLst>
+                        <p:par>
+                          <p:cTn id="20" fill="hold">
+                            <p:stCondLst>
+                              <p:cond delay="0"/>
+                            </p:stCondLst>
+                            <p:childTnLst>
+                              <p:par>
+                                <p:cTn id="21" presetID="1" presetClass="entr" presetSubtype="0" fill="hold" grpId="0" nodeType="clickEffect">
+                                  <p:stCondLst>
+                                    <p:cond delay="0"/>
+                                  </p:stCondLst>
+                                  <p:childTnLst>
+                                    <p:set>
+                                      <p:cBhvr>
+                                        <p:cTn id="22" dur="1" fill="hold">
+                                          <p:stCondLst>
+                                            <p:cond delay="0"/>
+                                          </p:stCondLst>
+                                        </p:cTn>
+                                        <p:tgtEl>
+                                          <p:spTgt spid="2">
+                                            <p:txEl>
+                                              <p:pRg st="4" end="4"/>
+                                            </p:txEl>
+                                          </p:spTgt>
+                                        </p:tgtEl>
+                                        <p:attrNameLst>
+                                          <p:attrName>style.visibility</p:attrName>
+                                        </p:attrNameLst>
+                                      </p:cBhvr>
+                                      <p:to>
+                                        <p:strVal val="visible"/>
+                                      </p:to>
+                                    </p:set>
+                                  </p:childTnLst>
+                                </p:cTn>
+                              </p:par>
+                            </p:childTnLst>
+                          </p:cTn>
+                        </p:par>
+                      </p:childTnLst>
+                    </p:cTn>
+                  </p:par>
+                  <p:par>
+                    <p:cTn id="23" fill="hold">
+                      <p:stCondLst>
+                        <p:cond delay="indefinite"/>
+                      </p:stCondLst>
+                      <p:childTnLst>
+                        <p:par>
+                          <p:cTn id="24" fill="hold">
+                            <p:stCondLst>
+                              <p:cond delay="0"/>
+                            </p:stCondLst>
+                            <p:childTnLst>
+                              <p:par>
+                                <p:cTn id="25" presetID="1" presetClass="entr" presetSubtype="0" fill="hold" grpId="0" nodeType="clickEffect">
+                                  <p:stCondLst>
+                                    <p:cond delay="0"/>
+                                  </p:stCondLst>
+                                  <p:childTnLst>
+                                    <p:set>
+                                      <p:cBhvr>
+                                        <p:cTn id="26" dur="1" fill="hold">
+                                          <p:stCondLst>
+                                            <p:cond delay="0"/>
+                                          </p:stCondLst>
+                                        </p:cTn>
+                                        <p:tgtEl>
+                                          <p:spTgt spid="2">
+                                            <p:txEl>
+                                              <p:pRg st="5" end="5"/>
+                                            </p:txEl>
+                                          </p:spTgt>
+                                        </p:tgtEl>
+                                        <p:attrNameLst>
+                                          <p:attrName>style.visibility</p:attrName>
+                                        </p:attrNameLst>
+                                      </p:cBhvr>
+                                      <p:to>
+                                        <p:strVal val="visible"/>
+                                      </p:to>
+                                    </p:set>
+                                  </p:childTnLst>
+                                </p:cTn>
+                              </p:par>
+                            </p:childTnLst>
+                          </p:cTn>
+                        </p:par>
+                      </p:childTnLst>
+                    </p:cTn>
+                  </p:par>
+                  <p:par>
+                    <p:cTn id="27" fill="hold">
+                      <p:stCondLst>
+                        <p:cond delay="indefinite"/>
+                      </p:stCondLst>
+                      <p:childTnLst>
+                        <p:par>
+                          <p:cTn id="28" fill="hold">
+                            <p:stCondLst>
+                              <p:cond delay="0"/>
+                            </p:stCondLst>
+                            <p:childTnLst>
+                              <p:par>
+                                <p:cTn id="29" presetID="1" presetClass="entr" presetSubtype="0" fill="hold" grpId="0" nodeType="clickEffect">
+                                  <p:stCondLst>
+                                    <p:cond delay="0"/>
+                                  </p:stCondLst>
+                                  <p:childTnLst>
+                                    <p:set>
+                                      <p:cBhvr>
+                                        <p:cTn id="30" dur="1" fill="hold">
+                                          <p:stCondLst>
+                                            <p:cond delay="0"/>
+                                          </p:stCondLst>
+                                        </p:cTn>
+                                        <p:tgtEl>
+                                          <p:spTgt spid="2">
+                                            <p:txEl>
+                                              <p:pRg st="6" end="6"/>
+                                            </p:txEl>
+                                          </p:spTgt>
+                                        </p:tgtEl>
+                                        <p:attrNameLst>
+                                          <p:attrName>style.visibility</p:attrName>
+                                        </p:attrNameLst>
+                                      </p:cBhvr>
+                                      <p:to>
+                                        <p:strVal val="visible"/>
+                                      </p:to>
+                                    </p:set>
+                                  </p:childTnLst>
+                                </p:cTn>
+                              </p:par>
+                            </p:childTnLst>
+                          </p:cTn>
+                        </p:par>
+                      </p:childTnLst>
+                    </p:cTn>
+                  </p:par>
+                </p:childTnLst>
+              </p:cTn>
+              <p:prevCondLst>
+                <p:cond evt="onPrev" delay="0">
+                  <p:tgtEl>
+                    <p:sldTgt/>
+                  </p:tgtEl>
+                </p:cond>
+              </p:prevCondLst>
+              <p:nextCondLst>
+                <p:cond evt="onNext" delay="0">
+                  <p:tgtEl>
+                    <p:sldTgt/>
+                  </p:tgtEl>
+                </p:cond>
+              </p:nextCondLst>
+            </p:seq>
+          </p:childTnLst>
+        </p:cTn>
+      </p:par>
+    </p:tnLst>
+    <p:bldLst>
+      <p:bldP spid="2" grpId="0" build="p"/>
+    </p:bldLst>
+  </p:timing>
 </p:sld>
 </file>
 
@@ -5931,54 +7483,82 @@
           <a:lstStyle/>
           <a:p>
             <a:r>
-              <a:rPr lang="en-US" sz="2300" dirty="0"/>
-              <a:t>Hard to maintain your own hosted stable Selenium Grid.</a:t>
-            </a:r>
-          </a:p>
-          <a:p>
-            <a:r>
-              <a:rPr lang="en-US" sz="2300" dirty="0" err="1"/>
+              <a:rPr lang="en-US" dirty="0" err="1"/>
               <a:t>Zalenium</a:t>
             </a:r>
             <a:r>
-              <a:rPr lang="en-US" sz="2300" dirty="0"/>
+              <a:rPr lang="en-US" dirty="0"/>
               <a:t> auto-scales.</a:t>
             </a:r>
           </a:p>
           <a:p>
             <a:r>
-              <a:rPr lang="en-US" sz="2300" dirty="0"/>
-              <a:t>Selenium Grid scales but consumes a lot of resource. </a:t>
-            </a:r>
-            <a:r>
-              <a:rPr lang="en-US" sz="2300" dirty="0" err="1"/>
-              <a:t>Zalenium</a:t>
-            </a:r>
-            <a:r>
-              <a:rPr lang="en-US" sz="2300" dirty="0"/>
-              <a:t> creates more nodes across different containers.</a:t>
-            </a:r>
-          </a:p>
-          <a:p>
-            <a:r>
-              <a:rPr lang="en-US" sz="2300" dirty="0"/>
-              <a:t>Difficult to maintain all requirements in Grid (e.g. keeping browsers up to date, maintaining Selenium drivers).</a:t>
-            </a:r>
-          </a:p>
-          <a:p>
-            <a:r>
-              <a:rPr lang="en-US" sz="2300" dirty="0"/>
+              <a:rPr lang="en-US" dirty="0"/>
+              <a:t>Selenium Grid can consume a lot of resources when scaling.</a:t>
+            </a:r>
+          </a:p>
+          <a:p>
+            <a:r>
+              <a:rPr lang="en-US" dirty="0"/>
+              <a:t>Difficult to maintain all requirements in Grid (e.g. keeping all browsers up to date, maintaining Selenium drivers).</a:t>
+            </a:r>
+          </a:p>
+          <a:p>
+            <a:r>
+              <a:rPr lang="en-US" dirty="0"/>
               <a:t>Allows anyone in your team to have </a:t>
             </a:r>
             <a:r>
-              <a:rPr lang="en-US" sz="2300" b="1" dirty="0"/>
+              <a:rPr lang="en-US" b="1" dirty="0"/>
               <a:t>flexible and disposable Selenium Grid infrastructure created within seconds.</a:t>
             </a:r>
           </a:p>
           <a:p>
             <a:r>
-              <a:rPr lang="en-US" sz="2300" dirty="0"/>
+              <a:rPr lang="en-US" dirty="0"/>
               <a:t>Compliments external cloud testing providers which can run tests on browsers other than Firefox and Chrome.</a:t>
+            </a:r>
+          </a:p>
+          <a:p>
+            <a:r>
+              <a:rPr lang="en-US" dirty="0"/>
+              <a:t>Videos automatically </a:t>
+            </a:r>
+            <a:r>
+              <a:rPr lang="en-US" dirty="0" err="1"/>
+              <a:t>recorderd</a:t>
+            </a:r>
+            <a:r>
+              <a:rPr lang="en-US" dirty="0"/>
+              <a:t> (can be disabled) in </a:t>
+            </a:r>
+            <a:r>
+              <a:rPr lang="en-US" i="1" dirty="0"/>
+              <a:t>‘</a:t>
+            </a:r>
+            <a:r>
+              <a:rPr lang="en-US" i="1" dirty="0" err="1"/>
+              <a:t>tmp</a:t>
+            </a:r>
+            <a:r>
+              <a:rPr lang="en-US" i="1" dirty="0"/>
+              <a:t>/videos’ </a:t>
+            </a:r>
+            <a:r>
+              <a:rPr lang="en-US" dirty="0"/>
+              <a:t>folder.</a:t>
+            </a:r>
+          </a:p>
+          <a:p>
+            <a:r>
+              <a:rPr lang="en-US" dirty="0"/>
+              <a:t>Dashboard available to see test execution history.</a:t>
+            </a:r>
+          </a:p>
+          <a:p>
+            <a:r>
+              <a:rPr lang="en-US" dirty="0"/>
+              <a:t>Also works with Kubernetes.</a:t>
             </a:r>
           </a:p>
         </p:txBody>
@@ -6075,6 +7655,431 @@
   <p:clrMapOvr>
     <a:masterClrMapping/>
   </p:clrMapOvr>
+  <p:timing>
+    <p:tnLst>
+      <p:par>
+        <p:cTn id="1" dur="indefinite" restart="never" nodeType="tmRoot">
+          <p:childTnLst>
+            <p:seq concurrent="1" nextAc="seek">
+              <p:cTn id="2" dur="indefinite" nodeType="mainSeq">
+                <p:childTnLst>
+                  <p:par>
+                    <p:cTn id="3" fill="hold">
+                      <p:stCondLst>
+                        <p:cond delay="indefinite"/>
+                      </p:stCondLst>
+                      <p:childTnLst>
+                        <p:par>
+                          <p:cTn id="4" fill="hold">
+                            <p:stCondLst>
+                              <p:cond delay="0"/>
+                            </p:stCondLst>
+                            <p:childTnLst>
+                              <p:par>
+                                <p:cTn id="5" presetID="1" presetClass="entr" presetSubtype="0" fill="hold" grpId="0" nodeType="clickEffect">
+                                  <p:stCondLst>
+                                    <p:cond delay="0"/>
+                                  </p:stCondLst>
+                                  <p:childTnLst>
+                                    <p:set>
+                                      <p:cBhvr>
+                                        <p:cTn id="6" dur="1" fill="hold">
+                                          <p:stCondLst>
+                                            <p:cond delay="0"/>
+                                          </p:stCondLst>
+                                        </p:cTn>
+                                        <p:tgtEl>
+                                          <p:spTgt spid="2">
+                                            <p:txEl>
+                                              <p:pRg st="0" end="0"/>
+                                            </p:txEl>
+                                          </p:spTgt>
+                                        </p:tgtEl>
+                                        <p:attrNameLst>
+                                          <p:attrName>style.visibility</p:attrName>
+                                        </p:attrNameLst>
+                                      </p:cBhvr>
+                                      <p:to>
+                                        <p:strVal val="visible"/>
+                                      </p:to>
+                                    </p:set>
+                                  </p:childTnLst>
+                                </p:cTn>
+                              </p:par>
+                            </p:childTnLst>
+                          </p:cTn>
+                        </p:par>
+                      </p:childTnLst>
+                    </p:cTn>
+                  </p:par>
+                  <p:par>
+                    <p:cTn id="7" fill="hold">
+                      <p:stCondLst>
+                        <p:cond delay="indefinite"/>
+                      </p:stCondLst>
+                      <p:childTnLst>
+                        <p:par>
+                          <p:cTn id="8" fill="hold">
+                            <p:stCondLst>
+                              <p:cond delay="0"/>
+                            </p:stCondLst>
+                            <p:childTnLst>
+                              <p:par>
+                                <p:cTn id="9" presetID="1" presetClass="entr" presetSubtype="0" fill="hold" grpId="0" nodeType="clickEffect">
+                                  <p:stCondLst>
+                                    <p:cond delay="0"/>
+                                  </p:stCondLst>
+                                  <p:childTnLst>
+                                    <p:set>
+                                      <p:cBhvr>
+                                        <p:cTn id="10" dur="1" fill="hold">
+                                          <p:stCondLst>
+                                            <p:cond delay="0"/>
+                                          </p:stCondLst>
+                                        </p:cTn>
+                                        <p:tgtEl>
+                                          <p:spTgt spid="2">
+                                            <p:txEl>
+                                              <p:pRg st="1" end="1"/>
+                                            </p:txEl>
+                                          </p:spTgt>
+                                        </p:tgtEl>
+                                        <p:attrNameLst>
+                                          <p:attrName>style.visibility</p:attrName>
+                                        </p:attrNameLst>
+                                      </p:cBhvr>
+                                      <p:to>
+                                        <p:strVal val="visible"/>
+                                      </p:to>
+                                    </p:set>
+                                  </p:childTnLst>
+                                </p:cTn>
+                              </p:par>
+                            </p:childTnLst>
+                          </p:cTn>
+                        </p:par>
+                      </p:childTnLst>
+                    </p:cTn>
+                  </p:par>
+                  <p:par>
+                    <p:cTn id="11" fill="hold">
+                      <p:stCondLst>
+                        <p:cond delay="indefinite"/>
+                      </p:stCondLst>
+                      <p:childTnLst>
+                        <p:par>
+                          <p:cTn id="12" fill="hold">
+                            <p:stCondLst>
+                              <p:cond delay="0"/>
+                            </p:stCondLst>
+                            <p:childTnLst>
+                              <p:par>
+                                <p:cTn id="13" presetID="1" presetClass="entr" presetSubtype="0" fill="hold" grpId="0" nodeType="clickEffect">
+                                  <p:stCondLst>
+                                    <p:cond delay="0"/>
+                                  </p:stCondLst>
+                                  <p:childTnLst>
+                                    <p:set>
+                                      <p:cBhvr>
+                                        <p:cTn id="14" dur="1" fill="hold">
+                                          <p:stCondLst>
+                                            <p:cond delay="0"/>
+                                          </p:stCondLst>
+                                        </p:cTn>
+                                        <p:tgtEl>
+                                          <p:spTgt spid="2">
+                                            <p:txEl>
+                                              <p:pRg st="2" end="2"/>
+                                            </p:txEl>
+                                          </p:spTgt>
+                                        </p:tgtEl>
+                                        <p:attrNameLst>
+                                          <p:attrName>style.visibility</p:attrName>
+                                        </p:attrNameLst>
+                                      </p:cBhvr>
+                                      <p:to>
+                                        <p:strVal val="visible"/>
+                                      </p:to>
+                                    </p:set>
+                                  </p:childTnLst>
+                                </p:cTn>
+                              </p:par>
+                            </p:childTnLst>
+                          </p:cTn>
+                        </p:par>
+                      </p:childTnLst>
+                    </p:cTn>
+                  </p:par>
+                  <p:par>
+                    <p:cTn id="15" fill="hold">
+                      <p:stCondLst>
+                        <p:cond delay="indefinite"/>
+                      </p:stCondLst>
+                      <p:childTnLst>
+                        <p:par>
+                          <p:cTn id="16" fill="hold">
+                            <p:stCondLst>
+                              <p:cond delay="0"/>
+                            </p:stCondLst>
+                            <p:childTnLst>
+                              <p:par>
+                                <p:cTn id="17" presetID="1" presetClass="entr" presetSubtype="0" fill="hold" grpId="0" nodeType="clickEffect">
+                                  <p:stCondLst>
+                                    <p:cond delay="0"/>
+                                  </p:stCondLst>
+                                  <p:childTnLst>
+                                    <p:set>
+                                      <p:cBhvr>
+                                        <p:cTn id="18" dur="1" fill="hold">
+                                          <p:stCondLst>
+                                            <p:cond delay="0"/>
+                                          </p:stCondLst>
+                                        </p:cTn>
+                                        <p:tgtEl>
+                                          <p:spTgt spid="2">
+                                            <p:txEl>
+                                              <p:pRg st="3" end="3"/>
+                                            </p:txEl>
+                                          </p:spTgt>
+                                        </p:tgtEl>
+                                        <p:attrNameLst>
+                                          <p:attrName>style.visibility</p:attrName>
+                                        </p:attrNameLst>
+                                      </p:cBhvr>
+                                      <p:to>
+                                        <p:strVal val="visible"/>
+                                      </p:to>
+                                    </p:set>
+                                  </p:childTnLst>
+                                </p:cTn>
+                              </p:par>
+                            </p:childTnLst>
+                          </p:cTn>
+                        </p:par>
+                      </p:childTnLst>
+                    </p:cTn>
+                  </p:par>
+                  <p:par>
+                    <p:cTn id="19" fill="hold">
+                      <p:stCondLst>
+                        <p:cond delay="indefinite"/>
+                      </p:stCondLst>
+                      <p:childTnLst>
+                        <p:par>
+                          <p:cTn id="20" fill="hold">
+                            <p:stCondLst>
+                              <p:cond delay="0"/>
+                            </p:stCondLst>
+                            <p:childTnLst>
+                              <p:par>
+                                <p:cTn id="21" presetID="1" presetClass="entr" presetSubtype="0" fill="hold" grpId="0" nodeType="clickEffect">
+                                  <p:stCondLst>
+                                    <p:cond delay="0"/>
+                                  </p:stCondLst>
+                                  <p:childTnLst>
+                                    <p:set>
+                                      <p:cBhvr>
+                                        <p:cTn id="22" dur="1" fill="hold">
+                                          <p:stCondLst>
+                                            <p:cond delay="0"/>
+                                          </p:stCondLst>
+                                        </p:cTn>
+                                        <p:tgtEl>
+                                          <p:spTgt spid="2">
+                                            <p:txEl>
+                                              <p:pRg st="4" end="4"/>
+                                            </p:txEl>
+                                          </p:spTgt>
+                                        </p:tgtEl>
+                                        <p:attrNameLst>
+                                          <p:attrName>style.visibility</p:attrName>
+                                        </p:attrNameLst>
+                                      </p:cBhvr>
+                                      <p:to>
+                                        <p:strVal val="visible"/>
+                                      </p:to>
+                                    </p:set>
+                                  </p:childTnLst>
+                                </p:cTn>
+                              </p:par>
+                            </p:childTnLst>
+                          </p:cTn>
+                        </p:par>
+                      </p:childTnLst>
+                    </p:cTn>
+                  </p:par>
+                  <p:par>
+                    <p:cTn id="23" fill="hold">
+                      <p:stCondLst>
+                        <p:cond delay="indefinite"/>
+                      </p:stCondLst>
+                      <p:childTnLst>
+                        <p:par>
+                          <p:cTn id="24" fill="hold">
+                            <p:stCondLst>
+                              <p:cond delay="0"/>
+                            </p:stCondLst>
+                            <p:childTnLst>
+                              <p:par>
+                                <p:cTn id="25" presetID="1" presetClass="entr" presetSubtype="0" fill="hold" grpId="0" nodeType="clickEffect">
+                                  <p:stCondLst>
+                                    <p:cond delay="0"/>
+                                  </p:stCondLst>
+                                  <p:childTnLst>
+                                    <p:set>
+                                      <p:cBhvr>
+                                        <p:cTn id="26" dur="1" fill="hold">
+                                          <p:stCondLst>
+                                            <p:cond delay="0"/>
+                                          </p:stCondLst>
+                                        </p:cTn>
+                                        <p:tgtEl>
+                                          <p:spTgt spid="2">
+                                            <p:txEl>
+                                              <p:pRg st="5" end="5"/>
+                                            </p:txEl>
+                                          </p:spTgt>
+                                        </p:tgtEl>
+                                        <p:attrNameLst>
+                                          <p:attrName>style.visibility</p:attrName>
+                                        </p:attrNameLst>
+                                      </p:cBhvr>
+                                      <p:to>
+                                        <p:strVal val="visible"/>
+                                      </p:to>
+                                    </p:set>
+                                  </p:childTnLst>
+                                </p:cTn>
+                              </p:par>
+                            </p:childTnLst>
+                          </p:cTn>
+                        </p:par>
+                      </p:childTnLst>
+                    </p:cTn>
+                  </p:par>
+                  <p:par>
+                    <p:cTn id="27" fill="hold">
+                      <p:stCondLst>
+                        <p:cond delay="indefinite"/>
+                      </p:stCondLst>
+                      <p:childTnLst>
+                        <p:par>
+                          <p:cTn id="28" fill="hold">
+                            <p:stCondLst>
+                              <p:cond delay="0"/>
+                            </p:stCondLst>
+                            <p:childTnLst>
+                              <p:par>
+                                <p:cTn id="29" presetID="1" presetClass="entr" presetSubtype="0" fill="hold" grpId="0" nodeType="clickEffect">
+                                  <p:stCondLst>
+                                    <p:cond delay="0"/>
+                                  </p:stCondLst>
+                                  <p:childTnLst>
+                                    <p:set>
+                                      <p:cBhvr>
+                                        <p:cTn id="30" dur="1" fill="hold">
+                                          <p:stCondLst>
+                                            <p:cond delay="0"/>
+                                          </p:stCondLst>
+                                        </p:cTn>
+                                        <p:tgtEl>
+                                          <p:spTgt spid="2">
+                                            <p:txEl>
+                                              <p:pRg st="6" end="6"/>
+                                            </p:txEl>
+                                          </p:spTgt>
+                                        </p:tgtEl>
+                                        <p:attrNameLst>
+                                          <p:attrName>style.visibility</p:attrName>
+                                        </p:attrNameLst>
+                                      </p:cBhvr>
+                                      <p:to>
+                                        <p:strVal val="visible"/>
+                                      </p:to>
+                                    </p:set>
+                                  </p:childTnLst>
+                                </p:cTn>
+                              </p:par>
+                            </p:childTnLst>
+                          </p:cTn>
+                        </p:par>
+                      </p:childTnLst>
+                    </p:cTn>
+                  </p:par>
+                  <p:par>
+                    <p:cTn id="31" fill="hold">
+                      <p:stCondLst>
+                        <p:cond delay="indefinite"/>
+                      </p:stCondLst>
+                      <p:childTnLst>
+                        <p:par>
+                          <p:cTn id="32" fill="hold">
+                            <p:stCondLst>
+                              <p:cond delay="0"/>
+                            </p:stCondLst>
+                            <p:childTnLst>
+                              <p:par>
+                                <p:cTn id="33" presetID="1" presetClass="entr" presetSubtype="0" fill="hold" grpId="0" nodeType="clickEffect">
+                                  <p:stCondLst>
+                                    <p:cond delay="0"/>
+                                  </p:stCondLst>
+                                  <p:childTnLst>
+                                    <p:set>
+                                      <p:cBhvr>
+                                        <p:cTn id="34" dur="1" fill="hold">
+                                          <p:stCondLst>
+                                            <p:cond delay="0"/>
+                                          </p:stCondLst>
+                                        </p:cTn>
+                                        <p:tgtEl>
+                                          <p:spTgt spid="2">
+                                            <p:txEl>
+                                              <p:pRg st="7" end="7"/>
+                                            </p:txEl>
+                                          </p:spTgt>
+                                        </p:tgtEl>
+                                        <p:attrNameLst>
+                                          <p:attrName>style.visibility</p:attrName>
+                                        </p:attrNameLst>
+                                      </p:cBhvr>
+                                      <p:to>
+                                        <p:strVal val="visible"/>
+                                      </p:to>
+                                    </p:set>
+                                  </p:childTnLst>
+                                </p:cTn>
+                              </p:par>
+                            </p:childTnLst>
+                          </p:cTn>
+                        </p:par>
+                      </p:childTnLst>
+                    </p:cTn>
+                  </p:par>
+                </p:childTnLst>
+              </p:cTn>
+              <p:prevCondLst>
+                <p:cond evt="onPrev" delay="0">
+                  <p:tgtEl>
+                    <p:sldTgt/>
+                  </p:tgtEl>
+                </p:cond>
+              </p:prevCondLst>
+              <p:nextCondLst>
+                <p:cond evt="onNext" delay="0">
+                  <p:tgtEl>
+                    <p:sldTgt/>
+                  </p:tgtEl>
+                </p:cond>
+              </p:nextCondLst>
+            </p:seq>
+          </p:childTnLst>
+        </p:cTn>
+      </p:par>
+    </p:tnLst>
+    <p:bldLst>
+      <p:bldP spid="2" grpId="0" build="p"/>
+    </p:bldLst>
+  </p:timing>
 </p:sld>
 </file>
 
@@ -6240,6 +8245,333 @@
   <p:clrMapOvr>
     <a:masterClrMapping/>
   </p:clrMapOvr>
+  <p:timing>
+    <p:tnLst>
+      <p:par>
+        <p:cTn id="1" dur="indefinite" restart="never" nodeType="tmRoot">
+          <p:childTnLst>
+            <p:seq concurrent="1" nextAc="seek">
+              <p:cTn id="2" dur="indefinite" nodeType="mainSeq">
+                <p:childTnLst>
+                  <p:par>
+                    <p:cTn id="3" fill="hold">
+                      <p:stCondLst>
+                        <p:cond delay="indefinite"/>
+                      </p:stCondLst>
+                      <p:childTnLst>
+                        <p:par>
+                          <p:cTn id="4" fill="hold">
+                            <p:stCondLst>
+                              <p:cond delay="0"/>
+                            </p:stCondLst>
+                            <p:childTnLst>
+                              <p:par>
+                                <p:cTn id="5" presetID="1" presetClass="entr" presetSubtype="0" fill="hold" grpId="0" nodeType="clickEffect">
+                                  <p:stCondLst>
+                                    <p:cond delay="0"/>
+                                  </p:stCondLst>
+                                  <p:childTnLst>
+                                    <p:set>
+                                      <p:cBhvr>
+                                        <p:cTn id="6" dur="1" fill="hold">
+                                          <p:stCondLst>
+                                            <p:cond delay="0"/>
+                                          </p:stCondLst>
+                                        </p:cTn>
+                                        <p:tgtEl>
+                                          <p:spTgt spid="2">
+                                            <p:txEl>
+                                              <p:pRg st="0" end="0"/>
+                                            </p:txEl>
+                                          </p:spTgt>
+                                        </p:tgtEl>
+                                        <p:attrNameLst>
+                                          <p:attrName>style.visibility</p:attrName>
+                                        </p:attrNameLst>
+                                      </p:cBhvr>
+                                      <p:to>
+                                        <p:strVal val="visible"/>
+                                      </p:to>
+                                    </p:set>
+                                  </p:childTnLst>
+                                </p:cTn>
+                              </p:par>
+                            </p:childTnLst>
+                          </p:cTn>
+                        </p:par>
+                      </p:childTnLst>
+                    </p:cTn>
+                  </p:par>
+                  <p:par>
+                    <p:cTn id="7" fill="hold">
+                      <p:stCondLst>
+                        <p:cond delay="indefinite"/>
+                      </p:stCondLst>
+                      <p:childTnLst>
+                        <p:par>
+                          <p:cTn id="8" fill="hold">
+                            <p:stCondLst>
+                              <p:cond delay="0"/>
+                            </p:stCondLst>
+                            <p:childTnLst>
+                              <p:par>
+                                <p:cTn id="9" presetID="1" presetClass="entr" presetSubtype="0" fill="hold" grpId="0" nodeType="clickEffect">
+                                  <p:stCondLst>
+                                    <p:cond delay="0"/>
+                                  </p:stCondLst>
+                                  <p:childTnLst>
+                                    <p:set>
+                                      <p:cBhvr>
+                                        <p:cTn id="10" dur="1" fill="hold">
+                                          <p:stCondLst>
+                                            <p:cond delay="0"/>
+                                          </p:stCondLst>
+                                        </p:cTn>
+                                        <p:tgtEl>
+                                          <p:spTgt spid="2">
+                                            <p:txEl>
+                                              <p:pRg st="1" end="1"/>
+                                            </p:txEl>
+                                          </p:spTgt>
+                                        </p:tgtEl>
+                                        <p:attrNameLst>
+                                          <p:attrName>style.visibility</p:attrName>
+                                        </p:attrNameLst>
+                                      </p:cBhvr>
+                                      <p:to>
+                                        <p:strVal val="visible"/>
+                                      </p:to>
+                                    </p:set>
+                                  </p:childTnLst>
+                                </p:cTn>
+                              </p:par>
+                            </p:childTnLst>
+                          </p:cTn>
+                        </p:par>
+                      </p:childTnLst>
+                    </p:cTn>
+                  </p:par>
+                  <p:par>
+                    <p:cTn id="11" fill="hold">
+                      <p:stCondLst>
+                        <p:cond delay="indefinite"/>
+                      </p:stCondLst>
+                      <p:childTnLst>
+                        <p:par>
+                          <p:cTn id="12" fill="hold">
+                            <p:stCondLst>
+                              <p:cond delay="0"/>
+                            </p:stCondLst>
+                            <p:childTnLst>
+                              <p:par>
+                                <p:cTn id="13" presetID="1" presetClass="entr" presetSubtype="0" fill="hold" grpId="0" nodeType="clickEffect">
+                                  <p:stCondLst>
+                                    <p:cond delay="0"/>
+                                  </p:stCondLst>
+                                  <p:childTnLst>
+                                    <p:set>
+                                      <p:cBhvr>
+                                        <p:cTn id="14" dur="1" fill="hold">
+                                          <p:stCondLst>
+                                            <p:cond delay="0"/>
+                                          </p:stCondLst>
+                                        </p:cTn>
+                                        <p:tgtEl>
+                                          <p:spTgt spid="2">
+                                            <p:txEl>
+                                              <p:pRg st="2" end="2"/>
+                                            </p:txEl>
+                                          </p:spTgt>
+                                        </p:tgtEl>
+                                        <p:attrNameLst>
+                                          <p:attrName>style.visibility</p:attrName>
+                                        </p:attrNameLst>
+                                      </p:cBhvr>
+                                      <p:to>
+                                        <p:strVal val="visible"/>
+                                      </p:to>
+                                    </p:set>
+                                  </p:childTnLst>
+                                </p:cTn>
+                              </p:par>
+                            </p:childTnLst>
+                          </p:cTn>
+                        </p:par>
+                      </p:childTnLst>
+                    </p:cTn>
+                  </p:par>
+                  <p:par>
+                    <p:cTn id="15" fill="hold">
+                      <p:stCondLst>
+                        <p:cond delay="indefinite"/>
+                      </p:stCondLst>
+                      <p:childTnLst>
+                        <p:par>
+                          <p:cTn id="16" fill="hold">
+                            <p:stCondLst>
+                              <p:cond delay="0"/>
+                            </p:stCondLst>
+                            <p:childTnLst>
+                              <p:par>
+                                <p:cTn id="17" presetID="1" presetClass="entr" presetSubtype="0" fill="hold" grpId="0" nodeType="clickEffect">
+                                  <p:stCondLst>
+                                    <p:cond delay="0"/>
+                                  </p:stCondLst>
+                                  <p:childTnLst>
+                                    <p:set>
+                                      <p:cBhvr>
+                                        <p:cTn id="18" dur="1" fill="hold">
+                                          <p:stCondLst>
+                                            <p:cond delay="0"/>
+                                          </p:stCondLst>
+                                        </p:cTn>
+                                        <p:tgtEl>
+                                          <p:spTgt spid="2">
+                                            <p:txEl>
+                                              <p:pRg st="3" end="3"/>
+                                            </p:txEl>
+                                          </p:spTgt>
+                                        </p:tgtEl>
+                                        <p:attrNameLst>
+                                          <p:attrName>style.visibility</p:attrName>
+                                        </p:attrNameLst>
+                                      </p:cBhvr>
+                                      <p:to>
+                                        <p:strVal val="visible"/>
+                                      </p:to>
+                                    </p:set>
+                                  </p:childTnLst>
+                                </p:cTn>
+                              </p:par>
+                            </p:childTnLst>
+                          </p:cTn>
+                        </p:par>
+                      </p:childTnLst>
+                    </p:cTn>
+                  </p:par>
+                  <p:par>
+                    <p:cTn id="19" fill="hold">
+                      <p:stCondLst>
+                        <p:cond delay="indefinite"/>
+                      </p:stCondLst>
+                      <p:childTnLst>
+                        <p:par>
+                          <p:cTn id="20" fill="hold">
+                            <p:stCondLst>
+                              <p:cond delay="0"/>
+                            </p:stCondLst>
+                            <p:childTnLst>
+                              <p:par>
+                                <p:cTn id="21" presetID="1" presetClass="entr" presetSubtype="0" fill="hold" grpId="0" nodeType="clickEffect">
+                                  <p:stCondLst>
+                                    <p:cond delay="0"/>
+                                  </p:stCondLst>
+                                  <p:childTnLst>
+                                    <p:set>
+                                      <p:cBhvr>
+                                        <p:cTn id="22" dur="1" fill="hold">
+                                          <p:stCondLst>
+                                            <p:cond delay="0"/>
+                                          </p:stCondLst>
+                                        </p:cTn>
+                                        <p:tgtEl>
+                                          <p:spTgt spid="2">
+                                            <p:txEl>
+                                              <p:pRg st="4" end="4"/>
+                                            </p:txEl>
+                                          </p:spTgt>
+                                        </p:tgtEl>
+                                        <p:attrNameLst>
+                                          <p:attrName>style.visibility</p:attrName>
+                                        </p:attrNameLst>
+                                      </p:cBhvr>
+                                      <p:to>
+                                        <p:strVal val="visible"/>
+                                      </p:to>
+                                    </p:set>
+                                  </p:childTnLst>
+                                </p:cTn>
+                              </p:par>
+                            </p:childTnLst>
+                          </p:cTn>
+                        </p:par>
+                      </p:childTnLst>
+                    </p:cTn>
+                  </p:par>
+                  <p:par>
+                    <p:cTn id="23" fill="hold">
+                      <p:stCondLst>
+                        <p:cond delay="indefinite"/>
+                      </p:stCondLst>
+                      <p:childTnLst>
+                        <p:par>
+                          <p:cTn id="24" fill="hold">
+                            <p:stCondLst>
+                              <p:cond delay="0"/>
+                            </p:stCondLst>
+                            <p:childTnLst>
+                              <p:par>
+                                <p:cTn id="25" presetID="1" presetClass="entr" presetSubtype="0" fill="hold" grpId="0" nodeType="clickEffect">
+                                  <p:stCondLst>
+                                    <p:cond delay="0"/>
+                                  </p:stCondLst>
+                                  <p:childTnLst>
+                                    <p:set>
+                                      <p:cBhvr>
+                                        <p:cTn id="26" dur="1" fill="hold">
+                                          <p:stCondLst>
+                                            <p:cond delay="0"/>
+                                          </p:stCondLst>
+                                        </p:cTn>
+                                        <p:tgtEl>
+                                          <p:spTgt spid="2">
+                                            <p:txEl>
+                                              <p:pRg st="5" end="5"/>
+                                            </p:txEl>
+                                          </p:spTgt>
+                                        </p:tgtEl>
+                                        <p:attrNameLst>
+                                          <p:attrName>style.visibility</p:attrName>
+                                        </p:attrNameLst>
+                                      </p:cBhvr>
+                                      <p:to>
+                                        <p:strVal val="visible"/>
+                                      </p:to>
+                                    </p:set>
+                                  </p:childTnLst>
+                                </p:cTn>
+                              </p:par>
+                            </p:childTnLst>
+                          </p:cTn>
+                        </p:par>
+                      </p:childTnLst>
+                    </p:cTn>
+                  </p:par>
+                </p:childTnLst>
+              </p:cTn>
+              <p:prevCondLst>
+                <p:cond evt="onPrev" delay="0">
+                  <p:tgtEl>
+                    <p:sldTgt/>
+                  </p:tgtEl>
+                </p:cond>
+              </p:prevCondLst>
+              <p:nextCondLst>
+                <p:cond evt="onNext" delay="0">
+                  <p:tgtEl>
+                    <p:sldTgt/>
+                  </p:tgtEl>
+                </p:cond>
+              </p:nextCondLst>
+            </p:seq>
+          </p:childTnLst>
+        </p:cTn>
+      </p:par>
+    </p:tnLst>
+    <p:bldLst>
+      <p:bldP spid="2" grpId="0" build="p"/>
+    </p:bldLst>
+  </p:timing>
 </p:sld>
 </file>
 
@@ -6361,6 +8693,88 @@
   <p:clrMapOvr>
     <a:masterClrMapping/>
   </p:clrMapOvr>
+  <p:timing>
+    <p:tnLst>
+      <p:par>
+        <p:cTn id="1" dur="indefinite" restart="never" nodeType="tmRoot">
+          <p:childTnLst>
+            <p:seq concurrent="1" nextAc="seek">
+              <p:cTn id="2" dur="indefinite" nodeType="mainSeq">
+                <p:childTnLst>
+                  <p:par>
+                    <p:cTn id="3" fill="hold">
+                      <p:stCondLst>
+                        <p:cond delay="indefinite"/>
+                      </p:stCondLst>
+                      <p:childTnLst>
+                        <p:par>
+                          <p:cTn id="4" fill="hold">
+                            <p:stCondLst>
+                              <p:cond delay="0"/>
+                            </p:stCondLst>
+                            <p:childTnLst>
+                              <p:par>
+                                <p:cTn id="5" presetID="1" presetClass="entr" presetSubtype="0" fill="hold" grpId="0" nodeType="clickEffect">
+                                  <p:stCondLst>
+                                    <p:cond delay="0"/>
+                                  </p:stCondLst>
+                                  <p:childTnLst>
+                                    <p:set>
+                                      <p:cBhvr>
+                                        <p:cTn id="6" dur="1" fill="hold">
+                                          <p:stCondLst>
+                                            <p:cond delay="0"/>
+                                          </p:stCondLst>
+                                        </p:cTn>
+                                        <p:tgtEl>
+                                          <p:spTgt spid="2">
+                                            <p:txEl>
+                                              <p:pRg st="0" end="0"/>
+                                            </p:txEl>
+                                          </p:spTgt>
+                                        </p:tgtEl>
+                                        <p:attrNameLst>
+                                          <p:attrName>style.visibility</p:attrName>
+                                        </p:attrNameLst>
+                                      </p:cBhvr>
+                                      <p:to>
+                                        <p:strVal val="visible"/>
+                                      </p:to>
+                                    </p:set>
+                                  </p:childTnLst>
+                                </p:cTn>
+                              </p:par>
+                            </p:childTnLst>
+                          </p:cTn>
+                        </p:par>
+                      </p:childTnLst>
+                    </p:cTn>
+                  </p:par>
+                </p:childTnLst>
+              </p:cTn>
+              <p:prevCondLst>
+                <p:cond evt="onPrev" delay="0">
+                  <p:tgtEl>
+                    <p:sldTgt/>
+                  </p:tgtEl>
+                </p:cond>
+              </p:prevCondLst>
+              <p:nextCondLst>
+                <p:cond evt="onNext" delay="0">
+                  <p:tgtEl>
+                    <p:sldTgt/>
+                  </p:tgtEl>
+                </p:cond>
+              </p:nextCondLst>
+            </p:seq>
+          </p:childTnLst>
+        </p:cTn>
+      </p:par>
+    </p:tnLst>
+    <p:bldLst>
+      <p:bldP spid="2" grpId="0" build="p"/>
+    </p:bldLst>
+  </p:timing>
 </p:sld>
 </file>
 

--- a/ECS_Digital_Template.pptx
+++ b/ECS_Digital_Template.pptx
@@ -995,6 +995,30 @@
             </a:r>
           </a:p>
           <a:p>
+            <a:endParaRPr lang="en-US" dirty="0"/>
+          </a:p>
+          <a:p>
+            <a:pPr marL="0" marR="0" lvl="0" indent="0" algn="l" defTabSz="914400" rtl="0" eaLnBrk="1" fontAlgn="auto" latinLnBrk="0" hangingPunct="1">
+              <a:lnSpc>
+                <a:spcPct val="100000"/>
+              </a:lnSpc>
+              <a:spcBef>
+                <a:spcPts val="0"/>
+              </a:spcBef>
+              <a:spcAft>
+                <a:spcPts val="0"/>
+              </a:spcAft>
+              <a:buClrTx/>
+              <a:buSzTx/>
+              <a:buFontTx/>
+              <a:buNone/>
+              <a:tabLst/>
+              <a:defRPr/>
+            </a:pPr>
+            <a:r>
+              <a:rPr lang="en-US" sz="1200" dirty="0"/>
+              <a:t>Over 11,000 users in more than 80 countries. 500 people use it daily and has executed over 4.5 million tests since 2017.</a:t>
+            </a:r>
             <a:endParaRPr lang="en-US" dirty="0"/>
           </a:p>
           <a:p>
@@ -5031,7 +5055,7 @@
             </a:r>
             <a:r>
               <a:rPr lang="en-US" sz="2300" dirty="0"/>
-              <a:t> gird protection can be implemented for deploying </a:t>
+              <a:t> grid protection can be implemented for deploying </a:t>
             </a:r>
             <a:r>
               <a:rPr lang="en-US" sz="2300" dirty="0" err="1"/>
@@ -5519,7 +5543,7 @@
             </a:r>
             <a:r>
               <a:rPr lang="en-GB" sz="1600" dirty="0" err="1"/>
-              <a:t>DevOpsPlayGround</a:t>
+              <a:t>DevOpsPlayground</a:t>
             </a:r>
             <a:endParaRPr lang="en-GB" sz="1600" dirty="0"/>
           </a:p>
@@ -6889,7 +6913,7 @@
             </a:r>
             <a:r>
               <a:rPr lang="en-US" sz="2300" dirty="0"/>
-              <a:t>.</a:t>
+              <a:t> in 2017.</a:t>
             </a:r>
           </a:p>
           <a:p>

--- a/ECS_Digital_Template.pptx
+++ b/ECS_Digital_Template.pptx
@@ -5,26 +5,27 @@
     <p:sldMasterId id="2147483648" r:id="rId4"/>
   </p:sldMasterIdLst>
   <p:notesMasterIdLst>
-    <p:notesMasterId r:id="rId19"/>
+    <p:notesMasterId r:id="rId20"/>
   </p:notesMasterIdLst>
   <p:handoutMasterIdLst>
-    <p:handoutMasterId r:id="rId20"/>
+    <p:handoutMasterId r:id="rId21"/>
   </p:handoutMasterIdLst>
   <p:sldIdLst>
     <p:sldId id="303" r:id="rId5"/>
     <p:sldId id="257" r:id="rId6"/>
-    <p:sldId id="294" r:id="rId7"/>
-    <p:sldId id="304" r:id="rId8"/>
-    <p:sldId id="306" r:id="rId9"/>
-    <p:sldId id="291" r:id="rId10"/>
-    <p:sldId id="292" r:id="rId11"/>
+    <p:sldId id="304" r:id="rId7"/>
+    <p:sldId id="294" r:id="rId8"/>
+    <p:sldId id="309" r:id="rId9"/>
+    <p:sldId id="306" r:id="rId10"/>
+    <p:sldId id="291" r:id="rId11"/>
     <p:sldId id="295" r:id="rId12"/>
     <p:sldId id="296" r:id="rId13"/>
     <p:sldId id="307" r:id="rId14"/>
-    <p:sldId id="308" r:id="rId15"/>
-    <p:sldId id="293" r:id="rId16"/>
-    <p:sldId id="297" r:id="rId17"/>
-    <p:sldId id="267" r:id="rId18"/>
+    <p:sldId id="292" r:id="rId15"/>
+    <p:sldId id="308" r:id="rId16"/>
+    <p:sldId id="293" r:id="rId17"/>
+    <p:sldId id="297" r:id="rId18"/>
+    <p:sldId id="267" r:id="rId19"/>
   </p:sldIdLst>
   <p:sldSz cx="9144000" cy="6858000" type="screen4x3"/>
   <p:notesSz cx="6858000" cy="9144000"/>
@@ -709,7 +710,27 @@
           <a:bodyPr/>
           <a:lstStyle/>
           <a:p>
+            <a:r>
+              <a:rPr lang="en-US" dirty="0"/>
+              <a:t>First of all thanks to everyone for joining us for this DevOps Playground Meetup at ECS Digital. </a:t>
+            </a:r>
+          </a:p>
+          <a:p>
             <a:endParaRPr lang="en-US" dirty="0"/>
+          </a:p>
+          <a:p>
+            <a:r>
+              <a:rPr lang="en-US" dirty="0"/>
+              <a:t>Before we start the session, has everyone managed to connect to the </a:t>
+            </a:r>
+            <a:r>
+              <a:rPr lang="en-US" dirty="0" err="1"/>
+              <a:t>WiFi</a:t>
+            </a:r>
+            <a:r>
+              <a:rPr lang="en-US" dirty="0"/>
+              <a:t>?</a:t>
+            </a:r>
           </a:p>
         </p:txBody>
       </p:sp>
@@ -730,7 +751,7 @@
           <a:p>
             <a:fld id="{7A507E9C-E9CF-45CC-A225-331D2025989C}" type="slidenum">
               <a:rPr lang="en-GB" smtClean="0"/>
-              <a:t>3</a:t>
+              <a:t>1</a:t>
             </a:fld>
             <a:endParaRPr lang="en-GB" dirty="0"/>
           </a:p>
@@ -739,7 +760,333 @@
     </p:spTree>
     <p:extLst>
       <p:ext uri="{BB962C8B-B14F-4D97-AF65-F5344CB8AC3E}">
-        <p14:creationId xmlns:p14="http://schemas.microsoft.com/office/powerpoint/2010/main" val="2549555706"/>
+        <p14:creationId xmlns:p14="http://schemas.microsoft.com/office/powerpoint/2010/main" val="3177000031"/>
+      </p:ext>
+    </p:extLst>
+  </p:cSld>
+  <p:clrMapOvr>
+    <a:masterClrMapping/>
+  </p:clrMapOvr>
+</p:notes>
+</file>
+
+<file path=ppt/notesSlides/notesSlide10.xml><?xml version="1.0" encoding="utf-8"?>
+<p:notes xmlns:a="http://schemas.openxmlformats.org/drawingml/2006/main" xmlns:r="http://schemas.openxmlformats.org/officeDocument/2006/relationships" xmlns:p="http://schemas.openxmlformats.org/presentationml/2006/main">
+  <p:cSld>
+    <p:spTree>
+      <p:nvGrpSpPr>
+        <p:cNvPr id="1" name=""/>
+        <p:cNvGrpSpPr/>
+        <p:nvPr/>
+      </p:nvGrpSpPr>
+      <p:grpSpPr>
+        <a:xfrm>
+          <a:off x="0" y="0"/>
+          <a:ext cx="0" cy="0"/>
+          <a:chOff x="0" y="0"/>
+          <a:chExt cx="0" cy="0"/>
+        </a:xfrm>
+      </p:grpSpPr>
+      <p:sp>
+        <p:nvSpPr>
+          <p:cNvPr id="2" name="Slide Image Placeholder 1"/>
+          <p:cNvSpPr>
+            <a:spLocks noGrp="1" noRot="1" noChangeAspect="1"/>
+          </p:cNvSpPr>
+          <p:nvPr>
+            <p:ph type="sldImg"/>
+          </p:nvPr>
+        </p:nvSpPr>
+        <p:spPr/>
+      </p:sp>
+      <p:sp>
+        <p:nvSpPr>
+          <p:cNvPr id="3" name="Notes Placeholder 2"/>
+          <p:cNvSpPr>
+            <a:spLocks noGrp="1"/>
+          </p:cNvSpPr>
+          <p:nvPr>
+            <p:ph type="body" idx="1"/>
+          </p:nvPr>
+        </p:nvSpPr>
+        <p:spPr/>
+        <p:txBody>
+          <a:bodyPr/>
+          <a:lstStyle/>
+          <a:p>
+            <a:r>
+              <a:rPr lang="en-US" dirty="0" err="1"/>
+              <a:t>Zalando</a:t>
+            </a:r>
+            <a:r>
+              <a:rPr lang="en-US" dirty="0"/>
+              <a:t> have provided a nice gif of both of those scenarios play out.</a:t>
+            </a:r>
+          </a:p>
+        </p:txBody>
+      </p:sp>
+      <p:sp>
+        <p:nvSpPr>
+          <p:cNvPr id="4" name="Slide Number Placeholder 3"/>
+          <p:cNvSpPr>
+            <a:spLocks noGrp="1"/>
+          </p:cNvSpPr>
+          <p:nvPr>
+            <p:ph type="sldNum" sz="quarter" idx="5"/>
+          </p:nvPr>
+        </p:nvSpPr>
+        <p:spPr/>
+        <p:txBody>
+          <a:bodyPr/>
+          <a:lstStyle/>
+          <a:p>
+            <a:fld id="{7A507E9C-E9CF-45CC-A225-331D2025989C}" type="slidenum">
+              <a:rPr lang="en-GB" smtClean="0"/>
+              <a:t>10</a:t>
+            </a:fld>
+            <a:endParaRPr lang="en-GB" dirty="0"/>
+          </a:p>
+        </p:txBody>
+      </p:sp>
+    </p:spTree>
+    <p:extLst>
+      <p:ext uri="{BB962C8B-B14F-4D97-AF65-F5344CB8AC3E}">
+        <p14:creationId xmlns:p14="http://schemas.microsoft.com/office/powerpoint/2010/main" val="1654401628"/>
+      </p:ext>
+    </p:extLst>
+  </p:cSld>
+  <p:clrMapOvr>
+    <a:masterClrMapping/>
+  </p:clrMapOvr>
+</p:notes>
+</file>
+
+<file path=ppt/notesSlides/notesSlide11.xml><?xml version="1.0" encoding="utf-8"?>
+<p:notes xmlns:a="http://schemas.openxmlformats.org/drawingml/2006/main" xmlns:r="http://schemas.openxmlformats.org/officeDocument/2006/relationships" xmlns:p="http://schemas.openxmlformats.org/presentationml/2006/main">
+  <p:cSld>
+    <p:spTree>
+      <p:nvGrpSpPr>
+        <p:cNvPr id="1" name=""/>
+        <p:cNvGrpSpPr/>
+        <p:nvPr/>
+      </p:nvGrpSpPr>
+      <p:grpSpPr>
+        <a:xfrm>
+          <a:off x="0" y="0"/>
+          <a:ext cx="0" cy="0"/>
+          <a:chOff x="0" y="0"/>
+          <a:chExt cx="0" cy="0"/>
+        </a:xfrm>
+      </p:grpSpPr>
+      <p:sp>
+        <p:nvSpPr>
+          <p:cNvPr id="2" name="Slide Image Placeholder 1"/>
+          <p:cNvSpPr>
+            <a:spLocks noGrp="1" noRot="1" noChangeAspect="1"/>
+          </p:cNvSpPr>
+          <p:nvPr>
+            <p:ph type="sldImg"/>
+          </p:nvPr>
+        </p:nvSpPr>
+        <p:spPr/>
+      </p:sp>
+      <p:sp>
+        <p:nvSpPr>
+          <p:cNvPr id="3" name="Notes Placeholder 2"/>
+          <p:cNvSpPr>
+            <a:spLocks noGrp="1"/>
+          </p:cNvSpPr>
+          <p:nvPr>
+            <p:ph type="body" idx="1"/>
+          </p:nvPr>
+        </p:nvSpPr>
+        <p:spPr/>
+        <p:txBody>
+          <a:bodyPr/>
+          <a:lstStyle/>
+          <a:p>
+            <a:r>
+              <a:rPr lang="en-US" dirty="0"/>
+              <a:t>So, why would you decide to use </a:t>
+            </a:r>
+            <a:r>
+              <a:rPr lang="en-US" dirty="0" err="1"/>
+              <a:t>Zalenium</a:t>
+            </a:r>
+            <a:r>
+              <a:rPr lang="en-US" dirty="0"/>
+              <a:t>?</a:t>
+            </a:r>
+          </a:p>
+          <a:p>
+            <a:endParaRPr lang="en-US" dirty="0"/>
+          </a:p>
+          <a:p>
+            <a:r>
+              <a:rPr lang="en-US" dirty="0"/>
+              <a:t>*CLICK* First of all, it auto-scales by creating more docker containers as and when they are needed. It also scales back down as tests finish.</a:t>
+            </a:r>
+          </a:p>
+          <a:p>
+            <a:endParaRPr lang="en-US" dirty="0"/>
+          </a:p>
+          <a:p>
+            <a:r>
+              <a:rPr lang="en-US" dirty="0"/>
+              <a:t>*CLICK* Setting up your own Selenium Grid can consume a lot of resources on the host machine. Having </a:t>
+            </a:r>
+            <a:r>
+              <a:rPr lang="en-US" dirty="0" err="1"/>
+              <a:t>Zalenium</a:t>
+            </a:r>
+            <a:r>
+              <a:rPr lang="en-US" dirty="0"/>
+              <a:t> managing the start up and tear down of your Selenium Grid containers is really useful.</a:t>
+            </a:r>
+          </a:p>
+          <a:p>
+            <a:endParaRPr lang="en-US" dirty="0"/>
+          </a:p>
+          <a:p>
+            <a:r>
+              <a:rPr lang="en-US" dirty="0"/>
+              <a:t>*CLICK* A lot of time is invested in setting up and maintaining your own Selenium Grid. Having all browser versions updated and in line with the Selenium WebDriver browser drivers is often a frustrating process. </a:t>
+            </a:r>
+          </a:p>
+          <a:p>
+            <a:r>
+              <a:rPr lang="en-US" dirty="0" err="1"/>
+              <a:t>Zalenium</a:t>
+            </a:r>
+            <a:r>
+              <a:rPr lang="en-US" dirty="0"/>
+              <a:t> manages this for you, removing this frustration.</a:t>
+            </a:r>
+          </a:p>
+          <a:p>
+            <a:endParaRPr lang="en-US" dirty="0"/>
+          </a:p>
+          <a:p>
+            <a:r>
+              <a:rPr lang="en-US" dirty="0"/>
+              <a:t>*CLICK* </a:t>
+            </a:r>
+            <a:r>
+              <a:rPr lang="en-US" dirty="0" err="1"/>
+              <a:t>Zalenium</a:t>
+            </a:r>
+            <a:r>
+              <a:rPr lang="en-US" dirty="0"/>
+              <a:t> allows anyone to have flexible and disposable Selenium Grid infrastructure created within seconds. It means that functional testing can take place easily at any point in the development cycle as the infrastructure is available to all.</a:t>
+            </a:r>
+          </a:p>
+          <a:p>
+            <a:endParaRPr lang="en-US" dirty="0"/>
+          </a:p>
+          <a:p>
+            <a:r>
+              <a:rPr lang="en-US" dirty="0"/>
+              <a:t>*CLICK* It compliments your existing cloud testing providers. If you already use providers such as Sauce Labs and Testing Bot then </a:t>
+            </a:r>
+            <a:r>
+              <a:rPr lang="en-US" dirty="0" err="1"/>
+              <a:t>Zalenium</a:t>
+            </a:r>
+            <a:r>
+              <a:rPr lang="en-US" dirty="0"/>
+              <a:t> can work alongside those. Have the Chrome and Firefox tests run on host machines for faster feedback, but tests in other browsers can be directed to your provider.</a:t>
+            </a:r>
+          </a:p>
+          <a:p>
+            <a:endParaRPr lang="en-US" dirty="0"/>
+          </a:p>
+          <a:p>
+            <a:pPr marL="0" marR="0" lvl="0" indent="0" algn="l" defTabSz="914400" rtl="0" eaLnBrk="1" fontAlgn="auto" latinLnBrk="0" hangingPunct="1">
+              <a:lnSpc>
+                <a:spcPct val="100000"/>
+              </a:lnSpc>
+              <a:spcBef>
+                <a:spcPts val="0"/>
+              </a:spcBef>
+              <a:spcAft>
+                <a:spcPts val="0"/>
+              </a:spcAft>
+              <a:buClrTx/>
+              <a:buSzTx/>
+              <a:buFontTx/>
+              <a:buNone/>
+              <a:tabLst/>
+              <a:defRPr/>
+            </a:pPr>
+            <a:r>
+              <a:rPr lang="en-US" dirty="0"/>
+              <a:t>*CLICK* Videos are automatically recorded, if required into a temporary location. These videos are automatically saved in a temporary location on the host machine.</a:t>
+            </a:r>
+          </a:p>
+          <a:p>
+            <a:endParaRPr lang="en-US" dirty="0"/>
+          </a:p>
+          <a:p>
+            <a:r>
+              <a:rPr lang="en-US" dirty="0"/>
+              <a:t>*CLICK* The dashboard feature or live preview can show you exactly what is happening in your tests. It also displays both Selenium logs and browser logs (which can be saved in JSON format onto the host machine).</a:t>
+            </a:r>
+          </a:p>
+          <a:p>
+            <a:endParaRPr lang="en-US" dirty="0"/>
+          </a:p>
+          <a:p>
+            <a:r>
+              <a:rPr lang="en-US" dirty="0"/>
+              <a:t>*CLICK* It also has Kubernetes support. We won’t be covering this in this session, but we may do a part 2 of the Playground exploring Kubernetes.</a:t>
+            </a:r>
+          </a:p>
+          <a:p>
+            <a:endParaRPr lang="en-US" dirty="0"/>
+          </a:p>
+          <a:p>
+            <a:r>
+              <a:rPr lang="en-US" dirty="0"/>
+              <a:t>Overall, </a:t>
+            </a:r>
+            <a:r>
+              <a:rPr lang="en-US" dirty="0" err="1"/>
+              <a:t>Zalenium</a:t>
+            </a:r>
+            <a:r>
+              <a:rPr lang="en-US" dirty="0"/>
+              <a:t> can increase the speed of your continuous testing process  as it manages them in a smarter way by providing more containers when required and allowing anyone to have flexible and disposable Selenium Grid infrastructure.</a:t>
+            </a:r>
+          </a:p>
+        </p:txBody>
+      </p:sp>
+      <p:sp>
+        <p:nvSpPr>
+          <p:cNvPr id="4" name="Slide Number Placeholder 3"/>
+          <p:cNvSpPr>
+            <a:spLocks noGrp="1"/>
+          </p:cNvSpPr>
+          <p:nvPr>
+            <p:ph type="sldNum" sz="quarter" idx="5"/>
+          </p:nvPr>
+        </p:nvSpPr>
+        <p:spPr/>
+        <p:txBody>
+          <a:bodyPr/>
+          <a:lstStyle/>
+          <a:p>
+            <a:fld id="{7A507E9C-E9CF-45CC-A225-331D2025989C}" type="slidenum">
+              <a:rPr lang="en-GB" smtClean="0"/>
+              <a:t>11</a:t>
+            </a:fld>
+            <a:endParaRPr lang="en-GB" dirty="0"/>
+          </a:p>
+        </p:txBody>
+      </p:sp>
+    </p:spTree>
+    <p:extLst>
+      <p:ext uri="{BB962C8B-B14F-4D97-AF65-F5344CB8AC3E}">
+        <p14:creationId xmlns:p14="http://schemas.microsoft.com/office/powerpoint/2010/main" val="4076460706"/>
       </p:ext>
     </p:extLst>
   </p:cSld>
@@ -793,7 +1140,43 @@
           <a:bodyPr/>
           <a:lstStyle/>
           <a:p>
+            <a:r>
+              <a:rPr lang="en-US" dirty="0"/>
+              <a:t>This evening’s session will involve getting hands-on with an open source tool called </a:t>
+            </a:r>
+            <a:r>
+              <a:rPr lang="en-US" dirty="0" err="1"/>
+              <a:t>Zalenium</a:t>
+            </a:r>
+            <a:r>
+              <a:rPr lang="en-US" dirty="0"/>
+              <a:t>, which allows you to create a scalable Selenium Grid infrastructure using Docker.</a:t>
+            </a:r>
+          </a:p>
+          <a:p>
             <a:endParaRPr lang="en-US" dirty="0"/>
+          </a:p>
+          <a:p>
+            <a:r>
+              <a:rPr lang="en-US" dirty="0"/>
+              <a:t>You can use the #</a:t>
+            </a:r>
+            <a:r>
+              <a:rPr lang="en-US" dirty="0" err="1"/>
+              <a:t>DevOpsPlayground</a:t>
+            </a:r>
+            <a:r>
+              <a:rPr lang="en-US" dirty="0"/>
+              <a:t> on Twitter/LinkedIn to find our social media posts about our Meetups. All updates are also posted on the </a:t>
+            </a:r>
+            <a:r>
+              <a:rPr lang="en-US" dirty="0" err="1"/>
+              <a:t>Meetup.com</a:t>
+            </a:r>
+            <a:r>
+              <a:rPr lang="en-US" dirty="0"/>
+              <a:t> website.</a:t>
+            </a:r>
           </a:p>
         </p:txBody>
       </p:sp>
@@ -804,7 +1187,7 @@
             <a:spLocks noGrp="1"/>
           </p:cNvSpPr>
           <p:nvPr>
-            <p:ph type="sldNum" sz="quarter" idx="10"/>
+            <p:ph type="sldNum" sz="quarter" idx="5"/>
           </p:nvPr>
         </p:nvSpPr>
         <p:spPr/>
@@ -814,7 +1197,7 @@
           <a:p>
             <a:fld id="{7A507E9C-E9CF-45CC-A225-331D2025989C}" type="slidenum">
               <a:rPr lang="en-GB" smtClean="0"/>
-              <a:t>4</a:t>
+              <a:t>2</a:t>
             </a:fld>
             <a:endParaRPr lang="en-GB" dirty="0"/>
           </a:p>
@@ -823,7 +1206,7 @@
     </p:spTree>
     <p:extLst>
       <p:ext uri="{BB962C8B-B14F-4D97-AF65-F5344CB8AC3E}">
-        <p14:creationId xmlns:p14="http://schemas.microsoft.com/office/powerpoint/2010/main" val="4112685597"/>
+        <p14:creationId xmlns:p14="http://schemas.microsoft.com/office/powerpoint/2010/main" val="1514844172"/>
       </p:ext>
     </p:extLst>
   </p:cSld>
@@ -877,7 +1260,51 @@
           <a:bodyPr/>
           <a:lstStyle/>
           <a:p>
+            <a:r>
+              <a:rPr lang="en-US" dirty="0"/>
+              <a:t>ECS Digital are gold sponsors for this year’s Edinburgh </a:t>
+            </a:r>
+            <a:r>
+              <a:rPr lang="en-US" dirty="0" err="1"/>
+              <a:t>DevOpsDays</a:t>
+            </a:r>
+            <a:r>
+              <a:rPr lang="en-US" dirty="0"/>
+              <a:t> which takes place on the 1</a:t>
+            </a:r>
+            <a:r>
+              <a:rPr lang="en-US" baseline="30000" dirty="0"/>
+              <a:t>st</a:t>
+            </a:r>
+            <a:r>
+              <a:rPr lang="en-US" dirty="0"/>
+              <a:t> and 2</a:t>
+            </a:r>
+            <a:r>
+              <a:rPr lang="en-US" baseline="30000" dirty="0"/>
+              <a:t>nd</a:t>
+            </a:r>
+            <a:r>
+              <a:rPr lang="en-US" dirty="0"/>
+              <a:t> November. </a:t>
+            </a:r>
+          </a:p>
+          <a:p>
             <a:endParaRPr lang="en-US" dirty="0"/>
+          </a:p>
+          <a:p>
+            <a:r>
+              <a:rPr lang="en-US" dirty="0"/>
+              <a:t>The speaker lineup details should be getting announced soon, and you can follow them on Twitter @</a:t>
+            </a:r>
+            <a:r>
+              <a:rPr lang="en-US" dirty="0" err="1"/>
+              <a:t>devopsdaysedi</a:t>
+            </a:r>
+            <a:r>
+              <a:rPr lang="en-US" dirty="0"/>
+              <a:t> for further updates.</a:t>
+            </a:r>
           </a:p>
         </p:txBody>
       </p:sp>
@@ -888,7 +1315,7 @@
             <a:spLocks noGrp="1"/>
           </p:cNvSpPr>
           <p:nvPr>
-            <p:ph type="sldNum" sz="quarter" idx="5"/>
+            <p:ph type="sldNum" sz="quarter" idx="10"/>
           </p:nvPr>
         </p:nvSpPr>
         <p:spPr/>
@@ -898,7 +1325,7 @@
           <a:p>
             <a:fld id="{7A507E9C-E9CF-45CC-A225-331D2025989C}" type="slidenum">
               <a:rPr lang="en-GB" smtClean="0"/>
-              <a:t>5</a:t>
+              <a:t>3</a:t>
             </a:fld>
             <a:endParaRPr lang="en-GB" dirty="0"/>
           </a:p>
@@ -907,7 +1334,7 @@
     </p:spTree>
     <p:extLst>
       <p:ext uri="{BB962C8B-B14F-4D97-AF65-F5344CB8AC3E}">
-        <p14:creationId xmlns:p14="http://schemas.microsoft.com/office/powerpoint/2010/main" val="2228379710"/>
+        <p14:creationId xmlns:p14="http://schemas.microsoft.com/office/powerpoint/2010/main" val="4112685597"/>
       </p:ext>
     </p:extLst>
   </p:cSld>
@@ -962,67 +1389,27 @@
           <a:lstStyle/>
           <a:p>
             <a:r>
-              <a:rPr lang="en-US" dirty="0" err="1"/>
-              <a:t>Zalando</a:t>
-            </a:r>
-            <a:r>
-              <a:rPr lang="en-US" dirty="0"/>
-              <a:t> = ecommerce company </a:t>
-            </a:r>
-            <a:r>
-              <a:rPr lang="en-US" dirty="0" err="1"/>
-              <a:t>specialising</a:t>
-            </a:r>
-            <a:r>
-              <a:rPr lang="en-US" dirty="0"/>
-              <a:t> in fashion and </a:t>
-            </a:r>
-            <a:r>
-              <a:rPr lang="en-US" dirty="0" err="1"/>
-              <a:t>beatuy</a:t>
-            </a:r>
-            <a:r>
-              <a:rPr lang="en-US" dirty="0"/>
-              <a:t>, over 1,000 employees in the tech department. Name is mixture of </a:t>
-            </a:r>
-            <a:r>
-              <a:rPr lang="en-US" dirty="0" err="1"/>
-              <a:t>Zalando</a:t>
-            </a:r>
-            <a:r>
-              <a:rPr lang="en-US" dirty="0"/>
-              <a:t> and Selenium.</a:t>
+              <a:rPr lang="en-US" dirty="0"/>
+              <a:t>I thought I’d begin by introducing your 3 presenters for this evening. Hammad, Farhan and myself are all QA and Continuous Delivery Consultants at ECS Digital. I’m based up here in Edinburgh and Hammad and Farhan have joined us tonight from our London offices. </a:t>
             </a:r>
           </a:p>
           <a:p>
             <a:endParaRPr lang="en-US" dirty="0"/>
           </a:p>
           <a:p>
-            <a:pPr marL="0" marR="0" lvl="0" indent="0" algn="l" defTabSz="914400" rtl="0" eaLnBrk="1" fontAlgn="auto" latinLnBrk="0" hangingPunct="1">
-              <a:lnSpc>
-                <a:spcPct val="100000"/>
-              </a:lnSpc>
-              <a:spcBef>
-                <a:spcPts val="0"/>
-              </a:spcBef>
-              <a:spcAft>
-                <a:spcPts val="0"/>
-              </a:spcAft>
-              <a:buClrTx/>
-              <a:buSzTx/>
-              <a:buFontTx/>
-              <a:buNone/>
-              <a:tabLst/>
-              <a:defRPr/>
-            </a:pPr>
-            <a:r>
-              <a:rPr lang="en-US" sz="1200" dirty="0"/>
-              <a:t>Over 11,000 users in more than 80 countries. 500 people use it daily and has executed over 4.5 million tests since 2017.</a:t>
-            </a:r>
+            <a:r>
+              <a:rPr lang="en-US" dirty="0"/>
+              <a:t>You can also find me on Twitter, my handle is on the slide.</a:t>
+            </a:r>
+          </a:p>
+          <a:p>
             <a:endParaRPr lang="en-US" dirty="0"/>
           </a:p>
           <a:p>
-            <a:endParaRPr lang="en-US" dirty="0"/>
+            <a:r>
+              <a:rPr lang="en-US" dirty="0"/>
+              <a:t>All 3 of us were involved in setting up this Playground, so feel free to give one of us a shout during the presentation if you have any questions.</a:t>
+            </a:r>
           </a:p>
         </p:txBody>
       </p:sp>
@@ -1043,7 +1430,7 @@
           <a:p>
             <a:fld id="{7A507E9C-E9CF-45CC-A225-331D2025989C}" type="slidenum">
               <a:rPr lang="en-GB" smtClean="0"/>
-              <a:t>6</a:t>
+              <a:t>4</a:t>
             </a:fld>
             <a:endParaRPr lang="en-GB" dirty="0"/>
           </a:p>
@@ -1052,7 +1439,7 @@
     </p:spTree>
     <p:extLst>
       <p:ext uri="{BB962C8B-B14F-4D97-AF65-F5344CB8AC3E}">
-        <p14:creationId xmlns:p14="http://schemas.microsoft.com/office/powerpoint/2010/main" val="3415472371"/>
+        <p14:creationId xmlns:p14="http://schemas.microsoft.com/office/powerpoint/2010/main" val="2549555706"/>
       </p:ext>
     </p:extLst>
   </p:cSld>
@@ -1108,41 +1495,7 @@
           <a:p>
             <a:r>
               <a:rPr lang="en-US" dirty="0"/>
-              <a:t>Selenium Grid maintenance – browser releases, grid releases, driver versions take up a lot of time to maintain.</a:t>
-            </a:r>
-          </a:p>
-          <a:p>
-            <a:endParaRPr lang="en-US" dirty="0"/>
-          </a:p>
-          <a:p>
-            <a:r>
-              <a:rPr lang="en-US" dirty="0"/>
-              <a:t>It’s not meant to replace cloud testing providers but work alongside them as they provide access to more browsers. </a:t>
-            </a:r>
-            <a:r>
-              <a:rPr lang="en-US" dirty="0" err="1"/>
-              <a:t>Zalenium</a:t>
-            </a:r>
-            <a:r>
-              <a:rPr lang="en-US" dirty="0"/>
-              <a:t> automatically redirects your tests to a cloud testing provider if one is available and docker-selenium cannot run those tests.</a:t>
-            </a:r>
-          </a:p>
-          <a:p>
-            <a:endParaRPr lang="en-US" dirty="0"/>
-          </a:p>
-          <a:p>
-            <a:r>
-              <a:rPr lang="en-US" dirty="0"/>
-              <a:t>Overall </a:t>
-            </a:r>
-            <a:r>
-              <a:rPr lang="en-US" dirty="0" err="1"/>
-              <a:t>Zalenium</a:t>
-            </a:r>
-            <a:r>
-              <a:rPr lang="en-US" dirty="0"/>
-              <a:t> can increase the speed of your test suite as it runs docker-selenium tests locally, which reduces latency, but also utilizes the cloud testing provider you pay for in a smarter way.</a:t>
+              <a:t>I’ll run through the agenda for the evening so that you know what to expect.</a:t>
             </a:r>
           </a:p>
         </p:txBody>
@@ -1164,6 +1517,396 @@
           <a:p>
             <a:fld id="{7A507E9C-E9CF-45CC-A225-331D2025989C}" type="slidenum">
               <a:rPr lang="en-GB" smtClean="0"/>
+              <a:t>5</a:t>
+            </a:fld>
+            <a:endParaRPr lang="en-GB" dirty="0"/>
+          </a:p>
+        </p:txBody>
+      </p:sp>
+    </p:spTree>
+    <p:extLst>
+      <p:ext uri="{BB962C8B-B14F-4D97-AF65-F5344CB8AC3E}">
+        <p14:creationId xmlns:p14="http://schemas.microsoft.com/office/powerpoint/2010/main" val="537883110"/>
+      </p:ext>
+    </p:extLst>
+  </p:cSld>
+  <p:clrMapOvr>
+    <a:masterClrMapping/>
+  </p:clrMapOvr>
+</p:notes>
+</file>
+
+<file path=ppt/notesSlides/notesSlide6.xml><?xml version="1.0" encoding="utf-8"?>
+<p:notes xmlns:a="http://schemas.openxmlformats.org/drawingml/2006/main" xmlns:r="http://schemas.openxmlformats.org/officeDocument/2006/relationships" xmlns:p="http://schemas.openxmlformats.org/presentationml/2006/main">
+  <p:cSld>
+    <p:spTree>
+      <p:nvGrpSpPr>
+        <p:cNvPr id="1" name=""/>
+        <p:cNvGrpSpPr/>
+        <p:nvPr/>
+      </p:nvGrpSpPr>
+      <p:grpSpPr>
+        <a:xfrm>
+          <a:off x="0" y="0"/>
+          <a:ext cx="0" cy="0"/>
+          <a:chOff x="0" y="0"/>
+          <a:chExt cx="0" cy="0"/>
+        </a:xfrm>
+      </p:grpSpPr>
+      <p:sp>
+        <p:nvSpPr>
+          <p:cNvPr id="2" name="Slide Image Placeholder 1"/>
+          <p:cNvSpPr>
+            <a:spLocks noGrp="1" noRot="1" noChangeAspect="1"/>
+          </p:cNvSpPr>
+          <p:nvPr>
+            <p:ph type="sldImg"/>
+          </p:nvPr>
+        </p:nvSpPr>
+        <p:spPr/>
+      </p:sp>
+      <p:sp>
+        <p:nvSpPr>
+          <p:cNvPr id="3" name="Notes Placeholder 2"/>
+          <p:cNvSpPr>
+            <a:spLocks noGrp="1"/>
+          </p:cNvSpPr>
+          <p:nvPr>
+            <p:ph type="body" idx="1"/>
+          </p:nvPr>
+        </p:nvSpPr>
+        <p:spPr/>
+        <p:txBody>
+          <a:bodyPr/>
+          <a:lstStyle/>
+          <a:p>
+            <a:r>
+              <a:rPr lang="en-US" dirty="0"/>
+              <a:t>First of all I’ll give a high-level overview of what Selenium WebDriver is. </a:t>
+            </a:r>
+          </a:p>
+          <a:p>
+            <a:endParaRPr lang="en-US" dirty="0"/>
+          </a:p>
+          <a:p>
+            <a:r>
+              <a:rPr lang="en-US" dirty="0"/>
+              <a:t>*CLICK* WebDriver is an open source web automation framework that allows you to automate tests against different web browsers. </a:t>
+            </a:r>
+          </a:p>
+          <a:p>
+            <a:r>
+              <a:rPr lang="en-US" dirty="0"/>
+              <a:t>It interacts with page elements and allows you to assert that certain elements are displayed on the page, can be interacted with and text can be input as just a few examples. It allows us to add browser testing to our continuous testing solution.</a:t>
+            </a:r>
+          </a:p>
+          <a:p>
+            <a:r>
+              <a:rPr lang="en-US" dirty="0"/>
+              <a:t>You can write your tests in your language of choice. I know there’s support for C#, Java, JavaScript, Python and many more.</a:t>
+            </a:r>
+          </a:p>
+          <a:p>
+            <a:endParaRPr lang="en-US" dirty="0"/>
+          </a:p>
+          <a:p>
+            <a:r>
+              <a:rPr lang="en-US" dirty="0"/>
+              <a:t>For tonight’s hands-on example we have created a small suite of JavaScript tests which run in parallel. We won’t be delving into the </a:t>
+            </a:r>
+            <a:r>
+              <a:rPr lang="en-US" dirty="0" err="1"/>
+              <a:t>Javascript</a:t>
+            </a:r>
+            <a:r>
+              <a:rPr lang="en-US" dirty="0"/>
+              <a:t> code itself, but feel free to see how it has been created in our GitHub repo after tonight’s session.</a:t>
+            </a:r>
+          </a:p>
+          <a:p>
+            <a:endParaRPr lang="en-US" dirty="0"/>
+          </a:p>
+          <a:p>
+            <a:r>
+              <a:rPr lang="en-US" dirty="0"/>
+              <a:t>The test we will be running tonight will open </a:t>
+            </a:r>
+            <a:r>
+              <a:rPr lang="en-US" dirty="0" err="1"/>
+              <a:t>Google.com</a:t>
+            </a:r>
+            <a:r>
+              <a:rPr lang="en-US" dirty="0"/>
+              <a:t> in Chrome web browser. and assert that the ‘Google’ title is displayed on the page.</a:t>
+            </a:r>
+          </a:p>
+          <a:p>
+            <a:endParaRPr lang="en-US" dirty="0"/>
+          </a:p>
+          <a:p>
+            <a:r>
+              <a:rPr lang="en-US" dirty="0"/>
+              <a:t>*CLICK* docker-selenium is a Docker image for Selenium Grid. Selenium Grid allows us to run distributed test cases across multiple machines. Selenium for docker allows us to create pre-made Docker containers which include Selenium Grid, making running tests created in WebDriver easy.</a:t>
+            </a:r>
+          </a:p>
+          <a:p>
+            <a:r>
+              <a:rPr lang="en-US" dirty="0"/>
+              <a:t>It contains configurations for Firefox and Chrome.</a:t>
+            </a:r>
+          </a:p>
+        </p:txBody>
+      </p:sp>
+      <p:sp>
+        <p:nvSpPr>
+          <p:cNvPr id="4" name="Slide Number Placeholder 3"/>
+          <p:cNvSpPr>
+            <a:spLocks noGrp="1"/>
+          </p:cNvSpPr>
+          <p:nvPr>
+            <p:ph type="sldNum" sz="quarter" idx="5"/>
+          </p:nvPr>
+        </p:nvSpPr>
+        <p:spPr/>
+        <p:txBody>
+          <a:bodyPr/>
+          <a:lstStyle/>
+          <a:p>
+            <a:fld id="{7A507E9C-E9CF-45CC-A225-331D2025989C}" type="slidenum">
+              <a:rPr lang="en-GB" smtClean="0"/>
+              <a:t>6</a:t>
+            </a:fld>
+            <a:endParaRPr lang="en-GB" dirty="0"/>
+          </a:p>
+        </p:txBody>
+      </p:sp>
+    </p:spTree>
+    <p:extLst>
+      <p:ext uri="{BB962C8B-B14F-4D97-AF65-F5344CB8AC3E}">
+        <p14:creationId xmlns:p14="http://schemas.microsoft.com/office/powerpoint/2010/main" val="2228379710"/>
+      </p:ext>
+    </p:extLst>
+  </p:cSld>
+  <p:clrMapOvr>
+    <a:masterClrMapping/>
+  </p:clrMapOvr>
+</p:notes>
+</file>
+
+<file path=ppt/notesSlides/notesSlide7.xml><?xml version="1.0" encoding="utf-8"?>
+<p:notes xmlns:a="http://schemas.openxmlformats.org/drawingml/2006/main" xmlns:r="http://schemas.openxmlformats.org/officeDocument/2006/relationships" xmlns:p="http://schemas.openxmlformats.org/presentationml/2006/main">
+  <p:cSld>
+    <p:spTree>
+      <p:nvGrpSpPr>
+        <p:cNvPr id="1" name=""/>
+        <p:cNvGrpSpPr/>
+        <p:nvPr/>
+      </p:nvGrpSpPr>
+      <p:grpSpPr>
+        <a:xfrm>
+          <a:off x="0" y="0"/>
+          <a:ext cx="0" cy="0"/>
+          <a:chOff x="0" y="0"/>
+          <a:chExt cx="0" cy="0"/>
+        </a:xfrm>
+      </p:grpSpPr>
+      <p:sp>
+        <p:nvSpPr>
+          <p:cNvPr id="2" name="Slide Image Placeholder 1"/>
+          <p:cNvSpPr>
+            <a:spLocks noGrp="1" noRot="1" noChangeAspect="1"/>
+          </p:cNvSpPr>
+          <p:nvPr>
+            <p:ph type="sldImg"/>
+          </p:nvPr>
+        </p:nvSpPr>
+        <p:spPr/>
+      </p:sp>
+      <p:sp>
+        <p:nvSpPr>
+          <p:cNvPr id="3" name="Notes Placeholder 2"/>
+          <p:cNvSpPr>
+            <a:spLocks noGrp="1"/>
+          </p:cNvSpPr>
+          <p:nvPr>
+            <p:ph type="body" idx="1"/>
+          </p:nvPr>
+        </p:nvSpPr>
+        <p:spPr/>
+        <p:txBody>
+          <a:bodyPr/>
+          <a:lstStyle/>
+          <a:p>
+            <a:r>
+              <a:rPr lang="en-US" dirty="0"/>
+              <a:t>*CLICK* </a:t>
+            </a:r>
+            <a:r>
+              <a:rPr lang="en-US" dirty="0" err="1"/>
+              <a:t>Zalenium</a:t>
+            </a:r>
+            <a:r>
+              <a:rPr lang="en-US" dirty="0"/>
+              <a:t> is an open-source tool created by a company called </a:t>
+            </a:r>
+            <a:r>
+              <a:rPr lang="en-US" dirty="0" err="1"/>
+              <a:t>Zalando</a:t>
+            </a:r>
+            <a:r>
+              <a:rPr lang="en-US" dirty="0"/>
+              <a:t>. </a:t>
+            </a:r>
+            <a:r>
+              <a:rPr lang="en-US" dirty="0" err="1"/>
+              <a:t>Zalando</a:t>
+            </a:r>
+            <a:r>
+              <a:rPr lang="en-US" dirty="0"/>
+              <a:t> are an ecommerce company based in Germany </a:t>
+            </a:r>
+            <a:r>
+              <a:rPr lang="en-US" dirty="0" err="1"/>
+              <a:t>specialising</a:t>
+            </a:r>
+            <a:r>
+              <a:rPr lang="en-US" dirty="0"/>
+              <a:t> in fashion and beauty with over 1,000 employees in the tech department. Then Name of </a:t>
+            </a:r>
+            <a:r>
+              <a:rPr lang="en-US" dirty="0" err="1"/>
+              <a:t>Zalenium</a:t>
+            </a:r>
+            <a:r>
+              <a:rPr lang="en-US" dirty="0"/>
+              <a:t> tool is mixture of </a:t>
+            </a:r>
+            <a:r>
+              <a:rPr lang="en-US" dirty="0" err="1"/>
+              <a:t>Zalando</a:t>
+            </a:r>
+            <a:r>
+              <a:rPr lang="en-US" dirty="0"/>
+              <a:t> and Selenium.</a:t>
+            </a:r>
+          </a:p>
+          <a:p>
+            <a:endParaRPr lang="en-US" dirty="0"/>
+          </a:p>
+          <a:p>
+            <a:r>
+              <a:rPr lang="en-US" dirty="0"/>
+              <a:t>*CLICK* The main purpose of the tool is to allow you to create dynamic and on-demand docker-selenium instances within seconds. </a:t>
+            </a:r>
+          </a:p>
+          <a:p>
+            <a:endParaRPr lang="en-US" dirty="0"/>
+          </a:p>
+          <a:p>
+            <a:r>
+              <a:rPr lang="en-US" dirty="0"/>
+              <a:t>*CLICK* It can be run out of the box using Docker and Kubernetes. It is apparently the only open source tool which provides complete functionality with both of these tools.</a:t>
+            </a:r>
+          </a:p>
+          <a:p>
+            <a:endParaRPr lang="en-US" dirty="0"/>
+          </a:p>
+          <a:p>
+            <a:r>
+              <a:rPr lang="en-US" dirty="0"/>
+              <a:t>*CLICK* As it is based on docker-selenium, tests can be run on Firefox and Chrome. I’ll discuss a bit later about how it is possible to run tests on other browsers using </a:t>
+            </a:r>
+            <a:r>
+              <a:rPr lang="en-US" dirty="0" err="1"/>
+              <a:t>Zalenium</a:t>
+            </a:r>
+            <a:r>
+              <a:rPr lang="en-US" dirty="0"/>
+              <a:t>.</a:t>
+            </a:r>
+          </a:p>
+          <a:p>
+            <a:endParaRPr lang="en-US" dirty="0"/>
+          </a:p>
+          <a:p>
+            <a:r>
+              <a:rPr lang="en-US" dirty="0"/>
+              <a:t>*CLICK* The number of docker-selenium instances scales during run time of the tests. Once the requests to run the tests are received the tool creates new containers. Once the tests are finished it auto-deletes the containers meaning resource is not wasted.</a:t>
+            </a:r>
+          </a:p>
+          <a:p>
+            <a:endParaRPr lang="en-US" dirty="0"/>
+          </a:p>
+          <a:p>
+            <a:r>
+              <a:rPr lang="en-US" dirty="0"/>
+              <a:t>*CLICK* It’s really simple to set up and get started with.</a:t>
+            </a:r>
+          </a:p>
+          <a:p>
+            <a:endParaRPr lang="en-US" dirty="0"/>
+          </a:p>
+          <a:p>
+            <a:r>
+              <a:rPr lang="en-US" dirty="0"/>
+              <a:t>*CLICK* It can work in collaboration with cloud testing providers such as Sauce Labs, Testing Bot and Browser Stack, meaning that tests can be run on browsers other than Chrome and Firefox.</a:t>
+            </a:r>
+          </a:p>
+          <a:p>
+            <a:endParaRPr lang="en-US" dirty="0"/>
+          </a:p>
+          <a:p>
+            <a:endParaRPr lang="en-US" dirty="0"/>
+          </a:p>
+          <a:p>
+            <a:endParaRPr lang="en-US" dirty="0"/>
+          </a:p>
+          <a:p>
+            <a:pPr marL="0" marR="0" lvl="0" indent="0" algn="l" defTabSz="914400" rtl="0" eaLnBrk="1" fontAlgn="auto" latinLnBrk="0" hangingPunct="1">
+              <a:lnSpc>
+                <a:spcPct val="100000"/>
+              </a:lnSpc>
+              <a:spcBef>
+                <a:spcPts val="0"/>
+              </a:spcBef>
+              <a:spcAft>
+                <a:spcPts val="0"/>
+              </a:spcAft>
+              <a:buClrTx/>
+              <a:buSzTx/>
+              <a:buFontTx/>
+              <a:buNone/>
+              <a:tabLst/>
+              <a:defRPr/>
+            </a:pPr>
+            <a:r>
+              <a:rPr lang="en-US" sz="1200" dirty="0"/>
+              <a:t>Over 11,000 users in more than 80 countries. 500 people use it daily and has executed over 4.5 million tests since 2017.</a:t>
+            </a:r>
+            <a:endParaRPr lang="en-US" dirty="0"/>
+          </a:p>
+          <a:p>
+            <a:endParaRPr lang="en-US" dirty="0"/>
+          </a:p>
+        </p:txBody>
+      </p:sp>
+      <p:sp>
+        <p:nvSpPr>
+          <p:cNvPr id="4" name="Slide Number Placeholder 3"/>
+          <p:cNvSpPr>
+            <a:spLocks noGrp="1"/>
+          </p:cNvSpPr>
+          <p:nvPr>
+            <p:ph type="sldNum" sz="quarter" idx="5"/>
+          </p:nvPr>
+        </p:nvSpPr>
+        <p:spPr/>
+        <p:txBody>
+          <a:bodyPr/>
+          <a:lstStyle/>
+          <a:p>
+            <a:fld id="{7A507E9C-E9CF-45CC-A225-331D2025989C}" type="slidenum">
+              <a:rPr lang="en-GB" smtClean="0"/>
               <a:t>7</a:t>
             </a:fld>
             <a:endParaRPr lang="en-GB" dirty="0"/>
@@ -1173,7 +1916,402 @@
     </p:spTree>
     <p:extLst>
       <p:ext uri="{BB962C8B-B14F-4D97-AF65-F5344CB8AC3E}">
-        <p14:creationId xmlns:p14="http://schemas.microsoft.com/office/powerpoint/2010/main" val="4076460706"/>
+        <p14:creationId xmlns:p14="http://schemas.microsoft.com/office/powerpoint/2010/main" val="3415472371"/>
+      </p:ext>
+    </p:extLst>
+  </p:cSld>
+  <p:clrMapOvr>
+    <a:masterClrMapping/>
+  </p:clrMapOvr>
+</p:notes>
+</file>
+
+<file path=ppt/notesSlides/notesSlide8.xml><?xml version="1.0" encoding="utf-8"?>
+<p:notes xmlns:a="http://schemas.openxmlformats.org/drawingml/2006/main" xmlns:r="http://schemas.openxmlformats.org/officeDocument/2006/relationships" xmlns:p="http://schemas.openxmlformats.org/presentationml/2006/main">
+  <p:cSld>
+    <p:spTree>
+      <p:nvGrpSpPr>
+        <p:cNvPr id="1" name=""/>
+        <p:cNvGrpSpPr/>
+        <p:nvPr/>
+      </p:nvGrpSpPr>
+      <p:grpSpPr>
+        <a:xfrm>
+          <a:off x="0" y="0"/>
+          <a:ext cx="0" cy="0"/>
+          <a:chOff x="0" y="0"/>
+          <a:chExt cx="0" cy="0"/>
+        </a:xfrm>
+      </p:grpSpPr>
+      <p:sp>
+        <p:nvSpPr>
+          <p:cNvPr id="2" name="Slide Image Placeholder 1"/>
+          <p:cNvSpPr>
+            <a:spLocks noGrp="1" noRot="1" noChangeAspect="1"/>
+          </p:cNvSpPr>
+          <p:nvPr>
+            <p:ph type="sldImg"/>
+          </p:nvPr>
+        </p:nvSpPr>
+        <p:spPr/>
+      </p:sp>
+      <p:sp>
+        <p:nvSpPr>
+          <p:cNvPr id="3" name="Notes Placeholder 2"/>
+          <p:cNvSpPr>
+            <a:spLocks noGrp="1"/>
+          </p:cNvSpPr>
+          <p:nvPr>
+            <p:ph type="body" idx="1"/>
+          </p:nvPr>
+        </p:nvSpPr>
+        <p:spPr/>
+        <p:txBody>
+          <a:bodyPr/>
+          <a:lstStyle/>
+          <a:p>
+            <a:r>
+              <a:rPr lang="en-US" dirty="0"/>
+              <a:t>I’ll now go into a bit more detail about how </a:t>
+            </a:r>
+            <a:r>
+              <a:rPr lang="en-US" dirty="0" err="1"/>
+              <a:t>Zalenium</a:t>
+            </a:r>
+            <a:r>
+              <a:rPr lang="en-US" dirty="0"/>
+              <a:t> works behind the scenes.</a:t>
+            </a:r>
+          </a:p>
+          <a:p>
+            <a:endParaRPr lang="en-US" dirty="0"/>
+          </a:p>
+          <a:p>
+            <a:r>
+              <a:rPr lang="en-US" dirty="0"/>
+              <a:t>*CLICK* Upon entering the run command, which we’ll show later, a Selenium Grid Hub is started by </a:t>
+            </a:r>
+            <a:r>
+              <a:rPr lang="en-US" dirty="0" err="1"/>
+              <a:t>Zalenium</a:t>
+            </a:r>
+            <a:r>
+              <a:rPr lang="en-US" dirty="0"/>
+              <a:t>.</a:t>
+            </a:r>
+          </a:p>
+          <a:p>
+            <a:endParaRPr lang="en-US" dirty="0"/>
+          </a:p>
+          <a:p>
+            <a:r>
+              <a:rPr lang="en-US" dirty="0"/>
+              <a:t>*CLICK* A docker-selenium starter proxy is then started. This Is used to handle incoming requests.</a:t>
+            </a:r>
+          </a:p>
+          <a:p>
+            <a:endParaRPr lang="en-US" dirty="0"/>
+          </a:p>
+          <a:p>
+            <a:r>
+              <a:rPr lang="en-US" dirty="0"/>
+              <a:t>*CLICK* When a test request is triggered by the host machine, a request is sent to the Grid Hub.</a:t>
+            </a:r>
+          </a:p>
+          <a:p>
+            <a:endParaRPr lang="en-US" dirty="0"/>
+          </a:p>
+          <a:p>
+            <a:pPr marL="0" marR="0" lvl="0" indent="0" algn="l" defTabSz="914400" rtl="0" eaLnBrk="1" fontAlgn="auto" latinLnBrk="0" hangingPunct="1">
+              <a:lnSpc>
+                <a:spcPct val="100000"/>
+              </a:lnSpc>
+              <a:spcBef>
+                <a:spcPts val="0"/>
+              </a:spcBef>
+              <a:spcAft>
+                <a:spcPts val="0"/>
+              </a:spcAft>
+              <a:buClrTx/>
+              <a:buSzTx/>
+              <a:buFontTx/>
+              <a:buNone/>
+              <a:tabLst/>
+              <a:defRPr/>
+            </a:pPr>
+            <a:r>
+              <a:rPr lang="en-US" dirty="0"/>
+              <a:t>*CLICK* The Hub then sends the request to the docker-selenium proxy, which creates a new container, which will register itself to the Grid Hub.</a:t>
+            </a:r>
+          </a:p>
+          <a:p>
+            <a:pPr marL="0" marR="0" lvl="0" indent="0" algn="l" defTabSz="914400" rtl="0" eaLnBrk="1" fontAlgn="auto" latinLnBrk="0" hangingPunct="1">
+              <a:lnSpc>
+                <a:spcPct val="100000"/>
+              </a:lnSpc>
+              <a:spcBef>
+                <a:spcPts val="0"/>
+              </a:spcBef>
+              <a:spcAft>
+                <a:spcPts val="0"/>
+              </a:spcAft>
+              <a:buClrTx/>
+              <a:buSzTx/>
+              <a:buFontTx/>
+              <a:buNone/>
+              <a:tabLst/>
+              <a:defRPr/>
+            </a:pPr>
+            <a:endParaRPr lang="en-US" dirty="0"/>
+          </a:p>
+          <a:p>
+            <a:pPr marL="0" marR="0" lvl="0" indent="0" algn="l" defTabSz="914400" rtl="0" eaLnBrk="1" fontAlgn="auto" latinLnBrk="0" hangingPunct="1">
+              <a:lnSpc>
+                <a:spcPct val="100000"/>
+              </a:lnSpc>
+              <a:spcBef>
+                <a:spcPts val="0"/>
+              </a:spcBef>
+              <a:spcAft>
+                <a:spcPts val="0"/>
+              </a:spcAft>
+              <a:buClrTx/>
+              <a:buSzTx/>
+              <a:buFontTx/>
+              <a:buNone/>
+              <a:tabLst/>
+              <a:defRPr/>
+            </a:pPr>
+            <a:r>
+              <a:rPr lang="en-US" dirty="0"/>
+              <a:t>*CLICK* The Hub then assigns a new test to the container where it is executed.</a:t>
+            </a:r>
+          </a:p>
+          <a:p>
+            <a:pPr marL="0" marR="0" lvl="0" indent="0" algn="l" defTabSz="914400" rtl="0" eaLnBrk="1" fontAlgn="auto" latinLnBrk="0" hangingPunct="1">
+              <a:lnSpc>
+                <a:spcPct val="100000"/>
+              </a:lnSpc>
+              <a:spcBef>
+                <a:spcPts val="0"/>
+              </a:spcBef>
+              <a:spcAft>
+                <a:spcPts val="0"/>
+              </a:spcAft>
+              <a:buClrTx/>
+              <a:buSzTx/>
+              <a:buFontTx/>
+              <a:buNone/>
+              <a:tabLst/>
+              <a:defRPr/>
+            </a:pPr>
+            <a:endParaRPr lang="en-US" dirty="0"/>
+          </a:p>
+          <a:p>
+            <a:pPr marL="0" marR="0" lvl="0" indent="0" algn="l" defTabSz="914400" rtl="0" eaLnBrk="1" fontAlgn="auto" latinLnBrk="0" hangingPunct="1">
+              <a:lnSpc>
+                <a:spcPct val="100000"/>
+              </a:lnSpc>
+              <a:spcBef>
+                <a:spcPts val="0"/>
+              </a:spcBef>
+              <a:spcAft>
+                <a:spcPts val="0"/>
+              </a:spcAft>
+              <a:buClrTx/>
+              <a:buSzTx/>
+              <a:buFontTx/>
+              <a:buNone/>
+              <a:tabLst/>
+              <a:defRPr/>
+            </a:pPr>
+            <a:r>
+              <a:rPr lang="en-US" dirty="0"/>
+              <a:t>*CLICK* Once the test is complete, the node is shut down and a video file is saved to a temporary location on the host machine.</a:t>
+            </a:r>
+          </a:p>
+          <a:p>
+            <a:pPr marL="0" marR="0" lvl="0" indent="0" algn="l" defTabSz="914400" rtl="0" eaLnBrk="1" fontAlgn="auto" latinLnBrk="0" hangingPunct="1">
+              <a:lnSpc>
+                <a:spcPct val="100000"/>
+              </a:lnSpc>
+              <a:spcBef>
+                <a:spcPts val="0"/>
+              </a:spcBef>
+              <a:spcAft>
+                <a:spcPts val="0"/>
+              </a:spcAft>
+              <a:buClrTx/>
+              <a:buSzTx/>
+              <a:buFontTx/>
+              <a:buNone/>
+              <a:tabLst/>
+              <a:defRPr/>
+            </a:pPr>
+            <a:endParaRPr lang="en-US" dirty="0"/>
+          </a:p>
+          <a:p>
+            <a:pPr marL="0" marR="0" lvl="0" indent="0" algn="l" defTabSz="914400" rtl="0" eaLnBrk="1" fontAlgn="auto" latinLnBrk="0" hangingPunct="1">
+              <a:lnSpc>
+                <a:spcPct val="100000"/>
+              </a:lnSpc>
+              <a:spcBef>
+                <a:spcPts val="0"/>
+              </a:spcBef>
+              <a:spcAft>
+                <a:spcPts val="0"/>
+              </a:spcAft>
+              <a:buClrTx/>
+              <a:buSzTx/>
+              <a:buFontTx/>
+              <a:buNone/>
+              <a:tabLst/>
+              <a:defRPr/>
+            </a:pPr>
+            <a:endParaRPr lang="en-US" dirty="0"/>
+          </a:p>
+          <a:p>
+            <a:endParaRPr lang="en-US" dirty="0"/>
+          </a:p>
+        </p:txBody>
+      </p:sp>
+      <p:sp>
+        <p:nvSpPr>
+          <p:cNvPr id="4" name="Slide Number Placeholder 3"/>
+          <p:cNvSpPr>
+            <a:spLocks noGrp="1"/>
+          </p:cNvSpPr>
+          <p:nvPr>
+            <p:ph type="sldNum" sz="quarter" idx="5"/>
+          </p:nvPr>
+        </p:nvSpPr>
+        <p:spPr/>
+        <p:txBody>
+          <a:bodyPr/>
+          <a:lstStyle/>
+          <a:p>
+            <a:fld id="{7A507E9C-E9CF-45CC-A225-331D2025989C}" type="slidenum">
+              <a:rPr lang="en-GB" smtClean="0"/>
+              <a:t>8</a:t>
+            </a:fld>
+            <a:endParaRPr lang="en-GB" dirty="0"/>
+          </a:p>
+        </p:txBody>
+      </p:sp>
+    </p:spTree>
+    <p:extLst>
+      <p:ext uri="{BB962C8B-B14F-4D97-AF65-F5344CB8AC3E}">
+        <p14:creationId xmlns:p14="http://schemas.microsoft.com/office/powerpoint/2010/main" val="2514290525"/>
+      </p:ext>
+    </p:extLst>
+  </p:cSld>
+  <p:clrMapOvr>
+    <a:masterClrMapping/>
+  </p:clrMapOvr>
+</p:notes>
+</file>
+
+<file path=ppt/notesSlides/notesSlide9.xml><?xml version="1.0" encoding="utf-8"?>
+<p:notes xmlns:a="http://schemas.openxmlformats.org/drawingml/2006/main" xmlns:r="http://schemas.openxmlformats.org/officeDocument/2006/relationships" xmlns:p="http://schemas.openxmlformats.org/presentationml/2006/main">
+  <p:cSld>
+    <p:spTree>
+      <p:nvGrpSpPr>
+        <p:cNvPr id="1" name=""/>
+        <p:cNvGrpSpPr/>
+        <p:nvPr/>
+      </p:nvGrpSpPr>
+      <p:grpSpPr>
+        <a:xfrm>
+          <a:off x="0" y="0"/>
+          <a:ext cx="0" cy="0"/>
+          <a:chOff x="0" y="0"/>
+          <a:chExt cx="0" cy="0"/>
+        </a:xfrm>
+      </p:grpSpPr>
+      <p:sp>
+        <p:nvSpPr>
+          <p:cNvPr id="2" name="Slide Image Placeholder 1"/>
+          <p:cNvSpPr>
+            <a:spLocks noGrp="1" noRot="1" noChangeAspect="1"/>
+          </p:cNvSpPr>
+          <p:nvPr>
+            <p:ph type="sldImg"/>
+          </p:nvPr>
+        </p:nvSpPr>
+        <p:spPr/>
+      </p:sp>
+      <p:sp>
+        <p:nvSpPr>
+          <p:cNvPr id="3" name="Notes Placeholder 2"/>
+          <p:cNvSpPr>
+            <a:spLocks noGrp="1"/>
+          </p:cNvSpPr>
+          <p:nvPr>
+            <p:ph type="body" idx="1"/>
+          </p:nvPr>
+        </p:nvSpPr>
+        <p:spPr/>
+        <p:txBody>
+          <a:bodyPr/>
+          <a:lstStyle/>
+          <a:p>
+            <a:r>
+              <a:rPr lang="en-US" dirty="0"/>
+              <a:t>That’s an overview of how the main functionality of </a:t>
+            </a:r>
+            <a:r>
+              <a:rPr lang="en-US" dirty="0" err="1"/>
+              <a:t>Zalenium</a:t>
+            </a:r>
+            <a:r>
+              <a:rPr lang="en-US" dirty="0"/>
+              <a:t> is performed and the process it goes through, but there is also an additional scenario.</a:t>
+            </a:r>
+          </a:p>
+          <a:p>
+            <a:endParaRPr lang="en-US" dirty="0"/>
+          </a:p>
+          <a:p>
+            <a:r>
+              <a:rPr lang="en-US" dirty="0"/>
+              <a:t>*CLICK* If the Grid Hub receives a test that docker-selenium cannot run (i.e. one in a browser other than Chrome or Firefox), then it will check for the availability of a cloud testing provider, such as Sauce Labs, which is where it will run those tests. </a:t>
+            </a:r>
+          </a:p>
+          <a:p>
+            <a:r>
+              <a:rPr lang="en-US" dirty="0"/>
+              <a:t>I’ll cover how to specify the availability of a cloud testing provider later on.</a:t>
+            </a:r>
+          </a:p>
+        </p:txBody>
+      </p:sp>
+      <p:sp>
+        <p:nvSpPr>
+          <p:cNvPr id="4" name="Slide Number Placeholder 3"/>
+          <p:cNvSpPr>
+            <a:spLocks noGrp="1"/>
+          </p:cNvSpPr>
+          <p:nvPr>
+            <p:ph type="sldNum" sz="quarter" idx="5"/>
+          </p:nvPr>
+        </p:nvSpPr>
+        <p:spPr/>
+        <p:txBody>
+          <a:bodyPr/>
+          <a:lstStyle/>
+          <a:p>
+            <a:fld id="{7A507E9C-E9CF-45CC-A225-331D2025989C}" type="slidenum">
+              <a:rPr lang="en-GB" smtClean="0"/>
+              <a:t>9</a:t>
+            </a:fld>
+            <a:endParaRPr lang="en-GB" dirty="0"/>
+          </a:p>
+        </p:txBody>
+      </p:sp>
+    </p:spTree>
+    <p:extLst>
+      <p:ext uri="{BB962C8B-B14F-4D97-AF65-F5344CB8AC3E}">
+        <p14:creationId xmlns:p14="http://schemas.microsoft.com/office/powerpoint/2010/main" val="3915370653"/>
       </p:ext>
     </p:extLst>
   </p:cSld>
@@ -4153,7 +5291,7 @@
           </p:nvPr>
         </p:nvPicPr>
         <p:blipFill>
-          <a:blip r:embed="rId2">
+          <a:blip r:embed="rId3">
             <a:extLst>
               <a:ext uri="{28A0092B-C50C-407E-A947-70E740481C1C}">
                 <a14:useLocalDpi xmlns:a14="http://schemas.microsoft.com/office/drawing/2010/main" val="0"/>
@@ -4265,219 +5403,6 @@
       </p:grpSpPr>
       <p:sp>
         <p:nvSpPr>
-          <p:cNvPr id="3" name="Footer Placeholder 2"/>
-          <p:cNvSpPr>
-            <a:spLocks noGrp="1"/>
-          </p:cNvSpPr>
-          <p:nvPr>
-            <p:ph type="ftr" sz="quarter" idx="3"/>
-          </p:nvPr>
-        </p:nvSpPr>
-        <p:spPr/>
-        <p:txBody>
-          <a:bodyPr/>
-          <a:lstStyle/>
-          <a:p>
-            <a:r>
-              <a:rPr lang="en-GB" sz="1600" dirty="0"/>
-              <a:t>#</a:t>
-            </a:r>
-            <a:r>
-              <a:rPr lang="en-GB" sz="1600" dirty="0" err="1"/>
-              <a:t>DevOpsPlayground</a:t>
-            </a:r>
-            <a:endParaRPr lang="en-GB" sz="1600" dirty="0"/>
-          </a:p>
-        </p:txBody>
-      </p:sp>
-      <p:sp>
-        <p:nvSpPr>
-          <p:cNvPr id="4" name="TextBox 3"/>
-          <p:cNvSpPr txBox="1"/>
-          <p:nvPr/>
-        </p:nvSpPr>
-        <p:spPr>
-          <a:xfrm>
-            <a:off x="611560" y="692696"/>
-            <a:ext cx="7920880" cy="523220"/>
-          </a:xfrm>
-          <a:prstGeom prst="rect">
-            <a:avLst/>
-          </a:prstGeom>
-          <a:noFill/>
-        </p:spPr>
-        <p:txBody>
-          <a:bodyPr wrap="square" rtlCol="0">
-            <a:spAutoFit/>
-          </a:bodyPr>
-          <a:lstStyle/>
-          <a:p>
-            <a:r>
-              <a:rPr lang="en-GB" sz="2800" dirty="0">
-                <a:solidFill>
-                  <a:srgbClr val="0070B7"/>
-                </a:solidFill>
-                <a:latin typeface="Arial" panose="020B0604020202020204" pitchFamily="34" charset="0"/>
-                <a:cs typeface="Arial" panose="020B0604020202020204" pitchFamily="34" charset="0"/>
-              </a:rPr>
-              <a:t>Playground</a:t>
-            </a:r>
-          </a:p>
-        </p:txBody>
-      </p:sp>
-      <p:sp>
-        <p:nvSpPr>
-          <p:cNvPr id="5" name="Content Placeholder 4">
-            <a:extLst>
-              <a:ext uri="{FF2B5EF4-FFF2-40B4-BE49-F238E27FC236}">
-                <a16:creationId xmlns:a16="http://schemas.microsoft.com/office/drawing/2014/main" id="{122D25EA-2C5B-F546-B0F0-A1ECE4E5202C}"/>
-              </a:ext>
-            </a:extLst>
-          </p:cNvPr>
-          <p:cNvSpPr>
-            <a:spLocks noGrp="1"/>
-          </p:cNvSpPr>
-          <p:nvPr>
-            <p:ph idx="1"/>
-          </p:nvPr>
-        </p:nvSpPr>
-        <p:spPr/>
-        <p:txBody>
-          <a:bodyPr/>
-          <a:lstStyle/>
-          <a:p>
-            <a:r>
-              <a:rPr lang="en-US" dirty="0"/>
-              <a:t>Everyone should have an IP address to log into over SSH.</a:t>
-            </a:r>
-          </a:p>
-          <a:p>
-            <a:endParaRPr lang="en-US" dirty="0"/>
-          </a:p>
-          <a:p>
-            <a:r>
-              <a:rPr lang="en-US" dirty="0"/>
-              <a:t>Access the Playground ReadMe and GitHub repo here: </a:t>
-            </a:r>
-            <a:r>
-              <a:rPr lang="en-US" dirty="0">
-                <a:hlinkClick r:id="rId2"/>
-              </a:rPr>
-              <a:t>https://bit.ly/2zrbOED</a:t>
-            </a:r>
-            <a:endParaRPr lang="en-US" dirty="0"/>
-          </a:p>
-          <a:p>
-            <a:endParaRPr lang="en-US" dirty="0"/>
-          </a:p>
-          <a:p>
-            <a:r>
-              <a:rPr lang="en-US" dirty="0"/>
-              <a:t>We’re going to:</a:t>
-            </a:r>
-          </a:p>
-          <a:p>
-            <a:pPr lvl="1"/>
-            <a:r>
-              <a:rPr lang="en-US" dirty="0"/>
-              <a:t>Install docker-selenium and </a:t>
-            </a:r>
-            <a:r>
-              <a:rPr lang="en-US" dirty="0" err="1"/>
-              <a:t>Zalenium</a:t>
-            </a:r>
-            <a:r>
-              <a:rPr lang="en-US" dirty="0"/>
-              <a:t>.</a:t>
-            </a:r>
-          </a:p>
-          <a:p>
-            <a:pPr lvl="1"/>
-            <a:r>
-              <a:rPr lang="en-US" dirty="0"/>
-              <a:t>Run </a:t>
-            </a:r>
-            <a:r>
-              <a:rPr lang="en-US" dirty="0" err="1"/>
-              <a:t>Zalenium</a:t>
-            </a:r>
-            <a:endParaRPr lang="en-US" dirty="0"/>
-          </a:p>
-          <a:p>
-            <a:pPr lvl="1"/>
-            <a:r>
-              <a:rPr lang="en-US" dirty="0"/>
-              <a:t>Run JavaScript </a:t>
-            </a:r>
-            <a:r>
-              <a:rPr lang="en-US" dirty="0" err="1"/>
-              <a:t>WebDriver.io</a:t>
-            </a:r>
-            <a:r>
-              <a:rPr lang="en-US" dirty="0"/>
-              <a:t> tests in parallel using </a:t>
-            </a:r>
-            <a:r>
-              <a:rPr lang="en-US" dirty="0" err="1"/>
-              <a:t>Zalenium</a:t>
-            </a:r>
-            <a:endParaRPr lang="en-US" dirty="0"/>
-          </a:p>
-          <a:p>
-            <a:pPr lvl="1"/>
-            <a:r>
-              <a:rPr lang="en-US" dirty="0"/>
-              <a:t>View the </a:t>
-            </a:r>
-            <a:r>
-              <a:rPr lang="en-US" dirty="0" err="1"/>
-              <a:t>Zalenium</a:t>
-            </a:r>
-            <a:r>
-              <a:rPr lang="en-US" dirty="0"/>
-              <a:t> Dashboard</a:t>
-            </a:r>
-          </a:p>
-          <a:p>
-            <a:endParaRPr lang="en-US" dirty="0"/>
-          </a:p>
-          <a:p>
-            <a:endParaRPr lang="en-US" dirty="0"/>
-          </a:p>
-        </p:txBody>
-      </p:sp>
-    </p:spTree>
-    <p:extLst>
-      <p:ext uri="{BB962C8B-B14F-4D97-AF65-F5344CB8AC3E}">
-        <p14:creationId xmlns:p14="http://schemas.microsoft.com/office/powerpoint/2010/main" val="2752887665"/>
-      </p:ext>
-    </p:extLst>
-  </p:cSld>
-  <p:clrMapOvr>
-    <a:masterClrMapping/>
-  </p:clrMapOvr>
-</p:sld>
-</file>
-
-<file path=ppt/slides/slide12.xml><?xml version="1.0" encoding="utf-8"?>
-<p:sld xmlns:a="http://schemas.openxmlformats.org/drawingml/2006/main" xmlns:r="http://schemas.openxmlformats.org/officeDocument/2006/relationships" xmlns:p="http://schemas.openxmlformats.org/presentationml/2006/main">
-  <p:cSld>
-    <p:spTree>
-      <p:nvGrpSpPr>
-        <p:cNvPr id="1" name=""/>
-        <p:cNvGrpSpPr/>
-        <p:nvPr/>
-      </p:nvGrpSpPr>
-      <p:grpSpPr>
-        <a:xfrm>
-          <a:off x="0" y="0"/>
-          <a:ext cx="0" cy="0"/>
-          <a:chOff x="0" y="0"/>
-          <a:chExt cx="0" cy="0"/>
-        </a:xfrm>
-      </p:grpSpPr>
-      <p:sp>
-        <p:nvSpPr>
           <p:cNvPr id="2" name="Content Placeholder 1"/>
           <p:cNvSpPr>
             <a:spLocks noGrp="1"/>
@@ -4499,3014 +5424,6 @@
           <a:lstStyle/>
           <a:p>
             <a:r>
-              <a:rPr lang="en-US" sz="2300" dirty="0"/>
-              <a:t>As well as running tests on VMs, </a:t>
-            </a:r>
-            <a:r>
-              <a:rPr lang="en-US" sz="2300" dirty="0" err="1"/>
-              <a:t>Zalenium</a:t>
-            </a:r>
-            <a:r>
-              <a:rPr lang="en-US" sz="2300" dirty="0"/>
-              <a:t> also has support for the following providers:</a:t>
-            </a:r>
-          </a:p>
-          <a:p>
-            <a:pPr lvl="2"/>
-            <a:r>
-              <a:rPr lang="en-US" sz="2300" dirty="0"/>
-              <a:t>Sauce Labs</a:t>
-            </a:r>
-          </a:p>
-          <a:p>
-            <a:pPr lvl="2"/>
-            <a:r>
-              <a:rPr lang="en-US" sz="2300" dirty="0" err="1"/>
-              <a:t>TestingBot</a:t>
-            </a:r>
-            <a:endParaRPr lang="en-US" sz="2300" dirty="0"/>
-          </a:p>
-          <a:p>
-            <a:pPr lvl="2"/>
-            <a:r>
-              <a:rPr lang="en-US" sz="2300" dirty="0"/>
-              <a:t>Browser Stack</a:t>
-            </a:r>
-          </a:p>
-          <a:p>
-            <a:pPr marL="914400" lvl="2" indent="0">
-              <a:buNone/>
-            </a:pPr>
-            <a:endParaRPr lang="en-US" sz="2300" dirty="0"/>
-          </a:p>
-          <a:p>
-            <a:r>
-              <a:rPr lang="en-US" sz="2300" dirty="0"/>
-              <a:t>An example of this, to access Sauce Labs, add the following to your startup command:</a:t>
-            </a:r>
-          </a:p>
-          <a:p>
-            <a:pPr marL="0" indent="0">
-              <a:buNone/>
-            </a:pPr>
-            <a:r>
-              <a:rPr lang="en-US" sz="2300" i="1" dirty="0"/>
-              <a:t>	</a:t>
-            </a:r>
-            <a:r>
-              <a:rPr lang="en-GB" i="1" dirty="0"/>
-              <a:t>export SAUCE_USERNAME=&lt;your Sauce Labs username&gt; export 	SAUCE_ACCESS_KEY=&lt;your Sauce Labs access key&gt; export 	SAUCE_LABS_URL=&lt;your Sauce Labs </a:t>
-            </a:r>
-            <a:r>
-              <a:rPr lang="en-GB" i="1" dirty="0" err="1"/>
-              <a:t>url:port</a:t>
-            </a:r>
-            <a:r>
-              <a:rPr lang="en-GB" i="1" dirty="0"/>
-              <a:t> number&gt; </a:t>
-            </a:r>
-            <a:r>
-              <a:rPr lang="en-US" sz="2300" i="1" dirty="0"/>
-              <a:t> </a:t>
-            </a:r>
-          </a:p>
-          <a:p>
-            <a:pPr marL="0" indent="0">
-              <a:buNone/>
-            </a:pPr>
-            <a:r>
-              <a:rPr lang="en-GB" dirty="0"/>
-              <a:t>                </a:t>
-            </a:r>
-            <a:r>
-              <a:rPr lang="en-GB" i="1" dirty="0"/>
-              <a:t>--</a:t>
-            </a:r>
-            <a:r>
-              <a:rPr lang="en-GB" i="1" dirty="0" err="1"/>
-              <a:t>sauceLabsEnabled</a:t>
-            </a:r>
-            <a:r>
-              <a:rPr lang="en-GB" i="1" dirty="0"/>
-              <a:t> true</a:t>
-            </a:r>
-            <a:br>
-              <a:rPr lang="en-US" sz="2300" dirty="0"/>
-            </a:br>
-            <a:br>
-              <a:rPr lang="en-US" sz="2300" dirty="0"/>
-            </a:br>
-            <a:br>
-              <a:rPr lang="en-US" sz="2300" dirty="0"/>
-            </a:br>
-            <a:endParaRPr lang="en-US" sz="2300" dirty="0"/>
-          </a:p>
-          <a:p>
-            <a:pPr marL="914400" lvl="2" indent="0">
-              <a:buNone/>
-            </a:pPr>
-            <a:endParaRPr lang="en-US" sz="2300" dirty="0"/>
-          </a:p>
-        </p:txBody>
-      </p:sp>
-      <p:sp>
-        <p:nvSpPr>
-          <p:cNvPr id="3" name="Footer Placeholder 2"/>
-          <p:cNvSpPr>
-            <a:spLocks noGrp="1"/>
-          </p:cNvSpPr>
-          <p:nvPr>
-            <p:ph type="ftr" sz="quarter" idx="3"/>
-          </p:nvPr>
-        </p:nvSpPr>
-        <p:spPr/>
-        <p:txBody>
-          <a:bodyPr/>
-          <a:lstStyle/>
-          <a:p>
-            <a:r>
-              <a:rPr lang="en-GB" sz="1600" dirty="0"/>
-              <a:t>#</a:t>
-            </a:r>
-            <a:r>
-              <a:rPr lang="en-GB" sz="1600" dirty="0" err="1"/>
-              <a:t>DevOpsPlayground</a:t>
-            </a:r>
-            <a:endParaRPr lang="en-GB" sz="1600" dirty="0"/>
-          </a:p>
-        </p:txBody>
-      </p:sp>
-      <p:sp>
-        <p:nvSpPr>
-          <p:cNvPr id="4" name="TextBox 3"/>
-          <p:cNvSpPr txBox="1"/>
-          <p:nvPr/>
-        </p:nvSpPr>
-        <p:spPr>
-          <a:xfrm>
-            <a:off x="611560" y="692696"/>
-            <a:ext cx="7920880" cy="523220"/>
-          </a:xfrm>
-          <a:prstGeom prst="rect">
-            <a:avLst/>
-          </a:prstGeom>
-          <a:noFill/>
-        </p:spPr>
-        <p:txBody>
-          <a:bodyPr wrap="square" rtlCol="0">
-            <a:spAutoFit/>
-          </a:bodyPr>
-          <a:lstStyle/>
-          <a:p>
-            <a:r>
-              <a:rPr lang="en-GB" sz="2800" dirty="0">
-                <a:solidFill>
-                  <a:srgbClr val="0070B7"/>
-                </a:solidFill>
-                <a:latin typeface="Arial" panose="020B0604020202020204" pitchFamily="34" charset="0"/>
-                <a:cs typeface="Arial" panose="020B0604020202020204" pitchFamily="34" charset="0"/>
-              </a:rPr>
-              <a:t>Running tests on Cloud Proxy</a:t>
-            </a:r>
-          </a:p>
-        </p:txBody>
-      </p:sp>
-    </p:spTree>
-    <p:extLst>
-      <p:ext uri="{BB962C8B-B14F-4D97-AF65-F5344CB8AC3E}">
-        <p14:creationId xmlns:p14="http://schemas.microsoft.com/office/powerpoint/2010/main" val="630844028"/>
-      </p:ext>
-    </p:extLst>
-  </p:cSld>
-  <p:clrMapOvr>
-    <a:masterClrMapping/>
-  </p:clrMapOvr>
-  <p:timing>
-    <p:tnLst>
-      <p:par>
-        <p:cTn id="1" dur="indefinite" restart="never" nodeType="tmRoot">
-          <p:childTnLst>
-            <p:seq concurrent="1" nextAc="seek">
-              <p:cTn id="2" dur="indefinite" nodeType="mainSeq">
-                <p:childTnLst>
-                  <p:par>
-                    <p:cTn id="3" fill="hold">
-                      <p:stCondLst>
-                        <p:cond delay="indefinite"/>
-                      </p:stCondLst>
-                      <p:childTnLst>
-                        <p:par>
-                          <p:cTn id="4" fill="hold">
-                            <p:stCondLst>
-                              <p:cond delay="0"/>
-                            </p:stCondLst>
-                            <p:childTnLst>
-                              <p:par>
-                                <p:cTn id="5" presetID="1" presetClass="entr" presetSubtype="0" fill="hold" grpId="0" nodeType="clickEffect">
-                                  <p:stCondLst>
-                                    <p:cond delay="0"/>
-                                  </p:stCondLst>
-                                  <p:childTnLst>
-                                    <p:set>
-                                      <p:cBhvr>
-                                        <p:cTn id="6" dur="1" fill="hold">
-                                          <p:stCondLst>
-                                            <p:cond delay="0"/>
-                                          </p:stCondLst>
-                                        </p:cTn>
-                                        <p:tgtEl>
-                                          <p:spTgt spid="2">
-                                            <p:txEl>
-                                              <p:pRg st="0" end="0"/>
-                                            </p:txEl>
-                                          </p:spTgt>
-                                        </p:tgtEl>
-                                        <p:attrNameLst>
-                                          <p:attrName>style.visibility</p:attrName>
-                                        </p:attrNameLst>
-                                      </p:cBhvr>
-                                      <p:to>
-                                        <p:strVal val="visible"/>
-                                      </p:to>
-                                    </p:set>
-                                  </p:childTnLst>
-                                </p:cTn>
-                              </p:par>
-                              <p:par>
-                                <p:cTn id="7" presetID="1" presetClass="entr" presetSubtype="0" fill="hold" grpId="0" nodeType="withEffect">
-                                  <p:stCondLst>
-                                    <p:cond delay="0"/>
-                                  </p:stCondLst>
-                                  <p:childTnLst>
-                                    <p:set>
-                                      <p:cBhvr>
-                                        <p:cTn id="8" dur="1" fill="hold">
-                                          <p:stCondLst>
-                                            <p:cond delay="0"/>
-                                          </p:stCondLst>
-                                        </p:cTn>
-                                        <p:tgtEl>
-                                          <p:spTgt spid="2">
-                                            <p:txEl>
-                                              <p:pRg st="1" end="1"/>
-                                            </p:txEl>
-                                          </p:spTgt>
-                                        </p:tgtEl>
-                                        <p:attrNameLst>
-                                          <p:attrName>style.visibility</p:attrName>
-                                        </p:attrNameLst>
-                                      </p:cBhvr>
-                                      <p:to>
-                                        <p:strVal val="visible"/>
-                                      </p:to>
-                                    </p:set>
-                                  </p:childTnLst>
-                                </p:cTn>
-                              </p:par>
-                              <p:par>
-                                <p:cTn id="9" presetID="1" presetClass="entr" presetSubtype="0" fill="hold" grpId="0" nodeType="withEffect">
-                                  <p:stCondLst>
-                                    <p:cond delay="0"/>
-                                  </p:stCondLst>
-                                  <p:childTnLst>
-                                    <p:set>
-                                      <p:cBhvr>
-                                        <p:cTn id="10" dur="1" fill="hold">
-                                          <p:stCondLst>
-                                            <p:cond delay="0"/>
-                                          </p:stCondLst>
-                                        </p:cTn>
-                                        <p:tgtEl>
-                                          <p:spTgt spid="2">
-                                            <p:txEl>
-                                              <p:pRg st="2" end="2"/>
-                                            </p:txEl>
-                                          </p:spTgt>
-                                        </p:tgtEl>
-                                        <p:attrNameLst>
-                                          <p:attrName>style.visibility</p:attrName>
-                                        </p:attrNameLst>
-                                      </p:cBhvr>
-                                      <p:to>
-                                        <p:strVal val="visible"/>
-                                      </p:to>
-                                    </p:set>
-                                  </p:childTnLst>
-                                </p:cTn>
-                              </p:par>
-                              <p:par>
-                                <p:cTn id="11" presetID="1" presetClass="entr" presetSubtype="0" fill="hold" grpId="0" nodeType="withEffect">
-                                  <p:stCondLst>
-                                    <p:cond delay="0"/>
-                                  </p:stCondLst>
-                                  <p:childTnLst>
-                                    <p:set>
-                                      <p:cBhvr>
-                                        <p:cTn id="12" dur="1" fill="hold">
-                                          <p:stCondLst>
-                                            <p:cond delay="0"/>
-                                          </p:stCondLst>
-                                        </p:cTn>
-                                        <p:tgtEl>
-                                          <p:spTgt spid="2">
-                                            <p:txEl>
-                                              <p:pRg st="3" end="3"/>
-                                            </p:txEl>
-                                          </p:spTgt>
-                                        </p:tgtEl>
-                                        <p:attrNameLst>
-                                          <p:attrName>style.visibility</p:attrName>
-                                        </p:attrNameLst>
-                                      </p:cBhvr>
-                                      <p:to>
-                                        <p:strVal val="visible"/>
-                                      </p:to>
-                                    </p:set>
-                                  </p:childTnLst>
-                                </p:cTn>
-                              </p:par>
-                            </p:childTnLst>
-                          </p:cTn>
-                        </p:par>
-                      </p:childTnLst>
-                    </p:cTn>
-                  </p:par>
-                  <p:par>
-                    <p:cTn id="13" fill="hold">
-                      <p:stCondLst>
-                        <p:cond delay="indefinite"/>
-                      </p:stCondLst>
-                      <p:childTnLst>
-                        <p:par>
-                          <p:cTn id="14" fill="hold">
-                            <p:stCondLst>
-                              <p:cond delay="0"/>
-                            </p:stCondLst>
-                            <p:childTnLst>
-                              <p:par>
-                                <p:cTn id="15" presetID="1" presetClass="entr" presetSubtype="0" fill="hold" grpId="0" nodeType="clickEffect">
-                                  <p:stCondLst>
-                                    <p:cond delay="0"/>
-                                  </p:stCondLst>
-                                  <p:childTnLst>
-                                    <p:set>
-                                      <p:cBhvr>
-                                        <p:cTn id="16" dur="1" fill="hold">
-                                          <p:stCondLst>
-                                            <p:cond delay="0"/>
-                                          </p:stCondLst>
-                                        </p:cTn>
-                                        <p:tgtEl>
-                                          <p:spTgt spid="2">
-                                            <p:txEl>
-                                              <p:pRg st="5" end="5"/>
-                                            </p:txEl>
-                                          </p:spTgt>
-                                        </p:tgtEl>
-                                        <p:attrNameLst>
-                                          <p:attrName>style.visibility</p:attrName>
-                                        </p:attrNameLst>
-                                      </p:cBhvr>
-                                      <p:to>
-                                        <p:strVal val="visible"/>
-                                      </p:to>
-                                    </p:set>
-                                  </p:childTnLst>
-                                </p:cTn>
-                              </p:par>
-                            </p:childTnLst>
-                          </p:cTn>
-                        </p:par>
-                      </p:childTnLst>
-                    </p:cTn>
-                  </p:par>
-                  <p:par>
-                    <p:cTn id="17" fill="hold">
-                      <p:stCondLst>
-                        <p:cond delay="indefinite"/>
-                      </p:stCondLst>
-                      <p:childTnLst>
-                        <p:par>
-                          <p:cTn id="18" fill="hold">
-                            <p:stCondLst>
-                              <p:cond delay="0"/>
-                            </p:stCondLst>
-                            <p:childTnLst>
-                              <p:par>
-                                <p:cTn id="19" presetID="1" presetClass="entr" presetSubtype="0" fill="hold" grpId="0" nodeType="clickEffect">
-                                  <p:stCondLst>
-                                    <p:cond delay="0"/>
-                                  </p:stCondLst>
-                                  <p:childTnLst>
-                                    <p:set>
-                                      <p:cBhvr>
-                                        <p:cTn id="20" dur="1" fill="hold">
-                                          <p:stCondLst>
-                                            <p:cond delay="0"/>
-                                          </p:stCondLst>
-                                        </p:cTn>
-                                        <p:tgtEl>
-                                          <p:spTgt spid="2">
-                                            <p:txEl>
-                                              <p:pRg st="6" end="6"/>
-                                            </p:txEl>
-                                          </p:spTgt>
-                                        </p:tgtEl>
-                                        <p:attrNameLst>
-                                          <p:attrName>style.visibility</p:attrName>
-                                        </p:attrNameLst>
-                                      </p:cBhvr>
-                                      <p:to>
-                                        <p:strVal val="visible"/>
-                                      </p:to>
-                                    </p:set>
-                                  </p:childTnLst>
-                                </p:cTn>
-                              </p:par>
-                            </p:childTnLst>
-                          </p:cTn>
-                        </p:par>
-                      </p:childTnLst>
-                    </p:cTn>
-                  </p:par>
-                  <p:par>
-                    <p:cTn id="21" fill="hold">
-                      <p:stCondLst>
-                        <p:cond delay="indefinite"/>
-                      </p:stCondLst>
-                      <p:childTnLst>
-                        <p:par>
-                          <p:cTn id="22" fill="hold">
-                            <p:stCondLst>
-                              <p:cond delay="0"/>
-                            </p:stCondLst>
-                            <p:childTnLst>
-                              <p:par>
-                                <p:cTn id="23" presetID="1" presetClass="entr" presetSubtype="0" fill="hold" grpId="0" nodeType="clickEffect">
-                                  <p:stCondLst>
-                                    <p:cond delay="0"/>
-                                  </p:stCondLst>
-                                  <p:childTnLst>
-                                    <p:set>
-                                      <p:cBhvr>
-                                        <p:cTn id="24" dur="1" fill="hold">
-                                          <p:stCondLst>
-                                            <p:cond delay="0"/>
-                                          </p:stCondLst>
-                                        </p:cTn>
-                                        <p:tgtEl>
-                                          <p:spTgt spid="2">
-                                            <p:txEl>
-                                              <p:pRg st="7" end="7"/>
-                                            </p:txEl>
-                                          </p:spTgt>
-                                        </p:tgtEl>
-                                        <p:attrNameLst>
-                                          <p:attrName>style.visibility</p:attrName>
-                                        </p:attrNameLst>
-                                      </p:cBhvr>
-                                      <p:to>
-                                        <p:strVal val="visible"/>
-                                      </p:to>
-                                    </p:set>
-                                  </p:childTnLst>
-                                </p:cTn>
-                              </p:par>
-                            </p:childTnLst>
-                          </p:cTn>
-                        </p:par>
-                      </p:childTnLst>
-                    </p:cTn>
-                  </p:par>
-                </p:childTnLst>
-              </p:cTn>
-              <p:prevCondLst>
-                <p:cond evt="onPrev" delay="0">
-                  <p:tgtEl>
-                    <p:sldTgt/>
-                  </p:tgtEl>
-                </p:cond>
-              </p:prevCondLst>
-              <p:nextCondLst>
-                <p:cond evt="onNext" delay="0">
-                  <p:tgtEl>
-                    <p:sldTgt/>
-                  </p:tgtEl>
-                </p:cond>
-              </p:nextCondLst>
-            </p:seq>
-          </p:childTnLst>
-        </p:cTn>
-      </p:par>
-    </p:tnLst>
-    <p:bldLst>
-      <p:bldP spid="2" grpId="0" uiExpand="1" build="p"/>
-    </p:bldLst>
-  </p:timing>
-</p:sld>
-</file>
-
-<file path=ppt/slides/slide13.xml><?xml version="1.0" encoding="utf-8"?>
-<p:sld xmlns:a="http://schemas.openxmlformats.org/drawingml/2006/main" xmlns:r="http://schemas.openxmlformats.org/officeDocument/2006/relationships" xmlns:p="http://schemas.openxmlformats.org/presentationml/2006/main">
-  <p:cSld>
-    <p:spTree>
-      <p:nvGrpSpPr>
-        <p:cNvPr id="1" name=""/>
-        <p:cNvGrpSpPr/>
-        <p:nvPr/>
-      </p:nvGrpSpPr>
-      <p:grpSpPr>
-        <a:xfrm>
-          <a:off x="0" y="0"/>
-          <a:ext cx="0" cy="0"/>
-          <a:chOff x="0" y="0"/>
-          <a:chExt cx="0" cy="0"/>
-        </a:xfrm>
-      </p:grpSpPr>
-      <p:sp>
-        <p:nvSpPr>
-          <p:cNvPr id="2" name="Content Placeholder 1"/>
-          <p:cNvSpPr>
-            <a:spLocks noGrp="1"/>
-          </p:cNvSpPr>
-          <p:nvPr>
-            <p:ph idx="1"/>
-          </p:nvPr>
-        </p:nvSpPr>
-        <p:spPr>
-          <a:xfrm>
-            <a:off x="611560" y="1600201"/>
-            <a:ext cx="7920880" cy="4525963"/>
-          </a:xfrm>
-        </p:spPr>
-        <p:txBody>
-          <a:bodyPr>
-            <a:noAutofit/>
-          </a:bodyPr>
-          <a:lstStyle/>
-          <a:p>
-            <a:r>
-              <a:rPr lang="en-US" sz="2300" dirty="0"/>
-              <a:t>Basic </a:t>
-            </a:r>
-            <a:r>
-              <a:rPr lang="en-US" sz="2300" dirty="0" err="1"/>
-              <a:t>auth</a:t>
-            </a:r>
-            <a:r>
-              <a:rPr lang="en-US" sz="2300" dirty="0"/>
-              <a:t> grid protection can be implemented for deploying </a:t>
-            </a:r>
-            <a:r>
-              <a:rPr lang="en-US" sz="2300" dirty="0" err="1"/>
-              <a:t>Zalenium</a:t>
-            </a:r>
-            <a:r>
-              <a:rPr lang="en-US" sz="2300" dirty="0"/>
-              <a:t> in the cloud.</a:t>
-            </a:r>
-          </a:p>
-          <a:p>
-            <a:endParaRPr lang="en-US" sz="2300" dirty="0"/>
-          </a:p>
-          <a:p>
-            <a:r>
-              <a:rPr lang="en-US" sz="2300" dirty="0" err="1"/>
-              <a:t>Zalenium</a:t>
-            </a:r>
-            <a:r>
-              <a:rPr lang="en-US" sz="2300" dirty="0"/>
-              <a:t> start/stop can be streamlined into one curl command </a:t>
-            </a:r>
-          </a:p>
-          <a:p>
-            <a:pPr lvl="1"/>
-            <a:r>
-              <a:rPr lang="en-GB" i="1" dirty="0"/>
-              <a:t>curl -</a:t>
-            </a:r>
-            <a:r>
-              <a:rPr lang="en-GB" i="1" dirty="0" err="1"/>
-              <a:t>sSL</a:t>
-            </a:r>
-            <a:r>
-              <a:rPr lang="en-GB" i="1" dirty="0"/>
-              <a:t> https://</a:t>
-            </a:r>
-            <a:r>
-              <a:rPr lang="en-GB" i="1" dirty="0" err="1"/>
-              <a:t>raw.githubusercontent.com</a:t>
-            </a:r>
-            <a:r>
-              <a:rPr lang="en-GB" i="1" dirty="0"/>
-              <a:t>/</a:t>
-            </a:r>
-            <a:r>
-              <a:rPr lang="en-GB" i="1" dirty="0" err="1"/>
-              <a:t>dosel</a:t>
-            </a:r>
-            <a:r>
-              <a:rPr lang="en-GB" i="1" dirty="0"/>
-              <a:t>/t/</a:t>
-            </a:r>
-            <a:r>
-              <a:rPr lang="en-GB" i="1" dirty="0" err="1"/>
-              <a:t>i</a:t>
-            </a:r>
-            <a:r>
-              <a:rPr lang="en-GB" i="1" dirty="0"/>
-              <a:t>/p | bash -s start </a:t>
-            </a:r>
-          </a:p>
-          <a:p>
-            <a:pPr lvl="1"/>
-            <a:r>
-              <a:rPr lang="en-GB" i="1" dirty="0"/>
-              <a:t>curl -</a:t>
-            </a:r>
-            <a:r>
-              <a:rPr lang="en-GB" i="1" dirty="0" err="1"/>
-              <a:t>sSL</a:t>
-            </a:r>
-            <a:r>
-              <a:rPr lang="en-GB" i="1" dirty="0"/>
-              <a:t> https://</a:t>
-            </a:r>
-            <a:r>
-              <a:rPr lang="en-GB" i="1" dirty="0" err="1"/>
-              <a:t>raw.githubusercontent.com</a:t>
-            </a:r>
-            <a:r>
-              <a:rPr lang="en-GB" i="1" dirty="0"/>
-              <a:t>/</a:t>
-            </a:r>
-            <a:r>
-              <a:rPr lang="en-GB" i="1" dirty="0" err="1"/>
-              <a:t>dosel</a:t>
-            </a:r>
-            <a:r>
-              <a:rPr lang="en-GB" i="1" dirty="0"/>
-              <a:t>/t/</a:t>
-            </a:r>
-            <a:r>
-              <a:rPr lang="en-GB" i="1" dirty="0" err="1"/>
-              <a:t>i</a:t>
-            </a:r>
-            <a:r>
-              <a:rPr lang="en-GB" i="1" dirty="0"/>
-              <a:t>/p | bash -s stop</a:t>
-            </a:r>
-            <a:endParaRPr lang="en-GB" sz="2400" i="1" dirty="0"/>
-          </a:p>
-          <a:p>
-            <a:endParaRPr lang="en-GB" sz="2400" i="1" dirty="0"/>
-          </a:p>
-          <a:p>
-            <a:r>
-              <a:rPr lang="en-GB" sz="2400" dirty="0"/>
-              <a:t>Set CPU/memory limits, output logs to JSON, set browser screen width/height, time zones and much more…</a:t>
-            </a:r>
-            <a:br>
-              <a:rPr lang="en-GB" sz="2400" dirty="0"/>
-            </a:br>
-            <a:br>
-              <a:rPr lang="en-US" sz="2300" dirty="0"/>
-            </a:br>
-            <a:br>
-              <a:rPr lang="en-US" sz="2300" dirty="0"/>
-            </a:br>
-            <a:br>
-              <a:rPr lang="en-US" sz="2300" dirty="0"/>
-            </a:br>
-            <a:endParaRPr lang="en-US" sz="2300" dirty="0"/>
-          </a:p>
-          <a:p>
-            <a:pPr marL="914400" lvl="2" indent="0">
-              <a:buNone/>
-            </a:pPr>
-            <a:endParaRPr lang="en-US" sz="2300" dirty="0"/>
-          </a:p>
-        </p:txBody>
-      </p:sp>
-      <p:sp>
-        <p:nvSpPr>
-          <p:cNvPr id="3" name="Footer Placeholder 2"/>
-          <p:cNvSpPr>
-            <a:spLocks noGrp="1"/>
-          </p:cNvSpPr>
-          <p:nvPr>
-            <p:ph type="ftr" sz="quarter" idx="3"/>
-          </p:nvPr>
-        </p:nvSpPr>
-        <p:spPr/>
-        <p:txBody>
-          <a:bodyPr/>
-          <a:lstStyle/>
-          <a:p>
-            <a:r>
-              <a:rPr lang="en-GB" sz="1600" dirty="0"/>
-              <a:t>#</a:t>
-            </a:r>
-            <a:r>
-              <a:rPr lang="en-GB" sz="1600" dirty="0" err="1"/>
-              <a:t>DevOpsPlayground</a:t>
-            </a:r>
-            <a:endParaRPr lang="en-GB" sz="1600" dirty="0"/>
-          </a:p>
-        </p:txBody>
-      </p:sp>
-      <p:sp>
-        <p:nvSpPr>
-          <p:cNvPr id="4" name="TextBox 3"/>
-          <p:cNvSpPr txBox="1"/>
-          <p:nvPr/>
-        </p:nvSpPr>
-        <p:spPr>
-          <a:xfrm>
-            <a:off x="611560" y="692696"/>
-            <a:ext cx="7920880" cy="523220"/>
-          </a:xfrm>
-          <a:prstGeom prst="rect">
-            <a:avLst/>
-          </a:prstGeom>
-          <a:noFill/>
-        </p:spPr>
-        <p:txBody>
-          <a:bodyPr wrap="square" rtlCol="0">
-            <a:spAutoFit/>
-          </a:bodyPr>
-          <a:lstStyle/>
-          <a:p>
-            <a:r>
-              <a:rPr lang="en-GB" sz="2800" dirty="0">
-                <a:solidFill>
-                  <a:srgbClr val="0070B7"/>
-                </a:solidFill>
-                <a:latin typeface="Arial" panose="020B0604020202020204" pitchFamily="34" charset="0"/>
-                <a:cs typeface="Arial" panose="020B0604020202020204" pitchFamily="34" charset="0"/>
-              </a:rPr>
-              <a:t>What else can be customised?</a:t>
-            </a:r>
-          </a:p>
-        </p:txBody>
-      </p:sp>
-    </p:spTree>
-    <p:extLst>
-      <p:ext uri="{BB962C8B-B14F-4D97-AF65-F5344CB8AC3E}">
-        <p14:creationId xmlns:p14="http://schemas.microsoft.com/office/powerpoint/2010/main" val="199186152"/>
-      </p:ext>
-    </p:extLst>
-  </p:cSld>
-  <p:clrMapOvr>
-    <a:masterClrMapping/>
-  </p:clrMapOvr>
-  <p:timing>
-    <p:tnLst>
-      <p:par>
-        <p:cTn id="1" dur="indefinite" restart="never" nodeType="tmRoot">
-          <p:childTnLst>
-            <p:seq concurrent="1" nextAc="seek">
-              <p:cTn id="2" dur="indefinite" nodeType="mainSeq">
-                <p:childTnLst>
-                  <p:par>
-                    <p:cTn id="3" fill="hold">
-                      <p:stCondLst>
-                        <p:cond delay="indefinite"/>
-                      </p:stCondLst>
-                      <p:childTnLst>
-                        <p:par>
-                          <p:cTn id="4" fill="hold">
-                            <p:stCondLst>
-                              <p:cond delay="0"/>
-                            </p:stCondLst>
-                            <p:childTnLst>
-                              <p:par>
-                                <p:cTn id="5" presetID="1" presetClass="entr" presetSubtype="0" fill="hold" grpId="0" nodeType="clickEffect">
-                                  <p:stCondLst>
-                                    <p:cond delay="0"/>
-                                  </p:stCondLst>
-                                  <p:childTnLst>
-                                    <p:set>
-                                      <p:cBhvr>
-                                        <p:cTn id="6" dur="1" fill="hold">
-                                          <p:stCondLst>
-                                            <p:cond delay="0"/>
-                                          </p:stCondLst>
-                                        </p:cTn>
-                                        <p:tgtEl>
-                                          <p:spTgt spid="2">
-                                            <p:txEl>
-                                              <p:pRg st="0" end="0"/>
-                                            </p:txEl>
-                                          </p:spTgt>
-                                        </p:tgtEl>
-                                        <p:attrNameLst>
-                                          <p:attrName>style.visibility</p:attrName>
-                                        </p:attrNameLst>
-                                      </p:cBhvr>
-                                      <p:to>
-                                        <p:strVal val="visible"/>
-                                      </p:to>
-                                    </p:set>
-                                  </p:childTnLst>
-                                </p:cTn>
-                              </p:par>
-                            </p:childTnLst>
-                          </p:cTn>
-                        </p:par>
-                      </p:childTnLst>
-                    </p:cTn>
-                  </p:par>
-                  <p:par>
-                    <p:cTn id="7" fill="hold">
-                      <p:stCondLst>
-                        <p:cond delay="indefinite"/>
-                      </p:stCondLst>
-                      <p:childTnLst>
-                        <p:par>
-                          <p:cTn id="8" fill="hold">
-                            <p:stCondLst>
-                              <p:cond delay="0"/>
-                            </p:stCondLst>
-                            <p:childTnLst>
-                              <p:par>
-                                <p:cTn id="9" presetID="1" presetClass="entr" presetSubtype="0" fill="hold" grpId="0" nodeType="clickEffect">
-                                  <p:stCondLst>
-                                    <p:cond delay="0"/>
-                                  </p:stCondLst>
-                                  <p:childTnLst>
-                                    <p:set>
-                                      <p:cBhvr>
-                                        <p:cTn id="10" dur="1" fill="hold">
-                                          <p:stCondLst>
-                                            <p:cond delay="0"/>
-                                          </p:stCondLst>
-                                        </p:cTn>
-                                        <p:tgtEl>
-                                          <p:spTgt spid="2">
-                                            <p:txEl>
-                                              <p:pRg st="2" end="2"/>
-                                            </p:txEl>
-                                          </p:spTgt>
-                                        </p:tgtEl>
-                                        <p:attrNameLst>
-                                          <p:attrName>style.visibility</p:attrName>
-                                        </p:attrNameLst>
-                                      </p:cBhvr>
-                                      <p:to>
-                                        <p:strVal val="visible"/>
-                                      </p:to>
-                                    </p:set>
-                                  </p:childTnLst>
-                                </p:cTn>
-                              </p:par>
-                              <p:par>
-                                <p:cTn id="11" presetID="1" presetClass="entr" presetSubtype="0" fill="hold" grpId="0" nodeType="withEffect">
-                                  <p:stCondLst>
-                                    <p:cond delay="0"/>
-                                  </p:stCondLst>
-                                  <p:childTnLst>
-                                    <p:set>
-                                      <p:cBhvr>
-                                        <p:cTn id="12" dur="1" fill="hold">
-                                          <p:stCondLst>
-                                            <p:cond delay="0"/>
-                                          </p:stCondLst>
-                                        </p:cTn>
-                                        <p:tgtEl>
-                                          <p:spTgt spid="2">
-                                            <p:txEl>
-                                              <p:pRg st="3" end="3"/>
-                                            </p:txEl>
-                                          </p:spTgt>
-                                        </p:tgtEl>
-                                        <p:attrNameLst>
-                                          <p:attrName>style.visibility</p:attrName>
-                                        </p:attrNameLst>
-                                      </p:cBhvr>
-                                      <p:to>
-                                        <p:strVal val="visible"/>
-                                      </p:to>
-                                    </p:set>
-                                  </p:childTnLst>
-                                </p:cTn>
-                              </p:par>
-                              <p:par>
-                                <p:cTn id="13" presetID="1" presetClass="entr" presetSubtype="0" fill="hold" grpId="0" nodeType="withEffect">
-                                  <p:stCondLst>
-                                    <p:cond delay="0"/>
-                                  </p:stCondLst>
-                                  <p:childTnLst>
-                                    <p:set>
-                                      <p:cBhvr>
-                                        <p:cTn id="14" dur="1" fill="hold">
-                                          <p:stCondLst>
-                                            <p:cond delay="0"/>
-                                          </p:stCondLst>
-                                        </p:cTn>
-                                        <p:tgtEl>
-                                          <p:spTgt spid="2">
-                                            <p:txEl>
-                                              <p:pRg st="4" end="4"/>
-                                            </p:txEl>
-                                          </p:spTgt>
-                                        </p:tgtEl>
-                                        <p:attrNameLst>
-                                          <p:attrName>style.visibility</p:attrName>
-                                        </p:attrNameLst>
-                                      </p:cBhvr>
-                                      <p:to>
-                                        <p:strVal val="visible"/>
-                                      </p:to>
-                                    </p:set>
-                                  </p:childTnLst>
-                                </p:cTn>
-                              </p:par>
-                            </p:childTnLst>
-                          </p:cTn>
-                        </p:par>
-                      </p:childTnLst>
-                    </p:cTn>
-                  </p:par>
-                  <p:par>
-                    <p:cTn id="15" fill="hold">
-                      <p:stCondLst>
-                        <p:cond delay="indefinite"/>
-                      </p:stCondLst>
-                      <p:childTnLst>
-                        <p:par>
-                          <p:cTn id="16" fill="hold">
-                            <p:stCondLst>
-                              <p:cond delay="0"/>
-                            </p:stCondLst>
-                            <p:childTnLst>
-                              <p:par>
-                                <p:cTn id="17" presetID="1" presetClass="entr" presetSubtype="0" fill="hold" grpId="0" nodeType="clickEffect">
-                                  <p:stCondLst>
-                                    <p:cond delay="0"/>
-                                  </p:stCondLst>
-                                  <p:childTnLst>
-                                    <p:set>
-                                      <p:cBhvr>
-                                        <p:cTn id="18" dur="1" fill="hold">
-                                          <p:stCondLst>
-                                            <p:cond delay="0"/>
-                                          </p:stCondLst>
-                                        </p:cTn>
-                                        <p:tgtEl>
-                                          <p:spTgt spid="2">
-                                            <p:txEl>
-                                              <p:pRg st="6" end="6"/>
-                                            </p:txEl>
-                                          </p:spTgt>
-                                        </p:tgtEl>
-                                        <p:attrNameLst>
-                                          <p:attrName>style.visibility</p:attrName>
-                                        </p:attrNameLst>
-                                      </p:cBhvr>
-                                      <p:to>
-                                        <p:strVal val="visible"/>
-                                      </p:to>
-                                    </p:set>
-                                  </p:childTnLst>
-                                </p:cTn>
-                              </p:par>
-                            </p:childTnLst>
-                          </p:cTn>
-                        </p:par>
-                      </p:childTnLst>
-                    </p:cTn>
-                  </p:par>
-                </p:childTnLst>
-              </p:cTn>
-              <p:prevCondLst>
-                <p:cond evt="onPrev" delay="0">
-                  <p:tgtEl>
-                    <p:sldTgt/>
-                  </p:tgtEl>
-                </p:cond>
-              </p:prevCondLst>
-              <p:nextCondLst>
-                <p:cond evt="onNext" delay="0">
-                  <p:tgtEl>
-                    <p:sldTgt/>
-                  </p:tgtEl>
-                </p:cond>
-              </p:nextCondLst>
-            </p:seq>
-          </p:childTnLst>
-        </p:cTn>
-      </p:par>
-    </p:tnLst>
-    <p:bldLst>
-      <p:bldP spid="2" grpId="0" build="p"/>
-    </p:bldLst>
-  </p:timing>
-</p:sld>
-</file>
-
-<file path=ppt/slides/slide14.xml><?xml version="1.0" encoding="utf-8"?>
-<p:sld xmlns:a="http://schemas.openxmlformats.org/drawingml/2006/main" xmlns:r="http://schemas.openxmlformats.org/officeDocument/2006/relationships" xmlns:p="http://schemas.openxmlformats.org/presentationml/2006/main">
-  <p:cSld>
-    <p:spTree>
-      <p:nvGrpSpPr>
-        <p:cNvPr id="1" name=""/>
-        <p:cNvGrpSpPr/>
-        <p:nvPr/>
-      </p:nvGrpSpPr>
-      <p:grpSpPr>
-        <a:xfrm>
-          <a:off x="0" y="0"/>
-          <a:ext cx="0" cy="0"/>
-          <a:chOff x="0" y="0"/>
-          <a:chExt cx="0" cy="0"/>
-        </a:xfrm>
-      </p:grpSpPr>
-      <p:sp>
-        <p:nvSpPr>
-          <p:cNvPr id="2" name="Footer Placeholder 1"/>
-          <p:cNvSpPr>
-            <a:spLocks noGrp="1"/>
-          </p:cNvSpPr>
-          <p:nvPr>
-            <p:ph type="ftr" sz="quarter" idx="11"/>
-          </p:nvPr>
-        </p:nvSpPr>
-        <p:spPr/>
-        <p:txBody>
-          <a:bodyPr/>
-          <a:lstStyle/>
-          <a:p>
-            <a:r>
-              <a:rPr lang="en-GB" sz="1600" dirty="0"/>
-              <a:t>#</a:t>
-            </a:r>
-            <a:r>
-              <a:rPr lang="en-GB" sz="1600" dirty="0" err="1"/>
-              <a:t>DevOpsPlayground</a:t>
-            </a:r>
-            <a:endParaRPr lang="en-GB" sz="1600" dirty="0"/>
-          </a:p>
-        </p:txBody>
-      </p:sp>
-      <p:sp>
-        <p:nvSpPr>
-          <p:cNvPr id="3" name="Text Placeholder 2"/>
-          <p:cNvSpPr>
-            <a:spLocks noGrp="1"/>
-          </p:cNvSpPr>
-          <p:nvPr>
-            <p:ph type="body" idx="13"/>
-          </p:nvPr>
-        </p:nvSpPr>
-        <p:spPr/>
-        <p:txBody>
-          <a:bodyPr/>
-          <a:lstStyle/>
-          <a:p>
-            <a:r>
-              <a:rPr lang="en-GB" dirty="0"/>
-              <a:t>Thank You</a:t>
-            </a:r>
-          </a:p>
-        </p:txBody>
-      </p:sp>
-      <p:sp>
-        <p:nvSpPr>
-          <p:cNvPr id="4" name="Title 5"/>
-          <p:cNvSpPr txBox="1">
-            <a:spLocks/>
-          </p:cNvSpPr>
-          <p:nvPr/>
-        </p:nvSpPr>
-        <p:spPr>
-          <a:xfrm>
-            <a:off x="539552" y="5661248"/>
-            <a:ext cx="7772400" cy="345281"/>
-          </a:xfrm>
-          <a:prstGeom prst="rect">
-            <a:avLst/>
-          </a:prstGeom>
-        </p:spPr>
-        <p:txBody>
-          <a:bodyPr vert="horz" lIns="91440" tIns="45720" rIns="91440" bIns="45720" rtlCol="0" anchor="ctr">
-            <a:normAutofit fontScale="85000" lnSpcReduction="20000"/>
-          </a:bodyPr>
-          <a:lstStyle>
-            <a:lvl1pPr algn="l" defTabSz="914400" rtl="0" eaLnBrk="1" latinLnBrk="0" hangingPunct="1">
-              <a:spcBef>
-                <a:spcPct val="0"/>
-              </a:spcBef>
-              <a:buNone/>
-              <a:defRPr sz="4000" kern="1200">
-                <a:solidFill>
-                  <a:schemeClr val="bg1"/>
-                </a:solidFill>
-                <a:latin typeface="Arial" panose="020B0604020202020204" pitchFamily="34" charset="0"/>
-                <a:ea typeface="+mj-ea"/>
-                <a:cs typeface="Arial" panose="020B0604020202020204" pitchFamily="34" charset="0"/>
-              </a:defRPr>
-            </a:lvl1pPr>
-          </a:lstStyle>
-          <a:p>
-            <a:r>
-              <a:rPr lang="en-GB" sz="2400" dirty="0"/>
-              <a:t>Ali Hill, Hammad </a:t>
-            </a:r>
-            <a:r>
-              <a:rPr lang="en-GB" sz="2400" dirty="0" err="1"/>
-              <a:t>Chandio</a:t>
-            </a:r>
-            <a:r>
-              <a:rPr lang="en-GB" sz="2400" dirty="0"/>
-              <a:t>, Farhan Shaikh</a:t>
-            </a:r>
-          </a:p>
-        </p:txBody>
-      </p:sp>
-      <p:pic>
-        <p:nvPicPr>
-          <p:cNvPr id="6" name="Picture 5">
-            <a:extLst>
-              <a:ext uri="{FF2B5EF4-FFF2-40B4-BE49-F238E27FC236}">
-                <a16:creationId xmlns:a16="http://schemas.microsoft.com/office/drawing/2014/main" id="{AFC81AFD-59B1-1547-8B68-C03A1AA21FAD}"/>
-              </a:ext>
-            </a:extLst>
-          </p:cNvPr>
-          <p:cNvPicPr>
-            <a:picLocks noChangeAspect="1"/>
-          </p:cNvPicPr>
-          <p:nvPr/>
-        </p:nvPicPr>
-        <p:blipFill>
-          <a:blip r:embed="rId2">
-            <a:extLst>
-              <a:ext uri="{28A0092B-C50C-407E-A947-70E740481C1C}">
-                <a14:useLocalDpi xmlns:a14="http://schemas.microsoft.com/office/drawing/2010/main" val="0"/>
-              </a:ext>
-            </a:extLst>
-          </a:blip>
-          <a:stretch>
-            <a:fillRect/>
-          </a:stretch>
-        </p:blipFill>
-        <p:spPr>
-          <a:xfrm>
-            <a:off x="2801506" y="2820296"/>
-            <a:ext cx="5818698" cy="2491130"/>
-          </a:xfrm>
-          <a:prstGeom prst="rect">
-            <a:avLst/>
-          </a:prstGeom>
-        </p:spPr>
-      </p:pic>
-      <p:pic>
-        <p:nvPicPr>
-          <p:cNvPr id="8" name="Picture 7">
-            <a:extLst>
-              <a:ext uri="{FF2B5EF4-FFF2-40B4-BE49-F238E27FC236}">
-                <a16:creationId xmlns:a16="http://schemas.microsoft.com/office/drawing/2014/main" id="{ADAE0AD4-F82D-C04F-84B2-1463927F637A}"/>
-              </a:ext>
-            </a:extLst>
-          </p:cNvPr>
-          <p:cNvPicPr>
-            <a:picLocks noChangeAspect="1"/>
-          </p:cNvPicPr>
-          <p:nvPr/>
-        </p:nvPicPr>
-        <p:blipFill>
-          <a:blip r:embed="rId3">
-            <a:extLst>
-              <a:ext uri="{28A0092B-C50C-407E-A947-70E740481C1C}">
-                <a14:useLocalDpi xmlns:a14="http://schemas.microsoft.com/office/drawing/2010/main" val="0"/>
-              </a:ext>
-            </a:extLst>
-          </a:blip>
-          <a:stretch>
-            <a:fillRect/>
-          </a:stretch>
-        </p:blipFill>
-        <p:spPr>
-          <a:xfrm>
-            <a:off x="3235530" y="531786"/>
-            <a:ext cx="5244986" cy="2197816"/>
-          </a:xfrm>
-          <a:prstGeom prst="rect">
-            <a:avLst/>
-          </a:prstGeom>
-        </p:spPr>
-      </p:pic>
-    </p:spTree>
-    <p:extLst>
-      <p:ext uri="{BB962C8B-B14F-4D97-AF65-F5344CB8AC3E}">
-        <p14:creationId xmlns:p14="http://schemas.microsoft.com/office/powerpoint/2010/main" val="2079933839"/>
-      </p:ext>
-    </p:extLst>
-  </p:cSld>
-  <p:clrMapOvr>
-    <a:masterClrMapping/>
-  </p:clrMapOvr>
-</p:sld>
-</file>
-
-<file path=ppt/slides/slide2.xml><?xml version="1.0" encoding="utf-8"?>
-<p:sld xmlns:a="http://schemas.openxmlformats.org/drawingml/2006/main" xmlns:r="http://schemas.openxmlformats.org/officeDocument/2006/relationships" xmlns:p="http://schemas.openxmlformats.org/presentationml/2006/main">
-  <p:cSld>
-    <p:spTree>
-      <p:nvGrpSpPr>
-        <p:cNvPr id="1" name=""/>
-        <p:cNvGrpSpPr/>
-        <p:nvPr/>
-      </p:nvGrpSpPr>
-      <p:grpSpPr>
-        <a:xfrm>
-          <a:off x="0" y="0"/>
-          <a:ext cx="0" cy="0"/>
-          <a:chOff x="0" y="0"/>
-          <a:chExt cx="0" cy="0"/>
-        </a:xfrm>
-      </p:grpSpPr>
-      <p:sp>
-        <p:nvSpPr>
-          <p:cNvPr id="6" name="Title 5"/>
-          <p:cNvSpPr>
-            <a:spLocks noGrp="1"/>
-          </p:cNvSpPr>
-          <p:nvPr>
-            <p:ph type="ctrTitle"/>
-          </p:nvPr>
-        </p:nvSpPr>
-        <p:spPr>
-          <a:xfrm>
-            <a:off x="611560" y="2276872"/>
-            <a:ext cx="7772400" cy="2088232"/>
-          </a:xfrm>
-        </p:spPr>
-        <p:txBody>
-          <a:bodyPr>
-            <a:normAutofit fontScale="90000"/>
-          </a:bodyPr>
-          <a:lstStyle/>
-          <a:p>
-            <a:r>
-              <a:rPr lang="en-GB" dirty="0"/>
-              <a:t>Auto-Scaling Selenium Grid with Docker using </a:t>
-            </a:r>
-            <a:r>
-              <a:rPr lang="en-GB" dirty="0" err="1"/>
-              <a:t>Zalenium</a:t>
-            </a:r>
-            <a:br>
-              <a:rPr lang="en-GB" dirty="0"/>
-            </a:br>
-            <a:br>
-              <a:rPr lang="en-GB" dirty="0"/>
-            </a:br>
-            <a:r>
-              <a:rPr lang="en-GB" sz="2700" dirty="0"/>
-              <a:t>#</a:t>
-            </a:r>
-            <a:r>
-              <a:rPr lang="en-GB" sz="2700" dirty="0" err="1"/>
-              <a:t>DevOpsPlayground</a:t>
-            </a:r>
-            <a:endParaRPr lang="en-GB" sz="2700" dirty="0"/>
-          </a:p>
-        </p:txBody>
-      </p:sp>
-      <p:sp>
-        <p:nvSpPr>
-          <p:cNvPr id="7" name="Title 5"/>
-          <p:cNvSpPr txBox="1">
-            <a:spLocks/>
-          </p:cNvSpPr>
-          <p:nvPr/>
-        </p:nvSpPr>
-        <p:spPr>
-          <a:xfrm>
-            <a:off x="539552" y="5661248"/>
-            <a:ext cx="7772400" cy="345281"/>
-          </a:xfrm>
-          <a:prstGeom prst="rect">
-            <a:avLst/>
-          </a:prstGeom>
-        </p:spPr>
-        <p:txBody>
-          <a:bodyPr vert="horz" lIns="91440" tIns="45720" rIns="91440" bIns="45720" rtlCol="0" anchor="ctr">
-            <a:normAutofit fontScale="85000" lnSpcReduction="20000"/>
-          </a:bodyPr>
-          <a:lstStyle>
-            <a:lvl1pPr algn="l" defTabSz="914400" rtl="0" eaLnBrk="1" latinLnBrk="0" hangingPunct="1">
-              <a:spcBef>
-                <a:spcPct val="0"/>
-              </a:spcBef>
-              <a:buNone/>
-              <a:defRPr sz="4000" kern="1200">
-                <a:solidFill>
-                  <a:schemeClr val="bg1"/>
-                </a:solidFill>
-                <a:latin typeface="Arial" panose="020B0604020202020204" pitchFamily="34" charset="0"/>
-                <a:ea typeface="+mj-ea"/>
-                <a:cs typeface="Arial" panose="020B0604020202020204" pitchFamily="34" charset="0"/>
-              </a:defRPr>
-            </a:lvl1pPr>
-          </a:lstStyle>
-          <a:p>
-            <a:r>
-              <a:rPr lang="en-GB" sz="2400" dirty="0"/>
-              <a:t>Ali Hill, Hammad </a:t>
-            </a:r>
-            <a:r>
-              <a:rPr lang="en-GB" sz="2400" dirty="0" err="1"/>
-              <a:t>Chandio</a:t>
-            </a:r>
-            <a:r>
-              <a:rPr lang="en-GB" sz="2400" dirty="0"/>
-              <a:t>, Farhan Shaikh</a:t>
-            </a:r>
-          </a:p>
-        </p:txBody>
-      </p:sp>
-    </p:spTree>
-    <p:extLst>
-      <p:ext uri="{BB962C8B-B14F-4D97-AF65-F5344CB8AC3E}">
-        <p14:creationId xmlns:p14="http://schemas.microsoft.com/office/powerpoint/2010/main" val="2954165043"/>
-      </p:ext>
-    </p:extLst>
-  </p:cSld>
-  <p:clrMapOvr>
-    <a:masterClrMapping/>
-  </p:clrMapOvr>
-</p:sld>
-</file>
-
-<file path=ppt/slides/slide3.xml><?xml version="1.0" encoding="utf-8"?>
-<p:sld xmlns:a="http://schemas.openxmlformats.org/drawingml/2006/main" xmlns:r="http://schemas.openxmlformats.org/officeDocument/2006/relationships" xmlns:p="http://schemas.openxmlformats.org/presentationml/2006/main">
-  <p:cSld>
-    <p:spTree>
-      <p:nvGrpSpPr>
-        <p:cNvPr id="1" name=""/>
-        <p:cNvGrpSpPr/>
-        <p:nvPr/>
-      </p:nvGrpSpPr>
-      <p:grpSpPr>
-        <a:xfrm>
-          <a:off x="0" y="0"/>
-          <a:ext cx="0" cy="0"/>
-          <a:chOff x="0" y="0"/>
-          <a:chExt cx="0" cy="0"/>
-        </a:xfrm>
-      </p:grpSpPr>
-      <p:sp>
-        <p:nvSpPr>
-          <p:cNvPr id="2" name="Content Placeholder 1"/>
-          <p:cNvSpPr>
-            <a:spLocks noGrp="1"/>
-          </p:cNvSpPr>
-          <p:nvPr>
-            <p:ph idx="1"/>
-          </p:nvPr>
-        </p:nvSpPr>
-        <p:spPr>
-          <a:xfrm>
-            <a:off x="611560" y="1600201"/>
-            <a:ext cx="7920880" cy="4525963"/>
-          </a:xfrm>
-        </p:spPr>
-        <p:txBody>
-          <a:bodyPr>
-            <a:noAutofit/>
-          </a:bodyPr>
-          <a:lstStyle/>
-          <a:p>
-            <a:r>
-              <a:rPr lang="en-US" sz="2300" dirty="0"/>
-              <a:t>Ali Hill</a:t>
-            </a:r>
-          </a:p>
-          <a:p>
-            <a:pPr lvl="1"/>
-            <a:r>
-              <a:rPr lang="en-US" dirty="0"/>
-              <a:t>QA and Continuous Delivery Consultant (Edinburgh)</a:t>
-            </a:r>
-          </a:p>
-          <a:p>
-            <a:pPr lvl="1"/>
-            <a:r>
-              <a:rPr lang="en-US" dirty="0"/>
-              <a:t>Twitter: @ali_hill91 </a:t>
-            </a:r>
-          </a:p>
-          <a:p>
-            <a:endParaRPr lang="en-US" sz="2300" dirty="0"/>
-          </a:p>
-          <a:p>
-            <a:r>
-              <a:rPr lang="en-US" sz="2300" dirty="0"/>
-              <a:t>Hammad </a:t>
-            </a:r>
-            <a:r>
-              <a:rPr lang="en-US" sz="2300" dirty="0" err="1"/>
-              <a:t>Chandio</a:t>
-            </a:r>
-            <a:endParaRPr lang="en-US" sz="2300" dirty="0"/>
-          </a:p>
-          <a:p>
-            <a:pPr lvl="1"/>
-            <a:r>
-              <a:rPr lang="en-US" dirty="0"/>
-              <a:t>QA and Continuous Delivery Consultant (London)</a:t>
-            </a:r>
-          </a:p>
-          <a:p>
-            <a:endParaRPr lang="en-US" sz="2300" dirty="0"/>
-          </a:p>
-          <a:p>
-            <a:r>
-              <a:rPr lang="en-US" sz="2300" dirty="0"/>
-              <a:t>Farhan Shaikh</a:t>
-            </a:r>
-          </a:p>
-          <a:p>
-            <a:pPr lvl="1"/>
-            <a:r>
-              <a:rPr lang="en-US" dirty="0"/>
-              <a:t>QA and Continuous Delivery Consultant (London)</a:t>
-            </a:r>
-          </a:p>
-          <a:p>
-            <a:endParaRPr lang="en-US" sz="2300" dirty="0"/>
-          </a:p>
-        </p:txBody>
-      </p:sp>
-      <p:sp>
-        <p:nvSpPr>
-          <p:cNvPr id="3" name="Footer Placeholder 2"/>
-          <p:cNvSpPr>
-            <a:spLocks noGrp="1"/>
-          </p:cNvSpPr>
-          <p:nvPr>
-            <p:ph type="ftr" sz="quarter" idx="3"/>
-          </p:nvPr>
-        </p:nvSpPr>
-        <p:spPr>
-          <a:xfrm>
-            <a:off x="3124200" y="6356351"/>
-            <a:ext cx="2895600" cy="365125"/>
-          </a:xfrm>
-        </p:spPr>
-        <p:txBody>
-          <a:bodyPr/>
-          <a:lstStyle/>
-          <a:p>
-            <a:r>
-              <a:rPr lang="en-GB" sz="1600"/>
-              <a:t>#DevOpsPlayground</a:t>
-            </a:r>
-            <a:endParaRPr lang="en-GB" sz="1600" dirty="0"/>
-          </a:p>
-        </p:txBody>
-      </p:sp>
-      <p:sp>
-        <p:nvSpPr>
-          <p:cNvPr id="4" name="TextBox 3"/>
-          <p:cNvSpPr txBox="1"/>
-          <p:nvPr/>
-        </p:nvSpPr>
-        <p:spPr>
-          <a:xfrm>
-            <a:off x="611560" y="692696"/>
-            <a:ext cx="7920880" cy="523220"/>
-          </a:xfrm>
-          <a:prstGeom prst="rect">
-            <a:avLst/>
-          </a:prstGeom>
-          <a:noFill/>
-        </p:spPr>
-        <p:txBody>
-          <a:bodyPr wrap="square" rtlCol="0">
-            <a:spAutoFit/>
-          </a:bodyPr>
-          <a:lstStyle/>
-          <a:p>
-            <a:r>
-              <a:rPr lang="en-GB" sz="2800">
-                <a:solidFill>
-                  <a:srgbClr val="0070B7"/>
-                </a:solidFill>
-                <a:latin typeface="Arial" panose="020B0604020202020204" pitchFamily="34" charset="0"/>
-                <a:cs typeface="Arial" panose="020B0604020202020204" pitchFamily="34" charset="0"/>
-              </a:rPr>
-              <a:t>About Us</a:t>
-            </a:r>
-            <a:endParaRPr lang="en-GB" sz="2800" dirty="0">
-              <a:solidFill>
-                <a:srgbClr val="0070B7"/>
-              </a:solidFill>
-              <a:latin typeface="Arial" panose="020B0604020202020204" pitchFamily="34" charset="0"/>
-              <a:cs typeface="Arial" panose="020B0604020202020204" pitchFamily="34" charset="0"/>
-            </a:endParaRPr>
-          </a:p>
-        </p:txBody>
-      </p:sp>
-      <p:pic>
-        <p:nvPicPr>
-          <p:cNvPr id="6" name="Picture 5">
-            <a:extLst>
-              <a:ext uri="{FF2B5EF4-FFF2-40B4-BE49-F238E27FC236}">
-                <a16:creationId xmlns:a16="http://schemas.microsoft.com/office/drawing/2014/main" id="{4923CEB4-8350-6E43-9BF4-39D82C16F2CA}"/>
-              </a:ext>
-            </a:extLst>
-          </p:cNvPr>
-          <p:cNvPicPr>
-            <a:picLocks noChangeAspect="1"/>
-          </p:cNvPicPr>
-          <p:nvPr/>
-        </p:nvPicPr>
-        <p:blipFill>
-          <a:blip r:embed="rId3">
-            <a:extLst>
-              <a:ext uri="{28A0092B-C50C-407E-A947-70E740481C1C}">
-                <a14:useLocalDpi xmlns:a14="http://schemas.microsoft.com/office/drawing/2010/main" val="0"/>
-              </a:ext>
-            </a:extLst>
-          </a:blip>
-          <a:stretch>
-            <a:fillRect/>
-          </a:stretch>
-        </p:blipFill>
-        <p:spPr>
-          <a:xfrm>
-            <a:off x="7293396" y="1370014"/>
-            <a:ext cx="1707304" cy="1707304"/>
-          </a:xfrm>
-          <a:prstGeom prst="rect">
-            <a:avLst/>
-          </a:prstGeom>
-        </p:spPr>
-      </p:pic>
-      <p:pic>
-        <p:nvPicPr>
-          <p:cNvPr id="8" name="Picture 7">
-            <a:extLst>
-              <a:ext uri="{FF2B5EF4-FFF2-40B4-BE49-F238E27FC236}">
-                <a16:creationId xmlns:a16="http://schemas.microsoft.com/office/drawing/2014/main" id="{199FCAF8-314F-BC47-B6CA-AE961E8659F6}"/>
-              </a:ext>
-            </a:extLst>
-          </p:cNvPr>
-          <p:cNvPicPr>
-            <a:picLocks noChangeAspect="1"/>
-          </p:cNvPicPr>
-          <p:nvPr/>
-        </p:nvPicPr>
-        <p:blipFill>
-          <a:blip r:embed="rId4">
-            <a:extLst>
-              <a:ext uri="{28A0092B-C50C-407E-A947-70E740481C1C}">
-                <a14:useLocalDpi xmlns:a14="http://schemas.microsoft.com/office/drawing/2010/main" val="0"/>
-              </a:ext>
-            </a:extLst>
-          </a:blip>
-          <a:stretch>
-            <a:fillRect/>
-          </a:stretch>
-        </p:blipFill>
-        <p:spPr>
-          <a:xfrm>
-            <a:off x="7299726" y="3145850"/>
-            <a:ext cx="1694643" cy="1694643"/>
-          </a:xfrm>
-          <a:prstGeom prst="rect">
-            <a:avLst/>
-          </a:prstGeom>
-        </p:spPr>
-      </p:pic>
-      <p:pic>
-        <p:nvPicPr>
-          <p:cNvPr id="10" name="Picture 9">
-            <a:extLst>
-              <a:ext uri="{FF2B5EF4-FFF2-40B4-BE49-F238E27FC236}">
-                <a16:creationId xmlns:a16="http://schemas.microsoft.com/office/drawing/2014/main" id="{69C3AAA4-3A24-3047-88F7-C7516244C761}"/>
-              </a:ext>
-            </a:extLst>
-          </p:cNvPr>
-          <p:cNvPicPr>
-            <a:picLocks noChangeAspect="1"/>
-          </p:cNvPicPr>
-          <p:nvPr/>
-        </p:nvPicPr>
-        <p:blipFill>
-          <a:blip r:embed="rId5">
-            <a:extLst>
-              <a:ext uri="{28A0092B-C50C-407E-A947-70E740481C1C}">
-                <a14:useLocalDpi xmlns:a14="http://schemas.microsoft.com/office/drawing/2010/main" val="0"/>
-              </a:ext>
-            </a:extLst>
-          </a:blip>
-          <a:stretch>
-            <a:fillRect/>
-          </a:stretch>
-        </p:blipFill>
-        <p:spPr>
-          <a:xfrm>
-            <a:off x="7277670" y="4909025"/>
-            <a:ext cx="1716699" cy="1716699"/>
-          </a:xfrm>
-          <a:prstGeom prst="rect">
-            <a:avLst/>
-          </a:prstGeom>
-        </p:spPr>
-      </p:pic>
-    </p:spTree>
-    <p:extLst>
-      <p:ext uri="{BB962C8B-B14F-4D97-AF65-F5344CB8AC3E}">
-        <p14:creationId xmlns:p14="http://schemas.microsoft.com/office/powerpoint/2010/main" val="795935867"/>
-      </p:ext>
-    </p:extLst>
-  </p:cSld>
-  <p:clrMapOvr>
-    <a:masterClrMapping/>
-  </p:clrMapOvr>
-</p:sld>
-</file>
-
-<file path=ppt/slides/slide4.xml><?xml version="1.0" encoding="utf-8"?>
-<p:sld xmlns:a="http://schemas.openxmlformats.org/drawingml/2006/main" xmlns:r="http://schemas.openxmlformats.org/officeDocument/2006/relationships" xmlns:p="http://schemas.openxmlformats.org/presentationml/2006/main">
-  <p:cSld>
-    <p:spTree>
-      <p:nvGrpSpPr>
-        <p:cNvPr id="1" name=""/>
-        <p:cNvGrpSpPr/>
-        <p:nvPr/>
-      </p:nvGrpSpPr>
-      <p:grpSpPr>
-        <a:xfrm>
-          <a:off x="0" y="0"/>
-          <a:ext cx="0" cy="0"/>
-          <a:chOff x="0" y="0"/>
-          <a:chExt cx="0" cy="0"/>
-        </a:xfrm>
-      </p:grpSpPr>
-      <p:pic>
-        <p:nvPicPr>
-          <p:cNvPr id="5" name="Content Placeholder 4">
-            <a:extLst>
-              <a:ext uri="{FF2B5EF4-FFF2-40B4-BE49-F238E27FC236}">
-                <a16:creationId xmlns:a16="http://schemas.microsoft.com/office/drawing/2014/main" id="{4D74334C-8D09-A647-8B55-CDD7F8C8B339}"/>
-              </a:ext>
-            </a:extLst>
-          </p:cNvPr>
-          <p:cNvPicPr>
-            <a:picLocks noGrp="1" noChangeAspect="1"/>
-          </p:cNvPicPr>
-          <p:nvPr>
-            <p:ph idx="1"/>
-          </p:nvPr>
-        </p:nvPicPr>
-        <p:blipFill>
-          <a:blip r:embed="rId3">
-            <a:extLst>
-              <a:ext uri="{28A0092B-C50C-407E-A947-70E740481C1C}">
-                <a14:useLocalDpi xmlns:a14="http://schemas.microsoft.com/office/drawing/2010/main" val="0"/>
-              </a:ext>
-            </a:extLst>
-          </a:blip>
-          <a:stretch>
-            <a:fillRect/>
-          </a:stretch>
-        </p:blipFill>
-        <p:spPr>
-          <a:xfrm>
-            <a:off x="634380" y="1808820"/>
-            <a:ext cx="3073524" cy="3073524"/>
-          </a:xfrm>
-        </p:spPr>
-      </p:pic>
-      <p:pic>
-        <p:nvPicPr>
-          <p:cNvPr id="7" name="Picture 6">
-            <a:extLst>
-              <a:ext uri="{FF2B5EF4-FFF2-40B4-BE49-F238E27FC236}">
-                <a16:creationId xmlns:a16="http://schemas.microsoft.com/office/drawing/2014/main" id="{C434120E-954D-1F40-9F56-757C29069AA1}"/>
-              </a:ext>
-            </a:extLst>
-          </p:cNvPr>
-          <p:cNvPicPr>
-            <a:picLocks noChangeAspect="1"/>
-          </p:cNvPicPr>
-          <p:nvPr/>
-        </p:nvPicPr>
-        <p:blipFill>
-          <a:blip r:embed="rId4">
-            <a:extLst>
-              <a:ext uri="{28A0092B-C50C-407E-A947-70E740481C1C}">
-                <a14:useLocalDpi xmlns:a14="http://schemas.microsoft.com/office/drawing/2010/main" val="0"/>
-              </a:ext>
-            </a:extLst>
-          </a:blip>
-          <a:stretch>
-            <a:fillRect/>
-          </a:stretch>
-        </p:blipFill>
-        <p:spPr>
-          <a:xfrm>
-            <a:off x="4896036" y="2726922"/>
-            <a:ext cx="3611942" cy="1512256"/>
-          </a:xfrm>
-          <a:prstGeom prst="rect">
-            <a:avLst/>
-          </a:prstGeom>
-        </p:spPr>
-      </p:pic>
-      <p:sp>
-        <p:nvSpPr>
-          <p:cNvPr id="8" name="TextBox 7">
-            <a:extLst>
-              <a:ext uri="{FF2B5EF4-FFF2-40B4-BE49-F238E27FC236}">
-                <a16:creationId xmlns:a16="http://schemas.microsoft.com/office/drawing/2014/main" id="{47643DDA-87ED-724D-AF74-C1F3D7F53847}"/>
-              </a:ext>
-            </a:extLst>
-          </p:cNvPr>
-          <p:cNvSpPr txBox="1"/>
-          <p:nvPr/>
-        </p:nvSpPr>
-        <p:spPr>
-          <a:xfrm>
-            <a:off x="634380" y="5427222"/>
-            <a:ext cx="7824410" cy="369332"/>
-          </a:xfrm>
-          <a:prstGeom prst="rect">
-            <a:avLst/>
-          </a:prstGeom>
-          <a:noFill/>
-        </p:spPr>
-        <p:txBody>
-          <a:bodyPr wrap="square" rtlCol="0">
-            <a:spAutoFit/>
-          </a:bodyPr>
-          <a:lstStyle/>
-          <a:p>
-            <a:pPr algn="ctr"/>
-            <a:r>
-              <a:rPr lang="en-US" dirty="0"/>
-              <a:t>1</a:t>
-            </a:r>
-            <a:r>
-              <a:rPr lang="en-US" baseline="30000" dirty="0"/>
-              <a:t>st</a:t>
-            </a:r>
-            <a:r>
-              <a:rPr lang="en-US" dirty="0"/>
-              <a:t>-2</a:t>
-            </a:r>
-            <a:r>
-              <a:rPr lang="en-US" baseline="30000" dirty="0"/>
-              <a:t>nd</a:t>
-            </a:r>
-            <a:r>
-              <a:rPr lang="en-US" dirty="0"/>
-              <a:t> November 2018</a:t>
-            </a:r>
-          </a:p>
-        </p:txBody>
-      </p:sp>
-      <p:sp>
-        <p:nvSpPr>
-          <p:cNvPr id="9" name="TextBox 8">
-            <a:extLst>
-              <a:ext uri="{FF2B5EF4-FFF2-40B4-BE49-F238E27FC236}">
-                <a16:creationId xmlns:a16="http://schemas.microsoft.com/office/drawing/2014/main" id="{12EEDC4B-D179-5240-94EF-03491ACB3399}"/>
-              </a:ext>
-            </a:extLst>
-          </p:cNvPr>
-          <p:cNvSpPr txBox="1"/>
-          <p:nvPr/>
-        </p:nvSpPr>
-        <p:spPr>
-          <a:xfrm>
-            <a:off x="1477964" y="5057890"/>
-            <a:ext cx="6235618" cy="369332"/>
-          </a:xfrm>
-          <a:prstGeom prst="rect">
-            <a:avLst/>
-          </a:prstGeom>
-          <a:noFill/>
-        </p:spPr>
-        <p:txBody>
-          <a:bodyPr wrap="none" rtlCol="0">
-            <a:spAutoFit/>
-          </a:bodyPr>
-          <a:lstStyle/>
-          <a:p>
-            <a:r>
-              <a:rPr lang="en-US" dirty="0"/>
-              <a:t>https://</a:t>
-            </a:r>
-            <a:r>
-              <a:rPr lang="en-US" dirty="0" err="1"/>
-              <a:t>www.devopsdays.org</a:t>
-            </a:r>
-            <a:r>
-              <a:rPr lang="en-US" dirty="0"/>
-              <a:t>/events/2018-edinburgh/welcome/</a:t>
-            </a:r>
-          </a:p>
-        </p:txBody>
-      </p:sp>
-    </p:spTree>
-    <p:extLst>
-      <p:ext uri="{BB962C8B-B14F-4D97-AF65-F5344CB8AC3E}">
-        <p14:creationId xmlns:p14="http://schemas.microsoft.com/office/powerpoint/2010/main" val="3071101924"/>
-      </p:ext>
-    </p:extLst>
-  </p:cSld>
-  <p:clrMapOvr>
-    <a:masterClrMapping/>
-  </p:clrMapOvr>
-</p:sld>
-</file>
-
-<file path=ppt/slides/slide5.xml><?xml version="1.0" encoding="utf-8"?>
-<p:sld xmlns:a="http://schemas.openxmlformats.org/drawingml/2006/main" xmlns:r="http://schemas.openxmlformats.org/officeDocument/2006/relationships" xmlns:p="http://schemas.openxmlformats.org/presentationml/2006/main">
-  <p:cSld>
-    <p:spTree>
-      <p:nvGrpSpPr>
-        <p:cNvPr id="1" name=""/>
-        <p:cNvGrpSpPr/>
-        <p:nvPr/>
-      </p:nvGrpSpPr>
-      <p:grpSpPr>
-        <a:xfrm>
-          <a:off x="0" y="0"/>
-          <a:ext cx="0" cy="0"/>
-          <a:chOff x="0" y="0"/>
-          <a:chExt cx="0" cy="0"/>
-        </a:xfrm>
-      </p:grpSpPr>
-      <p:sp>
-        <p:nvSpPr>
-          <p:cNvPr id="2" name="Content Placeholder 1"/>
-          <p:cNvSpPr>
-            <a:spLocks noGrp="1"/>
-          </p:cNvSpPr>
-          <p:nvPr>
-            <p:ph idx="1"/>
-          </p:nvPr>
-        </p:nvSpPr>
-        <p:spPr>
-          <a:xfrm>
-            <a:off x="611560" y="1600201"/>
-            <a:ext cx="7920880" cy="4525963"/>
-          </a:xfrm>
-        </p:spPr>
-        <p:txBody>
-          <a:bodyPr>
-            <a:noAutofit/>
-          </a:bodyPr>
-          <a:lstStyle/>
-          <a:p>
-            <a:r>
-              <a:rPr lang="en-US" sz="2300" dirty="0"/>
-              <a:t>WebDriver </a:t>
-            </a:r>
-          </a:p>
-          <a:p>
-            <a:pPr lvl="1"/>
-            <a:r>
-              <a:rPr lang="en-US" sz="2300" dirty="0"/>
-              <a:t>Web browser automation library. </a:t>
-            </a:r>
-          </a:p>
-          <a:p>
-            <a:pPr lvl="1"/>
-            <a:r>
-              <a:rPr lang="en-US" sz="2300" dirty="0"/>
-              <a:t>Used for automating browser interaction.</a:t>
-            </a:r>
-          </a:p>
-          <a:p>
-            <a:pPr lvl="1"/>
-            <a:r>
-              <a:rPr lang="en-US" sz="2300" dirty="0"/>
-              <a:t>Tests can be written in language of choice.</a:t>
-            </a:r>
-          </a:p>
-          <a:p>
-            <a:pPr marL="0" indent="0">
-              <a:buNone/>
-            </a:pPr>
-            <a:endParaRPr lang="en-US" sz="2300" dirty="0"/>
-          </a:p>
-          <a:p>
-            <a:r>
-              <a:rPr lang="en-US" sz="2300" dirty="0"/>
-              <a:t>docker-selenium</a:t>
-            </a:r>
-          </a:p>
-          <a:p>
-            <a:pPr lvl="1"/>
-            <a:r>
-              <a:rPr lang="en-US" sz="2300" dirty="0"/>
-              <a:t>Docker images for Selenium Grid server.</a:t>
-            </a:r>
-          </a:p>
-          <a:p>
-            <a:pPr lvl="1"/>
-            <a:r>
-              <a:rPr lang="en-US" sz="2300" dirty="0"/>
-              <a:t>Contains hub and node configurations for Firefox and Chrome.</a:t>
-            </a:r>
-          </a:p>
-          <a:p>
-            <a:pPr lvl="1"/>
-            <a:endParaRPr lang="en-US" sz="2300" dirty="0"/>
-          </a:p>
-          <a:p>
-            <a:pPr marL="0" indent="0">
-              <a:buNone/>
-            </a:pPr>
-            <a:endParaRPr lang="en-US" sz="2300" dirty="0"/>
-          </a:p>
-        </p:txBody>
-      </p:sp>
-      <p:sp>
-        <p:nvSpPr>
-          <p:cNvPr id="3" name="Footer Placeholder 2"/>
-          <p:cNvSpPr>
-            <a:spLocks noGrp="1"/>
-          </p:cNvSpPr>
-          <p:nvPr>
-            <p:ph type="ftr" sz="quarter" idx="3"/>
-          </p:nvPr>
-        </p:nvSpPr>
-        <p:spPr>
-          <a:xfrm>
-            <a:off x="3124200" y="6356351"/>
-            <a:ext cx="2895600" cy="365125"/>
-          </a:xfrm>
-        </p:spPr>
-        <p:txBody>
-          <a:bodyPr/>
-          <a:lstStyle/>
-          <a:p>
-            <a:r>
-              <a:rPr lang="en-GB" sz="1600"/>
-              <a:t>#DevOpsPlayground</a:t>
-            </a:r>
-            <a:endParaRPr lang="en-GB" sz="1600" dirty="0"/>
-          </a:p>
-        </p:txBody>
-      </p:sp>
-      <p:sp>
-        <p:nvSpPr>
-          <p:cNvPr id="4" name="TextBox 3"/>
-          <p:cNvSpPr txBox="1"/>
-          <p:nvPr/>
-        </p:nvSpPr>
-        <p:spPr>
-          <a:xfrm>
-            <a:off x="611560" y="692696"/>
-            <a:ext cx="7920880" cy="523220"/>
-          </a:xfrm>
-          <a:prstGeom prst="rect">
-            <a:avLst/>
-          </a:prstGeom>
-          <a:noFill/>
-        </p:spPr>
-        <p:txBody>
-          <a:bodyPr wrap="square" rtlCol="0">
-            <a:spAutoFit/>
-          </a:bodyPr>
-          <a:lstStyle/>
-          <a:p>
-            <a:r>
-              <a:rPr lang="en-GB" sz="2800" dirty="0">
-                <a:solidFill>
-                  <a:srgbClr val="0070B7"/>
-                </a:solidFill>
-                <a:latin typeface="Arial" panose="020B0604020202020204" pitchFamily="34" charset="0"/>
-                <a:cs typeface="Arial" panose="020B0604020202020204" pitchFamily="34" charset="0"/>
-              </a:rPr>
-              <a:t>Selenium Overview</a:t>
-            </a:r>
-          </a:p>
-        </p:txBody>
-      </p:sp>
-      <p:pic>
-        <p:nvPicPr>
-          <p:cNvPr id="6" name="Picture 5">
-            <a:extLst>
-              <a:ext uri="{FF2B5EF4-FFF2-40B4-BE49-F238E27FC236}">
-                <a16:creationId xmlns:a16="http://schemas.microsoft.com/office/drawing/2014/main" id="{51C27788-2E18-824B-B70D-CBBD54D4C4E3}"/>
-              </a:ext>
-            </a:extLst>
-          </p:cNvPr>
-          <p:cNvPicPr>
-            <a:picLocks noChangeAspect="1"/>
-          </p:cNvPicPr>
-          <p:nvPr/>
-        </p:nvPicPr>
-        <p:blipFill>
-          <a:blip r:embed="rId3">
-            <a:extLst>
-              <a:ext uri="{28A0092B-C50C-407E-A947-70E740481C1C}">
-                <a14:useLocalDpi xmlns:a14="http://schemas.microsoft.com/office/drawing/2010/main" val="0"/>
-              </a:ext>
-            </a:extLst>
-          </a:blip>
-          <a:stretch>
-            <a:fillRect/>
-          </a:stretch>
-        </p:blipFill>
-        <p:spPr>
-          <a:xfrm>
-            <a:off x="6660232" y="1603639"/>
-            <a:ext cx="2095500" cy="1892300"/>
-          </a:xfrm>
-          <a:prstGeom prst="rect">
-            <a:avLst/>
-          </a:prstGeom>
-        </p:spPr>
-      </p:pic>
-      <p:pic>
-        <p:nvPicPr>
-          <p:cNvPr id="9" name="Picture 8">
-            <a:extLst>
-              <a:ext uri="{FF2B5EF4-FFF2-40B4-BE49-F238E27FC236}">
-                <a16:creationId xmlns:a16="http://schemas.microsoft.com/office/drawing/2014/main" id="{B18648BA-231B-184F-B06E-CBA46EB47214}"/>
-              </a:ext>
-            </a:extLst>
-          </p:cNvPr>
-          <p:cNvPicPr>
-            <a:picLocks noChangeAspect="1"/>
-          </p:cNvPicPr>
-          <p:nvPr/>
-        </p:nvPicPr>
-        <p:blipFill>
-          <a:blip r:embed="rId4">
-            <a:extLst>
-              <a:ext uri="{28A0092B-C50C-407E-A947-70E740481C1C}">
-                <a14:useLocalDpi xmlns:a14="http://schemas.microsoft.com/office/drawing/2010/main" val="0"/>
-              </a:ext>
-            </a:extLst>
-          </a:blip>
-          <a:stretch>
-            <a:fillRect/>
-          </a:stretch>
-        </p:blipFill>
-        <p:spPr>
-          <a:xfrm>
-            <a:off x="6622132" y="4901948"/>
-            <a:ext cx="2133600" cy="1816100"/>
-          </a:xfrm>
-          <a:prstGeom prst="rect">
-            <a:avLst/>
-          </a:prstGeom>
-        </p:spPr>
-      </p:pic>
-    </p:spTree>
-    <p:extLst>
-      <p:ext uri="{BB962C8B-B14F-4D97-AF65-F5344CB8AC3E}">
-        <p14:creationId xmlns:p14="http://schemas.microsoft.com/office/powerpoint/2010/main" val="1663746683"/>
-      </p:ext>
-    </p:extLst>
-  </p:cSld>
-  <p:clrMapOvr>
-    <a:masterClrMapping/>
-  </p:clrMapOvr>
-  <p:timing>
-    <p:tnLst>
-      <p:par>
-        <p:cTn id="1" dur="indefinite" restart="never" nodeType="tmRoot">
-          <p:childTnLst>
-            <p:seq concurrent="1" nextAc="seek">
-              <p:cTn id="2" dur="indefinite" nodeType="mainSeq">
-                <p:childTnLst>
-                  <p:par>
-                    <p:cTn id="3" fill="hold">
-                      <p:stCondLst>
-                        <p:cond delay="indefinite"/>
-                      </p:stCondLst>
-                      <p:childTnLst>
-                        <p:par>
-                          <p:cTn id="4" fill="hold">
-                            <p:stCondLst>
-                              <p:cond delay="0"/>
-                            </p:stCondLst>
-                            <p:childTnLst>
-                              <p:par>
-                                <p:cTn id="5" presetID="1" presetClass="entr" presetSubtype="0" fill="hold" grpId="0" nodeType="clickEffect">
-                                  <p:stCondLst>
-                                    <p:cond delay="0"/>
-                                  </p:stCondLst>
-                                  <p:childTnLst>
-                                    <p:set>
-                                      <p:cBhvr>
-                                        <p:cTn id="6" dur="1" fill="hold">
-                                          <p:stCondLst>
-                                            <p:cond delay="0"/>
-                                          </p:stCondLst>
-                                        </p:cTn>
-                                        <p:tgtEl>
-                                          <p:spTgt spid="2">
-                                            <p:txEl>
-                                              <p:pRg st="0" end="0"/>
-                                            </p:txEl>
-                                          </p:spTgt>
-                                        </p:tgtEl>
-                                        <p:attrNameLst>
-                                          <p:attrName>style.visibility</p:attrName>
-                                        </p:attrNameLst>
-                                      </p:cBhvr>
-                                      <p:to>
-                                        <p:strVal val="visible"/>
-                                      </p:to>
-                                    </p:set>
-                                  </p:childTnLst>
-                                </p:cTn>
-                              </p:par>
-                              <p:par>
-                                <p:cTn id="7" presetID="1" presetClass="entr" presetSubtype="0" fill="hold" grpId="0" nodeType="withEffect">
-                                  <p:stCondLst>
-                                    <p:cond delay="0"/>
-                                  </p:stCondLst>
-                                  <p:childTnLst>
-                                    <p:set>
-                                      <p:cBhvr>
-                                        <p:cTn id="8" dur="1" fill="hold">
-                                          <p:stCondLst>
-                                            <p:cond delay="0"/>
-                                          </p:stCondLst>
-                                        </p:cTn>
-                                        <p:tgtEl>
-                                          <p:spTgt spid="2">
-                                            <p:txEl>
-                                              <p:pRg st="1" end="1"/>
-                                            </p:txEl>
-                                          </p:spTgt>
-                                        </p:tgtEl>
-                                        <p:attrNameLst>
-                                          <p:attrName>style.visibility</p:attrName>
-                                        </p:attrNameLst>
-                                      </p:cBhvr>
-                                      <p:to>
-                                        <p:strVal val="visible"/>
-                                      </p:to>
-                                    </p:set>
-                                  </p:childTnLst>
-                                </p:cTn>
-                              </p:par>
-                              <p:par>
-                                <p:cTn id="9" presetID="1" presetClass="entr" presetSubtype="0" fill="hold" grpId="0" nodeType="withEffect">
-                                  <p:stCondLst>
-                                    <p:cond delay="0"/>
-                                  </p:stCondLst>
-                                  <p:childTnLst>
-                                    <p:set>
-                                      <p:cBhvr>
-                                        <p:cTn id="10" dur="1" fill="hold">
-                                          <p:stCondLst>
-                                            <p:cond delay="0"/>
-                                          </p:stCondLst>
-                                        </p:cTn>
-                                        <p:tgtEl>
-                                          <p:spTgt spid="2">
-                                            <p:txEl>
-                                              <p:pRg st="2" end="2"/>
-                                            </p:txEl>
-                                          </p:spTgt>
-                                        </p:tgtEl>
-                                        <p:attrNameLst>
-                                          <p:attrName>style.visibility</p:attrName>
-                                        </p:attrNameLst>
-                                      </p:cBhvr>
-                                      <p:to>
-                                        <p:strVal val="visible"/>
-                                      </p:to>
-                                    </p:set>
-                                  </p:childTnLst>
-                                </p:cTn>
-                              </p:par>
-                              <p:par>
-                                <p:cTn id="11" presetID="1" presetClass="entr" presetSubtype="0" fill="hold" grpId="0" nodeType="withEffect">
-                                  <p:stCondLst>
-                                    <p:cond delay="0"/>
-                                  </p:stCondLst>
-                                  <p:childTnLst>
-                                    <p:set>
-                                      <p:cBhvr>
-                                        <p:cTn id="12" dur="1" fill="hold">
-                                          <p:stCondLst>
-                                            <p:cond delay="0"/>
-                                          </p:stCondLst>
-                                        </p:cTn>
-                                        <p:tgtEl>
-                                          <p:spTgt spid="2">
-                                            <p:txEl>
-                                              <p:pRg st="3" end="3"/>
-                                            </p:txEl>
-                                          </p:spTgt>
-                                        </p:tgtEl>
-                                        <p:attrNameLst>
-                                          <p:attrName>style.visibility</p:attrName>
-                                        </p:attrNameLst>
-                                      </p:cBhvr>
-                                      <p:to>
-                                        <p:strVal val="visible"/>
-                                      </p:to>
-                                    </p:set>
-                                  </p:childTnLst>
-                                </p:cTn>
-                              </p:par>
-                            </p:childTnLst>
-                          </p:cTn>
-                        </p:par>
-                      </p:childTnLst>
-                    </p:cTn>
-                  </p:par>
-                  <p:par>
-                    <p:cTn id="13" fill="hold">
-                      <p:stCondLst>
-                        <p:cond delay="indefinite"/>
-                      </p:stCondLst>
-                      <p:childTnLst>
-                        <p:par>
-                          <p:cTn id="14" fill="hold">
-                            <p:stCondLst>
-                              <p:cond delay="0"/>
-                            </p:stCondLst>
-                            <p:childTnLst>
-                              <p:par>
-                                <p:cTn id="15" presetID="1" presetClass="entr" presetSubtype="0" fill="hold" grpId="0" nodeType="clickEffect">
-                                  <p:stCondLst>
-                                    <p:cond delay="0"/>
-                                  </p:stCondLst>
-                                  <p:childTnLst>
-                                    <p:set>
-                                      <p:cBhvr>
-                                        <p:cTn id="16" dur="1" fill="hold">
-                                          <p:stCondLst>
-                                            <p:cond delay="0"/>
-                                          </p:stCondLst>
-                                        </p:cTn>
-                                        <p:tgtEl>
-                                          <p:spTgt spid="2">
-                                            <p:txEl>
-                                              <p:pRg st="5" end="5"/>
-                                            </p:txEl>
-                                          </p:spTgt>
-                                        </p:tgtEl>
-                                        <p:attrNameLst>
-                                          <p:attrName>style.visibility</p:attrName>
-                                        </p:attrNameLst>
-                                      </p:cBhvr>
-                                      <p:to>
-                                        <p:strVal val="visible"/>
-                                      </p:to>
-                                    </p:set>
-                                  </p:childTnLst>
-                                </p:cTn>
-                              </p:par>
-                              <p:par>
-                                <p:cTn id="17" presetID="1" presetClass="entr" presetSubtype="0" fill="hold" grpId="0" nodeType="withEffect">
-                                  <p:stCondLst>
-                                    <p:cond delay="0"/>
-                                  </p:stCondLst>
-                                  <p:childTnLst>
-                                    <p:set>
-                                      <p:cBhvr>
-                                        <p:cTn id="18" dur="1" fill="hold">
-                                          <p:stCondLst>
-                                            <p:cond delay="0"/>
-                                          </p:stCondLst>
-                                        </p:cTn>
-                                        <p:tgtEl>
-                                          <p:spTgt spid="2">
-                                            <p:txEl>
-                                              <p:pRg st="6" end="6"/>
-                                            </p:txEl>
-                                          </p:spTgt>
-                                        </p:tgtEl>
-                                        <p:attrNameLst>
-                                          <p:attrName>style.visibility</p:attrName>
-                                        </p:attrNameLst>
-                                      </p:cBhvr>
-                                      <p:to>
-                                        <p:strVal val="visible"/>
-                                      </p:to>
-                                    </p:set>
-                                  </p:childTnLst>
-                                </p:cTn>
-                              </p:par>
-                              <p:par>
-                                <p:cTn id="19" presetID="1" presetClass="entr" presetSubtype="0" fill="hold" grpId="0" nodeType="withEffect">
-                                  <p:stCondLst>
-                                    <p:cond delay="0"/>
-                                  </p:stCondLst>
-                                  <p:childTnLst>
-                                    <p:set>
-                                      <p:cBhvr>
-                                        <p:cTn id="20" dur="1" fill="hold">
-                                          <p:stCondLst>
-                                            <p:cond delay="0"/>
-                                          </p:stCondLst>
-                                        </p:cTn>
-                                        <p:tgtEl>
-                                          <p:spTgt spid="2">
-                                            <p:txEl>
-                                              <p:pRg st="7" end="7"/>
-                                            </p:txEl>
-                                          </p:spTgt>
-                                        </p:tgtEl>
-                                        <p:attrNameLst>
-                                          <p:attrName>style.visibility</p:attrName>
-                                        </p:attrNameLst>
-                                      </p:cBhvr>
-                                      <p:to>
-                                        <p:strVal val="visible"/>
-                                      </p:to>
-                                    </p:set>
-                                  </p:childTnLst>
-                                </p:cTn>
-                              </p:par>
-                            </p:childTnLst>
-                          </p:cTn>
-                        </p:par>
-                      </p:childTnLst>
-                    </p:cTn>
-                  </p:par>
-                </p:childTnLst>
-              </p:cTn>
-              <p:prevCondLst>
-                <p:cond evt="onPrev" delay="0">
-                  <p:tgtEl>
-                    <p:sldTgt/>
-                  </p:tgtEl>
-                </p:cond>
-              </p:prevCondLst>
-              <p:nextCondLst>
-                <p:cond evt="onNext" delay="0">
-                  <p:tgtEl>
-                    <p:sldTgt/>
-                  </p:tgtEl>
-                </p:cond>
-              </p:nextCondLst>
-            </p:seq>
-          </p:childTnLst>
-        </p:cTn>
-      </p:par>
-    </p:tnLst>
-    <p:bldLst>
-      <p:bldP spid="2" grpId="0" uiExpand="1" build="p"/>
-    </p:bldLst>
-  </p:timing>
-</p:sld>
-</file>
-
-<file path=ppt/slides/slide6.xml><?xml version="1.0" encoding="utf-8"?>
-<p:sld xmlns:a="http://schemas.openxmlformats.org/drawingml/2006/main" xmlns:r="http://schemas.openxmlformats.org/officeDocument/2006/relationships" xmlns:p="http://schemas.openxmlformats.org/presentationml/2006/main">
-  <p:cSld>
-    <p:spTree>
-      <p:nvGrpSpPr>
-        <p:cNvPr id="1" name=""/>
-        <p:cNvGrpSpPr/>
-        <p:nvPr/>
-      </p:nvGrpSpPr>
-      <p:grpSpPr>
-        <a:xfrm>
-          <a:off x="0" y="0"/>
-          <a:ext cx="0" cy="0"/>
-          <a:chOff x="0" y="0"/>
-          <a:chExt cx="0" cy="0"/>
-        </a:xfrm>
-      </p:grpSpPr>
-      <p:sp>
-        <p:nvSpPr>
-          <p:cNvPr id="2" name="Content Placeholder 1"/>
-          <p:cNvSpPr>
-            <a:spLocks noGrp="1"/>
-          </p:cNvSpPr>
-          <p:nvPr>
-            <p:ph idx="1"/>
-          </p:nvPr>
-        </p:nvSpPr>
-        <p:spPr>
-          <a:xfrm>
-            <a:off x="611560" y="1600201"/>
-            <a:ext cx="7920880" cy="4525963"/>
-          </a:xfrm>
-        </p:spPr>
-        <p:txBody>
-          <a:bodyPr>
-            <a:noAutofit/>
-          </a:bodyPr>
-          <a:lstStyle/>
-          <a:p>
-            <a:r>
-              <a:rPr lang="en-US" sz="2300" dirty="0"/>
-              <a:t>Open-source tool created by </a:t>
-            </a:r>
-            <a:r>
-              <a:rPr lang="en-US" sz="2300" dirty="0" err="1"/>
-              <a:t>Zalando</a:t>
-            </a:r>
-            <a:r>
-              <a:rPr lang="en-US" sz="2300" dirty="0"/>
-              <a:t> in 2017.</a:t>
-            </a:r>
-          </a:p>
-          <a:p>
-            <a:r>
-              <a:rPr lang="en-US" sz="2300" dirty="0"/>
-              <a:t>Allows you to create a dynamic, on-demand Selenium Grid within seconds.</a:t>
-            </a:r>
-          </a:p>
-          <a:p>
-            <a:r>
-              <a:rPr lang="en-US" sz="2300" dirty="0"/>
-              <a:t>Can be run out of the box using Docker and Kubernetes.</a:t>
-            </a:r>
-          </a:p>
-          <a:p>
-            <a:r>
-              <a:rPr lang="en-US" sz="2300" dirty="0"/>
-              <a:t>Based on ‘docker-selenium’ so tests can be run in Firefox and Chrome.</a:t>
-            </a:r>
-          </a:p>
-          <a:p>
-            <a:r>
-              <a:rPr lang="en-US" sz="2300" dirty="0"/>
-              <a:t>Auto-scales during run-time and deletes nodes after tests are finished.</a:t>
-            </a:r>
-          </a:p>
-          <a:p>
-            <a:r>
-              <a:rPr lang="en-US" sz="2300" dirty="0"/>
-              <a:t>Simple to set up and run.</a:t>
-            </a:r>
-          </a:p>
-          <a:p>
-            <a:r>
-              <a:rPr lang="en-US" sz="2300" dirty="0"/>
-              <a:t>Tests can be run on other cloud testing providers - Sauce Labs, Testing Bot and Browser Stack</a:t>
-            </a:r>
-          </a:p>
-          <a:p>
-            <a:pPr marL="0" indent="0">
-              <a:buNone/>
-            </a:pPr>
-            <a:endParaRPr lang="en-US" sz="2300" dirty="0"/>
-          </a:p>
-        </p:txBody>
-      </p:sp>
-      <p:sp>
-        <p:nvSpPr>
-          <p:cNvPr id="3" name="Footer Placeholder 2"/>
-          <p:cNvSpPr>
-            <a:spLocks noGrp="1"/>
-          </p:cNvSpPr>
-          <p:nvPr>
-            <p:ph type="ftr" sz="quarter" idx="3"/>
-          </p:nvPr>
-        </p:nvSpPr>
-        <p:spPr/>
-        <p:txBody>
-          <a:bodyPr/>
-          <a:lstStyle/>
-          <a:p>
-            <a:r>
-              <a:rPr lang="en-GB" sz="1600" dirty="0"/>
-              <a:t>#</a:t>
-            </a:r>
-            <a:r>
-              <a:rPr lang="en-GB" sz="1600" dirty="0" err="1"/>
-              <a:t>DevOpsPlayground</a:t>
-            </a:r>
-            <a:endParaRPr lang="en-GB" sz="1600" dirty="0"/>
-          </a:p>
-        </p:txBody>
-      </p:sp>
-      <p:sp>
-        <p:nvSpPr>
-          <p:cNvPr id="4" name="TextBox 3"/>
-          <p:cNvSpPr txBox="1"/>
-          <p:nvPr/>
-        </p:nvSpPr>
-        <p:spPr>
-          <a:xfrm>
-            <a:off x="611560" y="692696"/>
-            <a:ext cx="7920880" cy="523220"/>
-          </a:xfrm>
-          <a:prstGeom prst="rect">
-            <a:avLst/>
-          </a:prstGeom>
-          <a:noFill/>
-        </p:spPr>
-        <p:txBody>
-          <a:bodyPr wrap="square" rtlCol="0">
-            <a:spAutoFit/>
-          </a:bodyPr>
-          <a:lstStyle/>
-          <a:p>
-            <a:r>
-              <a:rPr lang="en-GB" sz="2800" dirty="0">
-                <a:solidFill>
-                  <a:srgbClr val="0070B7"/>
-                </a:solidFill>
-                <a:latin typeface="Arial" panose="020B0604020202020204" pitchFamily="34" charset="0"/>
-                <a:cs typeface="Arial" panose="020B0604020202020204" pitchFamily="34" charset="0"/>
-              </a:rPr>
-              <a:t>What is </a:t>
-            </a:r>
-            <a:r>
-              <a:rPr lang="en-GB" sz="2800" dirty="0" err="1">
-                <a:solidFill>
-                  <a:srgbClr val="0070B7"/>
-                </a:solidFill>
-                <a:latin typeface="Arial" panose="020B0604020202020204" pitchFamily="34" charset="0"/>
-                <a:cs typeface="Arial" panose="020B0604020202020204" pitchFamily="34" charset="0"/>
-              </a:rPr>
-              <a:t>Zalenium</a:t>
-            </a:r>
-            <a:r>
-              <a:rPr lang="en-GB" sz="2800" dirty="0">
-                <a:solidFill>
-                  <a:srgbClr val="0070B7"/>
-                </a:solidFill>
-                <a:latin typeface="Arial" panose="020B0604020202020204" pitchFamily="34" charset="0"/>
-                <a:cs typeface="Arial" panose="020B0604020202020204" pitchFamily="34" charset="0"/>
-              </a:rPr>
-              <a:t>?</a:t>
-            </a:r>
-          </a:p>
-        </p:txBody>
-      </p:sp>
-      <p:pic>
-        <p:nvPicPr>
-          <p:cNvPr id="6" name="Picture 5">
-            <a:extLst>
-              <a:ext uri="{FF2B5EF4-FFF2-40B4-BE49-F238E27FC236}">
-                <a16:creationId xmlns:a16="http://schemas.microsoft.com/office/drawing/2014/main" id="{77370321-58F0-1544-9EDF-BF6AB3D64224}"/>
-              </a:ext>
-            </a:extLst>
-          </p:cNvPr>
-          <p:cNvPicPr>
-            <a:picLocks noChangeAspect="1"/>
-          </p:cNvPicPr>
-          <p:nvPr/>
-        </p:nvPicPr>
-        <p:blipFill>
-          <a:blip r:embed="rId3">
-            <a:extLst>
-              <a:ext uri="{28A0092B-C50C-407E-A947-70E740481C1C}">
-                <a14:useLocalDpi xmlns:a14="http://schemas.microsoft.com/office/drawing/2010/main" val="0"/>
-              </a:ext>
-            </a:extLst>
-          </a:blip>
-          <a:stretch>
-            <a:fillRect/>
-          </a:stretch>
-        </p:blipFill>
-        <p:spPr>
-          <a:xfrm>
-            <a:off x="3779912" y="95855"/>
-            <a:ext cx="2616200" cy="1120061"/>
-          </a:xfrm>
-          <a:prstGeom prst="rect">
-            <a:avLst/>
-          </a:prstGeom>
-        </p:spPr>
-      </p:pic>
-    </p:spTree>
-    <p:extLst>
-      <p:ext uri="{BB962C8B-B14F-4D97-AF65-F5344CB8AC3E}">
-        <p14:creationId xmlns:p14="http://schemas.microsoft.com/office/powerpoint/2010/main" val="1437738720"/>
-      </p:ext>
-    </p:extLst>
-  </p:cSld>
-  <p:clrMapOvr>
-    <a:masterClrMapping/>
-  </p:clrMapOvr>
-  <p:timing>
-    <p:tnLst>
-      <p:par>
-        <p:cTn id="1" dur="indefinite" restart="never" nodeType="tmRoot">
-          <p:childTnLst>
-            <p:seq concurrent="1" nextAc="seek">
-              <p:cTn id="2" dur="indefinite" nodeType="mainSeq">
-                <p:childTnLst>
-                  <p:par>
-                    <p:cTn id="3" fill="hold">
-                      <p:stCondLst>
-                        <p:cond delay="indefinite"/>
-                      </p:stCondLst>
-                      <p:childTnLst>
-                        <p:par>
-                          <p:cTn id="4" fill="hold">
-                            <p:stCondLst>
-                              <p:cond delay="0"/>
-                            </p:stCondLst>
-                            <p:childTnLst>
-                              <p:par>
-                                <p:cTn id="5" presetID="1" presetClass="entr" presetSubtype="0" fill="hold" grpId="0" nodeType="clickEffect">
-                                  <p:stCondLst>
-                                    <p:cond delay="0"/>
-                                  </p:stCondLst>
-                                  <p:childTnLst>
-                                    <p:set>
-                                      <p:cBhvr>
-                                        <p:cTn id="6" dur="1" fill="hold">
-                                          <p:stCondLst>
-                                            <p:cond delay="0"/>
-                                          </p:stCondLst>
-                                        </p:cTn>
-                                        <p:tgtEl>
-                                          <p:spTgt spid="2">
-                                            <p:txEl>
-                                              <p:pRg st="0" end="0"/>
-                                            </p:txEl>
-                                          </p:spTgt>
-                                        </p:tgtEl>
-                                        <p:attrNameLst>
-                                          <p:attrName>style.visibility</p:attrName>
-                                        </p:attrNameLst>
-                                      </p:cBhvr>
-                                      <p:to>
-                                        <p:strVal val="visible"/>
-                                      </p:to>
-                                    </p:set>
-                                  </p:childTnLst>
-                                </p:cTn>
-                              </p:par>
-                            </p:childTnLst>
-                          </p:cTn>
-                        </p:par>
-                      </p:childTnLst>
-                    </p:cTn>
-                  </p:par>
-                  <p:par>
-                    <p:cTn id="7" fill="hold">
-                      <p:stCondLst>
-                        <p:cond delay="indefinite"/>
-                      </p:stCondLst>
-                      <p:childTnLst>
-                        <p:par>
-                          <p:cTn id="8" fill="hold">
-                            <p:stCondLst>
-                              <p:cond delay="0"/>
-                            </p:stCondLst>
-                            <p:childTnLst>
-                              <p:par>
-                                <p:cTn id="9" presetID="1" presetClass="entr" presetSubtype="0" fill="hold" grpId="0" nodeType="clickEffect">
-                                  <p:stCondLst>
-                                    <p:cond delay="0"/>
-                                  </p:stCondLst>
-                                  <p:childTnLst>
-                                    <p:set>
-                                      <p:cBhvr>
-                                        <p:cTn id="10" dur="1" fill="hold">
-                                          <p:stCondLst>
-                                            <p:cond delay="0"/>
-                                          </p:stCondLst>
-                                        </p:cTn>
-                                        <p:tgtEl>
-                                          <p:spTgt spid="2">
-                                            <p:txEl>
-                                              <p:pRg st="1" end="1"/>
-                                            </p:txEl>
-                                          </p:spTgt>
-                                        </p:tgtEl>
-                                        <p:attrNameLst>
-                                          <p:attrName>style.visibility</p:attrName>
-                                        </p:attrNameLst>
-                                      </p:cBhvr>
-                                      <p:to>
-                                        <p:strVal val="visible"/>
-                                      </p:to>
-                                    </p:set>
-                                  </p:childTnLst>
-                                </p:cTn>
-                              </p:par>
-                            </p:childTnLst>
-                          </p:cTn>
-                        </p:par>
-                      </p:childTnLst>
-                    </p:cTn>
-                  </p:par>
-                  <p:par>
-                    <p:cTn id="11" fill="hold">
-                      <p:stCondLst>
-                        <p:cond delay="indefinite"/>
-                      </p:stCondLst>
-                      <p:childTnLst>
-                        <p:par>
-                          <p:cTn id="12" fill="hold">
-                            <p:stCondLst>
-                              <p:cond delay="0"/>
-                            </p:stCondLst>
-                            <p:childTnLst>
-                              <p:par>
-                                <p:cTn id="13" presetID="1" presetClass="entr" presetSubtype="0" fill="hold" grpId="0" nodeType="clickEffect">
-                                  <p:stCondLst>
-                                    <p:cond delay="0"/>
-                                  </p:stCondLst>
-                                  <p:childTnLst>
-                                    <p:set>
-                                      <p:cBhvr>
-                                        <p:cTn id="14" dur="1" fill="hold">
-                                          <p:stCondLst>
-                                            <p:cond delay="0"/>
-                                          </p:stCondLst>
-                                        </p:cTn>
-                                        <p:tgtEl>
-                                          <p:spTgt spid="2">
-                                            <p:txEl>
-                                              <p:pRg st="2" end="2"/>
-                                            </p:txEl>
-                                          </p:spTgt>
-                                        </p:tgtEl>
-                                        <p:attrNameLst>
-                                          <p:attrName>style.visibility</p:attrName>
-                                        </p:attrNameLst>
-                                      </p:cBhvr>
-                                      <p:to>
-                                        <p:strVal val="visible"/>
-                                      </p:to>
-                                    </p:set>
-                                  </p:childTnLst>
-                                </p:cTn>
-                              </p:par>
-                            </p:childTnLst>
-                          </p:cTn>
-                        </p:par>
-                      </p:childTnLst>
-                    </p:cTn>
-                  </p:par>
-                  <p:par>
-                    <p:cTn id="15" fill="hold">
-                      <p:stCondLst>
-                        <p:cond delay="indefinite"/>
-                      </p:stCondLst>
-                      <p:childTnLst>
-                        <p:par>
-                          <p:cTn id="16" fill="hold">
-                            <p:stCondLst>
-                              <p:cond delay="0"/>
-                            </p:stCondLst>
-                            <p:childTnLst>
-                              <p:par>
-                                <p:cTn id="17" presetID="1" presetClass="entr" presetSubtype="0" fill="hold" grpId="0" nodeType="clickEffect">
-                                  <p:stCondLst>
-                                    <p:cond delay="0"/>
-                                  </p:stCondLst>
-                                  <p:childTnLst>
-                                    <p:set>
-                                      <p:cBhvr>
-                                        <p:cTn id="18" dur="1" fill="hold">
-                                          <p:stCondLst>
-                                            <p:cond delay="0"/>
-                                          </p:stCondLst>
-                                        </p:cTn>
-                                        <p:tgtEl>
-                                          <p:spTgt spid="2">
-                                            <p:txEl>
-                                              <p:pRg st="3" end="3"/>
-                                            </p:txEl>
-                                          </p:spTgt>
-                                        </p:tgtEl>
-                                        <p:attrNameLst>
-                                          <p:attrName>style.visibility</p:attrName>
-                                        </p:attrNameLst>
-                                      </p:cBhvr>
-                                      <p:to>
-                                        <p:strVal val="visible"/>
-                                      </p:to>
-                                    </p:set>
-                                  </p:childTnLst>
-                                </p:cTn>
-                              </p:par>
-                            </p:childTnLst>
-                          </p:cTn>
-                        </p:par>
-                      </p:childTnLst>
-                    </p:cTn>
-                  </p:par>
-                  <p:par>
-                    <p:cTn id="19" fill="hold">
-                      <p:stCondLst>
-                        <p:cond delay="indefinite"/>
-                      </p:stCondLst>
-                      <p:childTnLst>
-                        <p:par>
-                          <p:cTn id="20" fill="hold">
-                            <p:stCondLst>
-                              <p:cond delay="0"/>
-                            </p:stCondLst>
-                            <p:childTnLst>
-                              <p:par>
-                                <p:cTn id="21" presetID="1" presetClass="entr" presetSubtype="0" fill="hold" grpId="0" nodeType="clickEffect">
-                                  <p:stCondLst>
-                                    <p:cond delay="0"/>
-                                  </p:stCondLst>
-                                  <p:childTnLst>
-                                    <p:set>
-                                      <p:cBhvr>
-                                        <p:cTn id="22" dur="1" fill="hold">
-                                          <p:stCondLst>
-                                            <p:cond delay="0"/>
-                                          </p:stCondLst>
-                                        </p:cTn>
-                                        <p:tgtEl>
-                                          <p:spTgt spid="2">
-                                            <p:txEl>
-                                              <p:pRg st="4" end="4"/>
-                                            </p:txEl>
-                                          </p:spTgt>
-                                        </p:tgtEl>
-                                        <p:attrNameLst>
-                                          <p:attrName>style.visibility</p:attrName>
-                                        </p:attrNameLst>
-                                      </p:cBhvr>
-                                      <p:to>
-                                        <p:strVal val="visible"/>
-                                      </p:to>
-                                    </p:set>
-                                  </p:childTnLst>
-                                </p:cTn>
-                              </p:par>
-                            </p:childTnLst>
-                          </p:cTn>
-                        </p:par>
-                      </p:childTnLst>
-                    </p:cTn>
-                  </p:par>
-                  <p:par>
-                    <p:cTn id="23" fill="hold">
-                      <p:stCondLst>
-                        <p:cond delay="indefinite"/>
-                      </p:stCondLst>
-                      <p:childTnLst>
-                        <p:par>
-                          <p:cTn id="24" fill="hold">
-                            <p:stCondLst>
-                              <p:cond delay="0"/>
-                            </p:stCondLst>
-                            <p:childTnLst>
-                              <p:par>
-                                <p:cTn id="25" presetID="1" presetClass="entr" presetSubtype="0" fill="hold" grpId="0" nodeType="clickEffect">
-                                  <p:stCondLst>
-                                    <p:cond delay="0"/>
-                                  </p:stCondLst>
-                                  <p:childTnLst>
-                                    <p:set>
-                                      <p:cBhvr>
-                                        <p:cTn id="26" dur="1" fill="hold">
-                                          <p:stCondLst>
-                                            <p:cond delay="0"/>
-                                          </p:stCondLst>
-                                        </p:cTn>
-                                        <p:tgtEl>
-                                          <p:spTgt spid="2">
-                                            <p:txEl>
-                                              <p:pRg st="5" end="5"/>
-                                            </p:txEl>
-                                          </p:spTgt>
-                                        </p:tgtEl>
-                                        <p:attrNameLst>
-                                          <p:attrName>style.visibility</p:attrName>
-                                        </p:attrNameLst>
-                                      </p:cBhvr>
-                                      <p:to>
-                                        <p:strVal val="visible"/>
-                                      </p:to>
-                                    </p:set>
-                                  </p:childTnLst>
-                                </p:cTn>
-                              </p:par>
-                            </p:childTnLst>
-                          </p:cTn>
-                        </p:par>
-                      </p:childTnLst>
-                    </p:cTn>
-                  </p:par>
-                  <p:par>
-                    <p:cTn id="27" fill="hold">
-                      <p:stCondLst>
-                        <p:cond delay="indefinite"/>
-                      </p:stCondLst>
-                      <p:childTnLst>
-                        <p:par>
-                          <p:cTn id="28" fill="hold">
-                            <p:stCondLst>
-                              <p:cond delay="0"/>
-                            </p:stCondLst>
-                            <p:childTnLst>
-                              <p:par>
-                                <p:cTn id="29" presetID="1" presetClass="entr" presetSubtype="0" fill="hold" grpId="0" nodeType="clickEffect">
-                                  <p:stCondLst>
-                                    <p:cond delay="0"/>
-                                  </p:stCondLst>
-                                  <p:childTnLst>
-                                    <p:set>
-                                      <p:cBhvr>
-                                        <p:cTn id="30" dur="1" fill="hold">
-                                          <p:stCondLst>
-                                            <p:cond delay="0"/>
-                                          </p:stCondLst>
-                                        </p:cTn>
-                                        <p:tgtEl>
-                                          <p:spTgt spid="2">
-                                            <p:txEl>
-                                              <p:pRg st="6" end="6"/>
-                                            </p:txEl>
-                                          </p:spTgt>
-                                        </p:tgtEl>
-                                        <p:attrNameLst>
-                                          <p:attrName>style.visibility</p:attrName>
-                                        </p:attrNameLst>
-                                      </p:cBhvr>
-                                      <p:to>
-                                        <p:strVal val="visible"/>
-                                      </p:to>
-                                    </p:set>
-                                  </p:childTnLst>
-                                </p:cTn>
-                              </p:par>
-                            </p:childTnLst>
-                          </p:cTn>
-                        </p:par>
-                      </p:childTnLst>
-                    </p:cTn>
-                  </p:par>
-                </p:childTnLst>
-              </p:cTn>
-              <p:prevCondLst>
-                <p:cond evt="onPrev" delay="0">
-                  <p:tgtEl>
-                    <p:sldTgt/>
-                  </p:tgtEl>
-                </p:cond>
-              </p:prevCondLst>
-              <p:nextCondLst>
-                <p:cond evt="onNext" delay="0">
-                  <p:tgtEl>
-                    <p:sldTgt/>
-                  </p:tgtEl>
-                </p:cond>
-              </p:nextCondLst>
-            </p:seq>
-          </p:childTnLst>
-        </p:cTn>
-      </p:par>
-    </p:tnLst>
-    <p:bldLst>
-      <p:bldP spid="2" grpId="0" build="p"/>
-    </p:bldLst>
-  </p:timing>
-</p:sld>
-</file>
-
-<file path=ppt/slides/slide7.xml><?xml version="1.0" encoding="utf-8"?>
-<p:sld xmlns:a="http://schemas.openxmlformats.org/drawingml/2006/main" xmlns:r="http://schemas.openxmlformats.org/officeDocument/2006/relationships" xmlns:p="http://schemas.openxmlformats.org/presentationml/2006/main">
-  <p:cSld>
-    <p:spTree>
-      <p:nvGrpSpPr>
-        <p:cNvPr id="1" name=""/>
-        <p:cNvGrpSpPr/>
-        <p:nvPr/>
-      </p:nvGrpSpPr>
-      <p:grpSpPr>
-        <a:xfrm>
-          <a:off x="0" y="0"/>
-          <a:ext cx="0" cy="0"/>
-          <a:chOff x="0" y="0"/>
-          <a:chExt cx="0" cy="0"/>
-        </a:xfrm>
-      </p:grpSpPr>
-      <p:sp>
-        <p:nvSpPr>
-          <p:cNvPr id="2" name="Content Placeholder 1"/>
-          <p:cNvSpPr>
-            <a:spLocks noGrp="1"/>
-          </p:cNvSpPr>
-          <p:nvPr>
-            <p:ph idx="1"/>
-          </p:nvPr>
-        </p:nvSpPr>
-        <p:spPr>
-          <a:xfrm>
-            <a:off x="611560" y="1600201"/>
-            <a:ext cx="7920880" cy="4525963"/>
-          </a:xfrm>
-        </p:spPr>
-        <p:txBody>
-          <a:bodyPr>
-            <a:noAutofit/>
-          </a:bodyPr>
-          <a:lstStyle/>
-          <a:p>
-            <a:r>
               <a:rPr lang="en-US" dirty="0" err="1"/>
               <a:t>Zalenium</a:t>
             </a:r>
@@ -7546,15 +5463,7 @@
           <a:p>
             <a:r>
               <a:rPr lang="en-US" dirty="0"/>
-              <a:t>Videos automatically </a:t>
-            </a:r>
-            <a:r>
-              <a:rPr lang="en-US" dirty="0" err="1"/>
-              <a:t>recorderd</a:t>
-            </a:r>
-            <a:r>
-              <a:rPr lang="en-US" dirty="0"/>
-              <a:t> (can be disabled) in </a:t>
+              <a:t>Videos recorded (can be disabled) in </a:t>
             </a:r>
             <a:r>
               <a:rPr lang="en-US" i="1" dirty="0"/>
@@ -8107,6 +6016,3486 @@
 </p:sld>
 </file>
 
+<file path=ppt/slides/slide12.xml><?xml version="1.0" encoding="utf-8"?>
+<p:sld xmlns:a="http://schemas.openxmlformats.org/drawingml/2006/main" xmlns:r="http://schemas.openxmlformats.org/officeDocument/2006/relationships" xmlns:p="http://schemas.openxmlformats.org/presentationml/2006/main">
+  <p:cSld>
+    <p:spTree>
+      <p:nvGrpSpPr>
+        <p:cNvPr id="1" name=""/>
+        <p:cNvGrpSpPr/>
+        <p:nvPr/>
+      </p:nvGrpSpPr>
+      <p:grpSpPr>
+        <a:xfrm>
+          <a:off x="0" y="0"/>
+          <a:ext cx="0" cy="0"/>
+          <a:chOff x="0" y="0"/>
+          <a:chExt cx="0" cy="0"/>
+        </a:xfrm>
+      </p:grpSpPr>
+      <p:sp>
+        <p:nvSpPr>
+          <p:cNvPr id="3" name="Footer Placeholder 2"/>
+          <p:cNvSpPr>
+            <a:spLocks noGrp="1"/>
+          </p:cNvSpPr>
+          <p:nvPr>
+            <p:ph type="ftr" sz="quarter" idx="3"/>
+          </p:nvPr>
+        </p:nvSpPr>
+        <p:spPr/>
+        <p:txBody>
+          <a:bodyPr/>
+          <a:lstStyle/>
+          <a:p>
+            <a:r>
+              <a:rPr lang="en-GB" sz="1600" dirty="0"/>
+              <a:t>#</a:t>
+            </a:r>
+            <a:r>
+              <a:rPr lang="en-GB" sz="1600" dirty="0" err="1"/>
+              <a:t>DevOpsPlayground</a:t>
+            </a:r>
+            <a:endParaRPr lang="en-GB" sz="1600" dirty="0"/>
+          </a:p>
+        </p:txBody>
+      </p:sp>
+      <p:sp>
+        <p:nvSpPr>
+          <p:cNvPr id="4" name="TextBox 3"/>
+          <p:cNvSpPr txBox="1"/>
+          <p:nvPr/>
+        </p:nvSpPr>
+        <p:spPr>
+          <a:xfrm>
+            <a:off x="611560" y="692696"/>
+            <a:ext cx="7920880" cy="523220"/>
+          </a:xfrm>
+          <a:prstGeom prst="rect">
+            <a:avLst/>
+          </a:prstGeom>
+          <a:noFill/>
+        </p:spPr>
+        <p:txBody>
+          <a:bodyPr wrap="square" rtlCol="0">
+            <a:spAutoFit/>
+          </a:bodyPr>
+          <a:lstStyle/>
+          <a:p>
+            <a:r>
+              <a:rPr lang="en-GB" sz="2800" dirty="0">
+                <a:solidFill>
+                  <a:srgbClr val="0070B7"/>
+                </a:solidFill>
+                <a:latin typeface="Arial" panose="020B0604020202020204" pitchFamily="34" charset="0"/>
+                <a:cs typeface="Arial" panose="020B0604020202020204" pitchFamily="34" charset="0"/>
+              </a:rPr>
+              <a:t>Playground</a:t>
+            </a:r>
+          </a:p>
+        </p:txBody>
+      </p:sp>
+      <p:sp>
+        <p:nvSpPr>
+          <p:cNvPr id="5" name="Content Placeholder 4">
+            <a:extLst>
+              <a:ext uri="{FF2B5EF4-FFF2-40B4-BE49-F238E27FC236}">
+                <a16:creationId xmlns:a16="http://schemas.microsoft.com/office/drawing/2014/main" id="{122D25EA-2C5B-F546-B0F0-A1ECE4E5202C}"/>
+              </a:ext>
+            </a:extLst>
+          </p:cNvPr>
+          <p:cNvSpPr>
+            <a:spLocks noGrp="1"/>
+          </p:cNvSpPr>
+          <p:nvPr>
+            <p:ph idx="1"/>
+          </p:nvPr>
+        </p:nvSpPr>
+        <p:spPr/>
+        <p:txBody>
+          <a:bodyPr/>
+          <a:lstStyle/>
+          <a:p>
+            <a:r>
+              <a:rPr lang="en-US" dirty="0"/>
+              <a:t>Everyone should have an IP address to log into over SSH.</a:t>
+            </a:r>
+          </a:p>
+          <a:p>
+            <a:endParaRPr lang="en-US" dirty="0"/>
+          </a:p>
+          <a:p>
+            <a:r>
+              <a:rPr lang="en-US" dirty="0"/>
+              <a:t>Access the Playground ReadMe and GitHub repo here: </a:t>
+            </a:r>
+            <a:r>
+              <a:rPr lang="en-US" dirty="0">
+                <a:hlinkClick r:id="rId2"/>
+              </a:rPr>
+              <a:t>https://bit.ly/2zrbOED</a:t>
+            </a:r>
+            <a:endParaRPr lang="en-US" dirty="0"/>
+          </a:p>
+          <a:p>
+            <a:endParaRPr lang="en-US" dirty="0"/>
+          </a:p>
+          <a:p>
+            <a:r>
+              <a:rPr lang="en-US" dirty="0"/>
+              <a:t>We’re going to:</a:t>
+            </a:r>
+          </a:p>
+          <a:p>
+            <a:pPr lvl="1"/>
+            <a:r>
+              <a:rPr lang="en-US" dirty="0"/>
+              <a:t>Install docker-selenium and </a:t>
+            </a:r>
+            <a:r>
+              <a:rPr lang="en-US" dirty="0" err="1"/>
+              <a:t>Zalenium</a:t>
+            </a:r>
+            <a:r>
+              <a:rPr lang="en-US" dirty="0"/>
+              <a:t>.</a:t>
+            </a:r>
+          </a:p>
+          <a:p>
+            <a:pPr lvl="1"/>
+            <a:r>
+              <a:rPr lang="en-US" dirty="0"/>
+              <a:t>Run </a:t>
+            </a:r>
+            <a:r>
+              <a:rPr lang="en-US" dirty="0" err="1"/>
+              <a:t>Zalenium</a:t>
+            </a:r>
+            <a:endParaRPr lang="en-US" dirty="0"/>
+          </a:p>
+          <a:p>
+            <a:pPr lvl="1"/>
+            <a:r>
+              <a:rPr lang="en-US" dirty="0"/>
+              <a:t>Run JavaScript </a:t>
+            </a:r>
+            <a:r>
+              <a:rPr lang="en-US" dirty="0" err="1"/>
+              <a:t>WebDriver.io</a:t>
+            </a:r>
+            <a:r>
+              <a:rPr lang="en-US" dirty="0"/>
+              <a:t> tests in parallel using </a:t>
+            </a:r>
+            <a:r>
+              <a:rPr lang="en-US" dirty="0" err="1"/>
+              <a:t>Zalenium</a:t>
+            </a:r>
+            <a:endParaRPr lang="en-US" dirty="0"/>
+          </a:p>
+          <a:p>
+            <a:pPr lvl="1"/>
+            <a:r>
+              <a:rPr lang="en-US" dirty="0"/>
+              <a:t>View the </a:t>
+            </a:r>
+            <a:r>
+              <a:rPr lang="en-US" dirty="0" err="1"/>
+              <a:t>Zalenium</a:t>
+            </a:r>
+            <a:r>
+              <a:rPr lang="en-US" dirty="0"/>
+              <a:t> Dashboard</a:t>
+            </a:r>
+          </a:p>
+          <a:p>
+            <a:endParaRPr lang="en-US" dirty="0"/>
+          </a:p>
+          <a:p>
+            <a:endParaRPr lang="en-US" dirty="0"/>
+          </a:p>
+        </p:txBody>
+      </p:sp>
+    </p:spTree>
+    <p:extLst>
+      <p:ext uri="{BB962C8B-B14F-4D97-AF65-F5344CB8AC3E}">
+        <p14:creationId xmlns:p14="http://schemas.microsoft.com/office/powerpoint/2010/main" val="2752887665"/>
+      </p:ext>
+    </p:extLst>
+  </p:cSld>
+  <p:clrMapOvr>
+    <a:masterClrMapping/>
+  </p:clrMapOvr>
+</p:sld>
+</file>
+
+<file path=ppt/slides/slide13.xml><?xml version="1.0" encoding="utf-8"?>
+<p:sld xmlns:a="http://schemas.openxmlformats.org/drawingml/2006/main" xmlns:r="http://schemas.openxmlformats.org/officeDocument/2006/relationships" xmlns:p="http://schemas.openxmlformats.org/presentationml/2006/main">
+  <p:cSld>
+    <p:spTree>
+      <p:nvGrpSpPr>
+        <p:cNvPr id="1" name=""/>
+        <p:cNvGrpSpPr/>
+        <p:nvPr/>
+      </p:nvGrpSpPr>
+      <p:grpSpPr>
+        <a:xfrm>
+          <a:off x="0" y="0"/>
+          <a:ext cx="0" cy="0"/>
+          <a:chOff x="0" y="0"/>
+          <a:chExt cx="0" cy="0"/>
+        </a:xfrm>
+      </p:grpSpPr>
+      <p:sp>
+        <p:nvSpPr>
+          <p:cNvPr id="2" name="Content Placeholder 1"/>
+          <p:cNvSpPr>
+            <a:spLocks noGrp="1"/>
+          </p:cNvSpPr>
+          <p:nvPr>
+            <p:ph idx="1"/>
+          </p:nvPr>
+        </p:nvSpPr>
+        <p:spPr>
+          <a:xfrm>
+            <a:off x="611560" y="1600201"/>
+            <a:ext cx="7920880" cy="4525963"/>
+          </a:xfrm>
+        </p:spPr>
+        <p:txBody>
+          <a:bodyPr>
+            <a:noAutofit/>
+          </a:bodyPr>
+          <a:lstStyle/>
+          <a:p>
+            <a:r>
+              <a:rPr lang="en-US" sz="2300" dirty="0"/>
+              <a:t>As well as running tests on VMs, </a:t>
+            </a:r>
+            <a:r>
+              <a:rPr lang="en-US" sz="2300" dirty="0" err="1"/>
+              <a:t>Zalenium</a:t>
+            </a:r>
+            <a:r>
+              <a:rPr lang="en-US" sz="2300" dirty="0"/>
+              <a:t> also has support for the following providers:</a:t>
+            </a:r>
+          </a:p>
+          <a:p>
+            <a:pPr lvl="2"/>
+            <a:r>
+              <a:rPr lang="en-US" sz="2300" dirty="0"/>
+              <a:t>Sauce Labs</a:t>
+            </a:r>
+          </a:p>
+          <a:p>
+            <a:pPr lvl="2"/>
+            <a:r>
+              <a:rPr lang="en-US" sz="2300" dirty="0" err="1"/>
+              <a:t>TestingBot</a:t>
+            </a:r>
+            <a:endParaRPr lang="en-US" sz="2300" dirty="0"/>
+          </a:p>
+          <a:p>
+            <a:pPr lvl="2"/>
+            <a:r>
+              <a:rPr lang="en-US" sz="2300" dirty="0"/>
+              <a:t>Browser Stack</a:t>
+            </a:r>
+          </a:p>
+          <a:p>
+            <a:pPr marL="914400" lvl="2" indent="0">
+              <a:buNone/>
+            </a:pPr>
+            <a:endParaRPr lang="en-US" sz="2300" dirty="0"/>
+          </a:p>
+          <a:p>
+            <a:r>
+              <a:rPr lang="en-US" sz="2300" dirty="0"/>
+              <a:t>An example of this, to access Sauce Labs, add the following to your startup command:</a:t>
+            </a:r>
+          </a:p>
+          <a:p>
+            <a:pPr marL="0" indent="0">
+              <a:buNone/>
+            </a:pPr>
+            <a:r>
+              <a:rPr lang="en-US" sz="2300" i="1" dirty="0"/>
+              <a:t>	</a:t>
+            </a:r>
+            <a:r>
+              <a:rPr lang="en-GB" i="1" dirty="0"/>
+              <a:t>export SAUCE_USERNAME=&lt;your Sauce Labs username&gt; export 	SAUCE_ACCESS_KEY=&lt;your Sauce Labs access key&gt; export 	SAUCE_LABS_URL=&lt;your Sauce Labs </a:t>
+            </a:r>
+            <a:r>
+              <a:rPr lang="en-GB" i="1" dirty="0" err="1"/>
+              <a:t>url:port</a:t>
+            </a:r>
+            <a:r>
+              <a:rPr lang="en-GB" i="1" dirty="0"/>
+              <a:t> number&gt; </a:t>
+            </a:r>
+            <a:r>
+              <a:rPr lang="en-US" sz="2300" i="1" dirty="0"/>
+              <a:t> </a:t>
+            </a:r>
+          </a:p>
+          <a:p>
+            <a:pPr marL="0" indent="0">
+              <a:buNone/>
+            </a:pPr>
+            <a:r>
+              <a:rPr lang="en-GB" dirty="0"/>
+              <a:t>                </a:t>
+            </a:r>
+            <a:r>
+              <a:rPr lang="en-GB" i="1" dirty="0"/>
+              <a:t>--</a:t>
+            </a:r>
+            <a:r>
+              <a:rPr lang="en-GB" i="1" dirty="0" err="1"/>
+              <a:t>sauceLabsEnabled</a:t>
+            </a:r>
+            <a:r>
+              <a:rPr lang="en-GB" i="1" dirty="0"/>
+              <a:t> true</a:t>
+            </a:r>
+            <a:br>
+              <a:rPr lang="en-US" sz="2300" dirty="0"/>
+            </a:br>
+            <a:br>
+              <a:rPr lang="en-US" sz="2300" dirty="0"/>
+            </a:br>
+            <a:br>
+              <a:rPr lang="en-US" sz="2300" dirty="0"/>
+            </a:br>
+            <a:endParaRPr lang="en-US" sz="2300" dirty="0"/>
+          </a:p>
+          <a:p>
+            <a:pPr marL="914400" lvl="2" indent="0">
+              <a:buNone/>
+            </a:pPr>
+            <a:endParaRPr lang="en-US" sz="2300" dirty="0"/>
+          </a:p>
+        </p:txBody>
+      </p:sp>
+      <p:sp>
+        <p:nvSpPr>
+          <p:cNvPr id="3" name="Footer Placeholder 2"/>
+          <p:cNvSpPr>
+            <a:spLocks noGrp="1"/>
+          </p:cNvSpPr>
+          <p:nvPr>
+            <p:ph type="ftr" sz="quarter" idx="3"/>
+          </p:nvPr>
+        </p:nvSpPr>
+        <p:spPr/>
+        <p:txBody>
+          <a:bodyPr/>
+          <a:lstStyle/>
+          <a:p>
+            <a:r>
+              <a:rPr lang="en-GB" sz="1600" dirty="0"/>
+              <a:t>#</a:t>
+            </a:r>
+            <a:r>
+              <a:rPr lang="en-GB" sz="1600" dirty="0" err="1"/>
+              <a:t>DevOpsPlayground</a:t>
+            </a:r>
+            <a:endParaRPr lang="en-GB" sz="1600" dirty="0"/>
+          </a:p>
+        </p:txBody>
+      </p:sp>
+      <p:sp>
+        <p:nvSpPr>
+          <p:cNvPr id="4" name="TextBox 3"/>
+          <p:cNvSpPr txBox="1"/>
+          <p:nvPr/>
+        </p:nvSpPr>
+        <p:spPr>
+          <a:xfrm>
+            <a:off x="611560" y="692696"/>
+            <a:ext cx="7920880" cy="523220"/>
+          </a:xfrm>
+          <a:prstGeom prst="rect">
+            <a:avLst/>
+          </a:prstGeom>
+          <a:noFill/>
+        </p:spPr>
+        <p:txBody>
+          <a:bodyPr wrap="square" rtlCol="0">
+            <a:spAutoFit/>
+          </a:bodyPr>
+          <a:lstStyle/>
+          <a:p>
+            <a:r>
+              <a:rPr lang="en-GB" sz="2800" dirty="0">
+                <a:solidFill>
+                  <a:srgbClr val="0070B7"/>
+                </a:solidFill>
+                <a:latin typeface="Arial" panose="020B0604020202020204" pitchFamily="34" charset="0"/>
+                <a:cs typeface="Arial" panose="020B0604020202020204" pitchFamily="34" charset="0"/>
+              </a:rPr>
+              <a:t>Running tests on Cloud Proxy</a:t>
+            </a:r>
+          </a:p>
+        </p:txBody>
+      </p:sp>
+    </p:spTree>
+    <p:extLst>
+      <p:ext uri="{BB962C8B-B14F-4D97-AF65-F5344CB8AC3E}">
+        <p14:creationId xmlns:p14="http://schemas.microsoft.com/office/powerpoint/2010/main" val="630844028"/>
+      </p:ext>
+    </p:extLst>
+  </p:cSld>
+  <p:clrMapOvr>
+    <a:masterClrMapping/>
+  </p:clrMapOvr>
+  <p:timing>
+    <p:tnLst>
+      <p:par>
+        <p:cTn id="1" dur="indefinite" restart="never" nodeType="tmRoot">
+          <p:childTnLst>
+            <p:seq concurrent="1" nextAc="seek">
+              <p:cTn id="2" dur="indefinite" nodeType="mainSeq">
+                <p:childTnLst>
+                  <p:par>
+                    <p:cTn id="3" fill="hold">
+                      <p:stCondLst>
+                        <p:cond delay="indefinite"/>
+                      </p:stCondLst>
+                      <p:childTnLst>
+                        <p:par>
+                          <p:cTn id="4" fill="hold">
+                            <p:stCondLst>
+                              <p:cond delay="0"/>
+                            </p:stCondLst>
+                            <p:childTnLst>
+                              <p:par>
+                                <p:cTn id="5" presetID="1" presetClass="entr" presetSubtype="0" fill="hold" grpId="0" nodeType="clickEffect">
+                                  <p:stCondLst>
+                                    <p:cond delay="0"/>
+                                  </p:stCondLst>
+                                  <p:childTnLst>
+                                    <p:set>
+                                      <p:cBhvr>
+                                        <p:cTn id="6" dur="1" fill="hold">
+                                          <p:stCondLst>
+                                            <p:cond delay="0"/>
+                                          </p:stCondLst>
+                                        </p:cTn>
+                                        <p:tgtEl>
+                                          <p:spTgt spid="2">
+                                            <p:txEl>
+                                              <p:pRg st="0" end="0"/>
+                                            </p:txEl>
+                                          </p:spTgt>
+                                        </p:tgtEl>
+                                        <p:attrNameLst>
+                                          <p:attrName>style.visibility</p:attrName>
+                                        </p:attrNameLst>
+                                      </p:cBhvr>
+                                      <p:to>
+                                        <p:strVal val="visible"/>
+                                      </p:to>
+                                    </p:set>
+                                  </p:childTnLst>
+                                </p:cTn>
+                              </p:par>
+                              <p:par>
+                                <p:cTn id="7" presetID="1" presetClass="entr" presetSubtype="0" fill="hold" grpId="0" nodeType="withEffect">
+                                  <p:stCondLst>
+                                    <p:cond delay="0"/>
+                                  </p:stCondLst>
+                                  <p:childTnLst>
+                                    <p:set>
+                                      <p:cBhvr>
+                                        <p:cTn id="8" dur="1" fill="hold">
+                                          <p:stCondLst>
+                                            <p:cond delay="0"/>
+                                          </p:stCondLst>
+                                        </p:cTn>
+                                        <p:tgtEl>
+                                          <p:spTgt spid="2">
+                                            <p:txEl>
+                                              <p:pRg st="1" end="1"/>
+                                            </p:txEl>
+                                          </p:spTgt>
+                                        </p:tgtEl>
+                                        <p:attrNameLst>
+                                          <p:attrName>style.visibility</p:attrName>
+                                        </p:attrNameLst>
+                                      </p:cBhvr>
+                                      <p:to>
+                                        <p:strVal val="visible"/>
+                                      </p:to>
+                                    </p:set>
+                                  </p:childTnLst>
+                                </p:cTn>
+                              </p:par>
+                              <p:par>
+                                <p:cTn id="9" presetID="1" presetClass="entr" presetSubtype="0" fill="hold" grpId="0" nodeType="withEffect">
+                                  <p:stCondLst>
+                                    <p:cond delay="0"/>
+                                  </p:stCondLst>
+                                  <p:childTnLst>
+                                    <p:set>
+                                      <p:cBhvr>
+                                        <p:cTn id="10" dur="1" fill="hold">
+                                          <p:stCondLst>
+                                            <p:cond delay="0"/>
+                                          </p:stCondLst>
+                                        </p:cTn>
+                                        <p:tgtEl>
+                                          <p:spTgt spid="2">
+                                            <p:txEl>
+                                              <p:pRg st="2" end="2"/>
+                                            </p:txEl>
+                                          </p:spTgt>
+                                        </p:tgtEl>
+                                        <p:attrNameLst>
+                                          <p:attrName>style.visibility</p:attrName>
+                                        </p:attrNameLst>
+                                      </p:cBhvr>
+                                      <p:to>
+                                        <p:strVal val="visible"/>
+                                      </p:to>
+                                    </p:set>
+                                  </p:childTnLst>
+                                </p:cTn>
+                              </p:par>
+                              <p:par>
+                                <p:cTn id="11" presetID="1" presetClass="entr" presetSubtype="0" fill="hold" grpId="0" nodeType="withEffect">
+                                  <p:stCondLst>
+                                    <p:cond delay="0"/>
+                                  </p:stCondLst>
+                                  <p:childTnLst>
+                                    <p:set>
+                                      <p:cBhvr>
+                                        <p:cTn id="12" dur="1" fill="hold">
+                                          <p:stCondLst>
+                                            <p:cond delay="0"/>
+                                          </p:stCondLst>
+                                        </p:cTn>
+                                        <p:tgtEl>
+                                          <p:spTgt spid="2">
+                                            <p:txEl>
+                                              <p:pRg st="3" end="3"/>
+                                            </p:txEl>
+                                          </p:spTgt>
+                                        </p:tgtEl>
+                                        <p:attrNameLst>
+                                          <p:attrName>style.visibility</p:attrName>
+                                        </p:attrNameLst>
+                                      </p:cBhvr>
+                                      <p:to>
+                                        <p:strVal val="visible"/>
+                                      </p:to>
+                                    </p:set>
+                                  </p:childTnLst>
+                                </p:cTn>
+                              </p:par>
+                            </p:childTnLst>
+                          </p:cTn>
+                        </p:par>
+                      </p:childTnLst>
+                    </p:cTn>
+                  </p:par>
+                  <p:par>
+                    <p:cTn id="13" fill="hold">
+                      <p:stCondLst>
+                        <p:cond delay="indefinite"/>
+                      </p:stCondLst>
+                      <p:childTnLst>
+                        <p:par>
+                          <p:cTn id="14" fill="hold">
+                            <p:stCondLst>
+                              <p:cond delay="0"/>
+                            </p:stCondLst>
+                            <p:childTnLst>
+                              <p:par>
+                                <p:cTn id="15" presetID="1" presetClass="entr" presetSubtype="0" fill="hold" grpId="0" nodeType="clickEffect">
+                                  <p:stCondLst>
+                                    <p:cond delay="0"/>
+                                  </p:stCondLst>
+                                  <p:childTnLst>
+                                    <p:set>
+                                      <p:cBhvr>
+                                        <p:cTn id="16" dur="1" fill="hold">
+                                          <p:stCondLst>
+                                            <p:cond delay="0"/>
+                                          </p:stCondLst>
+                                        </p:cTn>
+                                        <p:tgtEl>
+                                          <p:spTgt spid="2">
+                                            <p:txEl>
+                                              <p:pRg st="5" end="5"/>
+                                            </p:txEl>
+                                          </p:spTgt>
+                                        </p:tgtEl>
+                                        <p:attrNameLst>
+                                          <p:attrName>style.visibility</p:attrName>
+                                        </p:attrNameLst>
+                                      </p:cBhvr>
+                                      <p:to>
+                                        <p:strVal val="visible"/>
+                                      </p:to>
+                                    </p:set>
+                                  </p:childTnLst>
+                                </p:cTn>
+                              </p:par>
+                            </p:childTnLst>
+                          </p:cTn>
+                        </p:par>
+                      </p:childTnLst>
+                    </p:cTn>
+                  </p:par>
+                  <p:par>
+                    <p:cTn id="17" fill="hold">
+                      <p:stCondLst>
+                        <p:cond delay="indefinite"/>
+                      </p:stCondLst>
+                      <p:childTnLst>
+                        <p:par>
+                          <p:cTn id="18" fill="hold">
+                            <p:stCondLst>
+                              <p:cond delay="0"/>
+                            </p:stCondLst>
+                            <p:childTnLst>
+                              <p:par>
+                                <p:cTn id="19" presetID="1" presetClass="entr" presetSubtype="0" fill="hold" grpId="0" nodeType="clickEffect">
+                                  <p:stCondLst>
+                                    <p:cond delay="0"/>
+                                  </p:stCondLst>
+                                  <p:childTnLst>
+                                    <p:set>
+                                      <p:cBhvr>
+                                        <p:cTn id="20" dur="1" fill="hold">
+                                          <p:stCondLst>
+                                            <p:cond delay="0"/>
+                                          </p:stCondLst>
+                                        </p:cTn>
+                                        <p:tgtEl>
+                                          <p:spTgt spid="2">
+                                            <p:txEl>
+                                              <p:pRg st="6" end="6"/>
+                                            </p:txEl>
+                                          </p:spTgt>
+                                        </p:tgtEl>
+                                        <p:attrNameLst>
+                                          <p:attrName>style.visibility</p:attrName>
+                                        </p:attrNameLst>
+                                      </p:cBhvr>
+                                      <p:to>
+                                        <p:strVal val="visible"/>
+                                      </p:to>
+                                    </p:set>
+                                  </p:childTnLst>
+                                </p:cTn>
+                              </p:par>
+                            </p:childTnLst>
+                          </p:cTn>
+                        </p:par>
+                      </p:childTnLst>
+                    </p:cTn>
+                  </p:par>
+                  <p:par>
+                    <p:cTn id="21" fill="hold">
+                      <p:stCondLst>
+                        <p:cond delay="indefinite"/>
+                      </p:stCondLst>
+                      <p:childTnLst>
+                        <p:par>
+                          <p:cTn id="22" fill="hold">
+                            <p:stCondLst>
+                              <p:cond delay="0"/>
+                            </p:stCondLst>
+                            <p:childTnLst>
+                              <p:par>
+                                <p:cTn id="23" presetID="1" presetClass="entr" presetSubtype="0" fill="hold" grpId="0" nodeType="clickEffect">
+                                  <p:stCondLst>
+                                    <p:cond delay="0"/>
+                                  </p:stCondLst>
+                                  <p:childTnLst>
+                                    <p:set>
+                                      <p:cBhvr>
+                                        <p:cTn id="24" dur="1" fill="hold">
+                                          <p:stCondLst>
+                                            <p:cond delay="0"/>
+                                          </p:stCondLst>
+                                        </p:cTn>
+                                        <p:tgtEl>
+                                          <p:spTgt spid="2">
+                                            <p:txEl>
+                                              <p:pRg st="7" end="7"/>
+                                            </p:txEl>
+                                          </p:spTgt>
+                                        </p:tgtEl>
+                                        <p:attrNameLst>
+                                          <p:attrName>style.visibility</p:attrName>
+                                        </p:attrNameLst>
+                                      </p:cBhvr>
+                                      <p:to>
+                                        <p:strVal val="visible"/>
+                                      </p:to>
+                                    </p:set>
+                                  </p:childTnLst>
+                                </p:cTn>
+                              </p:par>
+                            </p:childTnLst>
+                          </p:cTn>
+                        </p:par>
+                      </p:childTnLst>
+                    </p:cTn>
+                  </p:par>
+                </p:childTnLst>
+              </p:cTn>
+              <p:prevCondLst>
+                <p:cond evt="onPrev" delay="0">
+                  <p:tgtEl>
+                    <p:sldTgt/>
+                  </p:tgtEl>
+                </p:cond>
+              </p:prevCondLst>
+              <p:nextCondLst>
+                <p:cond evt="onNext" delay="0">
+                  <p:tgtEl>
+                    <p:sldTgt/>
+                  </p:tgtEl>
+                </p:cond>
+              </p:nextCondLst>
+            </p:seq>
+          </p:childTnLst>
+        </p:cTn>
+      </p:par>
+    </p:tnLst>
+    <p:bldLst>
+      <p:bldP spid="2" grpId="0" uiExpand="1" build="p"/>
+    </p:bldLst>
+  </p:timing>
+</p:sld>
+</file>
+
+<file path=ppt/slides/slide14.xml><?xml version="1.0" encoding="utf-8"?>
+<p:sld xmlns:a="http://schemas.openxmlformats.org/drawingml/2006/main" xmlns:r="http://schemas.openxmlformats.org/officeDocument/2006/relationships" xmlns:p="http://schemas.openxmlformats.org/presentationml/2006/main">
+  <p:cSld>
+    <p:spTree>
+      <p:nvGrpSpPr>
+        <p:cNvPr id="1" name=""/>
+        <p:cNvGrpSpPr/>
+        <p:nvPr/>
+      </p:nvGrpSpPr>
+      <p:grpSpPr>
+        <a:xfrm>
+          <a:off x="0" y="0"/>
+          <a:ext cx="0" cy="0"/>
+          <a:chOff x="0" y="0"/>
+          <a:chExt cx="0" cy="0"/>
+        </a:xfrm>
+      </p:grpSpPr>
+      <p:sp>
+        <p:nvSpPr>
+          <p:cNvPr id="2" name="Content Placeholder 1"/>
+          <p:cNvSpPr>
+            <a:spLocks noGrp="1"/>
+          </p:cNvSpPr>
+          <p:nvPr>
+            <p:ph idx="1"/>
+          </p:nvPr>
+        </p:nvSpPr>
+        <p:spPr>
+          <a:xfrm>
+            <a:off x="611560" y="1600201"/>
+            <a:ext cx="7920880" cy="4525963"/>
+          </a:xfrm>
+        </p:spPr>
+        <p:txBody>
+          <a:bodyPr>
+            <a:noAutofit/>
+          </a:bodyPr>
+          <a:lstStyle/>
+          <a:p>
+            <a:r>
+              <a:rPr lang="en-US" sz="2300" dirty="0"/>
+              <a:t>Basic </a:t>
+            </a:r>
+            <a:r>
+              <a:rPr lang="en-US" sz="2300" dirty="0" err="1"/>
+              <a:t>auth</a:t>
+            </a:r>
+            <a:r>
+              <a:rPr lang="en-US" sz="2300" dirty="0"/>
+              <a:t> grid protection can be implemented for deploying </a:t>
+            </a:r>
+            <a:r>
+              <a:rPr lang="en-US" sz="2300" dirty="0" err="1"/>
+              <a:t>Zalenium</a:t>
+            </a:r>
+            <a:r>
+              <a:rPr lang="en-US" sz="2300" dirty="0"/>
+              <a:t> in the cloud.</a:t>
+            </a:r>
+          </a:p>
+          <a:p>
+            <a:endParaRPr lang="en-US" sz="2300" dirty="0"/>
+          </a:p>
+          <a:p>
+            <a:r>
+              <a:rPr lang="en-US" sz="2300" dirty="0" err="1"/>
+              <a:t>Zalenium</a:t>
+            </a:r>
+            <a:r>
+              <a:rPr lang="en-US" sz="2300" dirty="0"/>
+              <a:t> start/stop can be streamlined into one curl command </a:t>
+            </a:r>
+          </a:p>
+          <a:p>
+            <a:pPr lvl="1"/>
+            <a:r>
+              <a:rPr lang="en-GB" i="1" dirty="0"/>
+              <a:t>curl -</a:t>
+            </a:r>
+            <a:r>
+              <a:rPr lang="en-GB" i="1" dirty="0" err="1"/>
+              <a:t>sSL</a:t>
+            </a:r>
+            <a:r>
+              <a:rPr lang="en-GB" i="1" dirty="0"/>
+              <a:t> https://</a:t>
+            </a:r>
+            <a:r>
+              <a:rPr lang="en-GB" i="1" dirty="0" err="1"/>
+              <a:t>raw.githubusercontent.com</a:t>
+            </a:r>
+            <a:r>
+              <a:rPr lang="en-GB" i="1" dirty="0"/>
+              <a:t>/</a:t>
+            </a:r>
+            <a:r>
+              <a:rPr lang="en-GB" i="1" dirty="0" err="1"/>
+              <a:t>dosel</a:t>
+            </a:r>
+            <a:r>
+              <a:rPr lang="en-GB" i="1" dirty="0"/>
+              <a:t>/t/</a:t>
+            </a:r>
+            <a:r>
+              <a:rPr lang="en-GB" i="1" dirty="0" err="1"/>
+              <a:t>i</a:t>
+            </a:r>
+            <a:r>
+              <a:rPr lang="en-GB" i="1" dirty="0"/>
+              <a:t>/p | bash -s start </a:t>
+            </a:r>
+          </a:p>
+          <a:p>
+            <a:pPr lvl="1"/>
+            <a:r>
+              <a:rPr lang="en-GB" i="1" dirty="0"/>
+              <a:t>curl -</a:t>
+            </a:r>
+            <a:r>
+              <a:rPr lang="en-GB" i="1" dirty="0" err="1"/>
+              <a:t>sSL</a:t>
+            </a:r>
+            <a:r>
+              <a:rPr lang="en-GB" i="1" dirty="0"/>
+              <a:t> https://</a:t>
+            </a:r>
+            <a:r>
+              <a:rPr lang="en-GB" i="1" dirty="0" err="1"/>
+              <a:t>raw.githubusercontent.com</a:t>
+            </a:r>
+            <a:r>
+              <a:rPr lang="en-GB" i="1" dirty="0"/>
+              <a:t>/</a:t>
+            </a:r>
+            <a:r>
+              <a:rPr lang="en-GB" i="1" dirty="0" err="1"/>
+              <a:t>dosel</a:t>
+            </a:r>
+            <a:r>
+              <a:rPr lang="en-GB" i="1" dirty="0"/>
+              <a:t>/t/</a:t>
+            </a:r>
+            <a:r>
+              <a:rPr lang="en-GB" i="1" dirty="0" err="1"/>
+              <a:t>i</a:t>
+            </a:r>
+            <a:r>
+              <a:rPr lang="en-GB" i="1" dirty="0"/>
+              <a:t>/p | bash -s stop</a:t>
+            </a:r>
+            <a:endParaRPr lang="en-GB" sz="2400" i="1" dirty="0"/>
+          </a:p>
+          <a:p>
+            <a:endParaRPr lang="en-GB" sz="2400" i="1" dirty="0"/>
+          </a:p>
+          <a:p>
+            <a:r>
+              <a:rPr lang="en-GB" sz="2400" dirty="0"/>
+              <a:t>Set CPU/memory limits, output logs to JSON, set browser screen width/height, time zones and much more…</a:t>
+            </a:r>
+            <a:br>
+              <a:rPr lang="en-GB" sz="2400" dirty="0"/>
+            </a:br>
+            <a:br>
+              <a:rPr lang="en-US" sz="2300" dirty="0"/>
+            </a:br>
+            <a:br>
+              <a:rPr lang="en-US" sz="2300" dirty="0"/>
+            </a:br>
+            <a:br>
+              <a:rPr lang="en-US" sz="2300" dirty="0"/>
+            </a:br>
+            <a:endParaRPr lang="en-US" sz="2300" dirty="0"/>
+          </a:p>
+          <a:p>
+            <a:pPr marL="914400" lvl="2" indent="0">
+              <a:buNone/>
+            </a:pPr>
+            <a:endParaRPr lang="en-US" sz="2300" dirty="0"/>
+          </a:p>
+        </p:txBody>
+      </p:sp>
+      <p:sp>
+        <p:nvSpPr>
+          <p:cNvPr id="3" name="Footer Placeholder 2"/>
+          <p:cNvSpPr>
+            <a:spLocks noGrp="1"/>
+          </p:cNvSpPr>
+          <p:nvPr>
+            <p:ph type="ftr" sz="quarter" idx="3"/>
+          </p:nvPr>
+        </p:nvSpPr>
+        <p:spPr/>
+        <p:txBody>
+          <a:bodyPr/>
+          <a:lstStyle/>
+          <a:p>
+            <a:r>
+              <a:rPr lang="en-GB" sz="1600" dirty="0"/>
+              <a:t>#</a:t>
+            </a:r>
+            <a:r>
+              <a:rPr lang="en-GB" sz="1600" dirty="0" err="1"/>
+              <a:t>DevOpsPlayground</a:t>
+            </a:r>
+            <a:endParaRPr lang="en-GB" sz="1600" dirty="0"/>
+          </a:p>
+        </p:txBody>
+      </p:sp>
+      <p:sp>
+        <p:nvSpPr>
+          <p:cNvPr id="4" name="TextBox 3"/>
+          <p:cNvSpPr txBox="1"/>
+          <p:nvPr/>
+        </p:nvSpPr>
+        <p:spPr>
+          <a:xfrm>
+            <a:off x="611560" y="692696"/>
+            <a:ext cx="7920880" cy="523220"/>
+          </a:xfrm>
+          <a:prstGeom prst="rect">
+            <a:avLst/>
+          </a:prstGeom>
+          <a:noFill/>
+        </p:spPr>
+        <p:txBody>
+          <a:bodyPr wrap="square" rtlCol="0">
+            <a:spAutoFit/>
+          </a:bodyPr>
+          <a:lstStyle/>
+          <a:p>
+            <a:r>
+              <a:rPr lang="en-GB" sz="2800" dirty="0">
+                <a:solidFill>
+                  <a:srgbClr val="0070B7"/>
+                </a:solidFill>
+                <a:latin typeface="Arial" panose="020B0604020202020204" pitchFamily="34" charset="0"/>
+                <a:cs typeface="Arial" panose="020B0604020202020204" pitchFamily="34" charset="0"/>
+              </a:rPr>
+              <a:t>What else can be customised?</a:t>
+            </a:r>
+          </a:p>
+        </p:txBody>
+      </p:sp>
+    </p:spTree>
+    <p:extLst>
+      <p:ext uri="{BB962C8B-B14F-4D97-AF65-F5344CB8AC3E}">
+        <p14:creationId xmlns:p14="http://schemas.microsoft.com/office/powerpoint/2010/main" val="199186152"/>
+      </p:ext>
+    </p:extLst>
+  </p:cSld>
+  <p:clrMapOvr>
+    <a:masterClrMapping/>
+  </p:clrMapOvr>
+  <p:timing>
+    <p:tnLst>
+      <p:par>
+        <p:cTn id="1" dur="indefinite" restart="never" nodeType="tmRoot">
+          <p:childTnLst>
+            <p:seq concurrent="1" nextAc="seek">
+              <p:cTn id="2" dur="indefinite" nodeType="mainSeq">
+                <p:childTnLst>
+                  <p:par>
+                    <p:cTn id="3" fill="hold">
+                      <p:stCondLst>
+                        <p:cond delay="indefinite"/>
+                      </p:stCondLst>
+                      <p:childTnLst>
+                        <p:par>
+                          <p:cTn id="4" fill="hold">
+                            <p:stCondLst>
+                              <p:cond delay="0"/>
+                            </p:stCondLst>
+                            <p:childTnLst>
+                              <p:par>
+                                <p:cTn id="5" presetID="1" presetClass="entr" presetSubtype="0" fill="hold" grpId="0" nodeType="clickEffect">
+                                  <p:stCondLst>
+                                    <p:cond delay="0"/>
+                                  </p:stCondLst>
+                                  <p:childTnLst>
+                                    <p:set>
+                                      <p:cBhvr>
+                                        <p:cTn id="6" dur="1" fill="hold">
+                                          <p:stCondLst>
+                                            <p:cond delay="0"/>
+                                          </p:stCondLst>
+                                        </p:cTn>
+                                        <p:tgtEl>
+                                          <p:spTgt spid="2">
+                                            <p:txEl>
+                                              <p:pRg st="0" end="0"/>
+                                            </p:txEl>
+                                          </p:spTgt>
+                                        </p:tgtEl>
+                                        <p:attrNameLst>
+                                          <p:attrName>style.visibility</p:attrName>
+                                        </p:attrNameLst>
+                                      </p:cBhvr>
+                                      <p:to>
+                                        <p:strVal val="visible"/>
+                                      </p:to>
+                                    </p:set>
+                                  </p:childTnLst>
+                                </p:cTn>
+                              </p:par>
+                            </p:childTnLst>
+                          </p:cTn>
+                        </p:par>
+                      </p:childTnLst>
+                    </p:cTn>
+                  </p:par>
+                  <p:par>
+                    <p:cTn id="7" fill="hold">
+                      <p:stCondLst>
+                        <p:cond delay="indefinite"/>
+                      </p:stCondLst>
+                      <p:childTnLst>
+                        <p:par>
+                          <p:cTn id="8" fill="hold">
+                            <p:stCondLst>
+                              <p:cond delay="0"/>
+                            </p:stCondLst>
+                            <p:childTnLst>
+                              <p:par>
+                                <p:cTn id="9" presetID="1" presetClass="entr" presetSubtype="0" fill="hold" grpId="0" nodeType="clickEffect">
+                                  <p:stCondLst>
+                                    <p:cond delay="0"/>
+                                  </p:stCondLst>
+                                  <p:childTnLst>
+                                    <p:set>
+                                      <p:cBhvr>
+                                        <p:cTn id="10" dur="1" fill="hold">
+                                          <p:stCondLst>
+                                            <p:cond delay="0"/>
+                                          </p:stCondLst>
+                                        </p:cTn>
+                                        <p:tgtEl>
+                                          <p:spTgt spid="2">
+                                            <p:txEl>
+                                              <p:pRg st="2" end="2"/>
+                                            </p:txEl>
+                                          </p:spTgt>
+                                        </p:tgtEl>
+                                        <p:attrNameLst>
+                                          <p:attrName>style.visibility</p:attrName>
+                                        </p:attrNameLst>
+                                      </p:cBhvr>
+                                      <p:to>
+                                        <p:strVal val="visible"/>
+                                      </p:to>
+                                    </p:set>
+                                  </p:childTnLst>
+                                </p:cTn>
+                              </p:par>
+                              <p:par>
+                                <p:cTn id="11" presetID="1" presetClass="entr" presetSubtype="0" fill="hold" grpId="0" nodeType="withEffect">
+                                  <p:stCondLst>
+                                    <p:cond delay="0"/>
+                                  </p:stCondLst>
+                                  <p:childTnLst>
+                                    <p:set>
+                                      <p:cBhvr>
+                                        <p:cTn id="12" dur="1" fill="hold">
+                                          <p:stCondLst>
+                                            <p:cond delay="0"/>
+                                          </p:stCondLst>
+                                        </p:cTn>
+                                        <p:tgtEl>
+                                          <p:spTgt spid="2">
+                                            <p:txEl>
+                                              <p:pRg st="3" end="3"/>
+                                            </p:txEl>
+                                          </p:spTgt>
+                                        </p:tgtEl>
+                                        <p:attrNameLst>
+                                          <p:attrName>style.visibility</p:attrName>
+                                        </p:attrNameLst>
+                                      </p:cBhvr>
+                                      <p:to>
+                                        <p:strVal val="visible"/>
+                                      </p:to>
+                                    </p:set>
+                                  </p:childTnLst>
+                                </p:cTn>
+                              </p:par>
+                              <p:par>
+                                <p:cTn id="13" presetID="1" presetClass="entr" presetSubtype="0" fill="hold" grpId="0" nodeType="withEffect">
+                                  <p:stCondLst>
+                                    <p:cond delay="0"/>
+                                  </p:stCondLst>
+                                  <p:childTnLst>
+                                    <p:set>
+                                      <p:cBhvr>
+                                        <p:cTn id="14" dur="1" fill="hold">
+                                          <p:stCondLst>
+                                            <p:cond delay="0"/>
+                                          </p:stCondLst>
+                                        </p:cTn>
+                                        <p:tgtEl>
+                                          <p:spTgt spid="2">
+                                            <p:txEl>
+                                              <p:pRg st="4" end="4"/>
+                                            </p:txEl>
+                                          </p:spTgt>
+                                        </p:tgtEl>
+                                        <p:attrNameLst>
+                                          <p:attrName>style.visibility</p:attrName>
+                                        </p:attrNameLst>
+                                      </p:cBhvr>
+                                      <p:to>
+                                        <p:strVal val="visible"/>
+                                      </p:to>
+                                    </p:set>
+                                  </p:childTnLst>
+                                </p:cTn>
+                              </p:par>
+                            </p:childTnLst>
+                          </p:cTn>
+                        </p:par>
+                      </p:childTnLst>
+                    </p:cTn>
+                  </p:par>
+                  <p:par>
+                    <p:cTn id="15" fill="hold">
+                      <p:stCondLst>
+                        <p:cond delay="indefinite"/>
+                      </p:stCondLst>
+                      <p:childTnLst>
+                        <p:par>
+                          <p:cTn id="16" fill="hold">
+                            <p:stCondLst>
+                              <p:cond delay="0"/>
+                            </p:stCondLst>
+                            <p:childTnLst>
+                              <p:par>
+                                <p:cTn id="17" presetID="1" presetClass="entr" presetSubtype="0" fill="hold" grpId="0" nodeType="clickEffect">
+                                  <p:stCondLst>
+                                    <p:cond delay="0"/>
+                                  </p:stCondLst>
+                                  <p:childTnLst>
+                                    <p:set>
+                                      <p:cBhvr>
+                                        <p:cTn id="18" dur="1" fill="hold">
+                                          <p:stCondLst>
+                                            <p:cond delay="0"/>
+                                          </p:stCondLst>
+                                        </p:cTn>
+                                        <p:tgtEl>
+                                          <p:spTgt spid="2">
+                                            <p:txEl>
+                                              <p:pRg st="6" end="6"/>
+                                            </p:txEl>
+                                          </p:spTgt>
+                                        </p:tgtEl>
+                                        <p:attrNameLst>
+                                          <p:attrName>style.visibility</p:attrName>
+                                        </p:attrNameLst>
+                                      </p:cBhvr>
+                                      <p:to>
+                                        <p:strVal val="visible"/>
+                                      </p:to>
+                                    </p:set>
+                                  </p:childTnLst>
+                                </p:cTn>
+                              </p:par>
+                            </p:childTnLst>
+                          </p:cTn>
+                        </p:par>
+                      </p:childTnLst>
+                    </p:cTn>
+                  </p:par>
+                </p:childTnLst>
+              </p:cTn>
+              <p:prevCondLst>
+                <p:cond evt="onPrev" delay="0">
+                  <p:tgtEl>
+                    <p:sldTgt/>
+                  </p:tgtEl>
+                </p:cond>
+              </p:prevCondLst>
+              <p:nextCondLst>
+                <p:cond evt="onNext" delay="0">
+                  <p:tgtEl>
+                    <p:sldTgt/>
+                  </p:tgtEl>
+                </p:cond>
+              </p:nextCondLst>
+            </p:seq>
+          </p:childTnLst>
+        </p:cTn>
+      </p:par>
+    </p:tnLst>
+    <p:bldLst>
+      <p:bldP spid="2" grpId="0" build="p"/>
+    </p:bldLst>
+  </p:timing>
+</p:sld>
+</file>
+
+<file path=ppt/slides/slide15.xml><?xml version="1.0" encoding="utf-8"?>
+<p:sld xmlns:a="http://schemas.openxmlformats.org/drawingml/2006/main" xmlns:r="http://schemas.openxmlformats.org/officeDocument/2006/relationships" xmlns:p="http://schemas.openxmlformats.org/presentationml/2006/main">
+  <p:cSld>
+    <p:spTree>
+      <p:nvGrpSpPr>
+        <p:cNvPr id="1" name=""/>
+        <p:cNvGrpSpPr/>
+        <p:nvPr/>
+      </p:nvGrpSpPr>
+      <p:grpSpPr>
+        <a:xfrm>
+          <a:off x="0" y="0"/>
+          <a:ext cx="0" cy="0"/>
+          <a:chOff x="0" y="0"/>
+          <a:chExt cx="0" cy="0"/>
+        </a:xfrm>
+      </p:grpSpPr>
+      <p:sp>
+        <p:nvSpPr>
+          <p:cNvPr id="2" name="Footer Placeholder 1"/>
+          <p:cNvSpPr>
+            <a:spLocks noGrp="1"/>
+          </p:cNvSpPr>
+          <p:nvPr>
+            <p:ph type="ftr" sz="quarter" idx="11"/>
+          </p:nvPr>
+        </p:nvSpPr>
+        <p:spPr/>
+        <p:txBody>
+          <a:bodyPr/>
+          <a:lstStyle/>
+          <a:p>
+            <a:r>
+              <a:rPr lang="en-GB" sz="1600" dirty="0"/>
+              <a:t>#</a:t>
+            </a:r>
+            <a:r>
+              <a:rPr lang="en-GB" sz="1600" dirty="0" err="1"/>
+              <a:t>DevOpsPlayground</a:t>
+            </a:r>
+            <a:endParaRPr lang="en-GB" sz="1600" dirty="0"/>
+          </a:p>
+        </p:txBody>
+      </p:sp>
+      <p:sp>
+        <p:nvSpPr>
+          <p:cNvPr id="3" name="Text Placeholder 2"/>
+          <p:cNvSpPr>
+            <a:spLocks noGrp="1"/>
+          </p:cNvSpPr>
+          <p:nvPr>
+            <p:ph type="body" idx="13"/>
+          </p:nvPr>
+        </p:nvSpPr>
+        <p:spPr/>
+        <p:txBody>
+          <a:bodyPr/>
+          <a:lstStyle/>
+          <a:p>
+            <a:r>
+              <a:rPr lang="en-GB" dirty="0"/>
+              <a:t>Thank You</a:t>
+            </a:r>
+          </a:p>
+        </p:txBody>
+      </p:sp>
+      <p:sp>
+        <p:nvSpPr>
+          <p:cNvPr id="4" name="Title 5"/>
+          <p:cNvSpPr txBox="1">
+            <a:spLocks/>
+          </p:cNvSpPr>
+          <p:nvPr/>
+        </p:nvSpPr>
+        <p:spPr>
+          <a:xfrm>
+            <a:off x="539552" y="5661248"/>
+            <a:ext cx="7772400" cy="345281"/>
+          </a:xfrm>
+          <a:prstGeom prst="rect">
+            <a:avLst/>
+          </a:prstGeom>
+        </p:spPr>
+        <p:txBody>
+          <a:bodyPr vert="horz" lIns="91440" tIns="45720" rIns="91440" bIns="45720" rtlCol="0" anchor="ctr">
+            <a:normAutofit fontScale="85000" lnSpcReduction="20000"/>
+          </a:bodyPr>
+          <a:lstStyle>
+            <a:lvl1pPr algn="l" defTabSz="914400" rtl="0" eaLnBrk="1" latinLnBrk="0" hangingPunct="1">
+              <a:spcBef>
+                <a:spcPct val="0"/>
+              </a:spcBef>
+              <a:buNone/>
+              <a:defRPr sz="4000" kern="1200">
+                <a:solidFill>
+                  <a:schemeClr val="bg1"/>
+                </a:solidFill>
+                <a:latin typeface="Arial" panose="020B0604020202020204" pitchFamily="34" charset="0"/>
+                <a:ea typeface="+mj-ea"/>
+                <a:cs typeface="Arial" panose="020B0604020202020204" pitchFamily="34" charset="0"/>
+              </a:defRPr>
+            </a:lvl1pPr>
+          </a:lstStyle>
+          <a:p>
+            <a:r>
+              <a:rPr lang="en-GB" sz="2400" dirty="0"/>
+              <a:t>Ali Hill, Hammad </a:t>
+            </a:r>
+            <a:r>
+              <a:rPr lang="en-GB" sz="2400" dirty="0" err="1"/>
+              <a:t>Chandio</a:t>
+            </a:r>
+            <a:r>
+              <a:rPr lang="en-GB" sz="2400" dirty="0"/>
+              <a:t>, Farhan Shaikh</a:t>
+            </a:r>
+          </a:p>
+        </p:txBody>
+      </p:sp>
+      <p:pic>
+        <p:nvPicPr>
+          <p:cNvPr id="6" name="Picture 5">
+            <a:extLst>
+              <a:ext uri="{FF2B5EF4-FFF2-40B4-BE49-F238E27FC236}">
+                <a16:creationId xmlns:a16="http://schemas.microsoft.com/office/drawing/2014/main" id="{AFC81AFD-59B1-1547-8B68-C03A1AA21FAD}"/>
+              </a:ext>
+            </a:extLst>
+          </p:cNvPr>
+          <p:cNvPicPr>
+            <a:picLocks noChangeAspect="1"/>
+          </p:cNvPicPr>
+          <p:nvPr/>
+        </p:nvPicPr>
+        <p:blipFill>
+          <a:blip r:embed="rId2">
+            <a:extLst>
+              <a:ext uri="{28A0092B-C50C-407E-A947-70E740481C1C}">
+                <a14:useLocalDpi xmlns:a14="http://schemas.microsoft.com/office/drawing/2010/main" val="0"/>
+              </a:ext>
+            </a:extLst>
+          </a:blip>
+          <a:stretch>
+            <a:fillRect/>
+          </a:stretch>
+        </p:blipFill>
+        <p:spPr>
+          <a:xfrm>
+            <a:off x="2801506" y="2820296"/>
+            <a:ext cx="5818698" cy="2491130"/>
+          </a:xfrm>
+          <a:prstGeom prst="rect">
+            <a:avLst/>
+          </a:prstGeom>
+        </p:spPr>
+      </p:pic>
+      <p:pic>
+        <p:nvPicPr>
+          <p:cNvPr id="8" name="Picture 7">
+            <a:extLst>
+              <a:ext uri="{FF2B5EF4-FFF2-40B4-BE49-F238E27FC236}">
+                <a16:creationId xmlns:a16="http://schemas.microsoft.com/office/drawing/2014/main" id="{ADAE0AD4-F82D-C04F-84B2-1463927F637A}"/>
+              </a:ext>
+            </a:extLst>
+          </p:cNvPr>
+          <p:cNvPicPr>
+            <a:picLocks noChangeAspect="1"/>
+          </p:cNvPicPr>
+          <p:nvPr/>
+        </p:nvPicPr>
+        <p:blipFill>
+          <a:blip r:embed="rId3">
+            <a:extLst>
+              <a:ext uri="{28A0092B-C50C-407E-A947-70E740481C1C}">
+                <a14:useLocalDpi xmlns:a14="http://schemas.microsoft.com/office/drawing/2010/main" val="0"/>
+              </a:ext>
+            </a:extLst>
+          </a:blip>
+          <a:stretch>
+            <a:fillRect/>
+          </a:stretch>
+        </p:blipFill>
+        <p:spPr>
+          <a:xfrm>
+            <a:off x="3235530" y="531786"/>
+            <a:ext cx="5244986" cy="2197816"/>
+          </a:xfrm>
+          <a:prstGeom prst="rect">
+            <a:avLst/>
+          </a:prstGeom>
+        </p:spPr>
+      </p:pic>
+    </p:spTree>
+    <p:extLst>
+      <p:ext uri="{BB962C8B-B14F-4D97-AF65-F5344CB8AC3E}">
+        <p14:creationId xmlns:p14="http://schemas.microsoft.com/office/powerpoint/2010/main" val="2079933839"/>
+      </p:ext>
+    </p:extLst>
+  </p:cSld>
+  <p:clrMapOvr>
+    <a:masterClrMapping/>
+  </p:clrMapOvr>
+</p:sld>
+</file>
+
+<file path=ppt/slides/slide2.xml><?xml version="1.0" encoding="utf-8"?>
+<p:sld xmlns:a="http://schemas.openxmlformats.org/drawingml/2006/main" xmlns:r="http://schemas.openxmlformats.org/officeDocument/2006/relationships" xmlns:p="http://schemas.openxmlformats.org/presentationml/2006/main">
+  <p:cSld>
+    <p:spTree>
+      <p:nvGrpSpPr>
+        <p:cNvPr id="1" name=""/>
+        <p:cNvGrpSpPr/>
+        <p:nvPr/>
+      </p:nvGrpSpPr>
+      <p:grpSpPr>
+        <a:xfrm>
+          <a:off x="0" y="0"/>
+          <a:ext cx="0" cy="0"/>
+          <a:chOff x="0" y="0"/>
+          <a:chExt cx="0" cy="0"/>
+        </a:xfrm>
+      </p:grpSpPr>
+      <p:sp>
+        <p:nvSpPr>
+          <p:cNvPr id="6" name="Title 5"/>
+          <p:cNvSpPr>
+            <a:spLocks noGrp="1"/>
+          </p:cNvSpPr>
+          <p:nvPr>
+            <p:ph type="ctrTitle"/>
+          </p:nvPr>
+        </p:nvSpPr>
+        <p:spPr>
+          <a:xfrm>
+            <a:off x="611560" y="2276872"/>
+            <a:ext cx="7772400" cy="2088232"/>
+          </a:xfrm>
+        </p:spPr>
+        <p:txBody>
+          <a:bodyPr>
+            <a:normAutofit fontScale="90000"/>
+          </a:bodyPr>
+          <a:lstStyle/>
+          <a:p>
+            <a:r>
+              <a:rPr lang="en-GB" dirty="0"/>
+              <a:t>Auto-Scaling Selenium Grid with Docker using </a:t>
+            </a:r>
+            <a:r>
+              <a:rPr lang="en-GB" dirty="0" err="1"/>
+              <a:t>Zalenium</a:t>
+            </a:r>
+            <a:br>
+              <a:rPr lang="en-GB" dirty="0"/>
+            </a:br>
+            <a:br>
+              <a:rPr lang="en-GB" dirty="0"/>
+            </a:br>
+            <a:r>
+              <a:rPr lang="en-GB" sz="2700" dirty="0"/>
+              <a:t>#</a:t>
+            </a:r>
+            <a:r>
+              <a:rPr lang="en-GB" sz="2700" dirty="0" err="1"/>
+              <a:t>DevOpsPlayground</a:t>
+            </a:r>
+            <a:endParaRPr lang="en-GB" sz="2700" dirty="0"/>
+          </a:p>
+        </p:txBody>
+      </p:sp>
+      <p:sp>
+        <p:nvSpPr>
+          <p:cNvPr id="7" name="Title 5"/>
+          <p:cNvSpPr txBox="1">
+            <a:spLocks/>
+          </p:cNvSpPr>
+          <p:nvPr/>
+        </p:nvSpPr>
+        <p:spPr>
+          <a:xfrm>
+            <a:off x="539552" y="5661248"/>
+            <a:ext cx="7772400" cy="345281"/>
+          </a:xfrm>
+          <a:prstGeom prst="rect">
+            <a:avLst/>
+          </a:prstGeom>
+        </p:spPr>
+        <p:txBody>
+          <a:bodyPr vert="horz" lIns="91440" tIns="45720" rIns="91440" bIns="45720" rtlCol="0" anchor="ctr">
+            <a:normAutofit fontScale="85000" lnSpcReduction="20000"/>
+          </a:bodyPr>
+          <a:lstStyle>
+            <a:lvl1pPr algn="l" defTabSz="914400" rtl="0" eaLnBrk="1" latinLnBrk="0" hangingPunct="1">
+              <a:spcBef>
+                <a:spcPct val="0"/>
+              </a:spcBef>
+              <a:buNone/>
+              <a:defRPr sz="4000" kern="1200">
+                <a:solidFill>
+                  <a:schemeClr val="bg1"/>
+                </a:solidFill>
+                <a:latin typeface="Arial" panose="020B0604020202020204" pitchFamily="34" charset="0"/>
+                <a:ea typeface="+mj-ea"/>
+                <a:cs typeface="Arial" panose="020B0604020202020204" pitchFamily="34" charset="0"/>
+              </a:defRPr>
+            </a:lvl1pPr>
+          </a:lstStyle>
+          <a:p>
+            <a:r>
+              <a:rPr lang="en-GB" sz="2400" dirty="0"/>
+              <a:t>Ali Hill, Hammad </a:t>
+            </a:r>
+            <a:r>
+              <a:rPr lang="en-GB" sz="2400" dirty="0" err="1"/>
+              <a:t>Chandio</a:t>
+            </a:r>
+            <a:r>
+              <a:rPr lang="en-GB" sz="2400" dirty="0"/>
+              <a:t>, Farhan Shaikh</a:t>
+            </a:r>
+          </a:p>
+        </p:txBody>
+      </p:sp>
+    </p:spTree>
+    <p:extLst>
+      <p:ext uri="{BB962C8B-B14F-4D97-AF65-F5344CB8AC3E}">
+        <p14:creationId xmlns:p14="http://schemas.microsoft.com/office/powerpoint/2010/main" val="2954165043"/>
+      </p:ext>
+    </p:extLst>
+  </p:cSld>
+  <p:clrMapOvr>
+    <a:masterClrMapping/>
+  </p:clrMapOvr>
+</p:sld>
+</file>
+
+<file path=ppt/slides/slide3.xml><?xml version="1.0" encoding="utf-8"?>
+<p:sld xmlns:a="http://schemas.openxmlformats.org/drawingml/2006/main" xmlns:r="http://schemas.openxmlformats.org/officeDocument/2006/relationships" xmlns:p="http://schemas.openxmlformats.org/presentationml/2006/main">
+  <p:cSld>
+    <p:spTree>
+      <p:nvGrpSpPr>
+        <p:cNvPr id="1" name=""/>
+        <p:cNvGrpSpPr/>
+        <p:nvPr/>
+      </p:nvGrpSpPr>
+      <p:grpSpPr>
+        <a:xfrm>
+          <a:off x="0" y="0"/>
+          <a:ext cx="0" cy="0"/>
+          <a:chOff x="0" y="0"/>
+          <a:chExt cx="0" cy="0"/>
+        </a:xfrm>
+      </p:grpSpPr>
+      <p:pic>
+        <p:nvPicPr>
+          <p:cNvPr id="5" name="Content Placeholder 4">
+            <a:extLst>
+              <a:ext uri="{FF2B5EF4-FFF2-40B4-BE49-F238E27FC236}">
+                <a16:creationId xmlns:a16="http://schemas.microsoft.com/office/drawing/2014/main" id="{4D74334C-8D09-A647-8B55-CDD7F8C8B339}"/>
+              </a:ext>
+            </a:extLst>
+          </p:cNvPr>
+          <p:cNvPicPr>
+            <a:picLocks noGrp="1" noChangeAspect="1"/>
+          </p:cNvPicPr>
+          <p:nvPr>
+            <p:ph idx="1"/>
+          </p:nvPr>
+        </p:nvPicPr>
+        <p:blipFill>
+          <a:blip r:embed="rId3">
+            <a:extLst>
+              <a:ext uri="{28A0092B-C50C-407E-A947-70E740481C1C}">
+                <a14:useLocalDpi xmlns:a14="http://schemas.microsoft.com/office/drawing/2010/main" val="0"/>
+              </a:ext>
+            </a:extLst>
+          </a:blip>
+          <a:stretch>
+            <a:fillRect/>
+          </a:stretch>
+        </p:blipFill>
+        <p:spPr>
+          <a:xfrm>
+            <a:off x="634380" y="1808820"/>
+            <a:ext cx="3073524" cy="3073524"/>
+          </a:xfrm>
+        </p:spPr>
+      </p:pic>
+      <p:pic>
+        <p:nvPicPr>
+          <p:cNvPr id="7" name="Picture 6">
+            <a:extLst>
+              <a:ext uri="{FF2B5EF4-FFF2-40B4-BE49-F238E27FC236}">
+                <a16:creationId xmlns:a16="http://schemas.microsoft.com/office/drawing/2014/main" id="{C434120E-954D-1F40-9F56-757C29069AA1}"/>
+              </a:ext>
+            </a:extLst>
+          </p:cNvPr>
+          <p:cNvPicPr>
+            <a:picLocks noChangeAspect="1"/>
+          </p:cNvPicPr>
+          <p:nvPr/>
+        </p:nvPicPr>
+        <p:blipFill>
+          <a:blip r:embed="rId4">
+            <a:extLst>
+              <a:ext uri="{28A0092B-C50C-407E-A947-70E740481C1C}">
+                <a14:useLocalDpi xmlns:a14="http://schemas.microsoft.com/office/drawing/2010/main" val="0"/>
+              </a:ext>
+            </a:extLst>
+          </a:blip>
+          <a:stretch>
+            <a:fillRect/>
+          </a:stretch>
+        </p:blipFill>
+        <p:spPr>
+          <a:xfrm>
+            <a:off x="4896036" y="2726922"/>
+            <a:ext cx="3611942" cy="1512256"/>
+          </a:xfrm>
+          <a:prstGeom prst="rect">
+            <a:avLst/>
+          </a:prstGeom>
+        </p:spPr>
+      </p:pic>
+      <p:sp>
+        <p:nvSpPr>
+          <p:cNvPr id="8" name="TextBox 7">
+            <a:extLst>
+              <a:ext uri="{FF2B5EF4-FFF2-40B4-BE49-F238E27FC236}">
+                <a16:creationId xmlns:a16="http://schemas.microsoft.com/office/drawing/2014/main" id="{47643DDA-87ED-724D-AF74-C1F3D7F53847}"/>
+              </a:ext>
+            </a:extLst>
+          </p:cNvPr>
+          <p:cNvSpPr txBox="1"/>
+          <p:nvPr/>
+        </p:nvSpPr>
+        <p:spPr>
+          <a:xfrm>
+            <a:off x="634380" y="5427222"/>
+            <a:ext cx="7824410" cy="923330"/>
+          </a:xfrm>
+          <a:prstGeom prst="rect">
+            <a:avLst/>
+          </a:prstGeom>
+          <a:noFill/>
+        </p:spPr>
+        <p:txBody>
+          <a:bodyPr wrap="square" rtlCol="0">
+            <a:spAutoFit/>
+          </a:bodyPr>
+          <a:lstStyle/>
+          <a:p>
+            <a:pPr algn="ctr"/>
+            <a:r>
+              <a:rPr lang="en-US" dirty="0"/>
+              <a:t>1</a:t>
+            </a:r>
+            <a:r>
+              <a:rPr lang="en-US" baseline="30000" dirty="0"/>
+              <a:t>st</a:t>
+            </a:r>
+            <a:r>
+              <a:rPr lang="en-US" dirty="0"/>
+              <a:t>-2</a:t>
+            </a:r>
+            <a:r>
+              <a:rPr lang="en-US" baseline="30000" dirty="0"/>
+              <a:t>nd</a:t>
+            </a:r>
+            <a:r>
+              <a:rPr lang="en-US" dirty="0"/>
+              <a:t> November 2018</a:t>
+            </a:r>
+          </a:p>
+          <a:p>
+            <a:pPr algn="ctr"/>
+            <a:endParaRPr lang="en-US" dirty="0"/>
+          </a:p>
+          <a:p>
+            <a:pPr algn="ctr"/>
+            <a:r>
+              <a:rPr lang="en-GB" b="1" dirty="0">
+                <a:hlinkClick r:id="rId5"/>
+              </a:rPr>
+              <a:t>@</a:t>
+            </a:r>
+            <a:r>
+              <a:rPr lang="en-GB" u="sng" dirty="0">
+                <a:hlinkClick r:id="rId5"/>
+              </a:rPr>
+              <a:t>devopsdaysedi</a:t>
+            </a:r>
+            <a:endParaRPr lang="en-US" dirty="0"/>
+          </a:p>
+        </p:txBody>
+      </p:sp>
+      <p:sp>
+        <p:nvSpPr>
+          <p:cNvPr id="9" name="TextBox 8">
+            <a:extLst>
+              <a:ext uri="{FF2B5EF4-FFF2-40B4-BE49-F238E27FC236}">
+                <a16:creationId xmlns:a16="http://schemas.microsoft.com/office/drawing/2014/main" id="{12EEDC4B-D179-5240-94EF-03491ACB3399}"/>
+              </a:ext>
+            </a:extLst>
+          </p:cNvPr>
+          <p:cNvSpPr txBox="1"/>
+          <p:nvPr/>
+        </p:nvSpPr>
+        <p:spPr>
+          <a:xfrm>
+            <a:off x="1477964" y="5057890"/>
+            <a:ext cx="6235618" cy="369332"/>
+          </a:xfrm>
+          <a:prstGeom prst="rect">
+            <a:avLst/>
+          </a:prstGeom>
+          <a:noFill/>
+        </p:spPr>
+        <p:txBody>
+          <a:bodyPr wrap="none" rtlCol="0">
+            <a:spAutoFit/>
+          </a:bodyPr>
+          <a:lstStyle/>
+          <a:p>
+            <a:r>
+              <a:rPr lang="en-US" dirty="0"/>
+              <a:t>https://</a:t>
+            </a:r>
+            <a:r>
+              <a:rPr lang="en-US" dirty="0" err="1"/>
+              <a:t>www.devopsdays.org</a:t>
+            </a:r>
+            <a:r>
+              <a:rPr lang="en-US" dirty="0"/>
+              <a:t>/events/2018-edinburgh/welcome/</a:t>
+            </a:r>
+          </a:p>
+        </p:txBody>
+      </p:sp>
+    </p:spTree>
+    <p:extLst>
+      <p:ext uri="{BB962C8B-B14F-4D97-AF65-F5344CB8AC3E}">
+        <p14:creationId xmlns:p14="http://schemas.microsoft.com/office/powerpoint/2010/main" val="3071101924"/>
+      </p:ext>
+    </p:extLst>
+  </p:cSld>
+  <p:clrMapOvr>
+    <a:masterClrMapping/>
+  </p:clrMapOvr>
+</p:sld>
+</file>
+
+<file path=ppt/slides/slide4.xml><?xml version="1.0" encoding="utf-8"?>
+<p:sld xmlns:a="http://schemas.openxmlformats.org/drawingml/2006/main" xmlns:r="http://schemas.openxmlformats.org/officeDocument/2006/relationships" xmlns:p="http://schemas.openxmlformats.org/presentationml/2006/main">
+  <p:cSld>
+    <p:spTree>
+      <p:nvGrpSpPr>
+        <p:cNvPr id="1" name=""/>
+        <p:cNvGrpSpPr/>
+        <p:nvPr/>
+      </p:nvGrpSpPr>
+      <p:grpSpPr>
+        <a:xfrm>
+          <a:off x="0" y="0"/>
+          <a:ext cx="0" cy="0"/>
+          <a:chOff x="0" y="0"/>
+          <a:chExt cx="0" cy="0"/>
+        </a:xfrm>
+      </p:grpSpPr>
+      <p:sp>
+        <p:nvSpPr>
+          <p:cNvPr id="2" name="Content Placeholder 1"/>
+          <p:cNvSpPr>
+            <a:spLocks noGrp="1"/>
+          </p:cNvSpPr>
+          <p:nvPr>
+            <p:ph idx="1"/>
+          </p:nvPr>
+        </p:nvSpPr>
+        <p:spPr>
+          <a:xfrm>
+            <a:off x="611560" y="1600201"/>
+            <a:ext cx="7920880" cy="4525963"/>
+          </a:xfrm>
+        </p:spPr>
+        <p:txBody>
+          <a:bodyPr>
+            <a:noAutofit/>
+          </a:bodyPr>
+          <a:lstStyle/>
+          <a:p>
+            <a:r>
+              <a:rPr lang="en-US" sz="2300" dirty="0"/>
+              <a:t>Ali Hill</a:t>
+            </a:r>
+          </a:p>
+          <a:p>
+            <a:pPr lvl="1"/>
+            <a:r>
+              <a:rPr lang="en-US" dirty="0"/>
+              <a:t>QA and Continuous Delivery Consultant (Edinburgh)</a:t>
+            </a:r>
+          </a:p>
+          <a:p>
+            <a:pPr lvl="1"/>
+            <a:r>
+              <a:rPr lang="en-US" dirty="0"/>
+              <a:t>Twitter: </a:t>
+            </a:r>
+            <a:r>
+              <a:rPr lang="en-GB" b="1" dirty="0">
+                <a:hlinkClick r:id="rId3"/>
+              </a:rPr>
+              <a:t>@</a:t>
+            </a:r>
+            <a:r>
+              <a:rPr lang="en-GB" u="sng" dirty="0">
+                <a:hlinkClick r:id="rId3"/>
+              </a:rPr>
+              <a:t>ali_hill91</a:t>
+            </a:r>
+            <a:endParaRPr lang="en-GB" u="sng" dirty="0"/>
+          </a:p>
+          <a:p>
+            <a:pPr marL="457200" lvl="1" indent="0">
+              <a:buNone/>
+            </a:pPr>
+            <a:endParaRPr lang="en-US" sz="2300" dirty="0"/>
+          </a:p>
+          <a:p>
+            <a:r>
+              <a:rPr lang="en-US" sz="2300" dirty="0"/>
+              <a:t>Hammad </a:t>
+            </a:r>
+            <a:r>
+              <a:rPr lang="en-US" sz="2300" dirty="0" err="1"/>
+              <a:t>Chandio</a:t>
+            </a:r>
+            <a:endParaRPr lang="en-US" sz="2300" dirty="0"/>
+          </a:p>
+          <a:p>
+            <a:pPr lvl="1"/>
+            <a:r>
+              <a:rPr lang="en-US" dirty="0"/>
+              <a:t>QA and Continuous Delivery Consultant (London)</a:t>
+            </a:r>
+          </a:p>
+          <a:p>
+            <a:endParaRPr lang="en-US" sz="2300" dirty="0"/>
+          </a:p>
+          <a:p>
+            <a:r>
+              <a:rPr lang="en-US" sz="2300" dirty="0"/>
+              <a:t>Farhan Shaikh</a:t>
+            </a:r>
+          </a:p>
+          <a:p>
+            <a:pPr lvl="1"/>
+            <a:r>
+              <a:rPr lang="en-US" dirty="0"/>
+              <a:t>QA and Continuous Delivery Consultant (London)</a:t>
+            </a:r>
+          </a:p>
+          <a:p>
+            <a:endParaRPr lang="en-US" sz="2300" dirty="0"/>
+          </a:p>
+        </p:txBody>
+      </p:sp>
+      <p:sp>
+        <p:nvSpPr>
+          <p:cNvPr id="3" name="Footer Placeholder 2"/>
+          <p:cNvSpPr>
+            <a:spLocks noGrp="1"/>
+          </p:cNvSpPr>
+          <p:nvPr>
+            <p:ph type="ftr" sz="quarter" idx="3"/>
+          </p:nvPr>
+        </p:nvSpPr>
+        <p:spPr>
+          <a:xfrm>
+            <a:off x="3124200" y="6356351"/>
+            <a:ext cx="2895600" cy="365125"/>
+          </a:xfrm>
+        </p:spPr>
+        <p:txBody>
+          <a:bodyPr/>
+          <a:lstStyle/>
+          <a:p>
+            <a:r>
+              <a:rPr lang="en-GB" sz="1600" dirty="0"/>
+              <a:t>#</a:t>
+            </a:r>
+            <a:r>
+              <a:rPr lang="en-GB" sz="1600" dirty="0" err="1"/>
+              <a:t>DevOpsPlayground</a:t>
+            </a:r>
+            <a:endParaRPr lang="en-GB" sz="1600" dirty="0"/>
+          </a:p>
+        </p:txBody>
+      </p:sp>
+      <p:sp>
+        <p:nvSpPr>
+          <p:cNvPr id="4" name="TextBox 3"/>
+          <p:cNvSpPr txBox="1"/>
+          <p:nvPr/>
+        </p:nvSpPr>
+        <p:spPr>
+          <a:xfrm>
+            <a:off x="611560" y="692696"/>
+            <a:ext cx="7920880" cy="523220"/>
+          </a:xfrm>
+          <a:prstGeom prst="rect">
+            <a:avLst/>
+          </a:prstGeom>
+          <a:noFill/>
+        </p:spPr>
+        <p:txBody>
+          <a:bodyPr wrap="square" rtlCol="0">
+            <a:spAutoFit/>
+          </a:bodyPr>
+          <a:lstStyle/>
+          <a:p>
+            <a:r>
+              <a:rPr lang="en-GB" sz="2800">
+                <a:solidFill>
+                  <a:srgbClr val="0070B7"/>
+                </a:solidFill>
+                <a:latin typeface="Arial" panose="020B0604020202020204" pitchFamily="34" charset="0"/>
+                <a:cs typeface="Arial" panose="020B0604020202020204" pitchFamily="34" charset="0"/>
+              </a:rPr>
+              <a:t>About Us</a:t>
+            </a:r>
+            <a:endParaRPr lang="en-GB" sz="2800" dirty="0">
+              <a:solidFill>
+                <a:srgbClr val="0070B7"/>
+              </a:solidFill>
+              <a:latin typeface="Arial" panose="020B0604020202020204" pitchFamily="34" charset="0"/>
+              <a:cs typeface="Arial" panose="020B0604020202020204" pitchFamily="34" charset="0"/>
+            </a:endParaRPr>
+          </a:p>
+        </p:txBody>
+      </p:sp>
+      <p:pic>
+        <p:nvPicPr>
+          <p:cNvPr id="6" name="Picture 5">
+            <a:extLst>
+              <a:ext uri="{FF2B5EF4-FFF2-40B4-BE49-F238E27FC236}">
+                <a16:creationId xmlns:a16="http://schemas.microsoft.com/office/drawing/2014/main" id="{4923CEB4-8350-6E43-9BF4-39D82C16F2CA}"/>
+              </a:ext>
+            </a:extLst>
+          </p:cNvPr>
+          <p:cNvPicPr>
+            <a:picLocks noChangeAspect="1"/>
+          </p:cNvPicPr>
+          <p:nvPr/>
+        </p:nvPicPr>
+        <p:blipFill>
+          <a:blip r:embed="rId4">
+            <a:extLst>
+              <a:ext uri="{28A0092B-C50C-407E-A947-70E740481C1C}">
+                <a14:useLocalDpi xmlns:a14="http://schemas.microsoft.com/office/drawing/2010/main" val="0"/>
+              </a:ext>
+            </a:extLst>
+          </a:blip>
+          <a:stretch>
+            <a:fillRect/>
+          </a:stretch>
+        </p:blipFill>
+        <p:spPr>
+          <a:xfrm>
+            <a:off x="7277670" y="1370014"/>
+            <a:ext cx="1707304" cy="1707304"/>
+          </a:xfrm>
+          <a:prstGeom prst="rect">
+            <a:avLst/>
+          </a:prstGeom>
+        </p:spPr>
+      </p:pic>
+      <p:pic>
+        <p:nvPicPr>
+          <p:cNvPr id="8" name="Picture 7">
+            <a:extLst>
+              <a:ext uri="{FF2B5EF4-FFF2-40B4-BE49-F238E27FC236}">
+                <a16:creationId xmlns:a16="http://schemas.microsoft.com/office/drawing/2014/main" id="{199FCAF8-314F-BC47-B6CA-AE961E8659F6}"/>
+              </a:ext>
+            </a:extLst>
+          </p:cNvPr>
+          <p:cNvPicPr>
+            <a:picLocks noChangeAspect="1"/>
+          </p:cNvPicPr>
+          <p:nvPr/>
+        </p:nvPicPr>
+        <p:blipFill>
+          <a:blip r:embed="rId5">
+            <a:extLst>
+              <a:ext uri="{28A0092B-C50C-407E-A947-70E740481C1C}">
+                <a14:useLocalDpi xmlns:a14="http://schemas.microsoft.com/office/drawing/2010/main" val="0"/>
+              </a:ext>
+            </a:extLst>
+          </a:blip>
+          <a:stretch>
+            <a:fillRect/>
+          </a:stretch>
+        </p:blipFill>
+        <p:spPr>
+          <a:xfrm>
+            <a:off x="7299726" y="3145850"/>
+            <a:ext cx="1694643" cy="1694643"/>
+          </a:xfrm>
+          <a:prstGeom prst="rect">
+            <a:avLst/>
+          </a:prstGeom>
+        </p:spPr>
+      </p:pic>
+      <p:pic>
+        <p:nvPicPr>
+          <p:cNvPr id="10" name="Picture 9">
+            <a:extLst>
+              <a:ext uri="{FF2B5EF4-FFF2-40B4-BE49-F238E27FC236}">
+                <a16:creationId xmlns:a16="http://schemas.microsoft.com/office/drawing/2014/main" id="{69C3AAA4-3A24-3047-88F7-C7516244C761}"/>
+              </a:ext>
+            </a:extLst>
+          </p:cNvPr>
+          <p:cNvPicPr>
+            <a:picLocks noChangeAspect="1"/>
+          </p:cNvPicPr>
+          <p:nvPr/>
+        </p:nvPicPr>
+        <p:blipFill>
+          <a:blip r:embed="rId6">
+            <a:extLst>
+              <a:ext uri="{28A0092B-C50C-407E-A947-70E740481C1C}">
+                <a14:useLocalDpi xmlns:a14="http://schemas.microsoft.com/office/drawing/2010/main" val="0"/>
+              </a:ext>
+            </a:extLst>
+          </a:blip>
+          <a:stretch>
+            <a:fillRect/>
+          </a:stretch>
+        </p:blipFill>
+        <p:spPr>
+          <a:xfrm>
+            <a:off x="7277670" y="4909025"/>
+            <a:ext cx="1716699" cy="1716699"/>
+          </a:xfrm>
+          <a:prstGeom prst="rect">
+            <a:avLst/>
+          </a:prstGeom>
+        </p:spPr>
+      </p:pic>
+    </p:spTree>
+    <p:extLst>
+      <p:ext uri="{BB962C8B-B14F-4D97-AF65-F5344CB8AC3E}">
+        <p14:creationId xmlns:p14="http://schemas.microsoft.com/office/powerpoint/2010/main" val="795935867"/>
+      </p:ext>
+    </p:extLst>
+  </p:cSld>
+  <p:clrMapOvr>
+    <a:masterClrMapping/>
+  </p:clrMapOvr>
+</p:sld>
+</file>
+
+<file path=ppt/slides/slide5.xml><?xml version="1.0" encoding="utf-8"?>
+<p:sld xmlns:a="http://schemas.openxmlformats.org/drawingml/2006/main" xmlns:r="http://schemas.openxmlformats.org/officeDocument/2006/relationships" xmlns:p="http://schemas.openxmlformats.org/presentationml/2006/main">
+  <p:cSld>
+    <p:spTree>
+      <p:nvGrpSpPr>
+        <p:cNvPr id="1" name=""/>
+        <p:cNvGrpSpPr/>
+        <p:nvPr/>
+      </p:nvGrpSpPr>
+      <p:grpSpPr>
+        <a:xfrm>
+          <a:off x="0" y="0"/>
+          <a:ext cx="0" cy="0"/>
+          <a:chOff x="0" y="0"/>
+          <a:chExt cx="0" cy="0"/>
+        </a:xfrm>
+      </p:grpSpPr>
+      <p:sp>
+        <p:nvSpPr>
+          <p:cNvPr id="2" name="Content Placeholder 1"/>
+          <p:cNvSpPr>
+            <a:spLocks noGrp="1"/>
+          </p:cNvSpPr>
+          <p:nvPr>
+            <p:ph idx="1"/>
+          </p:nvPr>
+        </p:nvSpPr>
+        <p:spPr>
+          <a:xfrm>
+            <a:off x="611560" y="1600201"/>
+            <a:ext cx="7920880" cy="4525963"/>
+          </a:xfrm>
+        </p:spPr>
+        <p:txBody>
+          <a:bodyPr>
+            <a:noAutofit/>
+          </a:bodyPr>
+          <a:lstStyle/>
+          <a:p>
+            <a:r>
+              <a:rPr lang="en-US" sz="2300" dirty="0"/>
+              <a:t>Overview of Selenium WebDriver and docker-selenium</a:t>
+            </a:r>
+          </a:p>
+          <a:p>
+            <a:r>
+              <a:rPr lang="en-US" sz="2300" dirty="0"/>
+              <a:t>What is </a:t>
+            </a:r>
+            <a:r>
+              <a:rPr lang="en-US" sz="2300" dirty="0" err="1"/>
+              <a:t>Zalenium</a:t>
+            </a:r>
+            <a:r>
+              <a:rPr lang="en-US" sz="2300" dirty="0"/>
+              <a:t>?</a:t>
+            </a:r>
+          </a:p>
+          <a:p>
+            <a:r>
+              <a:rPr lang="en-US" sz="2300" dirty="0"/>
+              <a:t>How does </a:t>
+            </a:r>
+            <a:r>
+              <a:rPr lang="en-US" sz="2300" dirty="0" err="1"/>
+              <a:t>Zalenium</a:t>
+            </a:r>
+            <a:r>
+              <a:rPr lang="en-US" sz="2300" dirty="0"/>
+              <a:t> work?</a:t>
+            </a:r>
+          </a:p>
+          <a:p>
+            <a:r>
+              <a:rPr lang="en-US" sz="2300" dirty="0"/>
+              <a:t>Why use </a:t>
+            </a:r>
+            <a:r>
+              <a:rPr lang="en-US" sz="2300" dirty="0" err="1"/>
+              <a:t>Zalenium</a:t>
+            </a:r>
+            <a:r>
+              <a:rPr lang="en-US" sz="2300" dirty="0"/>
+              <a:t>?</a:t>
+            </a:r>
+          </a:p>
+          <a:p>
+            <a:r>
+              <a:rPr lang="en-US" sz="2300" dirty="0"/>
+              <a:t>Hands-on session with </a:t>
+            </a:r>
+            <a:r>
+              <a:rPr lang="en-US" sz="2300" dirty="0" err="1"/>
+              <a:t>Zalenium</a:t>
+            </a:r>
+            <a:r>
+              <a:rPr lang="en-US" sz="2300" dirty="0"/>
+              <a:t>.</a:t>
+            </a:r>
+          </a:p>
+          <a:p>
+            <a:r>
+              <a:rPr lang="en-US" sz="2300" dirty="0"/>
+              <a:t>How to run </a:t>
+            </a:r>
+            <a:r>
+              <a:rPr lang="en-US" sz="2300" dirty="0" err="1"/>
+              <a:t>Zalenium</a:t>
+            </a:r>
+            <a:r>
+              <a:rPr lang="en-US" sz="2300" dirty="0"/>
+              <a:t> using a cloud testing provider.</a:t>
+            </a:r>
+          </a:p>
+          <a:p>
+            <a:r>
+              <a:rPr lang="en-US" sz="2300" dirty="0"/>
+              <a:t>Further features of </a:t>
+            </a:r>
+            <a:r>
+              <a:rPr lang="en-US" sz="2300" dirty="0" err="1"/>
+              <a:t>Zalenium</a:t>
+            </a:r>
+            <a:r>
+              <a:rPr lang="en-US" sz="2300" dirty="0"/>
+              <a:t>.</a:t>
+            </a:r>
+          </a:p>
+          <a:p>
+            <a:endParaRPr lang="en-US" sz="2300" dirty="0"/>
+          </a:p>
+          <a:p>
+            <a:endParaRPr lang="en-US" sz="2300" dirty="0"/>
+          </a:p>
+          <a:p>
+            <a:endParaRPr lang="en-US" sz="2300" dirty="0"/>
+          </a:p>
+        </p:txBody>
+      </p:sp>
+      <p:sp>
+        <p:nvSpPr>
+          <p:cNvPr id="3" name="Footer Placeholder 2"/>
+          <p:cNvSpPr>
+            <a:spLocks noGrp="1"/>
+          </p:cNvSpPr>
+          <p:nvPr>
+            <p:ph type="ftr" sz="quarter" idx="3"/>
+          </p:nvPr>
+        </p:nvSpPr>
+        <p:spPr>
+          <a:xfrm>
+            <a:off x="3124200" y="6356351"/>
+            <a:ext cx="2895600" cy="365125"/>
+          </a:xfrm>
+        </p:spPr>
+        <p:txBody>
+          <a:bodyPr/>
+          <a:lstStyle/>
+          <a:p>
+            <a:r>
+              <a:rPr lang="en-GB" sz="1600" dirty="0"/>
+              <a:t>#</a:t>
+            </a:r>
+            <a:r>
+              <a:rPr lang="en-GB" sz="1600" dirty="0" err="1"/>
+              <a:t>DevOpsPlayground</a:t>
+            </a:r>
+            <a:endParaRPr lang="en-GB" sz="1600" dirty="0"/>
+          </a:p>
+        </p:txBody>
+      </p:sp>
+      <p:sp>
+        <p:nvSpPr>
+          <p:cNvPr id="4" name="TextBox 3"/>
+          <p:cNvSpPr txBox="1"/>
+          <p:nvPr/>
+        </p:nvSpPr>
+        <p:spPr>
+          <a:xfrm>
+            <a:off x="611560" y="692696"/>
+            <a:ext cx="7920880" cy="523220"/>
+          </a:xfrm>
+          <a:prstGeom prst="rect">
+            <a:avLst/>
+          </a:prstGeom>
+          <a:noFill/>
+        </p:spPr>
+        <p:txBody>
+          <a:bodyPr wrap="square" rtlCol="0">
+            <a:spAutoFit/>
+          </a:bodyPr>
+          <a:lstStyle/>
+          <a:p>
+            <a:r>
+              <a:rPr lang="en-GB" sz="2800" dirty="0">
+                <a:solidFill>
+                  <a:srgbClr val="0070B7"/>
+                </a:solidFill>
+                <a:latin typeface="Arial" panose="020B0604020202020204" pitchFamily="34" charset="0"/>
+                <a:cs typeface="Arial" panose="020B0604020202020204" pitchFamily="34" charset="0"/>
+              </a:rPr>
+              <a:t>Agenda</a:t>
+            </a:r>
+          </a:p>
+        </p:txBody>
+      </p:sp>
+    </p:spTree>
+    <p:extLst>
+      <p:ext uri="{BB962C8B-B14F-4D97-AF65-F5344CB8AC3E}">
+        <p14:creationId xmlns:p14="http://schemas.microsoft.com/office/powerpoint/2010/main" val="3447186591"/>
+      </p:ext>
+    </p:extLst>
+  </p:cSld>
+  <p:clrMapOvr>
+    <a:masterClrMapping/>
+  </p:clrMapOvr>
+</p:sld>
+</file>
+
+<file path=ppt/slides/slide6.xml><?xml version="1.0" encoding="utf-8"?>
+<p:sld xmlns:a="http://schemas.openxmlformats.org/drawingml/2006/main" xmlns:r="http://schemas.openxmlformats.org/officeDocument/2006/relationships" xmlns:p="http://schemas.openxmlformats.org/presentationml/2006/main">
+  <p:cSld>
+    <p:spTree>
+      <p:nvGrpSpPr>
+        <p:cNvPr id="1" name=""/>
+        <p:cNvGrpSpPr/>
+        <p:nvPr/>
+      </p:nvGrpSpPr>
+      <p:grpSpPr>
+        <a:xfrm>
+          <a:off x="0" y="0"/>
+          <a:ext cx="0" cy="0"/>
+          <a:chOff x="0" y="0"/>
+          <a:chExt cx="0" cy="0"/>
+        </a:xfrm>
+      </p:grpSpPr>
+      <p:sp>
+        <p:nvSpPr>
+          <p:cNvPr id="2" name="Content Placeholder 1"/>
+          <p:cNvSpPr>
+            <a:spLocks noGrp="1"/>
+          </p:cNvSpPr>
+          <p:nvPr>
+            <p:ph idx="1"/>
+          </p:nvPr>
+        </p:nvSpPr>
+        <p:spPr>
+          <a:xfrm>
+            <a:off x="611560" y="1600201"/>
+            <a:ext cx="7920880" cy="4525963"/>
+          </a:xfrm>
+        </p:spPr>
+        <p:txBody>
+          <a:bodyPr>
+            <a:noAutofit/>
+          </a:bodyPr>
+          <a:lstStyle/>
+          <a:p>
+            <a:r>
+              <a:rPr lang="en-US" sz="2300" dirty="0"/>
+              <a:t>WebDriver </a:t>
+            </a:r>
+          </a:p>
+          <a:p>
+            <a:pPr lvl="1"/>
+            <a:r>
+              <a:rPr lang="en-US" sz="2300" dirty="0"/>
+              <a:t>Web browser automation library. </a:t>
+            </a:r>
+          </a:p>
+          <a:p>
+            <a:pPr lvl="1"/>
+            <a:r>
+              <a:rPr lang="en-US" sz="2300" dirty="0"/>
+              <a:t>Used for automating browser interaction.</a:t>
+            </a:r>
+          </a:p>
+          <a:p>
+            <a:pPr lvl="1"/>
+            <a:r>
+              <a:rPr lang="en-US" sz="2300" dirty="0"/>
+              <a:t>Tests can be written in language of choice.</a:t>
+            </a:r>
+          </a:p>
+          <a:p>
+            <a:pPr marL="0" indent="0">
+              <a:buNone/>
+            </a:pPr>
+            <a:endParaRPr lang="en-US" sz="2300" dirty="0"/>
+          </a:p>
+          <a:p>
+            <a:r>
+              <a:rPr lang="en-US" sz="2300" dirty="0"/>
+              <a:t>docker-selenium</a:t>
+            </a:r>
+          </a:p>
+          <a:p>
+            <a:pPr lvl="1"/>
+            <a:r>
+              <a:rPr lang="en-US" sz="2300" dirty="0"/>
+              <a:t>Docker images for Selenium Grid server.</a:t>
+            </a:r>
+          </a:p>
+          <a:p>
+            <a:pPr lvl="1"/>
+            <a:r>
+              <a:rPr lang="en-US" sz="2300" dirty="0"/>
+              <a:t>Contains hub and node configurations for Firefox and Chrome.</a:t>
+            </a:r>
+          </a:p>
+          <a:p>
+            <a:pPr lvl="1"/>
+            <a:endParaRPr lang="en-US" sz="2300" dirty="0"/>
+          </a:p>
+          <a:p>
+            <a:pPr marL="0" indent="0">
+              <a:buNone/>
+            </a:pPr>
+            <a:endParaRPr lang="en-US" sz="2300" dirty="0"/>
+          </a:p>
+        </p:txBody>
+      </p:sp>
+      <p:sp>
+        <p:nvSpPr>
+          <p:cNvPr id="3" name="Footer Placeholder 2"/>
+          <p:cNvSpPr>
+            <a:spLocks noGrp="1"/>
+          </p:cNvSpPr>
+          <p:nvPr>
+            <p:ph type="ftr" sz="quarter" idx="3"/>
+          </p:nvPr>
+        </p:nvSpPr>
+        <p:spPr>
+          <a:xfrm>
+            <a:off x="3124200" y="6356351"/>
+            <a:ext cx="2895600" cy="365125"/>
+          </a:xfrm>
+        </p:spPr>
+        <p:txBody>
+          <a:bodyPr/>
+          <a:lstStyle/>
+          <a:p>
+            <a:r>
+              <a:rPr lang="en-GB" sz="1600"/>
+              <a:t>#DevOpsPlayground</a:t>
+            </a:r>
+            <a:endParaRPr lang="en-GB" sz="1600" dirty="0"/>
+          </a:p>
+        </p:txBody>
+      </p:sp>
+      <p:sp>
+        <p:nvSpPr>
+          <p:cNvPr id="4" name="TextBox 3"/>
+          <p:cNvSpPr txBox="1"/>
+          <p:nvPr/>
+        </p:nvSpPr>
+        <p:spPr>
+          <a:xfrm>
+            <a:off x="611560" y="692696"/>
+            <a:ext cx="7920880" cy="523220"/>
+          </a:xfrm>
+          <a:prstGeom prst="rect">
+            <a:avLst/>
+          </a:prstGeom>
+          <a:noFill/>
+        </p:spPr>
+        <p:txBody>
+          <a:bodyPr wrap="square" rtlCol="0">
+            <a:spAutoFit/>
+          </a:bodyPr>
+          <a:lstStyle/>
+          <a:p>
+            <a:r>
+              <a:rPr lang="en-GB" sz="2800" dirty="0">
+                <a:solidFill>
+                  <a:srgbClr val="0070B7"/>
+                </a:solidFill>
+                <a:latin typeface="Arial" panose="020B0604020202020204" pitchFamily="34" charset="0"/>
+                <a:cs typeface="Arial" panose="020B0604020202020204" pitchFamily="34" charset="0"/>
+              </a:rPr>
+              <a:t>Selenium Overview</a:t>
+            </a:r>
+          </a:p>
+        </p:txBody>
+      </p:sp>
+      <p:pic>
+        <p:nvPicPr>
+          <p:cNvPr id="6" name="Picture 5">
+            <a:extLst>
+              <a:ext uri="{FF2B5EF4-FFF2-40B4-BE49-F238E27FC236}">
+                <a16:creationId xmlns:a16="http://schemas.microsoft.com/office/drawing/2014/main" id="{51C27788-2E18-824B-B70D-CBBD54D4C4E3}"/>
+              </a:ext>
+            </a:extLst>
+          </p:cNvPr>
+          <p:cNvPicPr>
+            <a:picLocks noChangeAspect="1"/>
+          </p:cNvPicPr>
+          <p:nvPr/>
+        </p:nvPicPr>
+        <p:blipFill>
+          <a:blip r:embed="rId3">
+            <a:extLst>
+              <a:ext uri="{28A0092B-C50C-407E-A947-70E740481C1C}">
+                <a14:useLocalDpi xmlns:a14="http://schemas.microsoft.com/office/drawing/2010/main" val="0"/>
+              </a:ext>
+            </a:extLst>
+          </a:blip>
+          <a:stretch>
+            <a:fillRect/>
+          </a:stretch>
+        </p:blipFill>
+        <p:spPr>
+          <a:xfrm>
+            <a:off x="6660232" y="1603639"/>
+            <a:ext cx="2095500" cy="1892300"/>
+          </a:xfrm>
+          <a:prstGeom prst="rect">
+            <a:avLst/>
+          </a:prstGeom>
+        </p:spPr>
+      </p:pic>
+      <p:pic>
+        <p:nvPicPr>
+          <p:cNvPr id="9" name="Picture 8">
+            <a:extLst>
+              <a:ext uri="{FF2B5EF4-FFF2-40B4-BE49-F238E27FC236}">
+                <a16:creationId xmlns:a16="http://schemas.microsoft.com/office/drawing/2014/main" id="{B18648BA-231B-184F-B06E-CBA46EB47214}"/>
+              </a:ext>
+            </a:extLst>
+          </p:cNvPr>
+          <p:cNvPicPr>
+            <a:picLocks noChangeAspect="1"/>
+          </p:cNvPicPr>
+          <p:nvPr/>
+        </p:nvPicPr>
+        <p:blipFill>
+          <a:blip r:embed="rId4">
+            <a:extLst>
+              <a:ext uri="{28A0092B-C50C-407E-A947-70E740481C1C}">
+                <a14:useLocalDpi xmlns:a14="http://schemas.microsoft.com/office/drawing/2010/main" val="0"/>
+              </a:ext>
+            </a:extLst>
+          </a:blip>
+          <a:stretch>
+            <a:fillRect/>
+          </a:stretch>
+        </p:blipFill>
+        <p:spPr>
+          <a:xfrm>
+            <a:off x="6622132" y="4901948"/>
+            <a:ext cx="2133600" cy="1816100"/>
+          </a:xfrm>
+          <a:prstGeom prst="rect">
+            <a:avLst/>
+          </a:prstGeom>
+        </p:spPr>
+      </p:pic>
+    </p:spTree>
+    <p:extLst>
+      <p:ext uri="{BB962C8B-B14F-4D97-AF65-F5344CB8AC3E}">
+        <p14:creationId xmlns:p14="http://schemas.microsoft.com/office/powerpoint/2010/main" val="1663746683"/>
+      </p:ext>
+    </p:extLst>
+  </p:cSld>
+  <p:clrMapOvr>
+    <a:masterClrMapping/>
+  </p:clrMapOvr>
+  <p:timing>
+    <p:tnLst>
+      <p:par>
+        <p:cTn id="1" dur="indefinite" restart="never" nodeType="tmRoot">
+          <p:childTnLst>
+            <p:seq concurrent="1" nextAc="seek">
+              <p:cTn id="2" dur="indefinite" nodeType="mainSeq">
+                <p:childTnLst>
+                  <p:par>
+                    <p:cTn id="3" fill="hold">
+                      <p:stCondLst>
+                        <p:cond delay="indefinite"/>
+                      </p:stCondLst>
+                      <p:childTnLst>
+                        <p:par>
+                          <p:cTn id="4" fill="hold">
+                            <p:stCondLst>
+                              <p:cond delay="0"/>
+                            </p:stCondLst>
+                            <p:childTnLst>
+                              <p:par>
+                                <p:cTn id="5" presetID="1" presetClass="entr" presetSubtype="0" fill="hold" grpId="0" nodeType="clickEffect">
+                                  <p:stCondLst>
+                                    <p:cond delay="0"/>
+                                  </p:stCondLst>
+                                  <p:childTnLst>
+                                    <p:set>
+                                      <p:cBhvr>
+                                        <p:cTn id="6" dur="1" fill="hold">
+                                          <p:stCondLst>
+                                            <p:cond delay="0"/>
+                                          </p:stCondLst>
+                                        </p:cTn>
+                                        <p:tgtEl>
+                                          <p:spTgt spid="2">
+                                            <p:txEl>
+                                              <p:pRg st="0" end="0"/>
+                                            </p:txEl>
+                                          </p:spTgt>
+                                        </p:tgtEl>
+                                        <p:attrNameLst>
+                                          <p:attrName>style.visibility</p:attrName>
+                                        </p:attrNameLst>
+                                      </p:cBhvr>
+                                      <p:to>
+                                        <p:strVal val="visible"/>
+                                      </p:to>
+                                    </p:set>
+                                  </p:childTnLst>
+                                </p:cTn>
+                              </p:par>
+                              <p:par>
+                                <p:cTn id="7" presetID="1" presetClass="entr" presetSubtype="0" fill="hold" grpId="0" nodeType="withEffect">
+                                  <p:stCondLst>
+                                    <p:cond delay="0"/>
+                                  </p:stCondLst>
+                                  <p:childTnLst>
+                                    <p:set>
+                                      <p:cBhvr>
+                                        <p:cTn id="8" dur="1" fill="hold">
+                                          <p:stCondLst>
+                                            <p:cond delay="0"/>
+                                          </p:stCondLst>
+                                        </p:cTn>
+                                        <p:tgtEl>
+                                          <p:spTgt spid="2">
+                                            <p:txEl>
+                                              <p:pRg st="1" end="1"/>
+                                            </p:txEl>
+                                          </p:spTgt>
+                                        </p:tgtEl>
+                                        <p:attrNameLst>
+                                          <p:attrName>style.visibility</p:attrName>
+                                        </p:attrNameLst>
+                                      </p:cBhvr>
+                                      <p:to>
+                                        <p:strVal val="visible"/>
+                                      </p:to>
+                                    </p:set>
+                                  </p:childTnLst>
+                                </p:cTn>
+                              </p:par>
+                              <p:par>
+                                <p:cTn id="9" presetID="1" presetClass="entr" presetSubtype="0" fill="hold" grpId="0" nodeType="withEffect">
+                                  <p:stCondLst>
+                                    <p:cond delay="0"/>
+                                  </p:stCondLst>
+                                  <p:childTnLst>
+                                    <p:set>
+                                      <p:cBhvr>
+                                        <p:cTn id="10" dur="1" fill="hold">
+                                          <p:stCondLst>
+                                            <p:cond delay="0"/>
+                                          </p:stCondLst>
+                                        </p:cTn>
+                                        <p:tgtEl>
+                                          <p:spTgt spid="2">
+                                            <p:txEl>
+                                              <p:pRg st="2" end="2"/>
+                                            </p:txEl>
+                                          </p:spTgt>
+                                        </p:tgtEl>
+                                        <p:attrNameLst>
+                                          <p:attrName>style.visibility</p:attrName>
+                                        </p:attrNameLst>
+                                      </p:cBhvr>
+                                      <p:to>
+                                        <p:strVal val="visible"/>
+                                      </p:to>
+                                    </p:set>
+                                  </p:childTnLst>
+                                </p:cTn>
+                              </p:par>
+                              <p:par>
+                                <p:cTn id="11" presetID="1" presetClass="entr" presetSubtype="0" fill="hold" grpId="0" nodeType="withEffect">
+                                  <p:stCondLst>
+                                    <p:cond delay="0"/>
+                                  </p:stCondLst>
+                                  <p:childTnLst>
+                                    <p:set>
+                                      <p:cBhvr>
+                                        <p:cTn id="12" dur="1" fill="hold">
+                                          <p:stCondLst>
+                                            <p:cond delay="0"/>
+                                          </p:stCondLst>
+                                        </p:cTn>
+                                        <p:tgtEl>
+                                          <p:spTgt spid="2">
+                                            <p:txEl>
+                                              <p:pRg st="3" end="3"/>
+                                            </p:txEl>
+                                          </p:spTgt>
+                                        </p:tgtEl>
+                                        <p:attrNameLst>
+                                          <p:attrName>style.visibility</p:attrName>
+                                        </p:attrNameLst>
+                                      </p:cBhvr>
+                                      <p:to>
+                                        <p:strVal val="visible"/>
+                                      </p:to>
+                                    </p:set>
+                                  </p:childTnLst>
+                                </p:cTn>
+                              </p:par>
+                            </p:childTnLst>
+                          </p:cTn>
+                        </p:par>
+                      </p:childTnLst>
+                    </p:cTn>
+                  </p:par>
+                  <p:par>
+                    <p:cTn id="13" fill="hold">
+                      <p:stCondLst>
+                        <p:cond delay="indefinite"/>
+                      </p:stCondLst>
+                      <p:childTnLst>
+                        <p:par>
+                          <p:cTn id="14" fill="hold">
+                            <p:stCondLst>
+                              <p:cond delay="0"/>
+                            </p:stCondLst>
+                            <p:childTnLst>
+                              <p:par>
+                                <p:cTn id="15" presetID="1" presetClass="entr" presetSubtype="0" fill="hold" grpId="0" nodeType="clickEffect">
+                                  <p:stCondLst>
+                                    <p:cond delay="0"/>
+                                  </p:stCondLst>
+                                  <p:childTnLst>
+                                    <p:set>
+                                      <p:cBhvr>
+                                        <p:cTn id="16" dur="1" fill="hold">
+                                          <p:stCondLst>
+                                            <p:cond delay="0"/>
+                                          </p:stCondLst>
+                                        </p:cTn>
+                                        <p:tgtEl>
+                                          <p:spTgt spid="2">
+                                            <p:txEl>
+                                              <p:pRg st="5" end="5"/>
+                                            </p:txEl>
+                                          </p:spTgt>
+                                        </p:tgtEl>
+                                        <p:attrNameLst>
+                                          <p:attrName>style.visibility</p:attrName>
+                                        </p:attrNameLst>
+                                      </p:cBhvr>
+                                      <p:to>
+                                        <p:strVal val="visible"/>
+                                      </p:to>
+                                    </p:set>
+                                  </p:childTnLst>
+                                </p:cTn>
+                              </p:par>
+                              <p:par>
+                                <p:cTn id="17" presetID="1" presetClass="entr" presetSubtype="0" fill="hold" grpId="0" nodeType="withEffect">
+                                  <p:stCondLst>
+                                    <p:cond delay="0"/>
+                                  </p:stCondLst>
+                                  <p:childTnLst>
+                                    <p:set>
+                                      <p:cBhvr>
+                                        <p:cTn id="18" dur="1" fill="hold">
+                                          <p:stCondLst>
+                                            <p:cond delay="0"/>
+                                          </p:stCondLst>
+                                        </p:cTn>
+                                        <p:tgtEl>
+                                          <p:spTgt spid="2">
+                                            <p:txEl>
+                                              <p:pRg st="6" end="6"/>
+                                            </p:txEl>
+                                          </p:spTgt>
+                                        </p:tgtEl>
+                                        <p:attrNameLst>
+                                          <p:attrName>style.visibility</p:attrName>
+                                        </p:attrNameLst>
+                                      </p:cBhvr>
+                                      <p:to>
+                                        <p:strVal val="visible"/>
+                                      </p:to>
+                                    </p:set>
+                                  </p:childTnLst>
+                                </p:cTn>
+                              </p:par>
+                              <p:par>
+                                <p:cTn id="19" presetID="1" presetClass="entr" presetSubtype="0" fill="hold" grpId="0" nodeType="withEffect">
+                                  <p:stCondLst>
+                                    <p:cond delay="0"/>
+                                  </p:stCondLst>
+                                  <p:childTnLst>
+                                    <p:set>
+                                      <p:cBhvr>
+                                        <p:cTn id="20" dur="1" fill="hold">
+                                          <p:stCondLst>
+                                            <p:cond delay="0"/>
+                                          </p:stCondLst>
+                                        </p:cTn>
+                                        <p:tgtEl>
+                                          <p:spTgt spid="2">
+                                            <p:txEl>
+                                              <p:pRg st="7" end="7"/>
+                                            </p:txEl>
+                                          </p:spTgt>
+                                        </p:tgtEl>
+                                        <p:attrNameLst>
+                                          <p:attrName>style.visibility</p:attrName>
+                                        </p:attrNameLst>
+                                      </p:cBhvr>
+                                      <p:to>
+                                        <p:strVal val="visible"/>
+                                      </p:to>
+                                    </p:set>
+                                  </p:childTnLst>
+                                </p:cTn>
+                              </p:par>
+                            </p:childTnLst>
+                          </p:cTn>
+                        </p:par>
+                      </p:childTnLst>
+                    </p:cTn>
+                  </p:par>
+                </p:childTnLst>
+              </p:cTn>
+              <p:prevCondLst>
+                <p:cond evt="onPrev" delay="0">
+                  <p:tgtEl>
+                    <p:sldTgt/>
+                  </p:tgtEl>
+                </p:cond>
+              </p:prevCondLst>
+              <p:nextCondLst>
+                <p:cond evt="onNext" delay="0">
+                  <p:tgtEl>
+                    <p:sldTgt/>
+                  </p:tgtEl>
+                </p:cond>
+              </p:nextCondLst>
+            </p:seq>
+          </p:childTnLst>
+        </p:cTn>
+      </p:par>
+    </p:tnLst>
+    <p:bldLst>
+      <p:bldP spid="2" grpId="0" uiExpand="1" build="p"/>
+    </p:bldLst>
+  </p:timing>
+</p:sld>
+</file>
+
+<file path=ppt/slides/slide7.xml><?xml version="1.0" encoding="utf-8"?>
+<p:sld xmlns:a="http://schemas.openxmlformats.org/drawingml/2006/main" xmlns:r="http://schemas.openxmlformats.org/officeDocument/2006/relationships" xmlns:p="http://schemas.openxmlformats.org/presentationml/2006/main">
+  <p:cSld>
+    <p:spTree>
+      <p:nvGrpSpPr>
+        <p:cNvPr id="1" name=""/>
+        <p:cNvGrpSpPr/>
+        <p:nvPr/>
+      </p:nvGrpSpPr>
+      <p:grpSpPr>
+        <a:xfrm>
+          <a:off x="0" y="0"/>
+          <a:ext cx="0" cy="0"/>
+          <a:chOff x="0" y="0"/>
+          <a:chExt cx="0" cy="0"/>
+        </a:xfrm>
+      </p:grpSpPr>
+      <p:sp>
+        <p:nvSpPr>
+          <p:cNvPr id="2" name="Content Placeholder 1"/>
+          <p:cNvSpPr>
+            <a:spLocks noGrp="1"/>
+          </p:cNvSpPr>
+          <p:nvPr>
+            <p:ph idx="1"/>
+          </p:nvPr>
+        </p:nvSpPr>
+        <p:spPr>
+          <a:xfrm>
+            <a:off x="611560" y="1600201"/>
+            <a:ext cx="7920880" cy="4525963"/>
+          </a:xfrm>
+        </p:spPr>
+        <p:txBody>
+          <a:bodyPr>
+            <a:noAutofit/>
+          </a:bodyPr>
+          <a:lstStyle/>
+          <a:p>
+            <a:r>
+              <a:rPr lang="en-US" sz="2300" dirty="0"/>
+              <a:t>Open-source tool created by </a:t>
+            </a:r>
+            <a:r>
+              <a:rPr lang="en-US" sz="2300" dirty="0" err="1"/>
+              <a:t>Zalando</a:t>
+            </a:r>
+            <a:r>
+              <a:rPr lang="en-US" sz="2300" dirty="0"/>
+              <a:t> in 2017.</a:t>
+            </a:r>
+          </a:p>
+          <a:p>
+            <a:r>
+              <a:rPr lang="en-US" sz="2300" dirty="0"/>
+              <a:t>Allows you to create a dynamic, on-demand docker-selenium instances within seconds.</a:t>
+            </a:r>
+          </a:p>
+          <a:p>
+            <a:r>
+              <a:rPr lang="en-US" sz="2300" dirty="0"/>
+              <a:t>Can be run out of the box using Docker and Kubernetes.</a:t>
+            </a:r>
+          </a:p>
+          <a:p>
+            <a:r>
+              <a:rPr lang="en-US" sz="2300" dirty="0"/>
+              <a:t>Based on ‘docker-selenium’ so tests can be run in Firefox and Chrome.</a:t>
+            </a:r>
+          </a:p>
+          <a:p>
+            <a:r>
+              <a:rPr lang="en-US" sz="2300" dirty="0"/>
+              <a:t>Auto-scales during run-time and deletes nodes after tests are finished.</a:t>
+            </a:r>
+          </a:p>
+          <a:p>
+            <a:r>
+              <a:rPr lang="en-US" sz="2300" dirty="0"/>
+              <a:t>Simple to set up and run.</a:t>
+            </a:r>
+          </a:p>
+          <a:p>
+            <a:r>
+              <a:rPr lang="en-US" sz="2300" dirty="0"/>
+              <a:t>Tests can be run on other cloud testing providers - Sauce Labs, Testing Bot and Browser Stack</a:t>
+            </a:r>
+          </a:p>
+          <a:p>
+            <a:pPr marL="0" indent="0">
+              <a:buNone/>
+            </a:pPr>
+            <a:endParaRPr lang="en-US" sz="2300" dirty="0"/>
+          </a:p>
+        </p:txBody>
+      </p:sp>
+      <p:sp>
+        <p:nvSpPr>
+          <p:cNvPr id="3" name="Footer Placeholder 2"/>
+          <p:cNvSpPr>
+            <a:spLocks noGrp="1"/>
+          </p:cNvSpPr>
+          <p:nvPr>
+            <p:ph type="ftr" sz="quarter" idx="3"/>
+          </p:nvPr>
+        </p:nvSpPr>
+        <p:spPr/>
+        <p:txBody>
+          <a:bodyPr/>
+          <a:lstStyle/>
+          <a:p>
+            <a:r>
+              <a:rPr lang="en-GB" sz="1600" dirty="0"/>
+              <a:t>#</a:t>
+            </a:r>
+            <a:r>
+              <a:rPr lang="en-GB" sz="1600" dirty="0" err="1"/>
+              <a:t>DevOpsPlayground</a:t>
+            </a:r>
+            <a:endParaRPr lang="en-GB" sz="1600" dirty="0"/>
+          </a:p>
+        </p:txBody>
+      </p:sp>
+      <p:sp>
+        <p:nvSpPr>
+          <p:cNvPr id="4" name="TextBox 3"/>
+          <p:cNvSpPr txBox="1"/>
+          <p:nvPr/>
+        </p:nvSpPr>
+        <p:spPr>
+          <a:xfrm>
+            <a:off x="611560" y="692696"/>
+            <a:ext cx="7920880" cy="523220"/>
+          </a:xfrm>
+          <a:prstGeom prst="rect">
+            <a:avLst/>
+          </a:prstGeom>
+          <a:noFill/>
+        </p:spPr>
+        <p:txBody>
+          <a:bodyPr wrap="square" rtlCol="0">
+            <a:spAutoFit/>
+          </a:bodyPr>
+          <a:lstStyle/>
+          <a:p>
+            <a:r>
+              <a:rPr lang="en-GB" sz="2800" dirty="0">
+                <a:solidFill>
+                  <a:srgbClr val="0070B7"/>
+                </a:solidFill>
+                <a:latin typeface="Arial" panose="020B0604020202020204" pitchFamily="34" charset="0"/>
+                <a:cs typeface="Arial" panose="020B0604020202020204" pitchFamily="34" charset="0"/>
+              </a:rPr>
+              <a:t>What is </a:t>
+            </a:r>
+            <a:r>
+              <a:rPr lang="en-GB" sz="2800" dirty="0" err="1">
+                <a:solidFill>
+                  <a:srgbClr val="0070B7"/>
+                </a:solidFill>
+                <a:latin typeface="Arial" panose="020B0604020202020204" pitchFamily="34" charset="0"/>
+                <a:cs typeface="Arial" panose="020B0604020202020204" pitchFamily="34" charset="0"/>
+              </a:rPr>
+              <a:t>Zalenium</a:t>
+            </a:r>
+            <a:r>
+              <a:rPr lang="en-GB" sz="2800" dirty="0">
+                <a:solidFill>
+                  <a:srgbClr val="0070B7"/>
+                </a:solidFill>
+                <a:latin typeface="Arial" panose="020B0604020202020204" pitchFamily="34" charset="0"/>
+                <a:cs typeface="Arial" panose="020B0604020202020204" pitchFamily="34" charset="0"/>
+              </a:rPr>
+              <a:t>?</a:t>
+            </a:r>
+          </a:p>
+        </p:txBody>
+      </p:sp>
+      <p:pic>
+        <p:nvPicPr>
+          <p:cNvPr id="6" name="Picture 5">
+            <a:extLst>
+              <a:ext uri="{FF2B5EF4-FFF2-40B4-BE49-F238E27FC236}">
+                <a16:creationId xmlns:a16="http://schemas.microsoft.com/office/drawing/2014/main" id="{77370321-58F0-1544-9EDF-BF6AB3D64224}"/>
+              </a:ext>
+            </a:extLst>
+          </p:cNvPr>
+          <p:cNvPicPr>
+            <a:picLocks noChangeAspect="1"/>
+          </p:cNvPicPr>
+          <p:nvPr/>
+        </p:nvPicPr>
+        <p:blipFill>
+          <a:blip r:embed="rId3">
+            <a:extLst>
+              <a:ext uri="{28A0092B-C50C-407E-A947-70E740481C1C}">
+                <a14:useLocalDpi xmlns:a14="http://schemas.microsoft.com/office/drawing/2010/main" val="0"/>
+              </a:ext>
+            </a:extLst>
+          </a:blip>
+          <a:stretch>
+            <a:fillRect/>
+          </a:stretch>
+        </p:blipFill>
+        <p:spPr>
+          <a:xfrm>
+            <a:off x="3779912" y="95855"/>
+            <a:ext cx="2616200" cy="1120061"/>
+          </a:xfrm>
+          <a:prstGeom prst="rect">
+            <a:avLst/>
+          </a:prstGeom>
+        </p:spPr>
+      </p:pic>
+    </p:spTree>
+    <p:extLst>
+      <p:ext uri="{BB962C8B-B14F-4D97-AF65-F5344CB8AC3E}">
+        <p14:creationId xmlns:p14="http://schemas.microsoft.com/office/powerpoint/2010/main" val="1437738720"/>
+      </p:ext>
+    </p:extLst>
+  </p:cSld>
+  <p:clrMapOvr>
+    <a:masterClrMapping/>
+  </p:clrMapOvr>
+  <p:timing>
+    <p:tnLst>
+      <p:par>
+        <p:cTn id="1" dur="indefinite" restart="never" nodeType="tmRoot">
+          <p:childTnLst>
+            <p:seq concurrent="1" nextAc="seek">
+              <p:cTn id="2" dur="indefinite" nodeType="mainSeq">
+                <p:childTnLst>
+                  <p:par>
+                    <p:cTn id="3" fill="hold">
+                      <p:stCondLst>
+                        <p:cond delay="indefinite"/>
+                      </p:stCondLst>
+                      <p:childTnLst>
+                        <p:par>
+                          <p:cTn id="4" fill="hold">
+                            <p:stCondLst>
+                              <p:cond delay="0"/>
+                            </p:stCondLst>
+                            <p:childTnLst>
+                              <p:par>
+                                <p:cTn id="5" presetID="1" presetClass="entr" presetSubtype="0" fill="hold" grpId="0" nodeType="clickEffect">
+                                  <p:stCondLst>
+                                    <p:cond delay="0"/>
+                                  </p:stCondLst>
+                                  <p:childTnLst>
+                                    <p:set>
+                                      <p:cBhvr>
+                                        <p:cTn id="6" dur="1" fill="hold">
+                                          <p:stCondLst>
+                                            <p:cond delay="0"/>
+                                          </p:stCondLst>
+                                        </p:cTn>
+                                        <p:tgtEl>
+                                          <p:spTgt spid="2">
+                                            <p:txEl>
+                                              <p:pRg st="0" end="0"/>
+                                            </p:txEl>
+                                          </p:spTgt>
+                                        </p:tgtEl>
+                                        <p:attrNameLst>
+                                          <p:attrName>style.visibility</p:attrName>
+                                        </p:attrNameLst>
+                                      </p:cBhvr>
+                                      <p:to>
+                                        <p:strVal val="visible"/>
+                                      </p:to>
+                                    </p:set>
+                                  </p:childTnLst>
+                                </p:cTn>
+                              </p:par>
+                            </p:childTnLst>
+                          </p:cTn>
+                        </p:par>
+                      </p:childTnLst>
+                    </p:cTn>
+                  </p:par>
+                  <p:par>
+                    <p:cTn id="7" fill="hold">
+                      <p:stCondLst>
+                        <p:cond delay="indefinite"/>
+                      </p:stCondLst>
+                      <p:childTnLst>
+                        <p:par>
+                          <p:cTn id="8" fill="hold">
+                            <p:stCondLst>
+                              <p:cond delay="0"/>
+                            </p:stCondLst>
+                            <p:childTnLst>
+                              <p:par>
+                                <p:cTn id="9" presetID="1" presetClass="entr" presetSubtype="0" fill="hold" grpId="0" nodeType="clickEffect">
+                                  <p:stCondLst>
+                                    <p:cond delay="0"/>
+                                  </p:stCondLst>
+                                  <p:childTnLst>
+                                    <p:set>
+                                      <p:cBhvr>
+                                        <p:cTn id="10" dur="1" fill="hold">
+                                          <p:stCondLst>
+                                            <p:cond delay="0"/>
+                                          </p:stCondLst>
+                                        </p:cTn>
+                                        <p:tgtEl>
+                                          <p:spTgt spid="2">
+                                            <p:txEl>
+                                              <p:pRg st="1" end="1"/>
+                                            </p:txEl>
+                                          </p:spTgt>
+                                        </p:tgtEl>
+                                        <p:attrNameLst>
+                                          <p:attrName>style.visibility</p:attrName>
+                                        </p:attrNameLst>
+                                      </p:cBhvr>
+                                      <p:to>
+                                        <p:strVal val="visible"/>
+                                      </p:to>
+                                    </p:set>
+                                  </p:childTnLst>
+                                </p:cTn>
+                              </p:par>
+                            </p:childTnLst>
+                          </p:cTn>
+                        </p:par>
+                      </p:childTnLst>
+                    </p:cTn>
+                  </p:par>
+                  <p:par>
+                    <p:cTn id="11" fill="hold">
+                      <p:stCondLst>
+                        <p:cond delay="indefinite"/>
+                      </p:stCondLst>
+                      <p:childTnLst>
+                        <p:par>
+                          <p:cTn id="12" fill="hold">
+                            <p:stCondLst>
+                              <p:cond delay="0"/>
+                            </p:stCondLst>
+                            <p:childTnLst>
+                              <p:par>
+                                <p:cTn id="13" presetID="1" presetClass="entr" presetSubtype="0" fill="hold" grpId="0" nodeType="clickEffect">
+                                  <p:stCondLst>
+                                    <p:cond delay="0"/>
+                                  </p:stCondLst>
+                                  <p:childTnLst>
+                                    <p:set>
+                                      <p:cBhvr>
+                                        <p:cTn id="14" dur="1" fill="hold">
+                                          <p:stCondLst>
+                                            <p:cond delay="0"/>
+                                          </p:stCondLst>
+                                        </p:cTn>
+                                        <p:tgtEl>
+                                          <p:spTgt spid="2">
+                                            <p:txEl>
+                                              <p:pRg st="2" end="2"/>
+                                            </p:txEl>
+                                          </p:spTgt>
+                                        </p:tgtEl>
+                                        <p:attrNameLst>
+                                          <p:attrName>style.visibility</p:attrName>
+                                        </p:attrNameLst>
+                                      </p:cBhvr>
+                                      <p:to>
+                                        <p:strVal val="visible"/>
+                                      </p:to>
+                                    </p:set>
+                                  </p:childTnLst>
+                                </p:cTn>
+                              </p:par>
+                            </p:childTnLst>
+                          </p:cTn>
+                        </p:par>
+                      </p:childTnLst>
+                    </p:cTn>
+                  </p:par>
+                  <p:par>
+                    <p:cTn id="15" fill="hold">
+                      <p:stCondLst>
+                        <p:cond delay="indefinite"/>
+                      </p:stCondLst>
+                      <p:childTnLst>
+                        <p:par>
+                          <p:cTn id="16" fill="hold">
+                            <p:stCondLst>
+                              <p:cond delay="0"/>
+                            </p:stCondLst>
+                            <p:childTnLst>
+                              <p:par>
+                                <p:cTn id="17" presetID="1" presetClass="entr" presetSubtype="0" fill="hold" grpId="0" nodeType="clickEffect">
+                                  <p:stCondLst>
+                                    <p:cond delay="0"/>
+                                  </p:stCondLst>
+                                  <p:childTnLst>
+                                    <p:set>
+                                      <p:cBhvr>
+                                        <p:cTn id="18" dur="1" fill="hold">
+                                          <p:stCondLst>
+                                            <p:cond delay="0"/>
+                                          </p:stCondLst>
+                                        </p:cTn>
+                                        <p:tgtEl>
+                                          <p:spTgt spid="2">
+                                            <p:txEl>
+                                              <p:pRg st="3" end="3"/>
+                                            </p:txEl>
+                                          </p:spTgt>
+                                        </p:tgtEl>
+                                        <p:attrNameLst>
+                                          <p:attrName>style.visibility</p:attrName>
+                                        </p:attrNameLst>
+                                      </p:cBhvr>
+                                      <p:to>
+                                        <p:strVal val="visible"/>
+                                      </p:to>
+                                    </p:set>
+                                  </p:childTnLst>
+                                </p:cTn>
+                              </p:par>
+                            </p:childTnLst>
+                          </p:cTn>
+                        </p:par>
+                      </p:childTnLst>
+                    </p:cTn>
+                  </p:par>
+                  <p:par>
+                    <p:cTn id="19" fill="hold">
+                      <p:stCondLst>
+                        <p:cond delay="indefinite"/>
+                      </p:stCondLst>
+                      <p:childTnLst>
+                        <p:par>
+                          <p:cTn id="20" fill="hold">
+                            <p:stCondLst>
+                              <p:cond delay="0"/>
+                            </p:stCondLst>
+                            <p:childTnLst>
+                              <p:par>
+                                <p:cTn id="21" presetID="1" presetClass="entr" presetSubtype="0" fill="hold" grpId="0" nodeType="clickEffect">
+                                  <p:stCondLst>
+                                    <p:cond delay="0"/>
+                                  </p:stCondLst>
+                                  <p:childTnLst>
+                                    <p:set>
+                                      <p:cBhvr>
+                                        <p:cTn id="22" dur="1" fill="hold">
+                                          <p:stCondLst>
+                                            <p:cond delay="0"/>
+                                          </p:stCondLst>
+                                        </p:cTn>
+                                        <p:tgtEl>
+                                          <p:spTgt spid="2">
+                                            <p:txEl>
+                                              <p:pRg st="4" end="4"/>
+                                            </p:txEl>
+                                          </p:spTgt>
+                                        </p:tgtEl>
+                                        <p:attrNameLst>
+                                          <p:attrName>style.visibility</p:attrName>
+                                        </p:attrNameLst>
+                                      </p:cBhvr>
+                                      <p:to>
+                                        <p:strVal val="visible"/>
+                                      </p:to>
+                                    </p:set>
+                                  </p:childTnLst>
+                                </p:cTn>
+                              </p:par>
+                            </p:childTnLst>
+                          </p:cTn>
+                        </p:par>
+                      </p:childTnLst>
+                    </p:cTn>
+                  </p:par>
+                  <p:par>
+                    <p:cTn id="23" fill="hold">
+                      <p:stCondLst>
+                        <p:cond delay="indefinite"/>
+                      </p:stCondLst>
+                      <p:childTnLst>
+                        <p:par>
+                          <p:cTn id="24" fill="hold">
+                            <p:stCondLst>
+                              <p:cond delay="0"/>
+                            </p:stCondLst>
+                            <p:childTnLst>
+                              <p:par>
+                                <p:cTn id="25" presetID="1" presetClass="entr" presetSubtype="0" fill="hold" grpId="0" nodeType="clickEffect">
+                                  <p:stCondLst>
+                                    <p:cond delay="0"/>
+                                  </p:stCondLst>
+                                  <p:childTnLst>
+                                    <p:set>
+                                      <p:cBhvr>
+                                        <p:cTn id="26" dur="1" fill="hold">
+                                          <p:stCondLst>
+                                            <p:cond delay="0"/>
+                                          </p:stCondLst>
+                                        </p:cTn>
+                                        <p:tgtEl>
+                                          <p:spTgt spid="2">
+                                            <p:txEl>
+                                              <p:pRg st="5" end="5"/>
+                                            </p:txEl>
+                                          </p:spTgt>
+                                        </p:tgtEl>
+                                        <p:attrNameLst>
+                                          <p:attrName>style.visibility</p:attrName>
+                                        </p:attrNameLst>
+                                      </p:cBhvr>
+                                      <p:to>
+                                        <p:strVal val="visible"/>
+                                      </p:to>
+                                    </p:set>
+                                  </p:childTnLst>
+                                </p:cTn>
+                              </p:par>
+                            </p:childTnLst>
+                          </p:cTn>
+                        </p:par>
+                      </p:childTnLst>
+                    </p:cTn>
+                  </p:par>
+                  <p:par>
+                    <p:cTn id="27" fill="hold">
+                      <p:stCondLst>
+                        <p:cond delay="indefinite"/>
+                      </p:stCondLst>
+                      <p:childTnLst>
+                        <p:par>
+                          <p:cTn id="28" fill="hold">
+                            <p:stCondLst>
+                              <p:cond delay="0"/>
+                            </p:stCondLst>
+                            <p:childTnLst>
+                              <p:par>
+                                <p:cTn id="29" presetID="1" presetClass="entr" presetSubtype="0" fill="hold" grpId="0" nodeType="clickEffect">
+                                  <p:stCondLst>
+                                    <p:cond delay="0"/>
+                                  </p:stCondLst>
+                                  <p:childTnLst>
+                                    <p:set>
+                                      <p:cBhvr>
+                                        <p:cTn id="30" dur="1" fill="hold">
+                                          <p:stCondLst>
+                                            <p:cond delay="0"/>
+                                          </p:stCondLst>
+                                        </p:cTn>
+                                        <p:tgtEl>
+                                          <p:spTgt spid="2">
+                                            <p:txEl>
+                                              <p:pRg st="6" end="6"/>
+                                            </p:txEl>
+                                          </p:spTgt>
+                                        </p:tgtEl>
+                                        <p:attrNameLst>
+                                          <p:attrName>style.visibility</p:attrName>
+                                        </p:attrNameLst>
+                                      </p:cBhvr>
+                                      <p:to>
+                                        <p:strVal val="visible"/>
+                                      </p:to>
+                                    </p:set>
+                                  </p:childTnLst>
+                                </p:cTn>
+                              </p:par>
+                            </p:childTnLst>
+                          </p:cTn>
+                        </p:par>
+                      </p:childTnLst>
+                    </p:cTn>
+                  </p:par>
+                </p:childTnLst>
+              </p:cTn>
+              <p:prevCondLst>
+                <p:cond evt="onPrev" delay="0">
+                  <p:tgtEl>
+                    <p:sldTgt/>
+                  </p:tgtEl>
+                </p:cond>
+              </p:prevCondLst>
+              <p:nextCondLst>
+                <p:cond evt="onNext" delay="0">
+                  <p:tgtEl>
+                    <p:sldTgt/>
+                  </p:tgtEl>
+                </p:cond>
+              </p:nextCondLst>
+            </p:seq>
+          </p:childTnLst>
+        </p:cTn>
+      </p:par>
+    </p:tnLst>
+    <p:bldLst>
+      <p:bldP spid="2" grpId="0" build="p"/>
+    </p:bldLst>
+  </p:timing>
+</p:sld>
+</file>
+
 <file path=ppt/slides/slide8.xml><?xml version="1.0" encoding="utf-8"?>
 <p:sld xmlns:a="http://schemas.openxmlformats.org/drawingml/2006/main" xmlns:r="http://schemas.openxmlformats.org/officeDocument/2006/relationships" xmlns:p="http://schemas.openxmlformats.org/presentationml/2006/main">
   <p:cSld>
@@ -8162,7 +9551,7 @@
           <a:p>
             <a:r>
               <a:rPr lang="en-US" sz="2300" dirty="0"/>
-              <a:t>A docker-selenium Starter Proxy then starts. This handles incoming requests.</a:t>
+              <a:t>A docker-selenium starter proxy then starts. This handles incoming requests.</a:t>
             </a:r>
           </a:p>
           <a:p>
@@ -8186,7 +9575,7 @@
           <a:p>
             <a:r>
               <a:rPr lang="en-US" sz="2300" dirty="0"/>
-              <a:t>Once the test is complete, the node shuts down, and saves video files to a temporary location on the users’ machine.</a:t>
+              <a:t>Once the test is complete, the node shuts down, and saves video files to a temporary location on the host machine.</a:t>
             </a:r>
           </a:p>
           <a:p>

--- a/ECS_Digital_Template.pptx
+++ b/ECS_Digital_Template.pptx
@@ -233,7 +233,7 @@
           <a:p>
             <a:fld id="{99005F40-3085-A94C-86F1-8086CB7D3208}" type="datetimeFigureOut">
               <a:rPr lang="en-US" smtClean="0"/>
-              <a:t>9/24/18</a:t>
+              <a:t>9/27/18</a:t>
             </a:fld>
             <a:endParaRPr lang="en-US"/>
           </a:p>
@@ -398,7 +398,7 @@
           <a:p>
             <a:fld id="{8F794CCD-B965-4F1A-9017-84B1EA84E2E2}" type="datetimeFigureOut">
               <a:rPr lang="en-GB" smtClean="0"/>
-              <a:t>24/09/2018</a:t>
+              <a:t>27/09/2018</a:t>
             </a:fld>
             <a:endParaRPr lang="en-GB" dirty="0"/>
           </a:p>
@@ -933,23 +933,6 @@
           <a:p>
             <a:r>
               <a:rPr lang="en-US" dirty="0"/>
-              <a:t>*CLICK* Setting up your own Selenium Grid can consume a lot of resources on the host machine. Having </a:t>
-            </a:r>
-            <a:r>
-              <a:rPr lang="en-US" dirty="0" err="1"/>
-              <a:t>Zalenium</a:t>
-            </a:r>
-            <a:r>
-              <a:rPr lang="en-US" dirty="0"/>
-              <a:t> managing the start up and tear down of your Selenium Grid containers is really useful.</a:t>
-            </a:r>
-          </a:p>
-          <a:p>
-            <a:endParaRPr lang="en-US" dirty="0"/>
-          </a:p>
-          <a:p>
-            <a:r>
-              <a:rPr lang="en-US" dirty="0"/>
               <a:t>*CLICK* A lot of time is invested in setting up and maintaining your own Selenium Grid. Having all browser versions updated and in line with the Selenium WebDriver browser drivers is often a frustrating process. </a:t>
             </a:r>
           </a:p>
@@ -1087,6 +1070,90 @@
     <p:extLst>
       <p:ext uri="{BB962C8B-B14F-4D97-AF65-F5344CB8AC3E}">
         <p14:creationId xmlns:p14="http://schemas.microsoft.com/office/powerpoint/2010/main" val="4076460706"/>
+      </p:ext>
+    </p:extLst>
+  </p:cSld>
+  <p:clrMapOvr>
+    <a:masterClrMapping/>
+  </p:clrMapOvr>
+</p:notes>
+</file>
+
+<file path=ppt/notesSlides/notesSlide12.xml><?xml version="1.0" encoding="utf-8"?>
+<p:notes xmlns:a="http://schemas.openxmlformats.org/drawingml/2006/main" xmlns:r="http://schemas.openxmlformats.org/officeDocument/2006/relationships" xmlns:p="http://schemas.openxmlformats.org/presentationml/2006/main">
+  <p:cSld>
+    <p:spTree>
+      <p:nvGrpSpPr>
+        <p:cNvPr id="1" name=""/>
+        <p:cNvGrpSpPr/>
+        <p:nvPr/>
+      </p:nvGrpSpPr>
+      <p:grpSpPr>
+        <a:xfrm>
+          <a:off x="0" y="0"/>
+          <a:ext cx="0" cy="0"/>
+          <a:chOff x="0" y="0"/>
+          <a:chExt cx="0" cy="0"/>
+        </a:xfrm>
+      </p:grpSpPr>
+      <p:sp>
+        <p:nvSpPr>
+          <p:cNvPr id="2" name="Slide Image Placeholder 1"/>
+          <p:cNvSpPr>
+            <a:spLocks noGrp="1" noRot="1" noChangeAspect="1"/>
+          </p:cNvSpPr>
+          <p:nvPr>
+            <p:ph type="sldImg"/>
+          </p:nvPr>
+        </p:nvSpPr>
+        <p:spPr/>
+      </p:sp>
+      <p:sp>
+        <p:nvSpPr>
+          <p:cNvPr id="3" name="Notes Placeholder 2"/>
+          <p:cNvSpPr>
+            <a:spLocks noGrp="1"/>
+          </p:cNvSpPr>
+          <p:nvPr>
+            <p:ph type="body" idx="1"/>
+          </p:nvPr>
+        </p:nvSpPr>
+        <p:spPr/>
+        <p:txBody>
+          <a:bodyPr/>
+          <a:lstStyle/>
+          <a:p>
+            <a:endParaRPr lang="en-US" dirty="0"/>
+          </a:p>
+        </p:txBody>
+      </p:sp>
+      <p:sp>
+        <p:nvSpPr>
+          <p:cNvPr id="4" name="Slide Number Placeholder 3"/>
+          <p:cNvSpPr>
+            <a:spLocks noGrp="1"/>
+          </p:cNvSpPr>
+          <p:nvPr>
+            <p:ph type="sldNum" sz="quarter" idx="5"/>
+          </p:nvPr>
+        </p:nvSpPr>
+        <p:spPr/>
+        <p:txBody>
+          <a:bodyPr/>
+          <a:lstStyle/>
+          <a:p>
+            <a:fld id="{7A507E9C-E9CF-45CC-A225-331D2025989C}" type="slidenum">
+              <a:rPr lang="en-GB" smtClean="0"/>
+              <a:t>12</a:t>
+            </a:fld>
+            <a:endParaRPr lang="en-GB" dirty="0"/>
+          </a:p>
+        </p:txBody>
+      </p:sp>
+    </p:spTree>
+    <p:extLst>
+      <p:ext uri="{BB962C8B-B14F-4D97-AF65-F5344CB8AC3E}">
+        <p14:creationId xmlns:p14="http://schemas.microsoft.com/office/powerpoint/2010/main" val="2965049787"/>
       </p:ext>
     </p:extLst>
   </p:cSld>
@@ -5430,12 +5497,6 @@
             <a:r>
               <a:rPr lang="en-US" dirty="0"/>
               <a:t> auto-scales.</a:t>
-            </a:r>
-          </a:p>
-          <a:p>
-            <a:r>
-              <a:rPr lang="en-US" dirty="0"/>
-              <a:t>Selenium Grid can consume a lot of resources when scaling.</a:t>
             </a:r>
           </a:p>
           <a:p>
@@ -5939,55 +6000,6 @@
                       </p:childTnLst>
                     </p:cTn>
                   </p:par>
-                  <p:par>
-                    <p:cTn id="31" fill="hold">
-                      <p:stCondLst>
-                        <p:cond delay="indefinite"/>
-                      </p:stCondLst>
-                      <p:childTnLst>
-                        <p:par>
-                          <p:cTn id="32" fill="hold">
-                            <p:stCondLst>
-                              <p:cond delay="0"/>
-                            </p:stCondLst>
-                            <p:childTnLst>
-                              <p:par>
-                                <p:cTn id="33" presetID="1" presetClass="entr" presetSubtype="0" fill="hold" grpId="0" nodeType="clickEffect">
-                                  <p:stCondLst>
-                                    <p:cond delay="0"/>
-                                  </p:stCondLst>
-                                  <p:childTnLst>
-                                    <p:set>
-                                      <p:cBhvr>
-                                        <p:cTn id="34" dur="1" fill="hold">
-                                          <p:stCondLst>
-                                            <p:cond delay="0"/>
-                                          </p:stCondLst>
-                                        </p:cTn>
-                                        <p:tgtEl>
-                                          <p:spTgt spid="2">
-                                            <p:txEl>
-                                              <p:pRg st="7" end="7"/>
-                                            </p:txEl>
-                                          </p:spTgt>
-                                        </p:tgtEl>
-                                        <p:attrNameLst>
-                                          <p:attrName>style.visibility</p:attrName>
-                                        </p:attrNameLst>
-                                      </p:cBhvr>
-                                      <p:to>
-                                        <p:strVal val="visible"/>
-                                      </p:to>
-                                    </p:set>
-                                  </p:childTnLst>
-                                </p:cTn>
-                              </p:par>
-                            </p:childTnLst>
-                          </p:cTn>
-                        </p:par>
-                      </p:childTnLst>
-                    </p:cTn>
-                  </p:par>
                 </p:childTnLst>
               </p:cTn>
               <p:prevCondLst>
@@ -6131,7 +6143,7 @@
             </a:r>
             <a:r>
               <a:rPr lang="en-US" dirty="0">
-                <a:hlinkClick r:id="rId2"/>
+                <a:hlinkClick r:id="rId3"/>
               </a:rPr>
               <a:t>https://bit.ly/2zrbOED</a:t>
             </a:r>
@@ -11023,12 +11035,6 @@
 </file>
 
 <file path=customXml/item1.xml><?xml version="1.0" encoding="utf-8"?>
-<p:properties xmlns:p="http://schemas.microsoft.com/office/2006/metadata/properties" xmlns:xsi="http://www.w3.org/2001/XMLSchema-instance" xmlns:pc="http://schemas.microsoft.com/office/infopath/2007/PartnerControls">
-  <documentManagement/>
-</p:properties>
-</file>
-
-<file path=customXml/item2.xml><?xml version="1.0" encoding="utf-8"?>
 <ct:contentTypeSchema xmlns:ct="http://schemas.microsoft.com/office/2006/metadata/contentType" xmlns:ma="http://schemas.microsoft.com/office/2006/metadata/properties/metaAttributes" ct:_="" ma:_="" ma:contentTypeName="Document" ma:contentTypeID="0x01010032568B525010F846862294E756626199" ma:contentTypeVersion="8" ma:contentTypeDescription="Create a new document." ma:contentTypeScope="" ma:versionID="8038f208134572231f45b2239c7ee116">
   <xsd:schema xmlns:xsd="http://www.w3.org/2001/XMLSchema" xmlns:xs="http://www.w3.org/2001/XMLSchema" xmlns:p="http://schemas.microsoft.com/office/2006/metadata/properties" xmlns:ns2="78610437-699c-4941-bf2e-0011b0af15d9" xmlns:ns3="c7ddc322-a81d-4d45-a8a3-b42cbb00bae7" targetNamespace="http://schemas.microsoft.com/office/2006/metadata/properties" ma:root="true" ma:fieldsID="3bc37508e70c0eb62c75259443266f33" ns2:_="" ns3:_="">
     <xsd:import namespace="78610437-699c-4941-bf2e-0011b0af15d9"/>
@@ -11219,6 +11225,12 @@
 </ct:contentTypeSchema>
 </file>
 
+<file path=customXml/item2.xml><?xml version="1.0" encoding="utf-8"?>
+<p:properties xmlns:p="http://schemas.microsoft.com/office/2006/metadata/properties" xmlns:xsi="http://www.w3.org/2001/XMLSchema-instance" xmlns:pc="http://schemas.microsoft.com/office/infopath/2007/PartnerControls">
+  <documentManagement/>
+</p:properties>
+</file>
+
 <file path=customXml/item3.xml><?xml version="1.0" encoding="utf-8"?>
 <?mso-contentType ?>
 <FormTemplates xmlns="http://schemas.microsoft.com/sharepoint/v3/contenttype/forms">
@@ -11229,23 +11241,6 @@
 </file>
 
 <file path=customXml/itemProps1.xml><?xml version="1.0" encoding="utf-8"?>
-<ds:datastoreItem xmlns:ds="http://schemas.openxmlformats.org/officeDocument/2006/customXml" ds:itemID="{5B5A310F-8172-420C-8B07-5B368A43E2DC}">
-  <ds:schemaRefs>
-    <ds:schemaRef ds:uri="http://www.w3.org/XML/1998/namespace"/>
-    <ds:schemaRef ds:uri="http://schemas.microsoft.com/office/2006/documentManagement/types"/>
-    <ds:schemaRef ds:uri="http://purl.org/dc/elements/1.1/"/>
-    <ds:schemaRef ds:uri="http://purl.org/dc/terms/"/>
-    <ds:schemaRef ds:uri="http://schemas.microsoft.com/office/2006/metadata/properties"/>
-    <ds:schemaRef ds:uri="http://schemas.openxmlformats.org/package/2006/metadata/core-properties"/>
-    <ds:schemaRef ds:uri="c7ddc322-a81d-4d45-a8a3-b42cbb00bae7"/>
-    <ds:schemaRef ds:uri="http://purl.org/dc/dcmitype/"/>
-    <ds:schemaRef ds:uri="http://schemas.microsoft.com/office/infopath/2007/PartnerControls"/>
-    <ds:schemaRef ds:uri="78610437-699c-4941-bf2e-0011b0af15d9"/>
-  </ds:schemaRefs>
-</ds:datastoreItem>
-</file>
-
-<file path=customXml/itemProps2.xml><?xml version="1.0" encoding="utf-8"?>
 <ds:datastoreItem xmlns:ds="http://schemas.openxmlformats.org/officeDocument/2006/customXml" ds:itemID="{130D9AEF-63DD-4286-96FE-CAAEA6D0A342}">
   <ds:schemaRefs>
     <ds:schemaRef ds:uri="http://schemas.microsoft.com/office/2006/metadata/contentType"/>
@@ -11264,6 +11259,23 @@
 </ds:datastoreItem>
 </file>
 
+<file path=customXml/itemProps2.xml><?xml version="1.0" encoding="utf-8"?>
+<ds:datastoreItem xmlns:ds="http://schemas.openxmlformats.org/officeDocument/2006/customXml" ds:itemID="{5B5A310F-8172-420C-8B07-5B368A43E2DC}">
+  <ds:schemaRefs>
+    <ds:schemaRef ds:uri="http://www.w3.org/XML/1998/namespace"/>
+    <ds:schemaRef ds:uri="http://schemas.microsoft.com/office/2006/documentManagement/types"/>
+    <ds:schemaRef ds:uri="http://purl.org/dc/elements/1.1/"/>
+    <ds:schemaRef ds:uri="http://purl.org/dc/terms/"/>
+    <ds:schemaRef ds:uri="http://schemas.microsoft.com/office/2006/metadata/properties"/>
+    <ds:schemaRef ds:uri="http://schemas.openxmlformats.org/package/2006/metadata/core-properties"/>
+    <ds:schemaRef ds:uri="c7ddc322-a81d-4d45-a8a3-b42cbb00bae7"/>
+    <ds:schemaRef ds:uri="http://purl.org/dc/dcmitype/"/>
+    <ds:schemaRef ds:uri="http://schemas.microsoft.com/office/infopath/2007/PartnerControls"/>
+    <ds:schemaRef ds:uri="78610437-699c-4941-bf2e-0011b0af15d9"/>
+  </ds:schemaRefs>
+</ds:datastoreItem>
+</file>
+
 <file path=customXml/itemProps3.xml><?xml version="1.0" encoding="utf-8"?>
 <ds:datastoreItem xmlns:ds="http://schemas.openxmlformats.org/officeDocument/2006/customXml" ds:itemID="{003B5CD9-841F-44FE-B239-F6092E6A3514}">
   <ds:schemaRefs>

--- a/ECS_Digital_Template.pptx
+++ b/ECS_Digital_Template.pptx
@@ -1154,6 +1154,210 @@
     <p:extLst>
       <p:ext uri="{BB962C8B-B14F-4D97-AF65-F5344CB8AC3E}">
         <p14:creationId xmlns:p14="http://schemas.microsoft.com/office/powerpoint/2010/main" val="2965049787"/>
+      </p:ext>
+    </p:extLst>
+  </p:cSld>
+  <p:clrMapOvr>
+    <a:masterClrMapping/>
+  </p:clrMapOvr>
+</p:notes>
+</file>
+
+<file path=ppt/notesSlides/notesSlide13.xml><?xml version="1.0" encoding="utf-8"?>
+<p:notes xmlns:a="http://schemas.openxmlformats.org/drawingml/2006/main" xmlns:r="http://schemas.openxmlformats.org/officeDocument/2006/relationships" xmlns:p="http://schemas.openxmlformats.org/presentationml/2006/main">
+  <p:cSld>
+    <p:spTree>
+      <p:nvGrpSpPr>
+        <p:cNvPr id="1" name=""/>
+        <p:cNvGrpSpPr/>
+        <p:nvPr/>
+      </p:nvGrpSpPr>
+      <p:grpSpPr>
+        <a:xfrm>
+          <a:off x="0" y="0"/>
+          <a:ext cx="0" cy="0"/>
+          <a:chOff x="0" y="0"/>
+          <a:chExt cx="0" cy="0"/>
+        </a:xfrm>
+      </p:grpSpPr>
+      <p:sp>
+        <p:nvSpPr>
+          <p:cNvPr id="2" name="Slide Image Placeholder 1"/>
+          <p:cNvSpPr>
+            <a:spLocks noGrp="1" noRot="1" noChangeAspect="1"/>
+          </p:cNvSpPr>
+          <p:nvPr>
+            <p:ph type="sldImg"/>
+          </p:nvPr>
+        </p:nvSpPr>
+        <p:spPr/>
+      </p:sp>
+      <p:sp>
+        <p:nvSpPr>
+          <p:cNvPr id="3" name="Notes Placeholder 2"/>
+          <p:cNvSpPr>
+            <a:spLocks noGrp="1"/>
+          </p:cNvSpPr>
+          <p:nvPr>
+            <p:ph type="body" idx="1"/>
+          </p:nvPr>
+        </p:nvSpPr>
+        <p:spPr/>
+        <p:txBody>
+          <a:bodyPr/>
+          <a:lstStyle/>
+          <a:p>
+            <a:r>
+              <a:rPr lang="en-US" dirty="0"/>
+              <a:t>*CLICK* So as well as the scenario we’ve just show, we can also run these tests on cloud providers. Just now there is support for Sauce Labs, </a:t>
+            </a:r>
+            <a:r>
+              <a:rPr lang="en-US" dirty="0" err="1"/>
+              <a:t>TestingBot</a:t>
+            </a:r>
+            <a:r>
+              <a:rPr lang="en-US" dirty="0"/>
+              <a:t> and Browser Stack.</a:t>
+            </a:r>
+          </a:p>
+          <a:p>
+            <a:endParaRPr lang="en-US" dirty="0"/>
+          </a:p>
+          <a:p>
+            <a:r>
+              <a:rPr lang="en-US" dirty="0"/>
+              <a:t>*CLICK* It’s pretty simple to register these providers to </a:t>
+            </a:r>
+            <a:r>
+              <a:rPr lang="en-US" dirty="0" err="1"/>
+              <a:t>Zalenium</a:t>
+            </a:r>
+            <a:r>
+              <a:rPr lang="en-US" dirty="0"/>
+              <a:t>. An example of how to do this is shown below. You simply add these arguments to the </a:t>
+            </a:r>
+            <a:r>
+              <a:rPr lang="en-US" dirty="0" err="1"/>
+              <a:t>Zalenium</a:t>
+            </a:r>
+            <a:r>
+              <a:rPr lang="en-US" dirty="0"/>
+              <a:t> run command which we executed earlier.</a:t>
+            </a:r>
+          </a:p>
+        </p:txBody>
+      </p:sp>
+      <p:sp>
+        <p:nvSpPr>
+          <p:cNvPr id="4" name="Slide Number Placeholder 3"/>
+          <p:cNvSpPr>
+            <a:spLocks noGrp="1"/>
+          </p:cNvSpPr>
+          <p:nvPr>
+            <p:ph type="sldNum" sz="quarter" idx="5"/>
+          </p:nvPr>
+        </p:nvSpPr>
+        <p:spPr/>
+        <p:txBody>
+          <a:bodyPr/>
+          <a:lstStyle/>
+          <a:p>
+            <a:fld id="{7A507E9C-E9CF-45CC-A225-331D2025989C}" type="slidenum">
+              <a:rPr lang="en-GB" smtClean="0"/>
+              <a:t>13</a:t>
+            </a:fld>
+            <a:endParaRPr lang="en-GB" dirty="0"/>
+          </a:p>
+        </p:txBody>
+      </p:sp>
+    </p:spTree>
+    <p:extLst>
+      <p:ext uri="{BB962C8B-B14F-4D97-AF65-F5344CB8AC3E}">
+        <p14:creationId xmlns:p14="http://schemas.microsoft.com/office/powerpoint/2010/main" val="1491456688"/>
+      </p:ext>
+    </p:extLst>
+  </p:cSld>
+  <p:clrMapOvr>
+    <a:masterClrMapping/>
+  </p:clrMapOvr>
+</p:notes>
+</file>
+
+<file path=ppt/notesSlides/notesSlide14.xml><?xml version="1.0" encoding="utf-8"?>
+<p:notes xmlns:a="http://schemas.openxmlformats.org/drawingml/2006/main" xmlns:r="http://schemas.openxmlformats.org/officeDocument/2006/relationships" xmlns:p="http://schemas.openxmlformats.org/presentationml/2006/main">
+  <p:cSld>
+    <p:spTree>
+      <p:nvGrpSpPr>
+        <p:cNvPr id="1" name=""/>
+        <p:cNvGrpSpPr/>
+        <p:nvPr/>
+      </p:nvGrpSpPr>
+      <p:grpSpPr>
+        <a:xfrm>
+          <a:off x="0" y="0"/>
+          <a:ext cx="0" cy="0"/>
+          <a:chOff x="0" y="0"/>
+          <a:chExt cx="0" cy="0"/>
+        </a:xfrm>
+      </p:grpSpPr>
+      <p:sp>
+        <p:nvSpPr>
+          <p:cNvPr id="2" name="Slide Image Placeholder 1"/>
+          <p:cNvSpPr>
+            <a:spLocks noGrp="1" noRot="1" noChangeAspect="1"/>
+          </p:cNvSpPr>
+          <p:nvPr>
+            <p:ph type="sldImg"/>
+          </p:nvPr>
+        </p:nvSpPr>
+        <p:spPr/>
+      </p:sp>
+      <p:sp>
+        <p:nvSpPr>
+          <p:cNvPr id="3" name="Notes Placeholder 2"/>
+          <p:cNvSpPr>
+            <a:spLocks noGrp="1"/>
+          </p:cNvSpPr>
+          <p:nvPr>
+            <p:ph type="body" idx="1"/>
+          </p:nvPr>
+        </p:nvSpPr>
+        <p:spPr/>
+        <p:txBody>
+          <a:bodyPr/>
+          <a:lstStyle/>
+          <a:p>
+            <a:endParaRPr lang="en-US"/>
+          </a:p>
+        </p:txBody>
+      </p:sp>
+      <p:sp>
+        <p:nvSpPr>
+          <p:cNvPr id="4" name="Slide Number Placeholder 3"/>
+          <p:cNvSpPr>
+            <a:spLocks noGrp="1"/>
+          </p:cNvSpPr>
+          <p:nvPr>
+            <p:ph type="sldNum" sz="quarter" idx="5"/>
+          </p:nvPr>
+        </p:nvSpPr>
+        <p:spPr/>
+        <p:txBody>
+          <a:bodyPr/>
+          <a:lstStyle/>
+          <a:p>
+            <a:fld id="{7A507E9C-E9CF-45CC-A225-331D2025989C}" type="slidenum">
+              <a:rPr lang="en-GB" smtClean="0"/>
+              <a:t>14</a:t>
+            </a:fld>
+            <a:endParaRPr lang="en-GB" dirty="0"/>
+          </a:p>
+        </p:txBody>
+      </p:sp>
+    </p:spTree>
+    <p:extLst>
+      <p:ext uri="{BB962C8B-B14F-4D97-AF65-F5344CB8AC3E}">
+        <p14:creationId xmlns:p14="http://schemas.microsoft.com/office/powerpoint/2010/main" val="3675866693"/>
       </p:ext>
     </p:extLst>
   </p:cSld>

--- a/ECS_Digital_Template.pptx
+++ b/ECS_Digital_Template.pptx
@@ -5,10 +5,10 @@
     <p:sldMasterId id="2147483648" r:id="rId4"/>
   </p:sldMasterIdLst>
   <p:notesMasterIdLst>
-    <p:notesMasterId r:id="rId20"/>
+    <p:notesMasterId r:id="rId21"/>
   </p:notesMasterIdLst>
   <p:handoutMasterIdLst>
-    <p:handoutMasterId r:id="rId21"/>
+    <p:handoutMasterId r:id="rId22"/>
   </p:handoutMasterIdLst>
   <p:sldIdLst>
     <p:sldId id="303" r:id="rId5"/>
@@ -22,10 +22,11 @@
     <p:sldId id="296" r:id="rId13"/>
     <p:sldId id="307" r:id="rId14"/>
     <p:sldId id="292" r:id="rId15"/>
-    <p:sldId id="308" r:id="rId16"/>
-    <p:sldId id="293" r:id="rId17"/>
-    <p:sldId id="297" r:id="rId18"/>
-    <p:sldId id="267" r:id="rId19"/>
+    <p:sldId id="310" r:id="rId16"/>
+    <p:sldId id="308" r:id="rId17"/>
+    <p:sldId id="293" r:id="rId18"/>
+    <p:sldId id="297" r:id="rId19"/>
+    <p:sldId id="267" r:id="rId20"/>
   </p:sldIdLst>
   <p:sldSz cx="9144000" cy="6858000" type="screen4x3"/>
   <p:notesSz cx="6858000" cy="9144000"/>
@@ -820,7 +821,7 @@
             </a:r>
             <a:r>
               <a:rPr lang="en-US" dirty="0"/>
-              <a:t> have provided a nice gif of both of those scenarios play out.</a:t>
+              <a:t> have provided a nice image of both of those scenarios play out.</a:t>
             </a:r>
           </a:p>
         </p:txBody>
@@ -1021,7 +1022,15 @@
           <a:p>
             <a:r>
               <a:rPr lang="en-US" dirty="0"/>
-              <a:t>*CLICK* It also has Kubernetes support. We won’t be covering this in this session, but we may do a part 2 of the Playground exploring Kubernetes.</a:t>
+              <a:t>*CLICK* It also has Kubernetes support. We won’t be covering this in this session, but we may do a part 2 of the Playground exploring how to run </a:t>
+            </a:r>
+            <a:r>
+              <a:rPr lang="en-US" dirty="0" err="1"/>
+              <a:t>Zalenium</a:t>
+            </a:r>
+            <a:r>
+              <a:rPr lang="en-US" dirty="0"/>
+              <a:t> as part of CI using Kubernetes.</a:t>
             </a:r>
           </a:p>
           <a:p>
@@ -1123,7 +1132,141 @@
           <a:bodyPr/>
           <a:lstStyle/>
           <a:p>
+            <a:r>
+              <a:rPr lang="en-US" dirty="0"/>
+              <a:t>So, why would you decide to use </a:t>
+            </a:r>
+            <a:r>
+              <a:rPr lang="en-US" dirty="0" err="1"/>
+              <a:t>Zalenium</a:t>
+            </a:r>
+            <a:r>
+              <a:rPr lang="en-US" dirty="0"/>
+              <a:t>?</a:t>
+            </a:r>
+          </a:p>
+          <a:p>
             <a:endParaRPr lang="en-US" dirty="0"/>
+          </a:p>
+          <a:p>
+            <a:r>
+              <a:rPr lang="en-US" dirty="0"/>
+              <a:t>*CLICK* First of all, it auto-scales by creating more docker containers as and when they are needed. It also scales back down as tests finish.</a:t>
+            </a:r>
+          </a:p>
+          <a:p>
+            <a:endParaRPr lang="en-US" dirty="0"/>
+          </a:p>
+          <a:p>
+            <a:r>
+              <a:rPr lang="en-US" dirty="0"/>
+              <a:t>*CLICK* A lot of time is invested in setting up and maintaining your own Selenium Grid. Having all browser versions updated and in line with the Selenium WebDriver browser drivers is often a frustrating process. </a:t>
+            </a:r>
+          </a:p>
+          <a:p>
+            <a:r>
+              <a:rPr lang="en-US" dirty="0" err="1"/>
+              <a:t>Zalenium</a:t>
+            </a:r>
+            <a:r>
+              <a:rPr lang="en-US" dirty="0"/>
+              <a:t> manages this for you, removing this frustration.</a:t>
+            </a:r>
+          </a:p>
+          <a:p>
+            <a:endParaRPr lang="en-US" dirty="0"/>
+          </a:p>
+          <a:p>
+            <a:r>
+              <a:rPr lang="en-US" dirty="0"/>
+              <a:t>*CLICK* </a:t>
+            </a:r>
+            <a:r>
+              <a:rPr lang="en-US" dirty="0" err="1"/>
+              <a:t>Zalenium</a:t>
+            </a:r>
+            <a:r>
+              <a:rPr lang="en-US" dirty="0"/>
+              <a:t> allows anyone to have flexible and disposable Selenium Grid infrastructure created within seconds. It means that functional testing can take place easily at any point in the development cycle as the infrastructure is available to all.</a:t>
+            </a:r>
+          </a:p>
+          <a:p>
+            <a:endParaRPr lang="en-US" dirty="0"/>
+          </a:p>
+          <a:p>
+            <a:r>
+              <a:rPr lang="en-US" dirty="0"/>
+              <a:t>*CLICK* It compliments your existing cloud testing providers. If you already use providers such as Sauce Labs and Testing Bot then </a:t>
+            </a:r>
+            <a:r>
+              <a:rPr lang="en-US" dirty="0" err="1"/>
+              <a:t>Zalenium</a:t>
+            </a:r>
+            <a:r>
+              <a:rPr lang="en-US" dirty="0"/>
+              <a:t> can work alongside those. Have the Chrome and Firefox tests run on host machines for faster feedback, but tests in other browsers can be directed to your provider.</a:t>
+            </a:r>
+          </a:p>
+          <a:p>
+            <a:endParaRPr lang="en-US" dirty="0"/>
+          </a:p>
+          <a:p>
+            <a:pPr marL="0" marR="0" lvl="0" indent="0" algn="l" defTabSz="914400" rtl="0" eaLnBrk="1" fontAlgn="auto" latinLnBrk="0" hangingPunct="1">
+              <a:lnSpc>
+                <a:spcPct val="100000"/>
+              </a:lnSpc>
+              <a:spcBef>
+                <a:spcPts val="0"/>
+              </a:spcBef>
+              <a:spcAft>
+                <a:spcPts val="0"/>
+              </a:spcAft>
+              <a:buClrTx/>
+              <a:buSzTx/>
+              <a:buFontTx/>
+              <a:buNone/>
+              <a:tabLst/>
+              <a:defRPr/>
+            </a:pPr>
+            <a:r>
+              <a:rPr lang="en-US" dirty="0"/>
+              <a:t>*CLICK* Videos are automatically recorded, if required into a temporary location. These videos are automatically saved in a temporary location on the host machine.</a:t>
+            </a:r>
+          </a:p>
+          <a:p>
+            <a:endParaRPr lang="en-US" dirty="0"/>
+          </a:p>
+          <a:p>
+            <a:r>
+              <a:rPr lang="en-US" dirty="0"/>
+              <a:t>*CLICK* The dashboard feature or live preview can show you exactly what is happening in your tests. It also displays both Selenium logs and browser logs (which can be saved in JSON format onto the host machine).</a:t>
+            </a:r>
+          </a:p>
+          <a:p>
+            <a:endParaRPr lang="en-US" dirty="0"/>
+          </a:p>
+          <a:p>
+            <a:r>
+              <a:rPr lang="en-US" dirty="0"/>
+              <a:t>*CLICK* It also has Kubernetes support. We won’t be covering this in this session, but we may do a part 2 of the Playground exploring Kubernetes.</a:t>
+            </a:r>
+          </a:p>
+          <a:p>
+            <a:endParaRPr lang="en-US" dirty="0"/>
+          </a:p>
+          <a:p>
+            <a:r>
+              <a:rPr lang="en-US" dirty="0"/>
+              <a:t>Overall, </a:t>
+            </a:r>
+            <a:r>
+              <a:rPr lang="en-US" dirty="0" err="1"/>
+              <a:t>Zalenium</a:t>
+            </a:r>
+            <a:r>
+              <a:rPr lang="en-US" dirty="0"/>
+              <a:t> can increase the speed of your continuous testing process  as it manages them in a smarter way by providing more containers when required and allowing anyone to have flexible and disposable Selenium Grid infrastructure.</a:t>
+            </a:r>
           </a:p>
         </p:txBody>
       </p:sp>
@@ -1153,7 +1296,7 @@
     </p:spTree>
     <p:extLst>
       <p:ext uri="{BB962C8B-B14F-4D97-AF65-F5344CB8AC3E}">
-        <p14:creationId xmlns:p14="http://schemas.microsoft.com/office/powerpoint/2010/main" val="2965049787"/>
+        <p14:creationId xmlns:p14="http://schemas.microsoft.com/office/powerpoint/2010/main" val="20849945"/>
       </p:ext>
     </p:extLst>
   </p:cSld>
@@ -1207,43 +1350,7 @@
           <a:bodyPr/>
           <a:lstStyle/>
           <a:p>
-            <a:r>
-              <a:rPr lang="en-US" dirty="0"/>
-              <a:t>*CLICK* So as well as the scenario we’ve just show, we can also run these tests on cloud providers. Just now there is support for Sauce Labs, </a:t>
-            </a:r>
-            <a:r>
-              <a:rPr lang="en-US" dirty="0" err="1"/>
-              <a:t>TestingBot</a:t>
-            </a:r>
-            <a:r>
-              <a:rPr lang="en-US" dirty="0"/>
-              <a:t> and Browser Stack.</a:t>
-            </a:r>
-          </a:p>
-          <a:p>
             <a:endParaRPr lang="en-US" dirty="0"/>
-          </a:p>
-          <a:p>
-            <a:r>
-              <a:rPr lang="en-US" dirty="0"/>
-              <a:t>*CLICK* It’s pretty simple to register these providers to </a:t>
-            </a:r>
-            <a:r>
-              <a:rPr lang="en-US" dirty="0" err="1"/>
-              <a:t>Zalenium</a:t>
-            </a:r>
-            <a:r>
-              <a:rPr lang="en-US" dirty="0"/>
-              <a:t>. An example of how to do this is shown below. You simply add these arguments to the </a:t>
-            </a:r>
-            <a:r>
-              <a:rPr lang="en-US" dirty="0" err="1"/>
-              <a:t>Zalenium</a:t>
-            </a:r>
-            <a:r>
-              <a:rPr lang="en-US" dirty="0"/>
-              <a:t> run command which we executed earlier.</a:t>
-            </a:r>
           </a:p>
         </p:txBody>
       </p:sp>
@@ -1273,7 +1380,7 @@
     </p:spTree>
     <p:extLst>
       <p:ext uri="{BB962C8B-B14F-4D97-AF65-F5344CB8AC3E}">
-        <p14:creationId xmlns:p14="http://schemas.microsoft.com/office/powerpoint/2010/main" val="1491456688"/>
+        <p14:creationId xmlns:p14="http://schemas.microsoft.com/office/powerpoint/2010/main" val="2965049787"/>
       </p:ext>
     </p:extLst>
   </p:cSld>
@@ -1327,7 +1434,43 @@
           <a:bodyPr/>
           <a:lstStyle/>
           <a:p>
-            <a:endParaRPr lang="en-US"/>
+            <a:r>
+              <a:rPr lang="en-US" dirty="0"/>
+              <a:t>*CLICK* So as well as the scenario we’ve just show, we can also run these tests on cloud providers. Just now there is support for Sauce Labs, </a:t>
+            </a:r>
+            <a:r>
+              <a:rPr lang="en-US" dirty="0" err="1"/>
+              <a:t>TestingBot</a:t>
+            </a:r>
+            <a:r>
+              <a:rPr lang="en-US" dirty="0"/>
+              <a:t> and Browser Stack.</a:t>
+            </a:r>
+          </a:p>
+          <a:p>
+            <a:endParaRPr lang="en-US" dirty="0"/>
+          </a:p>
+          <a:p>
+            <a:r>
+              <a:rPr lang="en-US" dirty="0"/>
+              <a:t>*CLICK* It’s pretty simple to register these providers to </a:t>
+            </a:r>
+            <a:r>
+              <a:rPr lang="en-US" dirty="0" err="1"/>
+              <a:t>Zalenium</a:t>
+            </a:r>
+            <a:r>
+              <a:rPr lang="en-US" dirty="0"/>
+              <a:t>. An example of how to do this is shown below. You simply add these arguments to the </a:t>
+            </a:r>
+            <a:r>
+              <a:rPr lang="en-US" dirty="0" err="1"/>
+              <a:t>Zalenium</a:t>
+            </a:r>
+            <a:r>
+              <a:rPr lang="en-US" dirty="0"/>
+              <a:t> run command which we executed earlier.</a:t>
+            </a:r>
           </a:p>
         </p:txBody>
       </p:sp>
@@ -1349,6 +1492,90 @@
             <a:fld id="{7A507E9C-E9CF-45CC-A225-331D2025989C}" type="slidenum">
               <a:rPr lang="en-GB" smtClean="0"/>
               <a:t>14</a:t>
+            </a:fld>
+            <a:endParaRPr lang="en-GB" dirty="0"/>
+          </a:p>
+        </p:txBody>
+      </p:sp>
+    </p:spTree>
+    <p:extLst>
+      <p:ext uri="{BB962C8B-B14F-4D97-AF65-F5344CB8AC3E}">
+        <p14:creationId xmlns:p14="http://schemas.microsoft.com/office/powerpoint/2010/main" val="1491456688"/>
+      </p:ext>
+    </p:extLst>
+  </p:cSld>
+  <p:clrMapOvr>
+    <a:masterClrMapping/>
+  </p:clrMapOvr>
+</p:notes>
+</file>
+
+<file path=ppt/notesSlides/notesSlide15.xml><?xml version="1.0" encoding="utf-8"?>
+<p:notes xmlns:a="http://schemas.openxmlformats.org/drawingml/2006/main" xmlns:r="http://schemas.openxmlformats.org/officeDocument/2006/relationships" xmlns:p="http://schemas.openxmlformats.org/presentationml/2006/main">
+  <p:cSld>
+    <p:spTree>
+      <p:nvGrpSpPr>
+        <p:cNvPr id="1" name=""/>
+        <p:cNvGrpSpPr/>
+        <p:nvPr/>
+      </p:nvGrpSpPr>
+      <p:grpSpPr>
+        <a:xfrm>
+          <a:off x="0" y="0"/>
+          <a:ext cx="0" cy="0"/>
+          <a:chOff x="0" y="0"/>
+          <a:chExt cx="0" cy="0"/>
+        </a:xfrm>
+      </p:grpSpPr>
+      <p:sp>
+        <p:nvSpPr>
+          <p:cNvPr id="2" name="Slide Image Placeholder 1"/>
+          <p:cNvSpPr>
+            <a:spLocks noGrp="1" noRot="1" noChangeAspect="1"/>
+          </p:cNvSpPr>
+          <p:nvPr>
+            <p:ph type="sldImg"/>
+          </p:nvPr>
+        </p:nvSpPr>
+        <p:spPr/>
+      </p:sp>
+      <p:sp>
+        <p:nvSpPr>
+          <p:cNvPr id="3" name="Notes Placeholder 2"/>
+          <p:cNvSpPr>
+            <a:spLocks noGrp="1"/>
+          </p:cNvSpPr>
+          <p:nvPr>
+            <p:ph type="body" idx="1"/>
+          </p:nvPr>
+        </p:nvSpPr>
+        <p:spPr/>
+        <p:txBody>
+          <a:bodyPr/>
+          <a:lstStyle/>
+          <a:p>
+            <a:endParaRPr lang="en-US" dirty="0"/>
+          </a:p>
+        </p:txBody>
+      </p:sp>
+      <p:sp>
+        <p:nvSpPr>
+          <p:cNvPr id="4" name="Slide Number Placeholder 3"/>
+          <p:cNvSpPr>
+            <a:spLocks noGrp="1"/>
+          </p:cNvSpPr>
+          <p:nvPr>
+            <p:ph type="sldNum" sz="quarter" idx="5"/>
+          </p:nvPr>
+        </p:nvSpPr>
+        <p:spPr/>
+        <p:txBody>
+          <a:bodyPr/>
+          <a:lstStyle/>
+          <a:p>
+            <a:fld id="{7A507E9C-E9CF-45CC-A225-331D2025989C}" type="slidenum">
+              <a:rPr lang="en-GB" smtClean="0"/>
+              <a:t>15</a:t>
             </a:fld>
             <a:endParaRPr lang="en-GB" dirty="0"/>
           </a:p>
@@ -1862,6 +2089,26 @@
           <a:p>
             <a:r>
               <a:rPr lang="en-US" dirty="0"/>
+              <a:t>Who has used Selenium?</a:t>
+            </a:r>
+          </a:p>
+          <a:p>
+            <a:r>
+              <a:rPr lang="en-US" dirty="0"/>
+              <a:t>Who has used </a:t>
+            </a:r>
+            <a:r>
+              <a:rPr lang="en-US"/>
+              <a:t>Selenium Grid?</a:t>
+            </a:r>
+            <a:endParaRPr lang="en-US" dirty="0"/>
+          </a:p>
+          <a:p>
+            <a:endParaRPr lang="en-US" dirty="0"/>
+          </a:p>
+          <a:p>
+            <a:r>
+              <a:rPr lang="en-US" dirty="0"/>
               <a:t>*CLICK* WebDriver is an open source web automation framework that allows you to automate tests against different web browsers. </a:t>
             </a:r>
           </a:p>
@@ -1883,7 +2130,7 @@
           <a:p>
             <a:r>
               <a:rPr lang="en-US" dirty="0"/>
-              <a:t>For tonight’s hands-on example we have created a small suite of JavaScript tests which run in parallel. We won’t be delving into the </a:t>
+              <a:t>For tonight’s hands-on example we have created a small suite of simple JavaScript tests which run in parallel. We won’t be delving into the </a:t>
             </a:r>
             <a:r>
               <a:rPr lang="en-US" dirty="0" err="1"/>
@@ -1892,23 +2139,6 @@
             <a:r>
               <a:rPr lang="en-US" dirty="0"/>
               <a:t> code itself, but feel free to see how it has been created in our GitHub repo after tonight’s session.</a:t>
-            </a:r>
-          </a:p>
-          <a:p>
-            <a:endParaRPr lang="en-US" dirty="0"/>
-          </a:p>
-          <a:p>
-            <a:r>
-              <a:rPr lang="en-US" dirty="0"/>
-              <a:t>The test we will be running tonight will open </a:t>
-            </a:r>
-            <a:r>
-              <a:rPr lang="en-US" dirty="0" err="1"/>
-              <a:t>Google.com</a:t>
-            </a:r>
-            <a:r>
-              <a:rPr lang="en-US" dirty="0"/>
-              <a:t> in Chrome web browser. and assert that the ‘Google’ title is displayed on the page.</a:t>
             </a:r>
           </a:p>
           <a:p>
@@ -2076,7 +2306,7 @@
           <a:p>
             <a:r>
               <a:rPr lang="en-US" dirty="0"/>
-              <a:t>*CLICK* It can be run out of the box using Docker and Kubernetes. It is apparently the only open source tool which provides complete functionality with both of these tools.</a:t>
+              <a:t>*CLICK* It can be run out of the box using Docker and Kubernetes. It is is the only open source tool which provides complete functionality with both of these. It can also be run on most cloud providers e.g. AWS, Azure, Google Cloud Engine etc.</a:t>
             </a:r>
           </a:p>
           <a:p>
@@ -2120,7 +2350,15 @@
           <a:p>
             <a:r>
               <a:rPr lang="en-US" dirty="0"/>
-              <a:t>*CLICK* It can work in collaboration with cloud testing providers such as Sauce Labs, Testing Bot and Browser Stack, meaning that tests can be run on browsers other than Chrome and Firefox.</a:t>
+              <a:t>*CLICK* It can work in collaboration with cloud testing providers, such as Sauce Labs, </a:t>
+            </a:r>
+            <a:r>
+              <a:rPr lang="en-US" dirty="0" err="1"/>
+              <a:t>TestingBot</a:t>
+            </a:r>
+            <a:r>
+              <a:rPr lang="en-US" dirty="0"/>
+              <a:t> and Browser Stack, meaning that tests can be run on other platforms. </a:t>
             </a:r>
           </a:p>
           <a:p>
@@ -6251,6 +6489,47 @@
       </p:grpSpPr>
       <p:sp>
         <p:nvSpPr>
+          <p:cNvPr id="2" name="Content Placeholder 1"/>
+          <p:cNvSpPr>
+            <a:spLocks noGrp="1"/>
+          </p:cNvSpPr>
+          <p:nvPr>
+            <p:ph idx="1"/>
+          </p:nvPr>
+        </p:nvSpPr>
+        <p:spPr>
+          <a:xfrm>
+            <a:off x="611560" y="1600201"/>
+            <a:ext cx="7920880" cy="4525963"/>
+          </a:xfrm>
+        </p:spPr>
+        <p:txBody>
+          <a:bodyPr>
+            <a:noAutofit/>
+          </a:bodyPr>
+          <a:lstStyle/>
+          <a:p>
+            <a:r>
+              <a:rPr lang="en-US" dirty="0"/>
+              <a:t>Performance</a:t>
+            </a:r>
+          </a:p>
+          <a:p>
+            <a:r>
+              <a:rPr lang="en-US" dirty="0"/>
+              <a:t>High spec machine</a:t>
+            </a:r>
+          </a:p>
+          <a:p>
+            <a:r>
+              <a:rPr lang="en-US" dirty="0"/>
+              <a:t>Video recording slows down tests a lot. Can be disabled.</a:t>
+            </a:r>
+          </a:p>
+        </p:txBody>
+      </p:sp>
+      <p:sp>
+        <p:nvSpPr>
           <p:cNvPr id="3" name="Footer Placeholder 2"/>
           <p:cNvSpPr>
             <a:spLocks noGrp="1"/>
@@ -6306,6 +6585,278 @@
                 <a:latin typeface="Arial" panose="020B0604020202020204" pitchFamily="34" charset="0"/>
                 <a:cs typeface="Arial" panose="020B0604020202020204" pitchFamily="34" charset="0"/>
               </a:rPr>
+              <a:t>Cons</a:t>
+            </a:r>
+          </a:p>
+        </p:txBody>
+      </p:sp>
+    </p:spTree>
+    <p:extLst>
+      <p:ext uri="{BB962C8B-B14F-4D97-AF65-F5344CB8AC3E}">
+        <p14:creationId xmlns:p14="http://schemas.microsoft.com/office/powerpoint/2010/main" val="1457147259"/>
+      </p:ext>
+    </p:extLst>
+  </p:cSld>
+  <p:clrMapOvr>
+    <a:masterClrMapping/>
+  </p:clrMapOvr>
+  <p:timing>
+    <p:tnLst>
+      <p:par>
+        <p:cTn id="1" dur="indefinite" restart="never" nodeType="tmRoot">
+          <p:childTnLst>
+            <p:seq concurrent="1" nextAc="seek">
+              <p:cTn id="2" dur="indefinite" nodeType="mainSeq">
+                <p:childTnLst>
+                  <p:par>
+                    <p:cTn id="3" fill="hold">
+                      <p:stCondLst>
+                        <p:cond delay="indefinite"/>
+                      </p:stCondLst>
+                      <p:childTnLst>
+                        <p:par>
+                          <p:cTn id="4" fill="hold">
+                            <p:stCondLst>
+                              <p:cond delay="0"/>
+                            </p:stCondLst>
+                            <p:childTnLst>
+                              <p:par>
+                                <p:cTn id="5" presetID="1" presetClass="entr" presetSubtype="0" fill="hold" grpId="0" nodeType="clickEffect">
+                                  <p:stCondLst>
+                                    <p:cond delay="0"/>
+                                  </p:stCondLst>
+                                  <p:childTnLst>
+                                    <p:set>
+                                      <p:cBhvr>
+                                        <p:cTn id="6" dur="1" fill="hold">
+                                          <p:stCondLst>
+                                            <p:cond delay="0"/>
+                                          </p:stCondLst>
+                                        </p:cTn>
+                                        <p:tgtEl>
+                                          <p:spTgt spid="2">
+                                            <p:txEl>
+                                              <p:pRg st="0" end="0"/>
+                                            </p:txEl>
+                                          </p:spTgt>
+                                        </p:tgtEl>
+                                        <p:attrNameLst>
+                                          <p:attrName>style.visibility</p:attrName>
+                                        </p:attrNameLst>
+                                      </p:cBhvr>
+                                      <p:to>
+                                        <p:strVal val="visible"/>
+                                      </p:to>
+                                    </p:set>
+                                  </p:childTnLst>
+                                </p:cTn>
+                              </p:par>
+                            </p:childTnLst>
+                          </p:cTn>
+                        </p:par>
+                      </p:childTnLst>
+                    </p:cTn>
+                  </p:par>
+                  <p:par>
+                    <p:cTn id="7" fill="hold">
+                      <p:stCondLst>
+                        <p:cond delay="indefinite"/>
+                      </p:stCondLst>
+                      <p:childTnLst>
+                        <p:par>
+                          <p:cTn id="8" fill="hold">
+                            <p:stCondLst>
+                              <p:cond delay="0"/>
+                            </p:stCondLst>
+                            <p:childTnLst>
+                              <p:par>
+                                <p:cTn id="9" presetID="1" presetClass="entr" presetSubtype="0" fill="hold" grpId="0" nodeType="clickEffect">
+                                  <p:stCondLst>
+                                    <p:cond delay="0"/>
+                                  </p:stCondLst>
+                                  <p:childTnLst>
+                                    <p:set>
+                                      <p:cBhvr>
+                                        <p:cTn id="10" dur="1" fill="hold">
+                                          <p:stCondLst>
+                                            <p:cond delay="0"/>
+                                          </p:stCondLst>
+                                        </p:cTn>
+                                        <p:tgtEl>
+                                          <p:spTgt spid="2">
+                                            <p:txEl>
+                                              <p:pRg st="1" end="1"/>
+                                            </p:txEl>
+                                          </p:spTgt>
+                                        </p:tgtEl>
+                                        <p:attrNameLst>
+                                          <p:attrName>style.visibility</p:attrName>
+                                        </p:attrNameLst>
+                                      </p:cBhvr>
+                                      <p:to>
+                                        <p:strVal val="visible"/>
+                                      </p:to>
+                                    </p:set>
+                                  </p:childTnLst>
+                                </p:cTn>
+                              </p:par>
+                            </p:childTnLst>
+                          </p:cTn>
+                        </p:par>
+                      </p:childTnLst>
+                    </p:cTn>
+                  </p:par>
+                  <p:par>
+                    <p:cTn id="11" fill="hold">
+                      <p:stCondLst>
+                        <p:cond delay="indefinite"/>
+                      </p:stCondLst>
+                      <p:childTnLst>
+                        <p:par>
+                          <p:cTn id="12" fill="hold">
+                            <p:stCondLst>
+                              <p:cond delay="0"/>
+                            </p:stCondLst>
+                            <p:childTnLst>
+                              <p:par>
+                                <p:cTn id="13" presetID="1" presetClass="entr" presetSubtype="0" fill="hold" grpId="0" nodeType="clickEffect">
+                                  <p:stCondLst>
+                                    <p:cond delay="0"/>
+                                  </p:stCondLst>
+                                  <p:childTnLst>
+                                    <p:set>
+                                      <p:cBhvr>
+                                        <p:cTn id="14" dur="1" fill="hold">
+                                          <p:stCondLst>
+                                            <p:cond delay="0"/>
+                                          </p:stCondLst>
+                                        </p:cTn>
+                                        <p:tgtEl>
+                                          <p:spTgt spid="2">
+                                            <p:txEl>
+                                              <p:pRg st="2" end="2"/>
+                                            </p:txEl>
+                                          </p:spTgt>
+                                        </p:tgtEl>
+                                        <p:attrNameLst>
+                                          <p:attrName>style.visibility</p:attrName>
+                                        </p:attrNameLst>
+                                      </p:cBhvr>
+                                      <p:to>
+                                        <p:strVal val="visible"/>
+                                      </p:to>
+                                    </p:set>
+                                  </p:childTnLst>
+                                </p:cTn>
+                              </p:par>
+                            </p:childTnLst>
+                          </p:cTn>
+                        </p:par>
+                      </p:childTnLst>
+                    </p:cTn>
+                  </p:par>
+                </p:childTnLst>
+              </p:cTn>
+              <p:prevCondLst>
+                <p:cond evt="onPrev" delay="0">
+                  <p:tgtEl>
+                    <p:sldTgt/>
+                  </p:tgtEl>
+                </p:cond>
+              </p:prevCondLst>
+              <p:nextCondLst>
+                <p:cond evt="onNext" delay="0">
+                  <p:tgtEl>
+                    <p:sldTgt/>
+                  </p:tgtEl>
+                </p:cond>
+              </p:nextCondLst>
+            </p:seq>
+          </p:childTnLst>
+        </p:cTn>
+      </p:par>
+    </p:tnLst>
+    <p:bldLst>
+      <p:bldP spid="2" grpId="0" build="p"/>
+    </p:bldLst>
+  </p:timing>
+</p:sld>
+</file>
+
+<file path=ppt/slides/slide13.xml><?xml version="1.0" encoding="utf-8"?>
+<p:sld xmlns:a="http://schemas.openxmlformats.org/drawingml/2006/main" xmlns:r="http://schemas.openxmlformats.org/officeDocument/2006/relationships" xmlns:p="http://schemas.openxmlformats.org/presentationml/2006/main">
+  <p:cSld>
+    <p:spTree>
+      <p:nvGrpSpPr>
+        <p:cNvPr id="1" name=""/>
+        <p:cNvGrpSpPr/>
+        <p:nvPr/>
+      </p:nvGrpSpPr>
+      <p:grpSpPr>
+        <a:xfrm>
+          <a:off x="0" y="0"/>
+          <a:ext cx="0" cy="0"/>
+          <a:chOff x="0" y="0"/>
+          <a:chExt cx="0" cy="0"/>
+        </a:xfrm>
+      </p:grpSpPr>
+      <p:sp>
+        <p:nvSpPr>
+          <p:cNvPr id="3" name="Footer Placeholder 2"/>
+          <p:cNvSpPr>
+            <a:spLocks noGrp="1"/>
+          </p:cNvSpPr>
+          <p:nvPr>
+            <p:ph type="ftr" sz="quarter" idx="3"/>
+          </p:nvPr>
+        </p:nvSpPr>
+        <p:spPr/>
+        <p:txBody>
+          <a:bodyPr/>
+          <a:lstStyle/>
+          <a:p>
+            <a:r>
+              <a:rPr lang="en-GB" sz="1600" dirty="0"/>
+              <a:t>#</a:t>
+            </a:r>
+            <a:r>
+              <a:rPr lang="en-GB" sz="1600" dirty="0" err="1"/>
+              <a:t>DevOpsPlayground</a:t>
+            </a:r>
+            <a:endParaRPr lang="en-GB" sz="1600" dirty="0"/>
+          </a:p>
+        </p:txBody>
+      </p:sp>
+      <p:sp>
+        <p:nvSpPr>
+          <p:cNvPr id="4" name="TextBox 3"/>
+          <p:cNvSpPr txBox="1"/>
+          <p:nvPr/>
+        </p:nvSpPr>
+        <p:spPr>
+          <a:xfrm>
+            <a:off x="611560" y="692696"/>
+            <a:ext cx="7920880" cy="523220"/>
+          </a:xfrm>
+          <a:prstGeom prst="rect">
+            <a:avLst/>
+          </a:prstGeom>
+          <a:noFill/>
+        </p:spPr>
+        <p:txBody>
+          <a:bodyPr wrap="square" rtlCol="0">
+            <a:spAutoFit/>
+          </a:bodyPr>
+          <a:lstStyle/>
+          <a:p>
+            <a:r>
+              <a:rPr lang="en-GB" sz="2800" dirty="0">
+                <a:solidFill>
+                  <a:srgbClr val="0070B7"/>
+                </a:solidFill>
+                <a:latin typeface="Arial" panose="020B0604020202020204" pitchFamily="34" charset="0"/>
+                <a:cs typeface="Arial" panose="020B0604020202020204" pitchFamily="34" charset="0"/>
+              </a:rPr>
               <a:t>Playground</a:t>
             </a:r>
           </a:p>
@@ -6445,7 +6996,7 @@
 </p:sld>
 </file>
 
-<file path=ppt/slides/slide13.xml><?xml version="1.0" encoding="utf-8"?>
+<file path=ppt/slides/slide14.xml><?xml version="1.0" encoding="utf-8"?>
 <p:sld xmlns:a="http://schemas.openxmlformats.org/drawingml/2006/main" xmlns:r="http://schemas.openxmlformats.org/officeDocument/2006/relationships" xmlns:p="http://schemas.openxmlformats.org/presentationml/2006/main">
   <p:cSld>
     <p:spTree>
@@ -6992,7 +7543,7 @@
 </p:sld>
 </file>
 
-<file path=ppt/slides/slide14.xml><?xml version="1.0" encoding="utf-8"?>
+<file path=ppt/slides/slide15.xml><?xml version="1.0" encoding="utf-8"?>
 <p:sld xmlns:a="http://schemas.openxmlformats.org/drawingml/2006/main" xmlns:r="http://schemas.openxmlformats.org/officeDocument/2006/relationships" xmlns:p="http://schemas.openxmlformats.org/presentationml/2006/main">
   <p:cSld>
     <p:spTree>
@@ -7491,7 +8042,7 @@
 </p:sld>
 </file>
 
-<file path=ppt/slides/slide15.xml><?xml version="1.0" encoding="utf-8"?>
+<file path=ppt/slides/slide16.xml><?xml version="1.0" encoding="utf-8"?>
 <p:sld xmlns:a="http://schemas.openxmlformats.org/drawingml/2006/main" xmlns:r="http://schemas.openxmlformats.org/officeDocument/2006/relationships" xmlns:p="http://schemas.openxmlformats.org/presentationml/2006/main">
   <p:cSld>
     <p:spTree>
@@ -9170,7 +9721,7 @@
           <a:p>
             <a:r>
               <a:rPr lang="en-US" sz="2300" dirty="0"/>
-              <a:t>Can be run out of the box using Docker and Kubernetes.</a:t>
+              <a:t>Can be run out of the box using Docker and Kubernetes. It can be run on most cloud providers.</a:t>
             </a:r>
           </a:p>
           <a:p>
@@ -9194,7 +9745,7 @@
           <a:p>
             <a:r>
               <a:rPr lang="en-US" sz="2300" dirty="0"/>
-              <a:t>Tests can be run on other cloud testing providers - Sauce Labs, Testing Bot and Browser Stack</a:t>
+              <a:t>Tests can be run on other cloud testing platforms.</a:t>
             </a:r>
           </a:p>
           <a:p>

--- a/ECS_Digital_Template.pptx
+++ b/ECS_Digital_Template.pptx
@@ -1134,7 +1134,7 @@
           <a:p>
             <a:r>
               <a:rPr lang="en-US" dirty="0"/>
-              <a:t>So, why would you decide to use </a:t>
+              <a:t>Now I’ll discuss some of the negatives of </a:t>
             </a:r>
             <a:r>
               <a:rPr lang="en-US" dirty="0" err="1"/>
@@ -1142,7 +1142,7 @@
             </a:r>
             <a:r>
               <a:rPr lang="en-US" dirty="0"/>
-              <a:t>?</a:t>
+              <a:t> performance that we have discovered whilst using this tool. </a:t>
             </a:r>
           </a:p>
           <a:p>
@@ -1151,35 +1151,33 @@
           <a:p>
             <a:r>
               <a:rPr lang="en-US" dirty="0"/>
-              <a:t>*CLICK* First of all, it auto-scales by creating more docker containers as and when they are needed. It also scales back down as tests finish.</a:t>
-            </a:r>
-          </a:p>
-          <a:p>
-            <a:endParaRPr lang="en-US" dirty="0"/>
-          </a:p>
-          <a:p>
-            <a:r>
-              <a:rPr lang="en-US" dirty="0"/>
-              <a:t>*CLICK* A lot of time is invested in setting up and maintaining your own Selenium Grid. Having all browser versions updated and in line with the Selenium WebDriver browser drivers is often a frustrating process. </a:t>
-            </a:r>
-          </a:p>
-          <a:p>
+              <a:t>*CLICK* Performance can sometimes be an issue. The video recording aspect uses a lot of CPU. Whilst this can be disabled, having videos recorded is a big selling point for </a:t>
+            </a:r>
             <a:r>
               <a:rPr lang="en-US" dirty="0" err="1"/>
               <a:t>Zalenium</a:t>
             </a:r>
             <a:r>
               <a:rPr lang="en-US" dirty="0"/>
-              <a:t> manages this for you, removing this frustration.</a:t>
-            </a:r>
-          </a:p>
-          <a:p>
-            <a:endParaRPr lang="en-US" dirty="0"/>
-          </a:p>
-          <a:p>
-            <a:r>
-              <a:rPr lang="en-US" dirty="0"/>
-              <a:t>*CLICK* </a:t>
+              <a:t>.</a:t>
+            </a:r>
+          </a:p>
+          <a:p>
+            <a:r>
+              <a:rPr lang="en-US" dirty="0"/>
+              <a:t>(t2.large 2 cores and 16GB RAM)</a:t>
+            </a:r>
+          </a:p>
+          <a:p>
+            <a:r>
+              <a:rPr lang="en-US" dirty="0"/>
+              <a:t>Increasing beyond 16-18 containers can cause performance issues. Sometimes tests will fail due to timeout rather than for a valid reason. </a:t>
+            </a:r>
+          </a:p>
+          <a:p>
+            <a:r>
+              <a:rPr lang="en-US" dirty="0"/>
+              <a:t>It’s a good idea to monitor CPU when you’re first setting up your test runs. This maybe isn’t exclusive to </a:t>
             </a:r>
             <a:r>
               <a:rPr lang="en-US" dirty="0" err="1"/>
@@ -1187,7 +1185,7 @@
             </a:r>
             <a:r>
               <a:rPr lang="en-US" dirty="0"/>
-              <a:t> allows anyone to have flexible and disposable Selenium Grid infrastructure created within seconds. It means that functional testing can take place easily at any point in the development cycle as the infrastructure is available to all.</a:t>
+              <a:t>, but it’s something to keep in mind.</a:t>
             </a:r>
           </a:p>
           <a:p>
@@ -1196,7 +1194,7 @@
           <a:p>
             <a:r>
               <a:rPr lang="en-US" dirty="0"/>
-              <a:t>*CLICK* It compliments your existing cloud testing providers. If you already use providers such as Sauce Labs and Testing Bot then </a:t>
+              <a:t>There is quite a lot of discussion online about how to improve </a:t>
             </a:r>
             <a:r>
               <a:rPr lang="en-US" dirty="0" err="1"/>
@@ -1204,68 +1202,7 @@
             </a:r>
             <a:r>
               <a:rPr lang="en-US" dirty="0"/>
-              <a:t> can work alongside those. Have the Chrome and Firefox tests run on host machines for faster feedback, but tests in other browsers can be directed to your provider.</a:t>
-            </a:r>
-          </a:p>
-          <a:p>
-            <a:endParaRPr lang="en-US" dirty="0"/>
-          </a:p>
-          <a:p>
-            <a:pPr marL="0" marR="0" lvl="0" indent="0" algn="l" defTabSz="914400" rtl="0" eaLnBrk="1" fontAlgn="auto" latinLnBrk="0" hangingPunct="1">
-              <a:lnSpc>
-                <a:spcPct val="100000"/>
-              </a:lnSpc>
-              <a:spcBef>
-                <a:spcPts val="0"/>
-              </a:spcBef>
-              <a:spcAft>
-                <a:spcPts val="0"/>
-              </a:spcAft>
-              <a:buClrTx/>
-              <a:buSzTx/>
-              <a:buFontTx/>
-              <a:buNone/>
-              <a:tabLst/>
-              <a:defRPr/>
-            </a:pPr>
-            <a:r>
-              <a:rPr lang="en-US" dirty="0"/>
-              <a:t>*CLICK* Videos are automatically recorded, if required into a temporary location. These videos are automatically saved in a temporary location on the host machine.</a:t>
-            </a:r>
-          </a:p>
-          <a:p>
-            <a:endParaRPr lang="en-US" dirty="0"/>
-          </a:p>
-          <a:p>
-            <a:r>
-              <a:rPr lang="en-US" dirty="0"/>
-              <a:t>*CLICK* The dashboard feature or live preview can show you exactly what is happening in your tests. It also displays both Selenium logs and browser logs (which can be saved in JSON format onto the host machine).</a:t>
-            </a:r>
-          </a:p>
-          <a:p>
-            <a:endParaRPr lang="en-US" dirty="0"/>
-          </a:p>
-          <a:p>
-            <a:r>
-              <a:rPr lang="en-US" dirty="0"/>
-              <a:t>*CLICK* It also has Kubernetes support. We won’t be covering this in this session, but we may do a part 2 of the Playground exploring Kubernetes.</a:t>
-            </a:r>
-          </a:p>
-          <a:p>
-            <a:endParaRPr lang="en-US" dirty="0"/>
-          </a:p>
-          <a:p>
-            <a:r>
-              <a:rPr lang="en-US" dirty="0"/>
-              <a:t>Overall, </a:t>
-            </a:r>
-            <a:r>
-              <a:rPr lang="en-US" dirty="0" err="1"/>
-              <a:t>Zalenium</a:t>
-            </a:r>
-            <a:r>
-              <a:rPr lang="en-US" dirty="0"/>
-              <a:t> can increase the speed of your continuous testing process  as it manages them in a smarter way by providing more containers when required and allowing anyone to have flexible and disposable Selenium Grid infrastructure.</a:t>
+              <a:t> performance.</a:t>
             </a:r>
           </a:p>
         </p:txBody>
@@ -1436,7 +1373,7 @@
           <a:p>
             <a:r>
               <a:rPr lang="en-US" dirty="0"/>
-              <a:t>*CLICK* So as well as the scenario we’ve just show, we can also run these tests on cloud providers. Just now there is support for Sauce Labs, </a:t>
+              <a:t>*CLICK* So as well as the scenario we’ve just show, we can also these tests on cloud providers. Just now there is support for Sauce Labs, </a:t>
             </a:r>
             <a:r>
               <a:rPr lang="en-US" dirty="0" err="1"/>
@@ -1909,6 +1846,20 @@
               <a:t>All 3 of us were involved in setting up this Playground, so feel free to give one of us a shout during the presentation if you have any questions.</a:t>
             </a:r>
           </a:p>
+          <a:p>
+            <a:endParaRPr lang="en-US" dirty="0"/>
+          </a:p>
+          <a:p>
+            <a:r>
+              <a:rPr lang="en-US" dirty="0"/>
+              <a:t>If you find this Playground interesting and are interested in doing more like this then feel free to speak to any of us or Connor about potential opportunities as we </a:t>
+            </a:r>
+            <a:r>
+              <a:rPr lang="en-US"/>
+              <a:t>are hiring.</a:t>
+            </a:r>
+            <a:endParaRPr lang="en-US" dirty="0"/>
+          </a:p>
         </p:txBody>
       </p:sp>
       <p:sp>
@@ -2095,13 +2046,8 @@
           <a:p>
             <a:r>
               <a:rPr lang="en-US" dirty="0"/>
-              <a:t>Who has used </a:t>
-            </a:r>
-            <a:r>
-              <a:rPr lang="en-US"/>
-              <a:t>Selenium Grid?</a:t>
-            </a:r>
-            <a:endParaRPr lang="en-US" dirty="0"/>
+              <a:t>Who has used Selenium Grid?</a:t>
+            </a:r>
           </a:p>
           <a:p>
             <a:endParaRPr lang="en-US" dirty="0"/>
@@ -6515,16 +6461,29 @@
             </a:r>
           </a:p>
           <a:p>
-            <a:r>
-              <a:rPr lang="en-US" dirty="0"/>
-              <a:t>High spec machine</a:t>
-            </a:r>
-          </a:p>
-          <a:p>
-            <a:r>
-              <a:rPr lang="en-US" dirty="0"/>
-              <a:t>Video recording slows down tests a lot. Can be disabled.</a:t>
-            </a:r>
+            <a:pPr lvl="1"/>
+            <a:r>
+              <a:rPr lang="en-US" dirty="0"/>
+              <a:t>Having video recording active consumes a lot of CPU (can be disabled).</a:t>
+            </a:r>
+          </a:p>
+          <a:p>
+            <a:pPr lvl="1"/>
+            <a:r>
+              <a:rPr lang="en-US" dirty="0"/>
+              <a:t>Increasing beyond 16-18 containers can cause Selenium Grid to run slower.</a:t>
+            </a:r>
+          </a:p>
+          <a:p>
+            <a:pPr lvl="1"/>
+            <a:r>
+              <a:rPr lang="en-US" dirty="0"/>
+              <a:t>High CPU usage can cause tests to time out.</a:t>
+            </a:r>
+          </a:p>
+          <a:p>
+            <a:pPr lvl="1"/>
+            <a:endParaRPr lang="en-US" dirty="0"/>
           </a:p>
         </p:txBody>
       </p:sp>
@@ -6651,33 +6610,15 @@
                                   </p:childTnLst>
                                 </p:cTn>
                               </p:par>
-                            </p:childTnLst>
-                          </p:cTn>
-                        </p:par>
-                      </p:childTnLst>
-                    </p:cTn>
-                  </p:par>
-                  <p:par>
-                    <p:cTn id="7" fill="hold">
-                      <p:stCondLst>
-                        <p:cond delay="indefinite"/>
-                      </p:stCondLst>
-                      <p:childTnLst>
-                        <p:par>
-                          <p:cTn id="8" fill="hold">
-                            <p:stCondLst>
-                              <p:cond delay="0"/>
-                            </p:stCondLst>
-                            <p:childTnLst>
                               <p:par>
-                                <p:cTn id="9" presetID="1" presetClass="entr" presetSubtype="0" fill="hold" grpId="0" nodeType="clickEffect">
+                                <p:cTn id="7" presetID="1" presetClass="entr" presetSubtype="0" fill="hold" grpId="0" nodeType="withEffect">
                                   <p:stCondLst>
                                     <p:cond delay="0"/>
                                   </p:stCondLst>
                                   <p:childTnLst>
                                     <p:set>
                                       <p:cBhvr>
-                                        <p:cTn id="10" dur="1" fill="hold">
+                                        <p:cTn id="8" dur="1" fill="hold">
                                           <p:stCondLst>
                                             <p:cond delay="0"/>
                                           </p:stCondLst>
@@ -6700,33 +6641,15 @@
                                   </p:childTnLst>
                                 </p:cTn>
                               </p:par>
-                            </p:childTnLst>
-                          </p:cTn>
-                        </p:par>
-                      </p:childTnLst>
-                    </p:cTn>
-                  </p:par>
-                  <p:par>
-                    <p:cTn id="11" fill="hold">
-                      <p:stCondLst>
-                        <p:cond delay="indefinite"/>
-                      </p:stCondLst>
-                      <p:childTnLst>
-                        <p:par>
-                          <p:cTn id="12" fill="hold">
-                            <p:stCondLst>
-                              <p:cond delay="0"/>
-                            </p:stCondLst>
-                            <p:childTnLst>
                               <p:par>
-                                <p:cTn id="13" presetID="1" presetClass="entr" presetSubtype="0" fill="hold" grpId="0" nodeType="clickEffect">
+                                <p:cTn id="9" presetID="1" presetClass="entr" presetSubtype="0" fill="hold" grpId="0" nodeType="withEffect">
                                   <p:stCondLst>
                                     <p:cond delay="0"/>
                                   </p:stCondLst>
                                   <p:childTnLst>
                                     <p:set>
                                       <p:cBhvr>
-                                        <p:cTn id="14" dur="1" fill="hold">
+                                        <p:cTn id="10" dur="1" fill="hold">
                                           <p:stCondLst>
                                             <p:cond delay="0"/>
                                           </p:stCondLst>
@@ -6735,6 +6658,37 @@
                                           <p:spTgt spid="2">
                                             <p:txEl>
                                               <p:pRg st="2" end="2"/>
+                                            </p:txEl>
+                                          </p:spTgt>
+                                        </p:tgtEl>
+                                        <p:attrNameLst>
+                                          <p:attrName>style.visibility</p:attrName>
+                                        </p:attrNameLst>
+                                      </p:cBhvr>
+                                      <p:to>
+                                        <p:strVal val="visible"/>
+                                      </p:to>
+                                    </p:set>
+                                  </p:childTnLst>
+                                </p:cTn>
+                              </p:par>
+                              <p:par>
+                                <p:cTn id="11" presetID="1" presetClass="entr" presetSubtype="0" fill="hold" grpId="0" nodeType="withEffect">
+                                  <p:stCondLst>
+                                    <p:cond delay="0"/>
+                                  </p:stCondLst>
+                                  <p:childTnLst>
+                                    <p:set>
+                                      <p:cBhvr>
+                                        <p:cTn id="12" dur="1" fill="hold">
+                                          <p:stCondLst>
+                                            <p:cond delay="0"/>
+                                          </p:stCondLst>
+                                        </p:cTn>
+                                        <p:tgtEl>
+                                          <p:spTgt spid="2">
+                                            <p:txEl>
+                                              <p:pRg st="3" end="3"/>
                                             </p:txEl>
                                           </p:spTgt>
                                         </p:tgtEl>
@@ -6777,7 +6731,7 @@
       </p:par>
     </p:tnLst>
     <p:bldLst>
-      <p:bldP spid="2" grpId="0" build="p"/>
+      <p:bldP spid="2" grpId="0" uiExpand="1" build="p"/>
     </p:bldLst>
   </p:timing>
 </p:sld>

--- a/ECS_Digital_Template.pptx
+++ b/ECS_Digital_Template.pptx
@@ -821,8 +821,21 @@
             </a:r>
             <a:r>
               <a:rPr lang="en-US" dirty="0"/>
-              <a:t> have provided a nice image of both of those scenarios play out.</a:t>
-            </a:r>
+              <a:t> have provided a nice image of how both of those scenarios I’ve </a:t>
+            </a:r>
+            <a:r>
+              <a:rPr lang="en-US"/>
+              <a:t>just described </a:t>
+            </a:r>
+            <a:r>
+              <a:rPr lang="en-US" dirty="0"/>
+              <a:t>play out – demonstrating how the Hub, proxy, containers and cloud testing providers all </a:t>
+            </a:r>
+            <a:r>
+              <a:rPr lang="en-US"/>
+              <a:t>work together.</a:t>
+            </a:r>
+            <a:endParaRPr lang="en-US" dirty="0"/>
           </a:p>
         </p:txBody>
       </p:sp>
@@ -1852,13 +1865,8 @@
           <a:p>
             <a:r>
               <a:rPr lang="en-US" dirty="0"/>
-              <a:t>If you find this Playground interesting and are interested in doing more like this then feel free to speak to any of us or Connor about potential opportunities as we </a:t>
-            </a:r>
-            <a:r>
-              <a:rPr lang="en-US"/>
-              <a:t>are hiring.</a:t>
-            </a:r>
-            <a:endParaRPr lang="en-US" dirty="0"/>
+              <a:t>If you find this Playground interesting and are interested in doing more like this then feel free to speak to any of us or Connor about potential opportunities as we are hiring.</a:t>
+            </a:r>
           </a:p>
         </p:txBody>
       </p:sp>
